--- a/vue/成稿.pptx
+++ b/vue/成稿.pptx
@@ -29,8 +29,13 @@
     <p:sldId id="747" r:id="rId22"/>
     <p:sldId id="746" r:id="rId23"/>
     <p:sldId id="744" r:id="rId24"/>
-    <p:sldId id="743" r:id="rId25"/>
-    <p:sldId id="742" r:id="rId26"/>
+    <p:sldId id="755" r:id="rId25"/>
+    <p:sldId id="756" r:id="rId26"/>
+    <p:sldId id="754" r:id="rId27"/>
+    <p:sldId id="752" r:id="rId28"/>
+    <p:sldId id="753" r:id="rId29"/>
+    <p:sldId id="743" r:id="rId30"/>
+    <p:sldId id="742" r:id="rId31"/>
   </p:sldIdLst>
   <p:sldSz cx="12192000" cy="6858000"/>
   <p:notesSz cx="7103745" cy="10234295"/>
@@ -15095,15 +15100,7 @@
                   <a:schemeClr val="bg1"/>
                 </a:solidFill>
               </a:rPr>
-              <a:t>&lt;h1&gt;</a:t>
-            </a:r>
-            <a:r>
-              <a:rPr lang="en-US" altLang="zh-CN" sz="3600">
-                <a:solidFill>
-                  <a:schemeClr val="bg1"/>
-                </a:solidFill>
-              </a:rPr>
-              <a:t>{{ message }}&lt;/h1&gt;</a:t>
+              <a:t>&lt;h1&gt;{{ message }}&lt;/h1&gt;</a:t>
             </a:r>
             <a:endParaRPr lang="en-US" altLang="zh-CN" sz="3600">
               <a:solidFill>
@@ -15489,6 +15486,562 @@
 </file>
 
 <file path=ppt/slides/slide21.xml><?xml version="1.0" encoding="utf-8"?>
+<p:sld xmlns:a="http://schemas.openxmlformats.org/drawingml/2006/main" xmlns:r="http://schemas.openxmlformats.org/officeDocument/2006/relationships" xmlns:p="http://schemas.openxmlformats.org/presentationml/2006/main">
+  <p:cSld>
+    <p:spTree>
+      <p:nvGrpSpPr>
+        <p:cNvPr id="1" name=""/>
+        <p:cNvGrpSpPr/>
+        <p:nvPr/>
+      </p:nvGrpSpPr>
+      <p:grpSpPr>
+        <a:xfrm>
+          <a:off x="0" y="0"/>
+          <a:ext cx="0" cy="0"/>
+          <a:chOff x="0" y="0"/>
+          <a:chExt cx="0" cy="0"/>
+        </a:xfrm>
+      </p:grpSpPr>
+      <p:sp>
+        <p:nvSpPr>
+          <p:cNvPr id="2" name="标题 1"/>
+          <p:cNvSpPr/>
+          <p:nvPr>
+            <p:ph type="ctrTitle"/>
+          </p:nvPr>
+        </p:nvSpPr>
+        <p:spPr>
+          <a:xfrm>
+            <a:off x="3229806" y="490390"/>
+            <a:ext cx="5973688" cy="707916"/>
+          </a:xfrm>
+        </p:spPr>
+        <p:txBody>
+          <a:bodyPr/>
+          <a:p>
+            <a:r>
+              <a:rPr lang="zh-CN" altLang="en-US"/>
+              <a:t>计算属性</a:t>
+            </a:r>
+            <a:endParaRPr lang="zh-CN" altLang="en-US"/>
+          </a:p>
+        </p:txBody>
+      </p:sp>
+      <p:sp>
+        <p:nvSpPr>
+          <p:cNvPr id="4" name="文本框 3"/>
+          <p:cNvSpPr txBox="1"/>
+          <p:nvPr/>
+        </p:nvSpPr>
+        <p:spPr>
+          <a:xfrm>
+            <a:off x="16510" y="2823210"/>
+            <a:ext cx="12136755" cy="645160"/>
+          </a:xfrm>
+          <a:prstGeom prst="rect">
+            <a:avLst/>
+          </a:prstGeom>
+          <a:noFill/>
+        </p:spPr>
+        <p:txBody>
+          <a:bodyPr wrap="square" rtlCol="0">
+            <a:spAutoFit/>
+          </a:bodyPr>
+          <a:p>
+            <a:pPr algn="ctr"/>
+            <a:r>
+              <a:rPr lang="zh-CN" altLang="zh-CN" sz="3600">
+                <a:solidFill>
+                  <a:schemeClr val="bg1"/>
+                </a:solidFill>
+              </a:rPr>
+              <a:t>自定义</a:t>
+            </a:r>
+            <a:r>
+              <a:rPr lang="en-US" altLang="zh-CN" sz="3600">
+                <a:solidFill>
+                  <a:schemeClr val="bg1"/>
+                </a:solidFill>
+              </a:rPr>
+              <a:t>Getter</a:t>
+            </a:r>
+            <a:r>
+              <a:rPr lang="zh-CN" altLang="zh-CN" sz="3600">
+                <a:solidFill>
+                  <a:schemeClr val="bg1"/>
+                </a:solidFill>
+              </a:rPr>
+              <a:t>和</a:t>
+            </a:r>
+            <a:r>
+              <a:rPr lang="en-US" altLang="zh-CN" sz="3600">
+                <a:solidFill>
+                  <a:schemeClr val="bg1"/>
+                </a:solidFill>
+              </a:rPr>
+              <a:t>Setter</a:t>
+            </a:r>
+            <a:endParaRPr lang="en-US" altLang="zh-CN" sz="3600">
+              <a:solidFill>
+                <a:schemeClr val="bg1"/>
+              </a:solidFill>
+            </a:endParaRPr>
+          </a:p>
+        </p:txBody>
+      </p:sp>
+    </p:spTree>
+    <p:custDataLst>
+      <p:tags r:id="rId1"/>
+    </p:custDataLst>
+  </p:cSld>
+  <p:clrMapOvr>
+    <a:masterClrMapping/>
+  </p:clrMapOvr>
+</p:sld>
+</file>
+
+<file path=ppt/slides/slide22.xml><?xml version="1.0" encoding="utf-8"?>
+<p:sld xmlns:a="http://schemas.openxmlformats.org/drawingml/2006/main" xmlns:r="http://schemas.openxmlformats.org/officeDocument/2006/relationships" xmlns:p="http://schemas.openxmlformats.org/presentationml/2006/main">
+  <p:cSld>
+    <p:spTree>
+      <p:nvGrpSpPr>
+        <p:cNvPr id="1" name=""/>
+        <p:cNvGrpSpPr/>
+        <p:nvPr/>
+      </p:nvGrpSpPr>
+      <p:grpSpPr>
+        <a:xfrm>
+          <a:off x="0" y="0"/>
+          <a:ext cx="0" cy="0"/>
+          <a:chOff x="0" y="0"/>
+          <a:chExt cx="0" cy="0"/>
+        </a:xfrm>
+      </p:grpSpPr>
+      <p:sp>
+        <p:nvSpPr>
+          <p:cNvPr id="2" name="标题 1"/>
+          <p:cNvSpPr/>
+          <p:nvPr>
+            <p:ph type="ctrTitle"/>
+          </p:nvPr>
+        </p:nvSpPr>
+        <p:spPr>
+          <a:xfrm>
+            <a:off x="3229806" y="490390"/>
+            <a:ext cx="5973688" cy="707916"/>
+          </a:xfrm>
+        </p:spPr>
+        <p:txBody>
+          <a:bodyPr/>
+          <a:p>
+            <a:r>
+              <a:rPr lang="zh-CN" altLang="en-US"/>
+              <a:t>计算属性</a:t>
+            </a:r>
+            <a:endParaRPr lang="zh-CN" altLang="en-US"/>
+          </a:p>
+        </p:txBody>
+      </p:sp>
+      <p:sp>
+        <p:nvSpPr>
+          <p:cNvPr id="4" name="文本框 3"/>
+          <p:cNvSpPr txBox="1"/>
+          <p:nvPr/>
+        </p:nvSpPr>
+        <p:spPr>
+          <a:xfrm>
+            <a:off x="16510" y="2823210"/>
+            <a:ext cx="12136755" cy="1198880"/>
+          </a:xfrm>
+          <a:prstGeom prst="rect">
+            <a:avLst/>
+          </a:prstGeom>
+          <a:noFill/>
+        </p:spPr>
+        <p:txBody>
+          <a:bodyPr wrap="square" rtlCol="0">
+            <a:spAutoFit/>
+          </a:bodyPr>
+          <a:p>
+            <a:pPr algn="ctr"/>
+            <a:r>
+              <a:rPr lang="zh-CN" altLang="en-US" sz="3600">
+                <a:solidFill>
+                  <a:schemeClr val="bg1"/>
+                </a:solidFill>
+              </a:rPr>
+              <a:t>响应式</a:t>
+            </a:r>
+            <a:endParaRPr lang="zh-CN" altLang="en-US" sz="3600">
+              <a:solidFill>
+                <a:schemeClr val="bg1"/>
+              </a:solidFill>
+            </a:endParaRPr>
+          </a:p>
+          <a:p>
+            <a:pPr algn="ctr"/>
+            <a:r>
+              <a:rPr lang="zh-CN" altLang="en-US" sz="3600">
+                <a:solidFill>
+                  <a:schemeClr val="bg1"/>
+                </a:solidFill>
+              </a:rPr>
+              <a:t>（依赖于依赖项是否为响应式）</a:t>
+            </a:r>
+            <a:endParaRPr lang="zh-CN" altLang="en-US" sz="3600">
+              <a:solidFill>
+                <a:schemeClr val="bg1"/>
+              </a:solidFill>
+            </a:endParaRPr>
+          </a:p>
+        </p:txBody>
+      </p:sp>
+    </p:spTree>
+    <p:custDataLst>
+      <p:tags r:id="rId1"/>
+    </p:custDataLst>
+  </p:cSld>
+  <p:clrMapOvr>
+    <a:masterClrMapping/>
+  </p:clrMapOvr>
+</p:sld>
+</file>
+
+<file path=ppt/slides/slide23.xml><?xml version="1.0" encoding="utf-8"?>
+<p:sld xmlns:a="http://schemas.openxmlformats.org/drawingml/2006/main" xmlns:r="http://schemas.openxmlformats.org/officeDocument/2006/relationships" xmlns:p="http://schemas.openxmlformats.org/presentationml/2006/main">
+  <p:cSld>
+    <p:spTree>
+      <p:nvGrpSpPr>
+        <p:cNvPr id="1" name=""/>
+        <p:cNvGrpSpPr/>
+        <p:nvPr/>
+      </p:nvGrpSpPr>
+      <p:grpSpPr>
+        <a:xfrm>
+          <a:off x="0" y="0"/>
+          <a:ext cx="0" cy="0"/>
+          <a:chOff x="0" y="0"/>
+          <a:chExt cx="0" cy="0"/>
+        </a:xfrm>
+      </p:grpSpPr>
+      <p:sp>
+        <p:nvSpPr>
+          <p:cNvPr id="2" name="标题 1"/>
+          <p:cNvSpPr/>
+          <p:nvPr>
+            <p:ph type="ctrTitle"/>
+          </p:nvPr>
+        </p:nvSpPr>
+        <p:spPr>
+          <a:xfrm>
+            <a:off x="3229806" y="490390"/>
+            <a:ext cx="5973688" cy="707916"/>
+          </a:xfrm>
+        </p:spPr>
+        <p:txBody>
+          <a:bodyPr/>
+          <a:p>
+            <a:r>
+              <a:rPr lang="zh-CN" altLang="en-US"/>
+              <a:t>计算属性</a:t>
+            </a:r>
+            <a:endParaRPr lang="zh-CN" altLang="en-US"/>
+          </a:p>
+        </p:txBody>
+      </p:sp>
+      <p:sp>
+        <p:nvSpPr>
+          <p:cNvPr id="4" name="文本框 3"/>
+          <p:cNvSpPr txBox="1"/>
+          <p:nvPr/>
+        </p:nvSpPr>
+        <p:spPr>
+          <a:xfrm>
+            <a:off x="16510" y="2823210"/>
+            <a:ext cx="12136755" cy="1198880"/>
+          </a:xfrm>
+          <a:prstGeom prst="rect">
+            <a:avLst/>
+          </a:prstGeom>
+          <a:noFill/>
+        </p:spPr>
+        <p:txBody>
+          <a:bodyPr wrap="square" rtlCol="0">
+            <a:spAutoFit/>
+          </a:bodyPr>
+          <a:p>
+            <a:pPr algn="ctr"/>
+            <a:r>
+              <a:rPr lang="zh-CN" altLang="en-US" sz="3600">
+                <a:solidFill>
+                  <a:schemeClr val="bg1"/>
+                </a:solidFill>
+              </a:rPr>
+              <a:t>缓存</a:t>
+            </a:r>
+            <a:endParaRPr lang="zh-CN" altLang="en-US" sz="3600">
+              <a:solidFill>
+                <a:schemeClr val="bg1"/>
+              </a:solidFill>
+            </a:endParaRPr>
+          </a:p>
+          <a:p>
+            <a:pPr algn="ctr"/>
+            <a:r>
+              <a:rPr lang="zh-CN" altLang="en-US" sz="3600">
+                <a:solidFill>
+                  <a:schemeClr val="bg1"/>
+                </a:solidFill>
+              </a:rPr>
+              <a:t>依赖项没有发生变化，不会被重新计算</a:t>
+            </a:r>
+            <a:endParaRPr lang="zh-CN" altLang="en-US" sz="3600">
+              <a:solidFill>
+                <a:schemeClr val="bg1"/>
+              </a:solidFill>
+            </a:endParaRPr>
+          </a:p>
+        </p:txBody>
+      </p:sp>
+    </p:spTree>
+    <p:custDataLst>
+      <p:tags r:id="rId1"/>
+    </p:custDataLst>
+  </p:cSld>
+  <p:clrMapOvr>
+    <a:masterClrMapping/>
+  </p:clrMapOvr>
+</p:sld>
+</file>
+
+<file path=ppt/slides/slide24.xml><?xml version="1.0" encoding="utf-8"?>
+<p:sld xmlns:a="http://schemas.openxmlformats.org/drawingml/2006/main" xmlns:r="http://schemas.openxmlformats.org/officeDocument/2006/relationships" xmlns:p="http://schemas.openxmlformats.org/presentationml/2006/main">
+  <p:cSld>
+    <p:spTree>
+      <p:nvGrpSpPr>
+        <p:cNvPr id="1" name=""/>
+        <p:cNvGrpSpPr/>
+        <p:nvPr/>
+      </p:nvGrpSpPr>
+      <p:grpSpPr>
+        <a:xfrm>
+          <a:off x="0" y="0"/>
+          <a:ext cx="0" cy="0"/>
+          <a:chOff x="0" y="0"/>
+          <a:chExt cx="0" cy="0"/>
+        </a:xfrm>
+      </p:grpSpPr>
+      <p:sp>
+        <p:nvSpPr>
+          <p:cNvPr id="2" name="标题 1"/>
+          <p:cNvSpPr/>
+          <p:nvPr>
+            <p:ph type="ctrTitle"/>
+          </p:nvPr>
+        </p:nvSpPr>
+        <p:spPr>
+          <a:xfrm>
+            <a:off x="3229806" y="490390"/>
+            <a:ext cx="5973688" cy="707916"/>
+          </a:xfrm>
+        </p:spPr>
+        <p:txBody>
+          <a:bodyPr/>
+          <a:p>
+            <a:r>
+              <a:rPr lang="zh-CN" altLang="en-US"/>
+              <a:t>计算属性</a:t>
+            </a:r>
+            <a:endParaRPr lang="zh-CN" altLang="en-US"/>
+          </a:p>
+        </p:txBody>
+      </p:sp>
+      <p:sp>
+        <p:nvSpPr>
+          <p:cNvPr id="4" name="文本框 3"/>
+          <p:cNvSpPr txBox="1"/>
+          <p:nvPr/>
+        </p:nvSpPr>
+        <p:spPr>
+          <a:xfrm>
+            <a:off x="16510" y="2823210"/>
+            <a:ext cx="12136755" cy="1198880"/>
+          </a:xfrm>
+          <a:prstGeom prst="rect">
+            <a:avLst/>
+          </a:prstGeom>
+          <a:noFill/>
+        </p:spPr>
+        <p:txBody>
+          <a:bodyPr wrap="square" rtlCol="0">
+            <a:spAutoFit/>
+          </a:bodyPr>
+          <a:p>
+            <a:pPr algn="ctr"/>
+            <a:r>
+              <a:rPr lang="zh-CN" altLang="en-US" sz="3600">
+                <a:solidFill>
+                  <a:schemeClr val="bg1"/>
+                </a:solidFill>
+              </a:rPr>
+              <a:t>一般和数据属性配合使用</a:t>
+            </a:r>
+            <a:endParaRPr lang="zh-CN" altLang="en-US" sz="3600">
+              <a:solidFill>
+                <a:schemeClr val="bg1"/>
+              </a:solidFill>
+            </a:endParaRPr>
+          </a:p>
+          <a:p>
+            <a:pPr algn="ctr"/>
+            <a:r>
+              <a:rPr lang="zh-CN" altLang="en-US" sz="3600">
+                <a:solidFill>
+                  <a:schemeClr val="bg1"/>
+                </a:solidFill>
+              </a:rPr>
+              <a:t>比数据属性多了一层计算逻辑</a:t>
+            </a:r>
+            <a:endParaRPr lang="zh-CN" altLang="en-US" sz="3600">
+              <a:solidFill>
+                <a:schemeClr val="bg1"/>
+              </a:solidFill>
+            </a:endParaRPr>
+          </a:p>
+        </p:txBody>
+      </p:sp>
+    </p:spTree>
+    <p:custDataLst>
+      <p:tags r:id="rId1"/>
+    </p:custDataLst>
+  </p:cSld>
+  <p:clrMapOvr>
+    <a:masterClrMapping/>
+  </p:clrMapOvr>
+</p:sld>
+</file>
+
+<file path=ppt/slides/slide25.xml><?xml version="1.0" encoding="utf-8"?>
+<p:sld xmlns:a="http://schemas.openxmlformats.org/drawingml/2006/main" xmlns:r="http://schemas.openxmlformats.org/officeDocument/2006/relationships" xmlns:p="http://schemas.openxmlformats.org/presentationml/2006/main">
+  <p:cSld>
+    <p:spTree>
+      <p:nvGrpSpPr>
+        <p:cNvPr id="1" name=""/>
+        <p:cNvGrpSpPr/>
+        <p:nvPr/>
+      </p:nvGrpSpPr>
+      <p:grpSpPr>
+        <a:xfrm>
+          <a:off x="0" y="0"/>
+          <a:ext cx="0" cy="0"/>
+          <a:chOff x="0" y="0"/>
+          <a:chExt cx="0" cy="0"/>
+        </a:xfrm>
+      </p:grpSpPr>
+      <p:sp>
+        <p:nvSpPr>
+          <p:cNvPr id="2" name="标题 1"/>
+          <p:cNvSpPr/>
+          <p:nvPr>
+            <p:ph type="ctrTitle"/>
+          </p:nvPr>
+        </p:nvSpPr>
+        <p:spPr>
+          <a:xfrm>
+            <a:off x="3229806" y="490390"/>
+            <a:ext cx="5973688" cy="707916"/>
+          </a:xfrm>
+        </p:spPr>
+        <p:txBody>
+          <a:bodyPr/>
+          <a:p>
+            <a:r>
+              <a:rPr lang="zh-CN" altLang="en-US"/>
+              <a:t>计算属性</a:t>
+            </a:r>
+            <a:endParaRPr lang="zh-CN" altLang="en-US"/>
+          </a:p>
+        </p:txBody>
+      </p:sp>
+      <p:sp>
+        <p:nvSpPr>
+          <p:cNvPr id="7" name="文本框 6"/>
+          <p:cNvSpPr txBox="1"/>
+          <p:nvPr/>
+        </p:nvSpPr>
+        <p:spPr>
+          <a:xfrm>
+            <a:off x="4429760" y="4184015"/>
+            <a:ext cx="2376170" cy="645160"/>
+          </a:xfrm>
+          <a:prstGeom prst="rect">
+            <a:avLst/>
+          </a:prstGeom>
+          <a:noFill/>
+        </p:spPr>
+        <p:txBody>
+          <a:bodyPr wrap="none" rtlCol="0">
+            <a:spAutoFit/>
+          </a:bodyPr>
+          <a:p>
+            <a:r>
+              <a:rPr lang="en-US" altLang="zh-CN" sz="3600"/>
+              <a:t>vm.b = '2b'</a:t>
+            </a:r>
+            <a:endParaRPr lang="en-US" altLang="zh-CN" sz="3600"/>
+          </a:p>
+        </p:txBody>
+      </p:sp>
+      <p:sp>
+        <p:nvSpPr>
+          <p:cNvPr id="3" name="文本框 2"/>
+          <p:cNvSpPr txBox="1"/>
+          <p:nvPr/>
+        </p:nvSpPr>
+        <p:spPr>
+          <a:xfrm>
+            <a:off x="16510" y="2823210"/>
+            <a:ext cx="12136755" cy="645160"/>
+          </a:xfrm>
+          <a:prstGeom prst="rect">
+            <a:avLst/>
+          </a:prstGeom>
+          <a:noFill/>
+        </p:spPr>
+        <p:txBody>
+          <a:bodyPr wrap="square" rtlCol="0">
+            <a:spAutoFit/>
+          </a:bodyPr>
+          <a:p>
+            <a:pPr algn="ctr"/>
+            <a:r>
+              <a:rPr lang="zh-CN" altLang="en-US" sz="3600">
+                <a:solidFill>
+                  <a:schemeClr val="bg1"/>
+                </a:solidFill>
+              </a:rPr>
+              <a:t>通过计算处理才能被使用</a:t>
+            </a:r>
+            <a:endParaRPr lang="zh-CN" altLang="en-US" sz="3600">
+              <a:solidFill>
+                <a:schemeClr val="bg1"/>
+              </a:solidFill>
+            </a:endParaRPr>
+          </a:p>
+        </p:txBody>
+      </p:sp>
+    </p:spTree>
+    <p:custDataLst>
+      <p:tags r:id="rId1"/>
+    </p:custDataLst>
+  </p:cSld>
+  <p:clrMapOvr>
+    <a:masterClrMapping/>
+  </p:clrMapOvr>
+</p:sld>
+</file>
+
+<file path=ppt/slides/slide26.xml><?xml version="1.0" encoding="utf-8"?>
 <p:sld xmlns:a="http://schemas.openxmlformats.org/drawingml/2006/main" xmlns:r="http://schemas.openxmlformats.org/officeDocument/2006/relationships" xmlns:p="http://schemas.openxmlformats.org/presentationml/2006/main">
   <p:cSld>
     <p:spTree>
@@ -17362,7 +17915,7 @@
 </p:sld>
 </file>
 
-<file path=ppt/slides/slide22.xml><?xml version="1.0" encoding="utf-8"?>
+<file path=ppt/slides/slide27.xml><?xml version="1.0" encoding="utf-8"?>
 <p:sld xmlns:a="http://schemas.openxmlformats.org/drawingml/2006/main" xmlns:r="http://schemas.openxmlformats.org/officeDocument/2006/relationships" xmlns:p="http://schemas.openxmlformats.org/presentationml/2006/main">
   <p:cSld>
     <p:spTree>
@@ -19816,12 +20369,77 @@
 </p:tagLst>
 </file>
 
+<file path=ppt/tags/tag26.xml><?xml version="1.0" encoding="utf-8"?>
+<p:tagLst xmlns:p="http://schemas.openxmlformats.org/presentationml/2006/main">
+  <p:tag name="KSO_WM_TEMPLATE_CATEGORY" val="basetag"/>
+  <p:tag name="KSO_WM_TEMPLATE_INDEX" val="20161347"/>
+  <p:tag name="KSO_WM_TAG_VERSION" val="1.0"/>
+  <p:tag name="KSO_WM_SLIDE_ID" val="basetag20161347_6"/>
+  <p:tag name="KSO_WM_SLIDE_INDEX" val="6"/>
+  <p:tag name="KSO_WM_SLIDE_ITEM_CNT" val="0"/>
+  <p:tag name="KSO_WM_SLIDE_TYPE" val="contents"/>
+  <p:tag name="KSO_WM_BEAUTIFY_FLAG" val="#wm#"/>
+</p:tagLst>
+</file>
+
+<file path=ppt/tags/tag27.xml><?xml version="1.0" encoding="utf-8"?>
+<p:tagLst xmlns:p="http://schemas.openxmlformats.org/presentationml/2006/main">
+  <p:tag name="KSO_WM_TEMPLATE_CATEGORY" val="basetag"/>
+  <p:tag name="KSO_WM_TEMPLATE_INDEX" val="20161347"/>
+  <p:tag name="KSO_WM_TAG_VERSION" val="1.0"/>
+  <p:tag name="KSO_WM_SLIDE_ID" val="basetag20161347_6"/>
+  <p:tag name="KSO_WM_SLIDE_INDEX" val="6"/>
+  <p:tag name="KSO_WM_SLIDE_ITEM_CNT" val="0"/>
+  <p:tag name="KSO_WM_SLIDE_TYPE" val="contents"/>
+  <p:tag name="KSO_WM_BEAUTIFY_FLAG" val="#wm#"/>
+</p:tagLst>
+</file>
+
+<file path=ppt/tags/tag28.xml><?xml version="1.0" encoding="utf-8"?>
+<p:tagLst xmlns:p="http://schemas.openxmlformats.org/presentationml/2006/main">
+  <p:tag name="KSO_WM_TEMPLATE_CATEGORY" val="basetag"/>
+  <p:tag name="KSO_WM_TEMPLATE_INDEX" val="20161347"/>
+  <p:tag name="KSO_WM_TAG_VERSION" val="1.0"/>
+  <p:tag name="KSO_WM_SLIDE_ID" val="basetag20161347_6"/>
+  <p:tag name="KSO_WM_SLIDE_INDEX" val="6"/>
+  <p:tag name="KSO_WM_SLIDE_ITEM_CNT" val="0"/>
+  <p:tag name="KSO_WM_SLIDE_TYPE" val="contents"/>
+  <p:tag name="KSO_WM_BEAUTIFY_FLAG" val="#wm#"/>
+</p:tagLst>
+</file>
+
+<file path=ppt/tags/tag29.xml><?xml version="1.0" encoding="utf-8"?>
+<p:tagLst xmlns:p="http://schemas.openxmlformats.org/presentationml/2006/main">
+  <p:tag name="KSO_WM_TEMPLATE_CATEGORY" val="basetag"/>
+  <p:tag name="KSO_WM_TEMPLATE_INDEX" val="20161347"/>
+  <p:tag name="KSO_WM_TAG_VERSION" val="1.0"/>
+  <p:tag name="KSO_WM_SLIDE_ID" val="basetag20161347_6"/>
+  <p:tag name="KSO_WM_SLIDE_INDEX" val="6"/>
+  <p:tag name="KSO_WM_SLIDE_ITEM_CNT" val="0"/>
+  <p:tag name="KSO_WM_SLIDE_TYPE" val="contents"/>
+  <p:tag name="KSO_WM_BEAUTIFY_FLAG" val="#wm#"/>
+</p:tagLst>
+</file>
+
 <file path=ppt/tags/tag3.xml><?xml version="1.0" encoding="utf-8"?>
 <p:tagLst xmlns:p="http://schemas.openxmlformats.org/presentationml/2006/main">
   <p:tag name="KSO_WM_TEMPLATE_CATEGORY" val="basetag"/>
   <p:tag name="KSO_WM_TEMPLATE_INDEX" val="20161347"/>
   <p:tag name="KSO_WM_TAG_VERSION" val="1.0"/>
   <p:tag name="KSO_WM_TEMPLATE_THUMBS_INDEX" val="1、2、4、5、6、8、11、12、13、14、15、16、17、18、19、21、24、29"/>
+  <p:tag name="KSO_WM_BEAUTIFY_FLAG" val="#wm#"/>
+</p:tagLst>
+</file>
+
+<file path=ppt/tags/tag30.xml><?xml version="1.0" encoding="utf-8"?>
+<p:tagLst xmlns:p="http://schemas.openxmlformats.org/presentationml/2006/main">
+  <p:tag name="KSO_WM_TEMPLATE_CATEGORY" val="basetag"/>
+  <p:tag name="KSO_WM_TEMPLATE_INDEX" val="20161347"/>
+  <p:tag name="KSO_WM_TAG_VERSION" val="1.0"/>
+  <p:tag name="KSO_WM_SLIDE_ID" val="basetag20161347_6"/>
+  <p:tag name="KSO_WM_SLIDE_INDEX" val="6"/>
+  <p:tag name="KSO_WM_SLIDE_ITEM_CNT" val="0"/>
+  <p:tag name="KSO_WM_SLIDE_TYPE" val="contents"/>
   <p:tag name="KSO_WM_BEAUTIFY_FLAG" val="#wm#"/>
 </p:tagLst>
 </file>

--- a/vue/成稿.pptx
+++ b/vue/成稿.pptx
@@ -15523,7 +15523,14 @@
               <a:rPr lang="zh-CN" altLang="en-US"/>
               <a:t>计算属性</a:t>
             </a:r>
-            <a:endParaRPr lang="zh-CN" altLang="en-US"/>
+            <a:br>
+              <a:rPr lang="zh-CN" altLang="en-US"/>
+            </a:br>
+            <a:r>
+              <a:rPr lang="en-US" altLang="zh-CN"/>
+              <a:t>Computed Properties</a:t>
+            </a:r>
+            <a:endParaRPr lang="en-US" altLang="zh-CN"/>
           </a:p>
         </p:txBody>
       </p:sp>
@@ -15536,7 +15543,7 @@
         <p:spPr>
           <a:xfrm>
             <a:off x="16510" y="2823210"/>
-            <a:ext cx="12136755" cy="645160"/>
+            <a:ext cx="12136755" cy="1753235"/>
           </a:xfrm>
           <a:prstGeom prst="rect">
             <a:avLst/>
@@ -15555,7 +15562,7 @@
                   <a:schemeClr val="bg1"/>
                 </a:solidFill>
               </a:rPr>
-              <a:t>自定义</a:t>
+              <a:t>自定义属性的</a:t>
             </a:r>
             <a:r>
               <a:rPr lang="en-US" altLang="zh-CN" sz="3600">
@@ -15582,6 +15589,30 @@
               <a:t>Setter</a:t>
             </a:r>
             <a:endParaRPr lang="en-US" altLang="zh-CN" sz="3600">
+              <a:solidFill>
+                <a:schemeClr val="bg1"/>
+              </a:solidFill>
+            </a:endParaRPr>
+          </a:p>
+          <a:p>
+            <a:pPr algn="ctr"/>
+            <a:endParaRPr lang="en-US" altLang="zh-CN" sz="3600">
+              <a:solidFill>
+                <a:schemeClr val="bg1"/>
+              </a:solidFill>
+            </a:endParaRPr>
+          </a:p>
+          <a:p>
+            <a:pPr algn="ctr"/>
+            <a:r>
+              <a:rPr lang="zh-CN" altLang="zh-CN" sz="3600">
+                <a:solidFill>
+                  <a:schemeClr val="bg1"/>
+                </a:solidFill>
+              </a:rPr>
+              <a:t>拥有同数据属性一样的外部访问方式</a:t>
+            </a:r>
+            <a:endParaRPr lang="zh-CN" altLang="zh-CN" sz="3600">
               <a:solidFill>
                 <a:schemeClr val="bg1"/>
               </a:solidFill>
@@ -15758,7 +15789,7 @@
         <p:spPr>
           <a:xfrm>
             <a:off x="16510" y="2823210"/>
-            <a:ext cx="12136755" cy="1198880"/>
+            <a:ext cx="12136755" cy="1753235"/>
           </a:xfrm>
           <a:prstGeom prst="rect">
             <a:avLst/>
@@ -15794,6 +15825,32 @@
                 </a:solidFill>
               </a:rPr>
               <a:t>依赖项没有发生变化，不会被重新计算</a:t>
+            </a:r>
+            <a:endParaRPr lang="zh-CN" altLang="en-US" sz="3600">
+              <a:solidFill>
+                <a:schemeClr val="bg1"/>
+              </a:solidFill>
+            </a:endParaRPr>
+          </a:p>
+          <a:p>
+            <a:pPr algn="ctr"/>
+            <a:r>
+              <a:rPr lang="zh-CN" altLang="en-US" sz="3600">
+                <a:solidFill>
+                  <a:schemeClr val="bg1"/>
+                </a:solidFill>
+                <a:sym typeface="+mn-ea"/>
+              </a:rPr>
+              <a:t>依赖项</a:t>
+            </a:r>
+            <a:r>
+              <a:rPr lang="zh-CN" altLang="en-US" sz="3600">
+                <a:solidFill>
+                  <a:schemeClr val="bg1"/>
+                </a:solidFill>
+                <a:sym typeface="+mn-ea"/>
+              </a:rPr>
+              <a:t>一般是指数据属性</a:t>
             </a:r>
             <a:endParaRPr lang="zh-CN" altLang="en-US" sz="3600">
               <a:solidFill>
@@ -15852,6 +15909,14 @@
               <a:rPr lang="zh-CN" altLang="en-US"/>
               <a:t>计算属性</a:t>
             </a:r>
+            <a:r>
+              <a:rPr lang="en-US" altLang="zh-CN"/>
+              <a:t>-</a:t>
+            </a:r>
+            <a:r>
+              <a:rPr lang="zh-CN" altLang="en-US"/>
+              <a:t>应用场景</a:t>
+            </a:r>
             <a:endParaRPr lang="zh-CN" altLang="en-US"/>
           </a:p>
         </p:txBody>
@@ -15865,7 +15930,7 @@
         <p:spPr>
           <a:xfrm>
             <a:off x="16510" y="2823210"/>
-            <a:ext cx="12136755" cy="1198880"/>
+            <a:ext cx="12136755" cy="1753235"/>
           </a:xfrm>
           <a:prstGeom prst="rect">
             <a:avLst/>
@@ -15877,14 +15942,47 @@
             <a:spAutoFit/>
           </a:bodyPr>
           <a:p>
-            <a:pPr algn="ctr"/>
+            <a:pPr algn="l"/>
+            <a:r>
+              <a:rPr lang="en-US" altLang="zh-CN" sz="3600">
+                <a:solidFill>
+                  <a:schemeClr val="bg1"/>
+                </a:solidFill>
+              </a:rPr>
+              <a:t>1</a:t>
+            </a:r>
+            <a:r>
+              <a:rPr lang="zh-CN" altLang="zh-CN" sz="3600">
+                <a:solidFill>
+                  <a:schemeClr val="bg1"/>
+                </a:solidFill>
+              </a:rPr>
+              <a:t>、</a:t>
+            </a:r>
             <a:r>
               <a:rPr lang="zh-CN" altLang="en-US" sz="3600">
                 <a:solidFill>
                   <a:schemeClr val="bg1"/>
                 </a:solidFill>
               </a:rPr>
-              <a:t>一般和数据属性配合使用</a:t>
+              <a:t>像数据属性那样的</a:t>
+            </a:r>
+            <a:r>
+              <a:rPr lang="zh-CN" altLang="en-US" sz="3600">
+                <a:solidFill>
+                  <a:schemeClr val="bg1"/>
+                </a:solidFill>
+                <a:sym typeface="+mn-ea"/>
+              </a:rPr>
+              <a:t>简洁访问</a:t>
+            </a:r>
+            <a:r>
+              <a:rPr lang="zh-CN" altLang="en-US" sz="3600">
+                <a:solidFill>
+                  <a:schemeClr val="bg1"/>
+                </a:solidFill>
+              </a:rPr>
+              <a:t>方式</a:t>
             </a:r>
             <a:endParaRPr lang="zh-CN" altLang="en-US" sz="3600">
               <a:solidFill>
@@ -15893,14 +15991,62 @@
             </a:endParaRPr>
           </a:p>
           <a:p>
-            <a:pPr algn="ctr"/>
+            <a:pPr algn="l"/>
+            <a:r>
+              <a:rPr lang="en-US" altLang="zh-CN" sz="3600">
+                <a:solidFill>
+                  <a:schemeClr val="bg1"/>
+                </a:solidFill>
+              </a:rPr>
+              <a:t>2</a:t>
+            </a:r>
             <a:r>
               <a:rPr lang="zh-CN" altLang="en-US" sz="3600">
                 <a:solidFill>
                   <a:schemeClr val="bg1"/>
                 </a:solidFill>
               </a:rPr>
-              <a:t>比数据属性多了一层计算逻辑</a:t>
+              <a:t>、</a:t>
+            </a:r>
+            <a:r>
+              <a:rPr lang="zh-CN" altLang="en-US" sz="3600">
+                <a:solidFill>
+                  <a:schemeClr val="bg1"/>
+                </a:solidFill>
+              </a:rPr>
+              <a:t>有一定的计算逻辑</a:t>
+            </a:r>
+            <a:endParaRPr lang="zh-CN" altLang="en-US" sz="3600">
+              <a:solidFill>
+                <a:schemeClr val="bg1"/>
+              </a:solidFill>
+            </a:endParaRPr>
+          </a:p>
+          <a:p>
+            <a:pPr algn="l"/>
+            <a:r>
+              <a:rPr lang="en-US" altLang="zh-CN" sz="3600">
+                <a:solidFill>
+                  <a:schemeClr val="bg1"/>
+                </a:solidFill>
+              </a:rPr>
+              <a:t>3</a:t>
+            </a:r>
+            <a:r>
+              <a:rPr lang="zh-CN" altLang="en-US" sz="3600">
+                <a:solidFill>
+                  <a:schemeClr val="bg1"/>
+                </a:solidFill>
+              </a:rPr>
+              <a:t>、</a:t>
+            </a:r>
+            <a:r>
+              <a:rPr lang="zh-CN" altLang="en-US" sz="3600">
+                <a:solidFill>
+                  <a:schemeClr val="bg1"/>
+                </a:solidFill>
+              </a:rPr>
+              <a:t>满足响应式</a:t>
             </a:r>
             <a:endParaRPr lang="zh-CN" altLang="en-US" sz="3600">
               <a:solidFill>

--- a/vue/成稿.pptx
+++ b/vue/成稿.pptx
@@ -15610,7 +15610,7 @@
                   <a:schemeClr val="bg1"/>
                 </a:solidFill>
               </a:rPr>
-              <a:t>拥有同数据属性一样的外部访问方式</a:t>
+              <a:t>拥有同数据属性一样的访问方式</a:t>
             </a:r>
             <a:endParaRPr lang="zh-CN" altLang="zh-CN" sz="3600">
               <a:solidFill>
@@ -15841,16 +15841,7 @@
                 </a:solidFill>
                 <a:sym typeface="+mn-ea"/>
               </a:rPr>
-              <a:t>依赖项</a:t>
-            </a:r>
-            <a:r>
-              <a:rPr lang="zh-CN" altLang="en-US" sz="3600">
-                <a:solidFill>
-                  <a:schemeClr val="bg1"/>
-                </a:solidFill>
-                <a:sym typeface="+mn-ea"/>
-              </a:rPr>
-              <a:t>一般是指数据属性</a:t>
+              <a:t>依赖项一般是指数据属性</a:t>
             </a:r>
             <a:endParaRPr lang="zh-CN" altLang="en-US" sz="3600">
               <a:solidFill>
@@ -16006,15 +15997,7 @@
                   <a:schemeClr val="bg1"/>
                 </a:solidFill>
               </a:rPr>
-              <a:t>、</a:t>
-            </a:r>
-            <a:r>
-              <a:rPr lang="zh-CN" altLang="en-US" sz="3600">
-                <a:solidFill>
-                  <a:schemeClr val="bg1"/>
-                </a:solidFill>
-              </a:rPr>
-              <a:t>有一定的计算逻辑</a:t>
+              <a:t>、有一定的计算逻辑</a:t>
             </a:r>
             <a:endParaRPr lang="zh-CN" altLang="en-US" sz="3600">
               <a:solidFill>
@@ -16038,15 +16021,7 @@
                   <a:schemeClr val="bg1"/>
                 </a:solidFill>
               </a:rPr>
-              <a:t>、</a:t>
-            </a:r>
-            <a:r>
-              <a:rPr lang="zh-CN" altLang="en-US" sz="3600">
-                <a:solidFill>
-                  <a:schemeClr val="bg1"/>
-                </a:solidFill>
-              </a:rPr>
-              <a:t>满足响应式</a:t>
+              <a:t>、满足响应式</a:t>
             </a:r>
             <a:endParaRPr lang="zh-CN" altLang="en-US" sz="3600">
               <a:solidFill>

--- a/vue/成稿.pptx
+++ b/vue/成稿.pptx
@@ -15543,7 +15543,7 @@
         <p:spPr>
           <a:xfrm>
             <a:off x="16510" y="2823210"/>
-            <a:ext cx="12136755" cy="1753235"/>
+            <a:ext cx="12136755" cy="2861310"/>
           </a:xfrm>
           <a:prstGeom prst="rect">
             <a:avLst/>
@@ -15555,7 +15555,23 @@
             <a:spAutoFit/>
           </a:bodyPr>
           <a:p>
-            <a:pPr algn="ctr"/>
+            <a:pPr algn="l"/>
+            <a:r>
+              <a:rPr lang="en-US" altLang="zh-CN" sz="3600">
+                <a:solidFill>
+                  <a:schemeClr val="bg1"/>
+                </a:solidFill>
+              </a:rPr>
+              <a:t>1</a:t>
+            </a:r>
+            <a:r>
+              <a:rPr lang="zh-CN" altLang="en-US" sz="3600">
+                <a:solidFill>
+                  <a:schemeClr val="bg1"/>
+                </a:solidFill>
+              </a:rPr>
+              <a:t>、</a:t>
+            </a:r>
             <a:r>
               <a:rPr lang="zh-CN" altLang="zh-CN" sz="3600">
                 <a:solidFill>
@@ -15595,7 +15611,7 @@
             </a:endParaRPr>
           </a:p>
           <a:p>
-            <a:pPr algn="ctr"/>
+            <a:pPr algn="l"/>
             <a:endParaRPr lang="en-US" altLang="zh-CN" sz="3600">
               <a:solidFill>
                 <a:schemeClr val="bg1"/>
@@ -15603,14 +15619,62 @@
             </a:endParaRPr>
           </a:p>
           <a:p>
-            <a:pPr algn="ctr"/>
+            <a:pPr algn="l"/>
+            <a:r>
+              <a:rPr lang="en-US" altLang="zh-CN" sz="3600">
+                <a:solidFill>
+                  <a:schemeClr val="bg1"/>
+                </a:solidFill>
+              </a:rPr>
+              <a:t>2</a:t>
+            </a:r>
+            <a:r>
+              <a:rPr lang="zh-CN" altLang="en-US" sz="3600">
+                <a:solidFill>
+                  <a:schemeClr val="bg1"/>
+                </a:solidFill>
+              </a:rPr>
+              <a:t>、拥有</a:t>
+            </a:r>
             <a:r>
               <a:rPr lang="zh-CN" altLang="zh-CN" sz="3600">
                 <a:solidFill>
                   <a:schemeClr val="bg1"/>
                 </a:solidFill>
               </a:rPr>
-              <a:t>拥有同数据属性一样的访问方式</a:t>
+              <a:t>属性的访问方式</a:t>
+            </a:r>
+            <a:endParaRPr lang="zh-CN" altLang="zh-CN" sz="3600">
+              <a:solidFill>
+                <a:schemeClr val="bg1"/>
+              </a:solidFill>
+            </a:endParaRPr>
+          </a:p>
+          <a:p>
+            <a:pPr algn="l"/>
+            <a:endParaRPr lang="zh-CN" altLang="zh-CN" sz="3600">
+              <a:solidFill>
+                <a:schemeClr val="bg1"/>
+              </a:solidFill>
+            </a:endParaRPr>
+          </a:p>
+          <a:p>
+            <a:pPr algn="l"/>
+            <a:r>
+              <a:rPr lang="en-US" altLang="zh-CN" sz="3600">
+                <a:solidFill>
+                  <a:schemeClr val="bg1"/>
+                </a:solidFill>
+              </a:rPr>
+              <a:t>3</a:t>
+            </a:r>
+            <a:r>
+              <a:rPr lang="zh-CN" altLang="zh-CN" sz="3600">
+                <a:solidFill>
+                  <a:schemeClr val="bg1"/>
+                </a:solidFill>
+              </a:rPr>
+              <a:t>、响应式</a:t>
             </a:r>
             <a:endParaRPr lang="zh-CN" altLang="zh-CN" sz="3600">
               <a:solidFill>

--- a/vue/成稿.pptx
+++ b/vue/成稿.pptx
@@ -15570,7 +15570,7 @@
                   <a:schemeClr val="bg1"/>
                 </a:solidFill>
               </a:rPr>
-              <a:t>、</a:t>
+              <a:t>、通过属性名</a:t>
             </a:r>
             <a:r>
               <a:rPr lang="zh-CN" altLang="zh-CN" sz="3600">
@@ -15578,71 +15578,7 @@
                   <a:schemeClr val="bg1"/>
                 </a:solidFill>
               </a:rPr>
-              <a:t>自定义属性的</a:t>
-            </a:r>
-            <a:r>
-              <a:rPr lang="en-US" altLang="zh-CN" sz="3600">
-                <a:solidFill>
-                  <a:schemeClr val="bg1"/>
-                </a:solidFill>
-              </a:rPr>
-              <a:t>Getter</a:t>
-            </a:r>
-            <a:r>
-              <a:rPr lang="zh-CN" altLang="zh-CN" sz="3600">
-                <a:solidFill>
-                  <a:schemeClr val="bg1"/>
-                </a:solidFill>
-              </a:rPr>
-              <a:t>和</a:t>
-            </a:r>
-            <a:r>
-              <a:rPr lang="en-US" altLang="zh-CN" sz="3600">
-                <a:solidFill>
-                  <a:schemeClr val="bg1"/>
-                </a:solidFill>
-              </a:rPr>
-              <a:t>Setter</a:t>
-            </a:r>
-            <a:endParaRPr lang="en-US" altLang="zh-CN" sz="3600">
-              <a:solidFill>
-                <a:schemeClr val="bg1"/>
-              </a:solidFill>
-            </a:endParaRPr>
-          </a:p>
-          <a:p>
-            <a:pPr algn="l"/>
-            <a:endParaRPr lang="en-US" altLang="zh-CN" sz="3600">
-              <a:solidFill>
-                <a:schemeClr val="bg1"/>
-              </a:solidFill>
-            </a:endParaRPr>
-          </a:p>
-          <a:p>
-            <a:pPr algn="l"/>
-            <a:r>
-              <a:rPr lang="en-US" altLang="zh-CN" sz="3600">
-                <a:solidFill>
-                  <a:schemeClr val="bg1"/>
-                </a:solidFill>
-              </a:rPr>
-              <a:t>2</a:t>
-            </a:r>
-            <a:r>
-              <a:rPr lang="zh-CN" altLang="en-US" sz="3600">
-                <a:solidFill>
-                  <a:schemeClr val="bg1"/>
-                </a:solidFill>
-              </a:rPr>
-              <a:t>、拥有</a:t>
-            </a:r>
-            <a:r>
-              <a:rPr lang="zh-CN" altLang="zh-CN" sz="3600">
-                <a:solidFill>
-                  <a:schemeClr val="bg1"/>
-                </a:solidFill>
-              </a:rPr>
-              <a:t>属性的访问方式</a:t>
+              <a:t>访问</a:t>
             </a:r>
             <a:endParaRPr lang="zh-CN" altLang="zh-CN" sz="3600">
               <a:solidFill>
@@ -15666,7 +15602,7 @@
                   <a:schemeClr val="bg1"/>
                 </a:solidFill>
               </a:rPr>
-              <a:t>3</a:t>
+              <a:t>2</a:t>
             </a:r>
             <a:r>
               <a:rPr lang="zh-CN" altLang="zh-CN" sz="3600">
@@ -15681,6 +15617,118 @@
                 <a:schemeClr val="bg1"/>
               </a:solidFill>
             </a:endParaRPr>
+          </a:p>
+          <a:p>
+            <a:pPr algn="l"/>
+            <a:endParaRPr lang="zh-CN" altLang="zh-CN" sz="3600">
+              <a:solidFill>
+                <a:schemeClr val="bg1"/>
+              </a:solidFill>
+            </a:endParaRPr>
+          </a:p>
+          <a:p>
+            <a:pPr algn="l"/>
+            <a:r>
+              <a:rPr lang="en-US" altLang="zh-CN" sz="3600">
+                <a:solidFill>
+                  <a:schemeClr val="bg1"/>
+                </a:solidFill>
+                <a:sym typeface="+mn-ea"/>
+              </a:rPr>
+              <a:t>3</a:t>
+            </a:r>
+            <a:r>
+              <a:rPr lang="zh-CN" altLang="en-US" sz="3600">
+                <a:solidFill>
+                  <a:schemeClr val="bg1"/>
+                </a:solidFill>
+                <a:sym typeface="+mn-ea"/>
+              </a:rPr>
+              <a:t>、</a:t>
+            </a:r>
+            <a:r>
+              <a:rPr lang="zh-CN" altLang="zh-CN" sz="3600">
+                <a:solidFill>
+                  <a:schemeClr val="bg1"/>
+                </a:solidFill>
+                <a:sym typeface="+mn-ea"/>
+              </a:rPr>
+              <a:t>自定义属性的</a:t>
+            </a:r>
+            <a:r>
+              <a:rPr lang="en-US" altLang="zh-CN" sz="3600">
+                <a:solidFill>
+                  <a:schemeClr val="bg1"/>
+                </a:solidFill>
+                <a:sym typeface="+mn-ea"/>
+              </a:rPr>
+              <a:t>Getter</a:t>
+            </a:r>
+            <a:r>
+              <a:rPr lang="zh-CN" altLang="zh-CN" sz="3600">
+                <a:solidFill>
+                  <a:schemeClr val="bg1"/>
+                </a:solidFill>
+                <a:sym typeface="+mn-ea"/>
+              </a:rPr>
+              <a:t>和</a:t>
+            </a:r>
+            <a:r>
+              <a:rPr lang="en-US" altLang="zh-CN" sz="3600">
+                <a:solidFill>
+                  <a:schemeClr val="bg1"/>
+                </a:solidFill>
+                <a:sym typeface="+mn-ea"/>
+              </a:rPr>
+              <a:t>Setter</a:t>
+            </a:r>
+            <a:endParaRPr lang="zh-CN" altLang="zh-CN" sz="3600">
+              <a:solidFill>
+                <a:schemeClr val="bg1"/>
+              </a:solidFill>
+            </a:endParaRPr>
+          </a:p>
+        </p:txBody>
+      </p:sp>
+      <p:sp>
+        <p:nvSpPr>
+          <p:cNvPr id="3" name="文本框 2"/>
+          <p:cNvSpPr txBox="1"/>
+          <p:nvPr/>
+        </p:nvSpPr>
+        <p:spPr>
+          <a:xfrm>
+            <a:off x="1767840" y="7070090"/>
+            <a:ext cx="5986780" cy="368300"/>
+          </a:xfrm>
+          <a:prstGeom prst="rect">
+            <a:avLst/>
+          </a:prstGeom>
+          <a:noFill/>
+        </p:spPr>
+        <p:txBody>
+          <a:bodyPr wrap="none" rtlCol="0">
+            <a:spAutoFit/>
+          </a:bodyPr>
+          <a:p>
+            <a:pPr algn="l"/>
+            <a:r>
+              <a:rPr lang="en-US" altLang="zh-CN"/>
+              <a:t>2018-03-20-18-5      </a:t>
+            </a:r>
+            <a:r>
+              <a:rPr lang="en-US" altLang="zh-CN">
+                <a:sym typeface="+mn-ea"/>
+              </a:rPr>
+              <a:t>2018-03-20-18-8     </a:t>
+            </a:r>
+            <a:r>
+              <a:rPr lang="en-US" altLang="zh-CN">
+                <a:sym typeface="+mn-ea"/>
+              </a:rPr>
+              <a:t>2018-03-20-18-9</a:t>
+            </a:r>
+            <a:endParaRPr lang="en-US" altLang="zh-CN"/>
           </a:p>
         </p:txBody>
       </p:sp>

--- a/vue/成稿.pptx
+++ b/vue/成稿.pptx
@@ -15720,13 +15720,7 @@
               <a:rPr lang="en-US" altLang="zh-CN">
                 <a:sym typeface="+mn-ea"/>
               </a:rPr>
-              <a:t>2018-03-20-18-8     </a:t>
-            </a:r>
-            <a:r>
-              <a:rPr lang="en-US" altLang="zh-CN">
-                <a:sym typeface="+mn-ea"/>
-              </a:rPr>
-              <a:t>2018-03-20-18-9</a:t>
+              <a:t>2018-03-20-18-8     2018-03-20-18-9</a:t>
             </a:r>
             <a:endParaRPr lang="en-US" altLang="zh-CN"/>
           </a:p>
@@ -15901,7 +15895,7 @@
         <p:spPr>
           <a:xfrm>
             <a:off x="16510" y="2823210"/>
-            <a:ext cx="12136755" cy="1753235"/>
+            <a:ext cx="12136755" cy="1198880"/>
           </a:xfrm>
           <a:prstGeom prst="rect">
             <a:avLst/>
@@ -15937,23 +15931,6 @@
                 </a:solidFill>
               </a:rPr>
               <a:t>依赖项没有发生变化，不会被重新计算</a:t>
-            </a:r>
-            <a:endParaRPr lang="zh-CN" altLang="en-US" sz="3600">
-              <a:solidFill>
-                <a:schemeClr val="bg1"/>
-              </a:solidFill>
-            </a:endParaRPr>
-          </a:p>
-          <a:p>
-            <a:pPr algn="ctr"/>
-            <a:r>
-              <a:rPr lang="zh-CN" altLang="en-US" sz="3600">
-                <a:solidFill>
-                  <a:schemeClr val="bg1"/>
-                </a:solidFill>
-                <a:sym typeface="+mn-ea"/>
-              </a:rPr>
-              <a:t>依赖项一般是指数据属性</a:t>
             </a:r>
             <a:endParaRPr lang="zh-CN" altLang="en-US" sz="3600">
               <a:solidFill>
@@ -16033,7 +16010,7 @@
         <p:spPr>
           <a:xfrm>
             <a:off x="16510" y="2823210"/>
-            <a:ext cx="12136755" cy="1753235"/>
+            <a:ext cx="12136755" cy="1198880"/>
           </a:xfrm>
           <a:prstGeom prst="rect">
             <a:avLst/>
@@ -16060,34 +16037,18 @@
                   <a:schemeClr val="bg1"/>
                 </a:solidFill>
               </a:rPr>
-              <a:t>、</a:t>
+              <a:t>、像属性一样去使用（</a:t>
             </a:r>
             <a:r>
               <a:rPr lang="zh-CN" altLang="en-US" sz="3600">
                 <a:solidFill>
                   <a:schemeClr val="bg1"/>
                 </a:solidFill>
-              </a:rPr>
-              <a:t>像数据属性那样的</a:t>
-            </a:r>
-            <a:r>
-              <a:rPr lang="zh-CN" altLang="en-US" sz="3600">
-                <a:solidFill>
-                  <a:schemeClr val="bg1"/>
-                </a:solidFill>
                 <a:sym typeface="+mn-ea"/>
               </a:rPr>
-              <a:t>简洁访问</a:t>
-            </a:r>
-            <a:r>
-              <a:rPr lang="zh-CN" altLang="en-US" sz="3600">
-                <a:solidFill>
-                  <a:schemeClr val="bg1"/>
-                </a:solidFill>
-              </a:rPr>
-              <a:t>方式</a:t>
-            </a:r>
-            <a:endParaRPr lang="zh-CN" altLang="en-US" sz="3600">
+              <a:t>响应式）</a:t>
+            </a:r>
+            <a:endParaRPr lang="en-US" altLang="zh-CN" sz="3600">
               <a:solidFill>
                 <a:schemeClr val="bg1"/>
               </a:solidFill>
@@ -16109,31 +16070,7 @@
                   <a:schemeClr val="bg1"/>
                 </a:solidFill>
               </a:rPr>
-              <a:t>、有一定的计算逻辑</a:t>
-            </a:r>
-            <a:endParaRPr lang="zh-CN" altLang="en-US" sz="3600">
-              <a:solidFill>
-                <a:schemeClr val="bg1"/>
-              </a:solidFill>
-            </a:endParaRPr>
-          </a:p>
-          <a:p>
-            <a:pPr algn="l"/>
-            <a:r>
-              <a:rPr lang="en-US" altLang="zh-CN" sz="3600">
-                <a:solidFill>
-                  <a:schemeClr val="bg1"/>
-                </a:solidFill>
-              </a:rPr>
-              <a:t>3</a:t>
-            </a:r>
-            <a:r>
-              <a:rPr lang="zh-CN" altLang="en-US" sz="3600">
-                <a:solidFill>
-                  <a:schemeClr val="bg1"/>
-                </a:solidFill>
-              </a:rPr>
-              <a:t>、满足响应式</a:t>
+              <a:t>、数据需要经过计算逻辑或加工处理</a:t>
             </a:r>
             <a:endParaRPr lang="zh-CN" altLang="en-US" sz="3600">
               <a:solidFill>

--- a/vue/成稿.pptx
+++ b/vue/成稿.pptx
@@ -15699,7 +15699,7 @@
         <p:spPr>
           <a:xfrm>
             <a:off x="1767840" y="7070090"/>
-            <a:ext cx="5986780" cy="368300"/>
+            <a:ext cx="7752080" cy="368300"/>
           </a:xfrm>
           <a:prstGeom prst="rect">
             <a:avLst/>
@@ -15714,7 +15714,17 @@
             <a:pPr algn="l"/>
             <a:r>
               <a:rPr lang="en-US" altLang="zh-CN"/>
-              <a:t>2018-03-20-18-5      </a:t>
+              <a:t>2018-03-20-18-5     </a:t>
+            </a:r>
+            <a:r>
+              <a:rPr lang="en-US" altLang="zh-CN">
+                <a:sym typeface="+mn-ea"/>
+              </a:rPr>
+              <a:t>2018-03-20-18-7 </a:t>
+            </a:r>
+            <a:r>
+              <a:rPr lang="en-US" altLang="zh-CN"/>
+              <a:t> </a:t>
             </a:r>
             <a:r>
               <a:rPr lang="en-US" altLang="zh-CN">
@@ -15940,6 +15950,35 @@
           </a:p>
         </p:txBody>
       </p:sp>
+      <p:sp>
+        <p:nvSpPr>
+          <p:cNvPr id="3" name="文本框 2"/>
+          <p:cNvSpPr txBox="1"/>
+          <p:nvPr/>
+        </p:nvSpPr>
+        <p:spPr>
+          <a:xfrm>
+            <a:off x="1852930" y="7150735"/>
+            <a:ext cx="1668780" cy="368300"/>
+          </a:xfrm>
+          <a:prstGeom prst="rect">
+            <a:avLst/>
+          </a:prstGeom>
+          <a:noFill/>
+        </p:spPr>
+        <p:txBody>
+          <a:bodyPr wrap="none" rtlCol="0">
+            <a:spAutoFit/>
+          </a:bodyPr>
+          <a:p>
+            <a:r>
+              <a:rPr lang="en-US" altLang="zh-CN"/>
+              <a:t>2018-03-20 10</a:t>
+            </a:r>
+            <a:endParaRPr lang="en-US" altLang="zh-CN"/>
+          </a:p>
+        </p:txBody>
+      </p:sp>
     </p:spTree>
     <p:custDataLst>
       <p:tags r:id="rId1"/>
@@ -16010,7 +16049,7 @@
         <p:spPr>
           <a:xfrm>
             <a:off x="16510" y="2823210"/>
-            <a:ext cx="12136755" cy="1198880"/>
+            <a:ext cx="12136755" cy="2306955"/>
           </a:xfrm>
           <a:prstGeom prst="rect">
             <a:avLst/>
@@ -16037,7 +16076,31 @@
                   <a:schemeClr val="bg1"/>
                 </a:solidFill>
               </a:rPr>
-              <a:t>、像属性一样去使用（</a:t>
+              <a:t>、在模板中像属性一样通过属性名使用</a:t>
+            </a:r>
+            <a:endParaRPr lang="zh-CN" altLang="zh-CN" sz="3600">
+              <a:solidFill>
+                <a:schemeClr val="bg1"/>
+              </a:solidFill>
+            </a:endParaRPr>
+          </a:p>
+          <a:p>
+            <a:pPr algn="l"/>
+            <a:r>
+              <a:rPr lang="en-US" altLang="zh-CN" sz="3600">
+                <a:solidFill>
+                  <a:schemeClr val="bg1"/>
+                </a:solidFill>
+              </a:rPr>
+              <a:t>2</a:t>
+            </a:r>
+            <a:r>
+              <a:rPr lang="zh-CN" altLang="zh-CN" sz="3600">
+                <a:solidFill>
+                  <a:schemeClr val="bg1"/>
+                </a:solidFill>
+              </a:rPr>
+              <a:t>、</a:t>
             </a:r>
             <a:r>
               <a:rPr lang="zh-CN" altLang="en-US" sz="3600">
@@ -16046,7 +16109,7 @@
                 </a:solidFill>
                 <a:sym typeface="+mn-ea"/>
               </a:rPr>
-              <a:t>响应式）</a:t>
+              <a:t>响应式</a:t>
             </a:r>
             <a:endParaRPr lang="en-US" altLang="zh-CN" sz="3600">
               <a:solidFill>
@@ -16062,7 +16125,7 @@
                   <a:schemeClr val="bg1"/>
                 </a:solidFill>
               </a:rPr>
-              <a:t>2</a:t>
+              <a:t>3</a:t>
             </a:r>
             <a:r>
               <a:rPr lang="zh-CN" altLang="en-US" sz="3600">
@@ -16077,6 +16140,59 @@
                 <a:schemeClr val="bg1"/>
               </a:solidFill>
             </a:endParaRPr>
+          </a:p>
+          <a:p>
+            <a:pPr algn="l"/>
+            <a:r>
+              <a:rPr lang="en-US" altLang="zh-CN" sz="3600">
+                <a:solidFill>
+                  <a:schemeClr val="bg1"/>
+                </a:solidFill>
+              </a:rPr>
+              <a:t>4</a:t>
+            </a:r>
+            <a:r>
+              <a:rPr lang="zh-CN" altLang="zh-CN" sz="3600">
+                <a:solidFill>
+                  <a:schemeClr val="bg1"/>
+                </a:solidFill>
+              </a:rPr>
+              <a:t>、模板层隐藏逻辑代码</a:t>
+            </a:r>
+            <a:endParaRPr lang="zh-CN" altLang="zh-CN" sz="3600">
+              <a:solidFill>
+                <a:schemeClr val="bg1"/>
+              </a:solidFill>
+            </a:endParaRPr>
+          </a:p>
+        </p:txBody>
+      </p:sp>
+      <p:sp>
+        <p:nvSpPr>
+          <p:cNvPr id="3" name="文本框 2"/>
+          <p:cNvSpPr txBox="1"/>
+          <p:nvPr/>
+        </p:nvSpPr>
+        <p:spPr>
+          <a:xfrm>
+            <a:off x="853440" y="7293610"/>
+            <a:ext cx="1668780" cy="368300"/>
+          </a:xfrm>
+          <a:prstGeom prst="rect">
+            <a:avLst/>
+          </a:prstGeom>
+          <a:noFill/>
+        </p:spPr>
+        <p:txBody>
+          <a:bodyPr wrap="none" rtlCol="0">
+            <a:spAutoFit/>
+          </a:bodyPr>
+          <a:p>
+            <a:r>
+              <a:rPr lang="en-US" altLang="zh-CN"/>
+              <a:t>2018-03-20 14</a:t>
+            </a:r>
+            <a:endParaRPr lang="en-US" altLang="zh-CN"/>
           </a:p>
         </p:txBody>
       </p:sp>

--- a/vue/成稿.pptx
+++ b/vue/成稿.pptx
@@ -29,13 +29,13 @@
     <p:sldId id="747" r:id="rId22"/>
     <p:sldId id="746" r:id="rId23"/>
     <p:sldId id="744" r:id="rId24"/>
-    <p:sldId id="755" r:id="rId25"/>
-    <p:sldId id="756" r:id="rId26"/>
-    <p:sldId id="754" r:id="rId27"/>
-    <p:sldId id="752" r:id="rId28"/>
-    <p:sldId id="753" r:id="rId29"/>
-    <p:sldId id="743" r:id="rId30"/>
-    <p:sldId id="742" r:id="rId31"/>
+    <p:sldId id="762" r:id="rId25"/>
+    <p:sldId id="755" r:id="rId26"/>
+    <p:sldId id="756" r:id="rId27"/>
+    <p:sldId id="754" r:id="rId28"/>
+    <p:sldId id="752" r:id="rId29"/>
+    <p:sldId id="763" r:id="rId30"/>
+    <p:sldId id="764" r:id="rId31"/>
   </p:sldIdLst>
   <p:sldSz cx="12192000" cy="6858000"/>
   <p:notesSz cx="7103745" cy="10234295"/>
@@ -14616,8 +14616,16 @@
           <a:bodyPr/>
           <a:p>
             <a:r>
+              <a:rPr lang="zh-CN" altLang="en-US">
+                <a:solidFill>
+                  <a:schemeClr val="tx1"/>
+                </a:solidFill>
+              </a:rPr>
+              <a:t>数据</a:t>
+            </a:r>
+            <a:r>
               <a:rPr lang="zh-CN" altLang="en-US"/>
-              <a:t>数据属性</a:t>
+              <a:t>属性</a:t>
             </a:r>
             <a:endParaRPr lang="zh-CN" altLang="en-US"/>
           </a:p>
@@ -14999,7 +15007,7 @@
 </file>
 
 <file path=ppt/slides/slide18.xml><?xml version="1.0" encoding="utf-8"?>
-<p:sld xmlns:a="http://schemas.openxmlformats.org/drawingml/2006/main" xmlns:r="http://schemas.openxmlformats.org/officeDocument/2006/relationships" xmlns:p="http://schemas.openxmlformats.org/presentationml/2006/main">
+<p:sld xmlns:a="http://schemas.openxmlformats.org/drawingml/2006/main" xmlns:r="http://schemas.openxmlformats.org/officeDocument/2006/relationships" xmlns:p="http://schemas.openxmlformats.org/presentationml/2006/main" show="0">
   <p:cSld>
     <p:spTree>
       <p:nvGrpSpPr>
@@ -15183,6 +15191,7 @@
   <p:clrMapOvr>
     <a:masterClrMapping/>
   </p:clrMapOvr>
+  <p:transition/>
 </p:sld>
 </file>
 
@@ -15213,18 +15222,33 @@
         </p:nvSpPr>
         <p:spPr>
           <a:xfrm>
-            <a:off x="3229806" y="490390"/>
-            <a:ext cx="5973688" cy="707916"/>
+            <a:off x="3229610" y="267970"/>
+            <a:ext cx="5973445" cy="930275"/>
           </a:xfrm>
         </p:spPr>
         <p:txBody>
           <a:bodyPr/>
           <a:p>
             <a:r>
+              <a:rPr lang="zh-CN" altLang="en-US">
+                <a:solidFill>
+                  <a:schemeClr val="tx1"/>
+                </a:solidFill>
+              </a:rPr>
+              <a:t>数据</a:t>
+            </a:r>
+            <a:r>
               <a:rPr lang="zh-CN" altLang="en-US"/>
-              <a:t>数据属性</a:t>
-            </a:r>
-            <a:endParaRPr lang="zh-CN" altLang="en-US"/>
+              <a:t>属性</a:t>
+            </a:r>
+            <a:br>
+              <a:rPr lang="zh-CN" altLang="en-US"/>
+            </a:br>
+            <a:r>
+              <a:rPr lang="en-US" altLang="zh-CN"/>
+              <a:t>Data Properties</a:t>
+            </a:r>
+            <a:endParaRPr lang="en-US" altLang="zh-CN"/>
           </a:p>
         </p:txBody>
       </p:sp>
@@ -15237,7 +15261,7 @@
         <p:spPr>
           <a:xfrm>
             <a:off x="16510" y="2823210"/>
-            <a:ext cx="12136755" cy="645160"/>
+            <a:ext cx="12136755" cy="1198880"/>
           </a:xfrm>
           <a:prstGeom prst="rect">
             <a:avLst/>
@@ -15249,22 +15273,75 @@
             <a:spAutoFit/>
           </a:bodyPr>
           <a:p>
-            <a:pPr algn="ctr"/>
+            <a:pPr algn="l"/>
+            <a:r>
+              <a:rPr lang="en-US" altLang="zh-CN" sz="3600">
+                <a:solidFill>
+                  <a:schemeClr val="bg1"/>
+                </a:solidFill>
+              </a:rPr>
+              <a:t>1</a:t>
+            </a:r>
             <a:r>
               <a:rPr lang="zh-CN" altLang="en-US" sz="3600">
                 <a:solidFill>
                   <a:schemeClr val="bg1"/>
                 </a:solidFill>
               </a:rPr>
-              <a:t>属性的值发生改变时，视图将产生</a:t>
+              <a:t>、</a:t>
+            </a:r>
+            <a:r>
+              <a:rPr lang="zh-CN" altLang="en-US" sz="3600">
+                <a:solidFill>
+                  <a:schemeClr val="bg1"/>
+                </a:solidFill>
+                <a:sym typeface="+mn-ea"/>
+              </a:rPr>
+              <a:t>响应式</a:t>
             </a:r>
             <a:r>
               <a:rPr lang="en-US" altLang="zh-CN" sz="3600">
                 <a:solidFill>
                   <a:schemeClr val="bg1"/>
                 </a:solidFill>
-              </a:rPr>
-              <a:t>“</a:t>
+                <a:sym typeface="+mn-ea"/>
+              </a:rPr>
+              <a:t>(</a:t>
+            </a:r>
+            <a:r>
+              <a:rPr lang="zh-CN" altLang="zh-CN" sz="3600">
+                <a:solidFill>
+                  <a:schemeClr val="bg1"/>
+                </a:solidFill>
+                <a:sym typeface="+mn-ea"/>
+              </a:rPr>
+              <a:t>从特点来说</a:t>
+            </a:r>
+            <a:r>
+              <a:rPr lang="en-US" altLang="zh-CN" sz="3600">
+                <a:solidFill>
+                  <a:schemeClr val="bg1"/>
+                </a:solidFill>
+                <a:sym typeface="+mn-ea"/>
+              </a:rPr>
+              <a:t>)</a:t>
+            </a:r>
+            <a:endParaRPr lang="en-US" altLang="zh-CN" sz="3600">
+              <a:solidFill>
+                <a:schemeClr val="bg1"/>
+              </a:solidFill>
+              <a:sym typeface="+mn-ea"/>
+            </a:endParaRPr>
+          </a:p>
+          <a:p>
+            <a:pPr algn="l"/>
+            <a:r>
+              <a:rPr lang="en-US" altLang="zh-CN" sz="3600">
+                <a:solidFill>
+                  <a:schemeClr val="bg1"/>
+                </a:solidFill>
+              </a:rPr>
+              <a:t>2</a:t>
             </a:r>
             <a:r>
               <a:rPr lang="zh-CN" altLang="en-US" sz="3600">
@@ -15272,15 +15349,43 @@
                   <a:schemeClr val="bg1"/>
                 </a:solidFill>
               </a:rPr>
-              <a:t>响应</a:t>
+              <a:t>、</a:t>
+            </a:r>
+            <a:r>
+              <a:rPr lang="zh-CN" altLang="en-US" sz="3600">
+                <a:solidFill>
+                  <a:schemeClr val="bg1"/>
+                </a:solidFill>
+                <a:sym typeface="+mn-ea"/>
+              </a:rPr>
+              <a:t>储存数据</a:t>
             </a:r>
             <a:r>
               <a:rPr lang="en-US" altLang="zh-CN" sz="3600">
                 <a:solidFill>
                   <a:schemeClr val="bg1"/>
                 </a:solidFill>
-              </a:rPr>
-              <a:t>”</a:t>
+                <a:sym typeface="+mn-ea"/>
+              </a:rPr>
+              <a:t>(</a:t>
+            </a:r>
+            <a:r>
+              <a:rPr lang="zh-CN" altLang="zh-CN" sz="3600">
+                <a:solidFill>
+                  <a:schemeClr val="bg1"/>
+                </a:solidFill>
+                <a:sym typeface="+mn-ea"/>
+              </a:rPr>
+              <a:t>从作用的角度</a:t>
+            </a:r>
+            <a:r>
+              <a:rPr lang="en-US" altLang="zh-CN" sz="3600">
+                <a:solidFill>
+                  <a:schemeClr val="bg1"/>
+                </a:solidFill>
+                <a:sym typeface="+mn-ea"/>
+              </a:rPr>
+              <a:t>)</a:t>
             </a:r>
             <a:endParaRPr lang="en-US" altLang="zh-CN" sz="3600">
               <a:solidFill>
@@ -15290,9 +15395,33 @@
           </a:p>
         </p:txBody>
       </p:sp>
+      <p:pic>
+        <p:nvPicPr>
+          <p:cNvPr id="3" name="图片 2"/>
+          <p:cNvPicPr>
+            <a:picLocks noChangeAspect="1"/>
+          </p:cNvPicPr>
+          <p:nvPr/>
+        </p:nvPicPr>
+        <p:blipFill>
+          <a:blip r:embed="rId1"/>
+          <a:stretch>
+            <a:fillRect/>
+          </a:stretch>
+        </p:blipFill>
+        <p:spPr>
+          <a:xfrm>
+            <a:off x="6859905" y="2393315"/>
+            <a:ext cx="5333365" cy="4466590"/>
+          </a:xfrm>
+          <a:prstGeom prst="rect">
+            <a:avLst/>
+          </a:prstGeom>
+        </p:spPr>
+      </p:pic>
     </p:spTree>
     <p:custDataLst>
-      <p:tags r:id="rId1"/>
+      <p:tags r:id="rId2"/>
     </p:custDataLst>
   </p:cSld>
   <p:clrMapOvr>
@@ -15523,14 +15652,7 @@
               <a:rPr lang="zh-CN" altLang="en-US"/>
               <a:t>计算属性</a:t>
             </a:r>
-            <a:br>
-              <a:rPr lang="zh-CN" altLang="en-US"/>
-            </a:br>
-            <a:r>
-              <a:rPr lang="en-US" altLang="zh-CN"/>
-              <a:t>Computed Properties</a:t>
-            </a:r>
-            <a:endParaRPr lang="en-US" altLang="zh-CN"/>
+            <a:endParaRPr lang="zh-CN" altLang="en-US"/>
           </a:p>
         </p:txBody>
       </p:sp>
@@ -15543,7 +15665,7 @@
         <p:spPr>
           <a:xfrm>
             <a:off x="16510" y="2823210"/>
-            <a:ext cx="12136755" cy="2861310"/>
+            <a:ext cx="12136755" cy="1198880"/>
           </a:xfrm>
           <a:prstGeom prst="rect">
             <a:avLst/>
@@ -15570,7 +15692,15 @@
                   <a:schemeClr val="bg1"/>
                 </a:solidFill>
               </a:rPr>
-              <a:t>、通过属性名</a:t>
+              <a:t>、提供计算功能</a:t>
+            </a:r>
+            <a:r>
+              <a:rPr lang="en-US" altLang="zh-CN" sz="3600">
+                <a:solidFill>
+                  <a:schemeClr val="bg1"/>
+                </a:solidFill>
+              </a:rPr>
+              <a:t>(</a:t>
             </a:r>
             <a:r>
               <a:rPr lang="zh-CN" altLang="zh-CN" sz="3600">
@@ -15578,9 +15708,17 @@
                   <a:schemeClr val="bg1"/>
                 </a:solidFill>
               </a:rPr>
-              <a:t>访问</a:t>
-            </a:r>
-            <a:endParaRPr lang="zh-CN" altLang="zh-CN" sz="3600">
+              <a:t>从作用的角度</a:t>
+            </a:r>
+            <a:r>
+              <a:rPr lang="en-US" altLang="zh-CN" sz="3600">
+                <a:solidFill>
+                  <a:schemeClr val="bg1"/>
+                </a:solidFill>
+              </a:rPr>
+              <a:t>)</a:t>
+            </a:r>
+            <a:endParaRPr lang="en-US" altLang="zh-CN" sz="3600">
               <a:solidFill>
                 <a:schemeClr val="bg1"/>
               </a:solidFill>
@@ -15588,157 +15726,81 @@
           </a:p>
           <a:p>
             <a:pPr algn="l"/>
-            <a:endParaRPr lang="zh-CN" altLang="zh-CN" sz="3600">
+            <a:r>
+              <a:rPr lang="en-US" altLang="zh-CN" sz="3600">
+                <a:solidFill>
+                  <a:schemeClr val="bg1"/>
+                </a:solidFill>
+              </a:rPr>
+              <a:t>2</a:t>
+            </a:r>
+            <a:r>
+              <a:rPr lang="zh-CN" altLang="en-US" sz="3600">
+                <a:solidFill>
+                  <a:schemeClr val="bg1"/>
+                </a:solidFill>
+              </a:rPr>
+              <a:t>、响应式</a:t>
+            </a:r>
+            <a:r>
+              <a:rPr lang="en-US" altLang="zh-CN" sz="3600">
+                <a:solidFill>
+                  <a:schemeClr val="bg1"/>
+                </a:solidFill>
+              </a:rPr>
+              <a:t>(</a:t>
+            </a:r>
+            <a:r>
+              <a:rPr lang="zh-CN" altLang="zh-CN" sz="3600">
+                <a:solidFill>
+                  <a:schemeClr val="bg1"/>
+                </a:solidFill>
+              </a:rPr>
+              <a:t>从特点来说</a:t>
+            </a:r>
+            <a:r>
+              <a:rPr lang="en-US" altLang="zh-CN" sz="3600">
+                <a:solidFill>
+                  <a:schemeClr val="bg1"/>
+                </a:solidFill>
+              </a:rPr>
+              <a:t>)</a:t>
+            </a:r>
+            <a:endParaRPr lang="en-US" altLang="zh-CN" sz="3600">
               <a:solidFill>
                 <a:schemeClr val="bg1"/>
               </a:solidFill>
             </a:endParaRPr>
           </a:p>
-          <a:p>
-            <a:pPr algn="l"/>
-            <a:r>
-              <a:rPr lang="en-US" altLang="zh-CN" sz="3600">
-                <a:solidFill>
-                  <a:schemeClr val="bg1"/>
-                </a:solidFill>
-              </a:rPr>
-              <a:t>2</a:t>
-            </a:r>
-            <a:r>
-              <a:rPr lang="zh-CN" altLang="zh-CN" sz="3600">
-                <a:solidFill>
-                  <a:schemeClr val="bg1"/>
-                </a:solidFill>
-              </a:rPr>
-              <a:t>、响应式</a:t>
-            </a:r>
-            <a:endParaRPr lang="zh-CN" altLang="zh-CN" sz="3600">
-              <a:solidFill>
-                <a:schemeClr val="bg1"/>
-              </a:solidFill>
-            </a:endParaRPr>
-          </a:p>
-          <a:p>
-            <a:pPr algn="l"/>
-            <a:endParaRPr lang="zh-CN" altLang="zh-CN" sz="3600">
-              <a:solidFill>
-                <a:schemeClr val="bg1"/>
-              </a:solidFill>
-            </a:endParaRPr>
-          </a:p>
-          <a:p>
-            <a:pPr algn="l"/>
-            <a:r>
-              <a:rPr lang="en-US" altLang="zh-CN" sz="3600">
-                <a:solidFill>
-                  <a:schemeClr val="bg1"/>
-                </a:solidFill>
-                <a:sym typeface="+mn-ea"/>
-              </a:rPr>
-              <a:t>3</a:t>
-            </a:r>
-            <a:r>
-              <a:rPr lang="zh-CN" altLang="en-US" sz="3600">
-                <a:solidFill>
-                  <a:schemeClr val="bg1"/>
-                </a:solidFill>
-                <a:sym typeface="+mn-ea"/>
-              </a:rPr>
-              <a:t>、</a:t>
-            </a:r>
-            <a:r>
-              <a:rPr lang="zh-CN" altLang="zh-CN" sz="3600">
-                <a:solidFill>
-                  <a:schemeClr val="bg1"/>
-                </a:solidFill>
-                <a:sym typeface="+mn-ea"/>
-              </a:rPr>
-              <a:t>自定义属性的</a:t>
-            </a:r>
-            <a:r>
-              <a:rPr lang="en-US" altLang="zh-CN" sz="3600">
-                <a:solidFill>
-                  <a:schemeClr val="bg1"/>
-                </a:solidFill>
-                <a:sym typeface="+mn-ea"/>
-              </a:rPr>
-              <a:t>Getter</a:t>
-            </a:r>
-            <a:r>
-              <a:rPr lang="zh-CN" altLang="zh-CN" sz="3600">
-                <a:solidFill>
-                  <a:schemeClr val="bg1"/>
-                </a:solidFill>
-                <a:sym typeface="+mn-ea"/>
-              </a:rPr>
-              <a:t>和</a:t>
-            </a:r>
-            <a:r>
-              <a:rPr lang="en-US" altLang="zh-CN" sz="3600">
-                <a:solidFill>
-                  <a:schemeClr val="bg1"/>
-                </a:solidFill>
-                <a:sym typeface="+mn-ea"/>
-              </a:rPr>
-              <a:t>Setter</a:t>
-            </a:r>
-            <a:endParaRPr lang="zh-CN" altLang="zh-CN" sz="3600">
-              <a:solidFill>
-                <a:schemeClr val="bg1"/>
-              </a:solidFill>
-            </a:endParaRPr>
-          </a:p>
-        </p:txBody>
-      </p:sp>
-      <p:sp>
-        <p:nvSpPr>
-          <p:cNvPr id="3" name="文本框 2"/>
-          <p:cNvSpPr txBox="1"/>
+        </p:txBody>
+      </p:sp>
+      <p:pic>
+        <p:nvPicPr>
+          <p:cNvPr id="3" name="图片 2"/>
+          <p:cNvPicPr>
+            <a:picLocks noChangeAspect="1"/>
+          </p:cNvPicPr>
           <p:nvPr/>
-        </p:nvSpPr>
+        </p:nvPicPr>
+        <p:blipFill>
+          <a:blip r:embed="rId1"/>
+          <a:stretch>
+            <a:fillRect/>
+          </a:stretch>
+        </p:blipFill>
         <p:spPr>
           <a:xfrm>
-            <a:off x="1767840" y="7070090"/>
-            <a:ext cx="7752080" cy="368300"/>
+            <a:off x="7054215" y="3557905"/>
+            <a:ext cx="5139055" cy="3276600"/>
           </a:xfrm>
           <a:prstGeom prst="rect">
             <a:avLst/>
           </a:prstGeom>
-          <a:noFill/>
         </p:spPr>
-        <p:txBody>
-          <a:bodyPr wrap="none" rtlCol="0">
-            <a:spAutoFit/>
-          </a:bodyPr>
-          <a:p>
-            <a:pPr algn="l"/>
-            <a:r>
-              <a:rPr lang="en-US" altLang="zh-CN"/>
-              <a:t>2018-03-20-18-5     </a:t>
-            </a:r>
-            <a:r>
-              <a:rPr lang="en-US" altLang="zh-CN">
-                <a:sym typeface="+mn-ea"/>
-              </a:rPr>
-              <a:t>2018-03-20-18-7 </a:t>
-            </a:r>
-            <a:r>
-              <a:rPr lang="en-US" altLang="zh-CN"/>
-              <a:t> </a:t>
-            </a:r>
-            <a:r>
-              <a:rPr lang="en-US" altLang="zh-CN">
-                <a:sym typeface="+mn-ea"/>
-              </a:rPr>
-              <a:t>2018-03-20-18-8     2018-03-20-18-9</a:t>
-            </a:r>
-            <a:endParaRPr lang="en-US" altLang="zh-CN"/>
-          </a:p>
-        </p:txBody>
-      </p:sp>
+      </p:pic>
     </p:spTree>
     <p:custDataLst>
-      <p:tags r:id="rId1"/>
+      <p:tags r:id="rId2"/>
     </p:custDataLst>
   </p:cSld>
   <p:clrMapOvr>
@@ -15748,7 +15810,7 @@
 </file>
 
 <file path=ppt/slides/slide22.xml><?xml version="1.0" encoding="utf-8"?>
-<p:sld xmlns:a="http://schemas.openxmlformats.org/drawingml/2006/main" xmlns:r="http://schemas.openxmlformats.org/officeDocument/2006/relationships" xmlns:p="http://schemas.openxmlformats.org/presentationml/2006/main">
+<p:sld xmlns:a="http://schemas.openxmlformats.org/drawingml/2006/main" xmlns:r="http://schemas.openxmlformats.org/officeDocument/2006/relationships" xmlns:p="http://schemas.openxmlformats.org/presentationml/2006/main" show="0">
   <p:cSld>
     <p:spTree>
       <p:nvGrpSpPr>
@@ -15785,7 +15847,14 @@
               <a:rPr lang="zh-CN" altLang="en-US"/>
               <a:t>计算属性</a:t>
             </a:r>
-            <a:endParaRPr lang="zh-CN" altLang="en-US"/>
+            <a:br>
+              <a:rPr lang="zh-CN" altLang="en-US"/>
+            </a:br>
+            <a:r>
+              <a:rPr lang="en-US" altLang="zh-CN"/>
+              <a:t>Computed Properties</a:t>
+            </a:r>
+            <a:endParaRPr lang="en-US" altLang="zh-CN"/>
           </a:p>
         </p:txBody>
       </p:sp>
@@ -15798,7 +15867,7 @@
         <p:spPr>
           <a:xfrm>
             <a:off x="16510" y="2823210"/>
-            <a:ext cx="12136755" cy="1198880"/>
+            <a:ext cx="12136755" cy="2861310"/>
           </a:xfrm>
           <a:prstGeom prst="rect">
             <a:avLst/>
@@ -15810,36 +15879,184 @@
             <a:spAutoFit/>
           </a:bodyPr>
           <a:p>
-            <a:pPr algn="ctr"/>
+            <a:pPr algn="l"/>
+            <a:r>
+              <a:rPr lang="en-US" altLang="zh-CN" sz="3600">
+                <a:solidFill>
+                  <a:schemeClr val="bg1"/>
+                </a:solidFill>
+              </a:rPr>
+              <a:t>1</a:t>
+            </a:r>
             <a:r>
               <a:rPr lang="zh-CN" altLang="en-US" sz="3600">
                 <a:solidFill>
                   <a:schemeClr val="bg1"/>
                 </a:solidFill>
               </a:rPr>
-              <a:t>响应式</a:t>
-            </a:r>
-            <a:endParaRPr lang="zh-CN" altLang="en-US" sz="3600">
+              <a:t>、通过属性名</a:t>
+            </a:r>
+            <a:r>
+              <a:rPr lang="zh-CN" altLang="zh-CN" sz="3600">
+                <a:solidFill>
+                  <a:schemeClr val="bg1"/>
+                </a:solidFill>
+              </a:rPr>
+              <a:t>访问</a:t>
+            </a:r>
+            <a:endParaRPr lang="zh-CN" altLang="zh-CN" sz="3600">
               <a:solidFill>
                 <a:schemeClr val="bg1"/>
               </a:solidFill>
             </a:endParaRPr>
           </a:p>
           <a:p>
-            <a:pPr algn="ctr"/>
-            <a:r>
-              <a:rPr lang="zh-CN" altLang="en-US" sz="3600">
-                <a:solidFill>
-                  <a:schemeClr val="bg1"/>
-                </a:solidFill>
-              </a:rPr>
-              <a:t>（依赖于依赖项是否为响应式）</a:t>
-            </a:r>
-            <a:endParaRPr lang="zh-CN" altLang="en-US" sz="3600">
+            <a:pPr algn="l"/>
+            <a:endParaRPr lang="zh-CN" altLang="zh-CN" sz="3600">
               <a:solidFill>
                 <a:schemeClr val="bg1"/>
               </a:solidFill>
             </a:endParaRPr>
+          </a:p>
+          <a:p>
+            <a:pPr algn="l"/>
+            <a:r>
+              <a:rPr lang="en-US" altLang="zh-CN" sz="3600">
+                <a:solidFill>
+                  <a:schemeClr val="bg1"/>
+                </a:solidFill>
+              </a:rPr>
+              <a:t>2</a:t>
+            </a:r>
+            <a:r>
+              <a:rPr lang="zh-CN" altLang="zh-CN" sz="3600">
+                <a:solidFill>
+                  <a:schemeClr val="bg1"/>
+                </a:solidFill>
+              </a:rPr>
+              <a:t>、响应式</a:t>
+            </a:r>
+            <a:endParaRPr lang="zh-CN" altLang="zh-CN" sz="3600">
+              <a:solidFill>
+                <a:schemeClr val="bg1"/>
+              </a:solidFill>
+            </a:endParaRPr>
+          </a:p>
+          <a:p>
+            <a:pPr algn="l"/>
+            <a:endParaRPr lang="zh-CN" altLang="zh-CN" sz="3600">
+              <a:solidFill>
+                <a:schemeClr val="bg1"/>
+              </a:solidFill>
+            </a:endParaRPr>
+          </a:p>
+          <a:p>
+            <a:pPr algn="l"/>
+            <a:r>
+              <a:rPr lang="en-US" altLang="zh-CN" sz="3600">
+                <a:solidFill>
+                  <a:schemeClr val="bg1"/>
+                </a:solidFill>
+                <a:sym typeface="+mn-ea"/>
+              </a:rPr>
+              <a:t>3</a:t>
+            </a:r>
+            <a:r>
+              <a:rPr lang="zh-CN" altLang="en-US" sz="3600">
+                <a:solidFill>
+                  <a:schemeClr val="bg1"/>
+                </a:solidFill>
+                <a:sym typeface="+mn-ea"/>
+              </a:rPr>
+              <a:t>、</a:t>
+            </a:r>
+            <a:r>
+              <a:rPr lang="zh-CN" altLang="zh-CN" sz="3600">
+                <a:solidFill>
+                  <a:schemeClr val="bg1"/>
+                </a:solidFill>
+                <a:sym typeface="+mn-ea"/>
+              </a:rPr>
+              <a:t>自定义属性的</a:t>
+            </a:r>
+            <a:r>
+              <a:rPr lang="en-US" altLang="zh-CN" sz="3600">
+                <a:solidFill>
+                  <a:schemeClr val="bg1"/>
+                </a:solidFill>
+                <a:sym typeface="+mn-ea"/>
+              </a:rPr>
+              <a:t>Getter</a:t>
+            </a:r>
+            <a:r>
+              <a:rPr lang="zh-CN" altLang="zh-CN" sz="3600">
+                <a:solidFill>
+                  <a:schemeClr val="bg1"/>
+                </a:solidFill>
+                <a:sym typeface="+mn-ea"/>
+              </a:rPr>
+              <a:t>和</a:t>
+            </a:r>
+            <a:r>
+              <a:rPr lang="en-US" altLang="zh-CN" sz="3600">
+                <a:solidFill>
+                  <a:schemeClr val="bg1"/>
+                </a:solidFill>
+                <a:sym typeface="+mn-ea"/>
+              </a:rPr>
+              <a:t>Setter</a:t>
+            </a:r>
+            <a:endParaRPr lang="zh-CN" altLang="zh-CN" sz="3600">
+              <a:solidFill>
+                <a:schemeClr val="bg1"/>
+              </a:solidFill>
+            </a:endParaRPr>
+          </a:p>
+        </p:txBody>
+      </p:sp>
+      <p:sp>
+        <p:nvSpPr>
+          <p:cNvPr id="3" name="文本框 2"/>
+          <p:cNvSpPr txBox="1"/>
+          <p:nvPr/>
+        </p:nvSpPr>
+        <p:spPr>
+          <a:xfrm>
+            <a:off x="1767840" y="7070090"/>
+            <a:ext cx="7752080" cy="368300"/>
+          </a:xfrm>
+          <a:prstGeom prst="rect">
+            <a:avLst/>
+          </a:prstGeom>
+          <a:noFill/>
+        </p:spPr>
+        <p:txBody>
+          <a:bodyPr wrap="none" rtlCol="0">
+            <a:spAutoFit/>
+          </a:bodyPr>
+          <a:p>
+            <a:pPr algn="l"/>
+            <a:r>
+              <a:rPr lang="en-US" altLang="zh-CN"/>
+              <a:t>2018-03-20-18-5     </a:t>
+            </a:r>
+            <a:r>
+              <a:rPr lang="en-US" altLang="zh-CN">
+                <a:sym typeface="+mn-ea"/>
+              </a:rPr>
+              <a:t>2018-03-20-18-7 </a:t>
+            </a:r>
+            <a:r>
+              <a:rPr lang="en-US" altLang="zh-CN"/>
+              <a:t> </a:t>
+            </a:r>
+            <a:r>
+              <a:rPr lang="en-US" altLang="zh-CN">
+                <a:sym typeface="+mn-ea"/>
+              </a:rPr>
+              <a:t>2018-03-20-18-8     2018-03-20-18-9</a:t>
+            </a:r>
+            <a:endParaRPr lang="en-US" altLang="zh-CN"/>
           </a:p>
         </p:txBody>
       </p:sp>
@@ -15851,6 +16068,7 @@
   <p:clrMapOvr>
     <a:masterClrMapping/>
   </p:clrMapOvr>
+  <p:transition/>
 </p:sld>
 </file>
 
@@ -15924,7 +16142,7 @@
                   <a:schemeClr val="bg1"/>
                 </a:solidFill>
               </a:rPr>
-              <a:t>缓存</a:t>
+              <a:t>响应式</a:t>
             </a:r>
             <a:endParaRPr lang="zh-CN" altLang="en-US" sz="3600">
               <a:solidFill>
@@ -15940,42 +16158,13 @@
                   <a:schemeClr val="bg1"/>
                 </a:solidFill>
               </a:rPr>
-              <a:t>依赖项没有发生变化，不会被重新计算</a:t>
+              <a:t>（依赖于依赖项是否为响应式）</a:t>
             </a:r>
             <a:endParaRPr lang="zh-CN" altLang="en-US" sz="3600">
               <a:solidFill>
                 <a:schemeClr val="bg1"/>
               </a:solidFill>
             </a:endParaRPr>
-          </a:p>
-        </p:txBody>
-      </p:sp>
-      <p:sp>
-        <p:nvSpPr>
-          <p:cNvPr id="3" name="文本框 2"/>
-          <p:cNvSpPr txBox="1"/>
-          <p:nvPr/>
-        </p:nvSpPr>
-        <p:spPr>
-          <a:xfrm>
-            <a:off x="1852930" y="7150735"/>
-            <a:ext cx="1668780" cy="368300"/>
-          </a:xfrm>
-          <a:prstGeom prst="rect">
-            <a:avLst/>
-          </a:prstGeom>
-          <a:noFill/>
-        </p:spPr>
-        <p:txBody>
-          <a:bodyPr wrap="none" rtlCol="0">
-            <a:spAutoFit/>
-          </a:bodyPr>
-          <a:p>
-            <a:r>
-              <a:rPr lang="en-US" altLang="zh-CN"/>
-              <a:t>2018-03-20 10</a:t>
-            </a:r>
-            <a:endParaRPr lang="en-US" altLang="zh-CN"/>
           </a:p>
         </p:txBody>
       </p:sp>
@@ -16028,14 +16217,6 @@
               <a:rPr lang="zh-CN" altLang="en-US"/>
               <a:t>计算属性</a:t>
             </a:r>
-            <a:r>
-              <a:rPr lang="en-US" altLang="zh-CN"/>
-              <a:t>-</a:t>
-            </a:r>
-            <a:r>
-              <a:rPr lang="zh-CN" altLang="en-US"/>
-              <a:t>应用场景</a:t>
-            </a:r>
             <a:endParaRPr lang="zh-CN" altLang="en-US"/>
           </a:p>
         </p:txBody>
@@ -16049,7 +16230,7 @@
         <p:spPr>
           <a:xfrm>
             <a:off x="16510" y="2823210"/>
-            <a:ext cx="12136755" cy="2306955"/>
+            <a:ext cx="12136755" cy="1198880"/>
           </a:xfrm>
           <a:prstGeom prst="rect">
             <a:avLst/>
@@ -16061,79 +16242,14 @@
             <a:spAutoFit/>
           </a:bodyPr>
           <a:p>
-            <a:pPr algn="l"/>
-            <a:r>
-              <a:rPr lang="en-US" altLang="zh-CN" sz="3600">
+            <a:pPr algn="ctr"/>
+            <a:r>
+              <a:rPr lang="zh-CN" altLang="en-US" sz="3600">
                 <a:solidFill>
                   <a:schemeClr val="bg1"/>
                 </a:solidFill>
               </a:rPr>
-              <a:t>1</a:t>
-            </a:r>
-            <a:r>
-              <a:rPr lang="zh-CN" altLang="zh-CN" sz="3600">
-                <a:solidFill>
-                  <a:schemeClr val="bg1"/>
-                </a:solidFill>
-              </a:rPr>
-              <a:t>、在模板中像属性一样通过属性名使用</a:t>
-            </a:r>
-            <a:endParaRPr lang="zh-CN" altLang="zh-CN" sz="3600">
-              <a:solidFill>
-                <a:schemeClr val="bg1"/>
-              </a:solidFill>
-            </a:endParaRPr>
-          </a:p>
-          <a:p>
-            <a:pPr algn="l"/>
-            <a:r>
-              <a:rPr lang="en-US" altLang="zh-CN" sz="3600">
-                <a:solidFill>
-                  <a:schemeClr val="bg1"/>
-                </a:solidFill>
-              </a:rPr>
-              <a:t>2</a:t>
-            </a:r>
-            <a:r>
-              <a:rPr lang="zh-CN" altLang="zh-CN" sz="3600">
-                <a:solidFill>
-                  <a:schemeClr val="bg1"/>
-                </a:solidFill>
-              </a:rPr>
-              <a:t>、</a:t>
-            </a:r>
-            <a:r>
-              <a:rPr lang="zh-CN" altLang="en-US" sz="3600">
-                <a:solidFill>
-                  <a:schemeClr val="bg1"/>
-                </a:solidFill>
-                <a:sym typeface="+mn-ea"/>
-              </a:rPr>
-              <a:t>响应式</a:t>
-            </a:r>
-            <a:endParaRPr lang="en-US" altLang="zh-CN" sz="3600">
-              <a:solidFill>
-                <a:schemeClr val="bg1"/>
-              </a:solidFill>
-            </a:endParaRPr>
-          </a:p>
-          <a:p>
-            <a:pPr algn="l"/>
-            <a:r>
-              <a:rPr lang="en-US" altLang="zh-CN" sz="3600">
-                <a:solidFill>
-                  <a:schemeClr val="bg1"/>
-                </a:solidFill>
-              </a:rPr>
-              <a:t>3</a:t>
-            </a:r>
-            <a:r>
-              <a:rPr lang="zh-CN" altLang="en-US" sz="3600">
-                <a:solidFill>
-                  <a:schemeClr val="bg1"/>
-                </a:solidFill>
-              </a:rPr>
-              <a:t>、数据需要经过计算逻辑或加工处理</a:t>
+              <a:t>缓存</a:t>
             </a:r>
             <a:endParaRPr lang="zh-CN" altLang="en-US" sz="3600">
               <a:solidFill>
@@ -16142,24 +16258,16 @@
             </a:endParaRPr>
           </a:p>
           <a:p>
-            <a:pPr algn="l"/>
-            <a:r>
-              <a:rPr lang="en-US" altLang="zh-CN" sz="3600">
+            <a:pPr algn="ctr"/>
+            <a:r>
+              <a:rPr lang="zh-CN" altLang="en-US" sz="3600">
                 <a:solidFill>
                   <a:schemeClr val="bg1"/>
                 </a:solidFill>
               </a:rPr>
-              <a:t>4</a:t>
-            </a:r>
-            <a:r>
-              <a:rPr lang="zh-CN" altLang="zh-CN" sz="3600">
-                <a:solidFill>
-                  <a:schemeClr val="bg1"/>
-                </a:solidFill>
-              </a:rPr>
-              <a:t>、模板层隐藏逻辑代码</a:t>
-            </a:r>
-            <a:endParaRPr lang="zh-CN" altLang="zh-CN" sz="3600">
+              <a:t>依赖项没有发生变化，不会被重新计算</a:t>
+            </a:r>
+            <a:endParaRPr lang="zh-CN" altLang="en-US" sz="3600">
               <a:solidFill>
                 <a:schemeClr val="bg1"/>
               </a:solidFill>
@@ -16175,7 +16283,7 @@
         </p:nvSpPr>
         <p:spPr>
           <a:xfrm>
-            <a:off x="853440" y="7293610"/>
+            <a:off x="1852930" y="7150735"/>
             <a:ext cx="1668780" cy="368300"/>
           </a:xfrm>
           <a:prstGeom prst="rect">
@@ -16190,7 +16298,7 @@
           <a:p>
             <a:r>
               <a:rPr lang="en-US" altLang="zh-CN"/>
-              <a:t>2018-03-20 14</a:t>
+              <a:t>2018-03-20 10</a:t>
             </a:r>
             <a:endParaRPr lang="en-US" altLang="zh-CN"/>
           </a:p>
@@ -16245,20 +16353,28 @@
               <a:rPr lang="zh-CN" altLang="en-US"/>
               <a:t>计算属性</a:t>
             </a:r>
+            <a:r>
+              <a:rPr lang="en-US" altLang="zh-CN"/>
+              <a:t>-</a:t>
+            </a:r>
+            <a:r>
+              <a:rPr lang="zh-CN" altLang="en-US"/>
+              <a:t>应用场景</a:t>
+            </a:r>
             <a:endParaRPr lang="zh-CN" altLang="en-US"/>
           </a:p>
         </p:txBody>
       </p:sp>
       <p:sp>
         <p:nvSpPr>
-          <p:cNvPr id="7" name="文本框 6"/>
+          <p:cNvPr id="4" name="文本框 3"/>
           <p:cNvSpPr txBox="1"/>
           <p:nvPr/>
         </p:nvSpPr>
         <p:spPr>
           <a:xfrm>
-            <a:off x="4429760" y="4184015"/>
-            <a:ext cx="2376170" cy="645160"/>
+            <a:off x="16510" y="2823210"/>
+            <a:ext cx="12136755" cy="2306955"/>
           </a:xfrm>
           <a:prstGeom prst="rect">
             <a:avLst/>
@@ -16266,15 +16382,113 @@
           <a:noFill/>
         </p:spPr>
         <p:txBody>
-          <a:bodyPr wrap="none" rtlCol="0">
+          <a:bodyPr wrap="square" rtlCol="0">
             <a:spAutoFit/>
           </a:bodyPr>
           <a:p>
-            <a:r>
-              <a:rPr lang="en-US" altLang="zh-CN" sz="3600"/>
-              <a:t>vm.b = '2b'</a:t>
-            </a:r>
-            <a:endParaRPr lang="en-US" altLang="zh-CN" sz="3600"/>
+            <a:pPr algn="l"/>
+            <a:r>
+              <a:rPr lang="en-US" altLang="zh-CN" sz="3600">
+                <a:solidFill>
+                  <a:schemeClr val="bg1"/>
+                </a:solidFill>
+              </a:rPr>
+              <a:t>1</a:t>
+            </a:r>
+            <a:r>
+              <a:rPr lang="zh-CN" altLang="zh-CN" sz="3600">
+                <a:solidFill>
+                  <a:schemeClr val="bg1"/>
+                </a:solidFill>
+              </a:rPr>
+              <a:t>、在模板中像属性一样通过属性名使用</a:t>
+            </a:r>
+            <a:endParaRPr lang="zh-CN" altLang="zh-CN" sz="3600">
+              <a:solidFill>
+                <a:schemeClr val="bg1"/>
+              </a:solidFill>
+            </a:endParaRPr>
+          </a:p>
+          <a:p>
+            <a:pPr algn="l"/>
+            <a:r>
+              <a:rPr lang="en-US" altLang="zh-CN" sz="3600">
+                <a:solidFill>
+                  <a:schemeClr val="bg1"/>
+                </a:solidFill>
+              </a:rPr>
+              <a:t>2</a:t>
+            </a:r>
+            <a:r>
+              <a:rPr lang="zh-CN" altLang="zh-CN" sz="3600">
+                <a:solidFill>
+                  <a:schemeClr val="bg1"/>
+                </a:solidFill>
+              </a:rPr>
+              <a:t>、</a:t>
+            </a:r>
+            <a:r>
+              <a:rPr lang="zh-CN" altLang="en-US" sz="3600">
+                <a:solidFill>
+                  <a:schemeClr val="bg1"/>
+                </a:solidFill>
+                <a:sym typeface="+mn-ea"/>
+              </a:rPr>
+              <a:t>响应式</a:t>
+            </a:r>
+            <a:endParaRPr lang="en-US" altLang="zh-CN" sz="3600">
+              <a:solidFill>
+                <a:schemeClr val="bg1"/>
+              </a:solidFill>
+            </a:endParaRPr>
+          </a:p>
+          <a:p>
+            <a:pPr algn="l"/>
+            <a:r>
+              <a:rPr lang="en-US" altLang="zh-CN" sz="3600">
+                <a:solidFill>
+                  <a:schemeClr val="bg1"/>
+                </a:solidFill>
+              </a:rPr>
+              <a:t>3</a:t>
+            </a:r>
+            <a:r>
+              <a:rPr lang="zh-CN" altLang="en-US" sz="3600">
+                <a:solidFill>
+                  <a:schemeClr val="bg1"/>
+                </a:solidFill>
+              </a:rPr>
+              <a:t>、数据需要经过计算逻辑或加工处理</a:t>
+            </a:r>
+            <a:endParaRPr lang="zh-CN" altLang="en-US" sz="3600">
+              <a:solidFill>
+                <a:schemeClr val="bg1"/>
+              </a:solidFill>
+            </a:endParaRPr>
+          </a:p>
+          <a:p>
+            <a:pPr algn="l"/>
+            <a:r>
+              <a:rPr lang="en-US" altLang="zh-CN" sz="3600">
+                <a:solidFill>
+                  <a:schemeClr val="bg1"/>
+                </a:solidFill>
+              </a:rPr>
+              <a:t>4</a:t>
+            </a:r>
+            <a:r>
+              <a:rPr lang="zh-CN" altLang="zh-CN" sz="3600">
+                <a:solidFill>
+                  <a:schemeClr val="bg1"/>
+                </a:solidFill>
+              </a:rPr>
+              <a:t>、模板层隐藏逻辑代码</a:t>
+            </a:r>
+            <a:endParaRPr lang="zh-CN" altLang="zh-CN" sz="3600">
+              <a:solidFill>
+                <a:schemeClr val="bg1"/>
+              </a:solidFill>
+            </a:endParaRPr>
           </a:p>
         </p:txBody>
       </p:sp>
@@ -16286,8 +16500,8 @@
         </p:nvSpPr>
         <p:spPr>
           <a:xfrm>
-            <a:off x="16510" y="2823210"/>
-            <a:ext cx="12136755" cy="645160"/>
+            <a:off x="853440" y="7293610"/>
+            <a:ext cx="1668780" cy="368300"/>
           </a:xfrm>
           <a:prstGeom prst="rect">
             <a:avLst/>
@@ -16295,24 +16509,15 @@
           <a:noFill/>
         </p:spPr>
         <p:txBody>
-          <a:bodyPr wrap="square" rtlCol="0">
+          <a:bodyPr wrap="none" rtlCol="0">
             <a:spAutoFit/>
           </a:bodyPr>
           <a:p>
-            <a:pPr algn="ctr"/>
-            <a:r>
-              <a:rPr lang="zh-CN" altLang="en-US" sz="3600">
-                <a:solidFill>
-                  <a:schemeClr val="bg1"/>
-                </a:solidFill>
-              </a:rPr>
-              <a:t>通过计算处理才能被使用</a:t>
-            </a:r>
-            <a:endParaRPr lang="zh-CN" altLang="en-US" sz="3600">
-              <a:solidFill>
-                <a:schemeClr val="bg1"/>
-              </a:solidFill>
-            </a:endParaRPr>
+            <a:r>
+              <a:rPr lang="en-US" altLang="zh-CN"/>
+              <a:t>2018-03-20 14</a:t>
+            </a:r>
+            <a:endParaRPr lang="en-US" altLang="zh-CN"/>
           </a:p>
         </p:txBody>
       </p:sp>
@@ -16346,1827 +16551,6 @@
       </p:grpSpPr>
       <p:sp>
         <p:nvSpPr>
-          <p:cNvPr id="10" name="矩形 9"/>
-          <p:cNvSpPr/>
-          <p:nvPr/>
-        </p:nvSpPr>
-        <p:spPr>
-          <a:xfrm>
-            <a:off x="6051550" y="1965960"/>
-            <a:ext cx="5974080" cy="4634230"/>
-          </a:xfrm>
-          <a:prstGeom prst="rect">
-            <a:avLst/>
-          </a:prstGeom>
-          <a:solidFill>
-            <a:schemeClr val="tx1">
-              <a:lumMod val="75000"/>
-              <a:lumOff val="25000"/>
-            </a:schemeClr>
-          </a:solidFill>
-          <a:ln>
-            <a:noFill/>
-          </a:ln>
-          <a:effectLst>
-            <a:glow rad="228600">
-              <a:schemeClr val="accent6">
-                <a:satMod val="175000"/>
-                <a:alpha val="40000"/>
-              </a:schemeClr>
-            </a:glow>
-          </a:effectLst>
-        </p:spPr>
-        <p:style>
-          <a:lnRef idx="2">
-            <a:schemeClr val="accent1">
-              <a:shade val="50000"/>
-            </a:schemeClr>
-          </a:lnRef>
-          <a:fillRef idx="1">
-            <a:schemeClr val="accent1"/>
-          </a:fillRef>
-          <a:effectRef idx="0">
-            <a:schemeClr val="accent1"/>
-          </a:effectRef>
-          <a:fontRef idx="minor">
-            <a:schemeClr val="lt1"/>
-          </a:fontRef>
-        </p:style>
-        <p:txBody>
-          <a:bodyPr rtlCol="0" anchor="ctr"/>
-          <a:p>
-            <a:pPr algn="ctr"/>
-            <a:endParaRPr lang="zh-CN" altLang="en-US">
-              <a:effectLst>
-                <a:glow rad="63500">
-                  <a:schemeClr val="accent2">
-                    <a:satMod val="175000"/>
-                    <a:alpha val="40000"/>
-                  </a:schemeClr>
-                </a:glow>
-              </a:effectLst>
-            </a:endParaRPr>
-          </a:p>
-        </p:txBody>
-      </p:sp>
-      <p:sp>
-        <p:nvSpPr>
-          <p:cNvPr id="9" name="矩形 8"/>
-          <p:cNvSpPr/>
-          <p:nvPr/>
-        </p:nvSpPr>
-        <p:spPr>
-          <a:xfrm>
-            <a:off x="137160" y="1965960"/>
-            <a:ext cx="5610225" cy="4633595"/>
-          </a:xfrm>
-          <a:prstGeom prst="rect">
-            <a:avLst/>
-          </a:prstGeom>
-          <a:solidFill>
-            <a:schemeClr val="tx1">
-              <a:lumMod val="75000"/>
-              <a:lumOff val="25000"/>
-            </a:schemeClr>
-          </a:solidFill>
-          <a:ln>
-            <a:noFill/>
-          </a:ln>
-          <a:effectLst>
-            <a:glow rad="228600">
-              <a:schemeClr val="accent6">
-                <a:satMod val="175000"/>
-                <a:alpha val="40000"/>
-              </a:schemeClr>
-            </a:glow>
-          </a:effectLst>
-        </p:spPr>
-        <p:style>
-          <a:lnRef idx="2">
-            <a:schemeClr val="accent1">
-              <a:shade val="50000"/>
-            </a:schemeClr>
-          </a:lnRef>
-          <a:fillRef idx="1">
-            <a:schemeClr val="accent1"/>
-          </a:fillRef>
-          <a:effectRef idx="0">
-            <a:schemeClr val="accent1"/>
-          </a:effectRef>
-          <a:fontRef idx="minor">
-            <a:schemeClr val="lt1"/>
-          </a:fontRef>
-        </p:style>
-        <p:txBody>
-          <a:bodyPr rtlCol="0" anchor="ctr"/>
-          <a:p>
-            <a:pPr algn="ctr"/>
-            <a:endParaRPr lang="zh-CN" altLang="en-US">
-              <a:effectLst>
-                <a:glow rad="63500">
-                  <a:schemeClr val="accent2">
-                    <a:satMod val="175000"/>
-                    <a:alpha val="40000"/>
-                  </a:schemeClr>
-                </a:glow>
-              </a:effectLst>
-            </a:endParaRPr>
-          </a:p>
-        </p:txBody>
-      </p:sp>
-      <p:sp>
-        <p:nvSpPr>
-          <p:cNvPr id="6" name="文本框 2"/>
-          <p:cNvSpPr txBox="1">
-            <a:spLocks noChangeArrowheads="1"/>
-          </p:cNvSpPr>
-          <p:nvPr/>
-        </p:nvSpPr>
-        <p:spPr bwMode="auto">
-          <a:xfrm>
-            <a:off x="243205" y="2209165"/>
-            <a:ext cx="5375910" cy="2676525"/>
-          </a:xfrm>
-          <a:prstGeom prst="rect">
-            <a:avLst/>
-          </a:prstGeom>
-          <a:noFill/>
-          <a:ln>
-            <a:noFill/>
-          </a:ln>
-          <a:extLst>
-            <a:ext uri="{909E8E84-426E-40DD-AFC4-6F175D3DCCD1}">
-              <a14:hiddenFill xmlns:a14="http://schemas.microsoft.com/office/drawing/2010/main">
-                <a:solidFill>
-                  <a:srgbClr val="FFFFFF"/>
-                </a:solidFill>
-              </a14:hiddenFill>
-            </a:ext>
-            <a:ext uri="{91240B29-F687-4F45-9708-019B960494DF}">
-              <a14:hiddenLine xmlns:a14="http://schemas.microsoft.com/office/drawing/2010/main" w="9525">
-                <a:solidFill>
-                  <a:srgbClr val="000000"/>
-                </a:solidFill>
-                <a:miter lim="800000"/>
-                <a:headEnd/>
-                <a:tailEnd/>
-              </a14:hiddenLine>
-            </a:ext>
-          </a:extLst>
-        </p:spPr>
-        <p:txBody>
-          <a:bodyPr wrap="square">
-            <a:spAutoFit/>
-          </a:bodyPr>
-          <a:p>
-            <a:pPr marL="0" indent="0">
-              <a:buNone/>
-            </a:pPr>
-            <a:r>
-              <a:rPr lang="en-US" altLang="zh-CN" sz="2800">
-                <a:solidFill>
-                  <a:srgbClr val="2F7CC0"/>
-                </a:solidFill>
-                <a:sym typeface="+mn-ea"/>
-              </a:rPr>
-              <a:t>var</a:t>
-            </a:r>
-            <a:r>
-              <a:rPr lang="en-US" altLang="zh-CN" sz="2800">
-                <a:solidFill>
-                  <a:schemeClr val="bg1">
-                    <a:lumMod val="95000"/>
-                  </a:schemeClr>
-                </a:solidFill>
-                <a:sym typeface="+mn-ea"/>
-              </a:rPr>
-              <a:t> </a:t>
-            </a:r>
-            <a:r>
-              <a:rPr lang="en-US" altLang="zh-CN" sz="2800">
-                <a:solidFill>
-                  <a:schemeClr val="accent5">
-                    <a:lumMod val="60000"/>
-                    <a:lumOff val="40000"/>
-                  </a:schemeClr>
-                </a:solidFill>
-                <a:sym typeface="+mn-ea"/>
-              </a:rPr>
-              <a:t>app</a:t>
-            </a:r>
-            <a:r>
-              <a:rPr lang="en-US" altLang="zh-CN" sz="2800">
-                <a:solidFill>
-                  <a:schemeClr val="bg1">
-                    <a:lumMod val="95000"/>
-                  </a:schemeClr>
-                </a:solidFill>
-                <a:sym typeface="+mn-ea"/>
-              </a:rPr>
-              <a:t> = </a:t>
-            </a:r>
-            <a:r>
-              <a:rPr lang="en-US" altLang="zh-CN" sz="2800">
-                <a:solidFill>
-                  <a:srgbClr val="2F7CC0"/>
-                </a:solidFill>
-                <a:sym typeface="+mn-ea"/>
-              </a:rPr>
-              <a:t>new</a:t>
-            </a:r>
-            <a:r>
-              <a:rPr lang="en-US" altLang="zh-CN" sz="2800">
-                <a:solidFill>
-                  <a:schemeClr val="bg1">
-                    <a:lumMod val="95000"/>
-                  </a:schemeClr>
-                </a:solidFill>
-                <a:sym typeface="+mn-ea"/>
-              </a:rPr>
-              <a:t> </a:t>
-            </a:r>
-            <a:r>
-              <a:rPr lang="en-US" altLang="zh-CN" sz="2800">
-                <a:solidFill>
-                  <a:srgbClr val="92D050"/>
-                </a:solidFill>
-                <a:sym typeface="+mn-ea"/>
-              </a:rPr>
-              <a:t>Vue</a:t>
-            </a:r>
-            <a:r>
-              <a:rPr lang="en-US" altLang="zh-CN" sz="2800">
-                <a:solidFill>
-                  <a:schemeClr val="bg1">
-                    <a:lumMod val="95000"/>
-                  </a:schemeClr>
-                </a:solidFill>
-                <a:sym typeface="+mn-ea"/>
-              </a:rPr>
-              <a:t>({</a:t>
-            </a:r>
-            <a:endParaRPr lang="en-US" altLang="zh-CN" sz="2800">
-              <a:solidFill>
-                <a:schemeClr val="bg1">
-                  <a:lumMod val="95000"/>
-                </a:schemeClr>
-              </a:solidFill>
-              <a:sym typeface="+mn-ea"/>
-            </a:endParaRPr>
-          </a:p>
-          <a:p>
-            <a:pPr marL="0" indent="0">
-              <a:buNone/>
-            </a:pPr>
-            <a:r>
-              <a:rPr lang="en-US" altLang="zh-CN" sz="2800">
-                <a:solidFill>
-                  <a:schemeClr val="bg1">
-                    <a:lumMod val="95000"/>
-                  </a:schemeClr>
-                </a:solidFill>
-                <a:sym typeface="+mn-ea"/>
-              </a:rPr>
-              <a:t>  </a:t>
-            </a:r>
-            <a:r>
-              <a:rPr lang="en-US" altLang="zh-CN" sz="2800">
-                <a:solidFill>
-                  <a:schemeClr val="accent5">
-                    <a:lumMod val="60000"/>
-                    <a:lumOff val="40000"/>
-                  </a:schemeClr>
-                </a:solidFill>
-                <a:sym typeface="+mn-ea"/>
-              </a:rPr>
-              <a:t>el</a:t>
-            </a:r>
-            <a:r>
-              <a:rPr lang="en-US" altLang="zh-CN" sz="2800">
-                <a:solidFill>
-                  <a:schemeClr val="bg1">
-                    <a:lumMod val="95000"/>
-                  </a:schemeClr>
-                </a:solidFill>
-                <a:sym typeface="+mn-ea"/>
-              </a:rPr>
-              <a:t>: </a:t>
-            </a:r>
-            <a:r>
-              <a:rPr lang="en-US" altLang="zh-CN" sz="2800">
-                <a:solidFill>
-                  <a:srgbClr val="FF8D41"/>
-                </a:solidFill>
-                <a:sym typeface="+mn-ea"/>
-              </a:rPr>
-              <a:t>'#app'</a:t>
-            </a:r>
-            <a:r>
-              <a:rPr lang="en-US" altLang="zh-CN" sz="2800">
-                <a:solidFill>
-                  <a:schemeClr val="bg1">
-                    <a:lumMod val="95000"/>
-                  </a:schemeClr>
-                </a:solidFill>
-                <a:sym typeface="+mn-ea"/>
-              </a:rPr>
-              <a:t>,</a:t>
-            </a:r>
-            <a:endParaRPr lang="en-US" altLang="zh-CN" sz="2800">
-              <a:solidFill>
-                <a:schemeClr val="bg1">
-                  <a:lumMod val="95000"/>
-                </a:schemeClr>
-              </a:solidFill>
-              <a:sym typeface="+mn-ea"/>
-            </a:endParaRPr>
-          </a:p>
-          <a:p>
-            <a:pPr marL="0" indent="0">
-              <a:buNone/>
-            </a:pPr>
-            <a:r>
-              <a:rPr lang="en-US" altLang="zh-CN" sz="2800">
-                <a:solidFill>
-                  <a:schemeClr val="bg1">
-                    <a:lumMod val="95000"/>
-                  </a:schemeClr>
-                </a:solidFill>
-                <a:sym typeface="+mn-ea"/>
-              </a:rPr>
-              <a:t>  </a:t>
-            </a:r>
-            <a:r>
-              <a:rPr lang="en-US" altLang="zh-CN" sz="2800">
-                <a:solidFill>
-                  <a:schemeClr val="accent5">
-                    <a:lumMod val="60000"/>
-                    <a:lumOff val="40000"/>
-                  </a:schemeClr>
-                </a:solidFill>
-                <a:sym typeface="+mn-ea"/>
-              </a:rPr>
-              <a:t>data</a:t>
-            </a:r>
-            <a:r>
-              <a:rPr lang="en-US" altLang="zh-CN" sz="2800">
-                <a:solidFill>
-                  <a:schemeClr val="bg1">
-                    <a:lumMod val="95000"/>
-                  </a:schemeClr>
-                </a:solidFill>
-                <a:sym typeface="+mn-ea"/>
-              </a:rPr>
-              <a:t>: {</a:t>
-            </a:r>
-            <a:endParaRPr lang="en-US" altLang="zh-CN" sz="2800">
-              <a:solidFill>
-                <a:schemeClr val="bg1">
-                  <a:lumMod val="95000"/>
-                </a:schemeClr>
-              </a:solidFill>
-              <a:sym typeface="+mn-ea"/>
-            </a:endParaRPr>
-          </a:p>
-          <a:p>
-            <a:pPr marL="0" indent="0">
-              <a:buNone/>
-            </a:pPr>
-            <a:r>
-              <a:rPr lang="en-US" altLang="zh-CN" sz="2800">
-                <a:solidFill>
-                  <a:schemeClr val="bg1">
-                    <a:lumMod val="95000"/>
-                  </a:schemeClr>
-                </a:solidFill>
-                <a:sym typeface="+mn-ea"/>
-              </a:rPr>
-              <a:t>    </a:t>
-            </a:r>
-            <a:r>
-              <a:rPr lang="en-US" altLang="zh-CN" sz="2800">
-                <a:solidFill>
-                  <a:schemeClr val="accent5">
-                    <a:lumMod val="60000"/>
-                    <a:lumOff val="40000"/>
-                  </a:schemeClr>
-                </a:solidFill>
-                <a:sym typeface="+mn-ea"/>
-              </a:rPr>
-              <a:t>message</a:t>
-            </a:r>
-            <a:r>
-              <a:rPr lang="en-US" altLang="zh-CN" sz="2800">
-                <a:solidFill>
-                  <a:schemeClr val="bg1">
-                    <a:lumMod val="95000"/>
-                  </a:schemeClr>
-                </a:solidFill>
-                <a:sym typeface="+mn-ea"/>
-              </a:rPr>
-              <a:t>: </a:t>
-            </a:r>
-            <a:r>
-              <a:rPr lang="en-US" altLang="zh-CN" sz="2800">
-                <a:solidFill>
-                  <a:srgbClr val="FF8D41"/>
-                </a:solidFill>
-                <a:sym typeface="+mn-ea"/>
-              </a:rPr>
-              <a:t>'Hello Vue!'</a:t>
-            </a:r>
-            <a:endParaRPr lang="en-US" altLang="zh-CN" sz="2800">
-              <a:solidFill>
-                <a:srgbClr val="FF8D41"/>
-              </a:solidFill>
-              <a:sym typeface="+mn-ea"/>
-            </a:endParaRPr>
-          </a:p>
-          <a:p>
-            <a:pPr marL="0" indent="0">
-              <a:buNone/>
-            </a:pPr>
-            <a:r>
-              <a:rPr lang="en-US" altLang="zh-CN" sz="2800">
-                <a:solidFill>
-                  <a:schemeClr val="bg1">
-                    <a:lumMod val="95000"/>
-                  </a:schemeClr>
-                </a:solidFill>
-                <a:sym typeface="+mn-ea"/>
-              </a:rPr>
-              <a:t>  }</a:t>
-            </a:r>
-            <a:endParaRPr lang="en-US" altLang="zh-CN" sz="2800">
-              <a:solidFill>
-                <a:schemeClr val="bg1">
-                  <a:lumMod val="95000"/>
-                </a:schemeClr>
-              </a:solidFill>
-              <a:sym typeface="+mn-ea"/>
-            </a:endParaRPr>
-          </a:p>
-          <a:p>
-            <a:pPr marL="0" indent="0">
-              <a:buNone/>
-            </a:pPr>
-            <a:r>
-              <a:rPr lang="en-US" altLang="zh-CN" sz="2800">
-                <a:solidFill>
-                  <a:schemeClr val="bg1">
-                    <a:lumMod val="95000"/>
-                  </a:schemeClr>
-                </a:solidFill>
-                <a:sym typeface="+mn-ea"/>
-              </a:rPr>
-              <a:t>})</a:t>
-            </a:r>
-            <a:endParaRPr lang="en-US" altLang="zh-CN" sz="2800">
-              <a:solidFill>
-                <a:schemeClr val="bg1">
-                  <a:lumMod val="95000"/>
-                </a:schemeClr>
-              </a:solidFill>
-              <a:sym typeface="+mn-ea"/>
-            </a:endParaRPr>
-          </a:p>
-        </p:txBody>
-      </p:sp>
-      <p:sp>
-        <p:nvSpPr>
-          <p:cNvPr id="11" name="文本占位符 10"/>
-          <p:cNvSpPr>
-            <a:spLocks noGrp="1"/>
-          </p:cNvSpPr>
-          <p:nvPr>
-            <p:ph type="body" sz="half" idx="4294967295"/>
-          </p:nvPr>
-        </p:nvSpPr>
-        <p:spPr>
-          <a:xfrm>
-            <a:off x="6051550" y="2279650"/>
-            <a:ext cx="5974080" cy="589915"/>
-          </a:xfrm>
-        </p:spPr>
-        <p:txBody>
-          <a:bodyPr>
-            <a:noAutofit/>
-          </a:bodyPr>
-          <a:p>
-            <a:pPr marL="0" indent="0">
-              <a:buNone/>
-            </a:pPr>
-            <a:r>
-              <a:rPr lang="en-US" altLang="zh-CN" sz="2000">
-                <a:solidFill>
-                  <a:schemeClr val="bg1">
-                    <a:lumMod val="75000"/>
-                  </a:schemeClr>
-                </a:solidFill>
-              </a:rPr>
-              <a:t>&lt;</a:t>
-            </a:r>
-            <a:r>
-              <a:rPr lang="en-US" altLang="zh-CN" sz="2000">
-                <a:solidFill>
-                  <a:srgbClr val="2F7CC0"/>
-                </a:solidFill>
-              </a:rPr>
-              <a:t>span</a:t>
-            </a:r>
-            <a:r>
-              <a:rPr lang="en-US" altLang="zh-CN" sz="2000">
-                <a:solidFill>
-                  <a:schemeClr val="bg1">
-                    <a:lumMod val="75000"/>
-                  </a:schemeClr>
-                </a:solidFill>
-              </a:rPr>
-              <a:t>&gt;</a:t>
-            </a:r>
-            <a:r>
-              <a:rPr lang="en-US" altLang="zh-CN" sz="2000">
-                <a:solidFill>
-                  <a:schemeClr val="bg1">
-                    <a:lumMod val="95000"/>
-                  </a:schemeClr>
-                </a:solidFill>
-              </a:rPr>
-              <a:t>Message: {{ message }}</a:t>
-            </a:r>
-            <a:r>
-              <a:rPr lang="en-US" altLang="zh-CN" sz="2000">
-                <a:solidFill>
-                  <a:schemeClr val="bg1">
-                    <a:lumMod val="75000"/>
-                  </a:schemeClr>
-                </a:solidFill>
-              </a:rPr>
-              <a:t>&lt;</a:t>
-            </a:r>
-            <a:r>
-              <a:rPr lang="en-US" altLang="zh-CN" sz="2000">
-                <a:solidFill>
-                  <a:schemeClr val="bg1">
-                    <a:lumMod val="95000"/>
-                  </a:schemeClr>
-                </a:solidFill>
-              </a:rPr>
-              <a:t>/</a:t>
-            </a:r>
-            <a:r>
-              <a:rPr lang="en-US" altLang="zh-CN" sz="2000">
-                <a:solidFill>
-                  <a:srgbClr val="2F7CC0"/>
-                </a:solidFill>
-              </a:rPr>
-              <a:t>span</a:t>
-            </a:r>
-            <a:r>
-              <a:rPr lang="en-US" altLang="zh-CN" sz="2000">
-                <a:solidFill>
-                  <a:schemeClr val="bg1">
-                    <a:lumMod val="75000"/>
-                  </a:schemeClr>
-                </a:solidFill>
-              </a:rPr>
-              <a:t>&gt;</a:t>
-            </a:r>
-            <a:endParaRPr lang="en-US" altLang="zh-CN" sz="2000">
-              <a:solidFill>
-                <a:schemeClr val="bg1">
-                  <a:lumMod val="75000"/>
-                </a:schemeClr>
-              </a:solidFill>
-            </a:endParaRPr>
-          </a:p>
-        </p:txBody>
-      </p:sp>
-      <p:sp>
-        <p:nvSpPr>
-          <p:cNvPr id="3" name="文本占位符 10"/>
-          <p:cNvSpPr>
-            <a:spLocks noGrp="1"/>
-          </p:cNvSpPr>
-          <p:nvPr/>
-        </p:nvSpPr>
-        <p:spPr>
-          <a:xfrm>
-            <a:off x="6051550" y="3119755"/>
-            <a:ext cx="5974080" cy="589915"/>
-          </a:xfrm>
-          <a:prstGeom prst="rect">
-            <a:avLst/>
-          </a:prstGeom>
-          <a:noFill/>
-          <a:ln>
-            <a:noFill/>
-          </a:ln>
-        </p:spPr>
-        <p:txBody>
-          <a:bodyPr vert="horz" wrap="square" lIns="91440" tIns="45720" rIns="91440" bIns="45720" numCol="1" anchor="t" anchorCtr="0" compatLnSpc="1">
-            <a:noAutofit/>
-          </a:bodyPr>
-          <a:lstStyle>
-            <a:lvl1pPr marL="571500" indent="-571500" algn="l" rtl="0" eaLnBrk="0" fontAlgn="base" hangingPunct="0">
-              <a:spcBef>
-                <a:spcPct val="20000"/>
-              </a:spcBef>
-              <a:spcAft>
-                <a:spcPct val="0"/>
-              </a:spcAft>
-              <a:buFont typeface="Arial" panose="020B0604020202020204" pitchFamily="34" charset="0"/>
-              <a:buChar char="•"/>
-              <a:defRPr sz="2400" kern="1200">
-                <a:solidFill>
-                  <a:schemeClr val="bg1"/>
-                </a:solidFill>
-                <a:latin typeface="+mn-lt"/>
-                <a:ea typeface="+mn-ea"/>
-                <a:cs typeface="+mn-cs"/>
-              </a:defRPr>
-            </a:lvl1pPr>
-            <a:lvl2pPr marL="1179830" indent="-571500" algn="l" rtl="0" eaLnBrk="0" fontAlgn="base" hangingPunct="0">
-              <a:spcBef>
-                <a:spcPct val="20000"/>
-              </a:spcBef>
-              <a:spcAft>
-                <a:spcPct val="0"/>
-              </a:spcAft>
-              <a:buFont typeface="Arial" panose="020B0604020202020204" pitchFamily="34" charset="0"/>
-              <a:buChar char="•"/>
-              <a:defRPr sz="2000" kern="1200">
-                <a:solidFill>
-                  <a:schemeClr val="bg1"/>
-                </a:solidFill>
-                <a:latin typeface="+mn-lt"/>
-                <a:ea typeface="+mn-ea"/>
-                <a:cs typeface="+mn-cs"/>
-              </a:defRPr>
-            </a:lvl2pPr>
-            <a:lvl3pPr marL="1675130" indent="-457200" algn="l" rtl="0" eaLnBrk="0" fontAlgn="base" hangingPunct="0">
-              <a:spcBef>
-                <a:spcPct val="20000"/>
-              </a:spcBef>
-              <a:spcAft>
-                <a:spcPct val="0"/>
-              </a:spcAft>
-              <a:buFont typeface="Arial" panose="020B0604020202020204" pitchFamily="34" charset="0"/>
-              <a:buChar char="•"/>
-              <a:defRPr kern="1200">
-                <a:solidFill>
-                  <a:schemeClr val="bg1"/>
-                </a:solidFill>
-                <a:latin typeface="+mn-lt"/>
-                <a:ea typeface="+mn-ea"/>
-                <a:cs typeface="+mn-cs"/>
-              </a:defRPr>
-            </a:lvl3pPr>
-            <a:lvl4pPr marL="2284730" indent="-457200" algn="l" rtl="0" eaLnBrk="0" fontAlgn="base" hangingPunct="0">
-              <a:spcBef>
-                <a:spcPct val="20000"/>
-              </a:spcBef>
-              <a:spcAft>
-                <a:spcPct val="0"/>
-              </a:spcAft>
-              <a:buFont typeface="Arial" panose="020B0604020202020204" pitchFamily="34" charset="0"/>
-              <a:buChar char="•"/>
-              <a:defRPr kern="1200">
-                <a:solidFill>
-                  <a:schemeClr val="bg1"/>
-                </a:solidFill>
-                <a:latin typeface="+mn-lt"/>
-                <a:ea typeface="+mn-ea"/>
-                <a:cs typeface="+mn-cs"/>
-              </a:defRPr>
-            </a:lvl4pPr>
-            <a:lvl5pPr marL="2894330" indent="-457200" algn="l" rtl="0" eaLnBrk="0" fontAlgn="base" hangingPunct="0">
-              <a:spcBef>
-                <a:spcPct val="20000"/>
-              </a:spcBef>
-              <a:spcAft>
-                <a:spcPct val="0"/>
-              </a:spcAft>
-              <a:buFont typeface="Arial" panose="020B0604020202020204" pitchFamily="34" charset="0"/>
-              <a:buChar char="•"/>
-              <a:defRPr kern="1200">
-                <a:solidFill>
-                  <a:schemeClr val="bg1"/>
-                </a:solidFill>
-                <a:latin typeface="+mn-lt"/>
-                <a:ea typeface="+mn-ea"/>
-                <a:cs typeface="+mn-cs"/>
-              </a:defRPr>
-            </a:lvl5pPr>
-            <a:lvl6pPr marL="3352800" indent="-304800" algn="l" defTabSz="1218565" rtl="0" eaLnBrk="1" latinLnBrk="0" hangingPunct="1">
-              <a:spcBef>
-                <a:spcPct val="20000"/>
-              </a:spcBef>
-              <a:buFont typeface="Arial" panose="020B0604020202020204" pitchFamily="34" charset="0"/>
-              <a:buChar char="•"/>
-              <a:defRPr sz="2665" kern="1200">
-                <a:solidFill>
-                  <a:schemeClr val="tx1"/>
-                </a:solidFill>
-                <a:latin typeface="+mn-lt"/>
-                <a:ea typeface="+mn-ea"/>
-                <a:cs typeface="+mn-cs"/>
-              </a:defRPr>
-            </a:lvl6pPr>
-            <a:lvl7pPr marL="3962400" indent="-304800" algn="l" defTabSz="1218565" rtl="0" eaLnBrk="1" latinLnBrk="0" hangingPunct="1">
-              <a:spcBef>
-                <a:spcPct val="20000"/>
-              </a:spcBef>
-              <a:buFont typeface="Arial" panose="020B0604020202020204" pitchFamily="34" charset="0"/>
-              <a:buChar char="•"/>
-              <a:defRPr sz="2665" kern="1200">
-                <a:solidFill>
-                  <a:schemeClr val="tx1"/>
-                </a:solidFill>
-                <a:latin typeface="+mn-lt"/>
-                <a:ea typeface="+mn-ea"/>
-                <a:cs typeface="+mn-cs"/>
-              </a:defRPr>
-            </a:lvl7pPr>
-            <a:lvl8pPr marL="4572000" indent="-304800" algn="l" defTabSz="1218565" rtl="0" eaLnBrk="1" latinLnBrk="0" hangingPunct="1">
-              <a:spcBef>
-                <a:spcPct val="20000"/>
-              </a:spcBef>
-              <a:buFont typeface="Arial" panose="020B0604020202020204" pitchFamily="34" charset="0"/>
-              <a:buChar char="•"/>
-              <a:defRPr sz="2665" kern="1200">
-                <a:solidFill>
-                  <a:schemeClr val="tx1"/>
-                </a:solidFill>
-                <a:latin typeface="+mn-lt"/>
-                <a:ea typeface="+mn-ea"/>
-                <a:cs typeface="+mn-cs"/>
-              </a:defRPr>
-            </a:lvl8pPr>
-            <a:lvl9pPr marL="5181600" indent="-304800" algn="l" defTabSz="1218565" rtl="0" eaLnBrk="1" latinLnBrk="0" hangingPunct="1">
-              <a:spcBef>
-                <a:spcPct val="20000"/>
-              </a:spcBef>
-              <a:buFont typeface="Arial" panose="020B0604020202020204" pitchFamily="34" charset="0"/>
-              <a:buChar char="•"/>
-              <a:defRPr sz="2665" kern="1200">
-                <a:solidFill>
-                  <a:schemeClr val="tx1"/>
-                </a:solidFill>
-                <a:latin typeface="+mn-lt"/>
-                <a:ea typeface="+mn-ea"/>
-                <a:cs typeface="+mn-cs"/>
-              </a:defRPr>
-            </a:lvl9pPr>
-          </a:lstStyle>
-          <a:p>
-            <a:pPr marL="0" indent="0">
-              <a:buNone/>
-            </a:pPr>
-            <a:r>
-              <a:rPr lang="en-US" altLang="zh-CN" sz="2000">
-                <a:solidFill>
-                  <a:schemeClr val="bg1">
-                    <a:lumMod val="75000"/>
-                  </a:schemeClr>
-                </a:solidFill>
-              </a:rPr>
-              <a:t>&lt;</a:t>
-            </a:r>
-            <a:r>
-              <a:rPr lang="en-US" altLang="zh-CN" sz="2000">
-                <a:solidFill>
-                  <a:srgbClr val="2F7CC0"/>
-                </a:solidFill>
-              </a:rPr>
-              <a:t>span</a:t>
-            </a:r>
-            <a:r>
-              <a:rPr lang="en-US" altLang="zh-CN" sz="2000">
-                <a:solidFill>
-                  <a:schemeClr val="bg1">
-                    <a:lumMod val="75000"/>
-                  </a:schemeClr>
-                </a:solidFill>
-              </a:rPr>
-              <a:t>&gt;</a:t>
-            </a:r>
-            <a:r>
-              <a:rPr lang="en-US" altLang="zh-CN" sz="2000">
-                <a:solidFill>
-                  <a:schemeClr val="bg1">
-                    <a:lumMod val="95000"/>
-                  </a:schemeClr>
-                </a:solidFill>
-              </a:rPr>
-              <a:t>Message: Hello Vue!</a:t>
-            </a:r>
-            <a:r>
-              <a:rPr lang="en-US" altLang="zh-CN" sz="2000">
-                <a:solidFill>
-                  <a:schemeClr val="bg1">
-                    <a:lumMod val="75000"/>
-                  </a:schemeClr>
-                </a:solidFill>
-              </a:rPr>
-              <a:t>&lt;</a:t>
-            </a:r>
-            <a:r>
-              <a:rPr lang="en-US" altLang="zh-CN" sz="2000">
-                <a:solidFill>
-                  <a:schemeClr val="bg1">
-                    <a:lumMod val="95000"/>
-                  </a:schemeClr>
-                </a:solidFill>
-              </a:rPr>
-              <a:t>/</a:t>
-            </a:r>
-            <a:r>
-              <a:rPr lang="en-US" altLang="zh-CN" sz="2000">
-                <a:solidFill>
-                  <a:srgbClr val="2F7CC0"/>
-                </a:solidFill>
-              </a:rPr>
-              <a:t>span</a:t>
-            </a:r>
-            <a:r>
-              <a:rPr lang="en-US" altLang="zh-CN" sz="2000">
-                <a:solidFill>
-                  <a:schemeClr val="bg1">
-                    <a:lumMod val="75000"/>
-                  </a:schemeClr>
-                </a:solidFill>
-              </a:rPr>
-              <a:t>&gt;</a:t>
-            </a:r>
-            <a:endParaRPr lang="en-US" altLang="zh-CN" sz="2000">
-              <a:solidFill>
-                <a:schemeClr val="bg1">
-                  <a:lumMod val="75000"/>
-                </a:schemeClr>
-              </a:solidFill>
-            </a:endParaRPr>
-          </a:p>
-        </p:txBody>
-      </p:sp>
-      <p:sp>
-        <p:nvSpPr>
-          <p:cNvPr id="5" name="文本占位符 10"/>
-          <p:cNvSpPr>
-            <a:spLocks noGrp="1"/>
-          </p:cNvSpPr>
-          <p:nvPr/>
-        </p:nvSpPr>
-        <p:spPr>
-          <a:xfrm>
-            <a:off x="6050915" y="2837815"/>
-            <a:ext cx="5974080" cy="339725"/>
-          </a:xfrm>
-          <a:prstGeom prst="rect">
-            <a:avLst/>
-          </a:prstGeom>
-          <a:noFill/>
-          <a:ln>
-            <a:noFill/>
-          </a:ln>
-        </p:spPr>
-        <p:txBody>
-          <a:bodyPr vert="horz" wrap="square" lIns="91440" tIns="45720" rIns="91440" bIns="45720" numCol="1" anchor="t" anchorCtr="0" compatLnSpc="1">
-            <a:noAutofit/>
-          </a:bodyPr>
-          <a:lstStyle>
-            <a:lvl1pPr marL="571500" indent="-571500" algn="l" rtl="0" eaLnBrk="0" fontAlgn="base" hangingPunct="0">
-              <a:spcBef>
-                <a:spcPct val="20000"/>
-              </a:spcBef>
-              <a:spcAft>
-                <a:spcPct val="0"/>
-              </a:spcAft>
-              <a:buFont typeface="Arial" panose="020B0604020202020204" pitchFamily="34" charset="0"/>
-              <a:buChar char="•"/>
-              <a:defRPr sz="2400" kern="1200">
-                <a:solidFill>
-                  <a:schemeClr val="bg1"/>
-                </a:solidFill>
-                <a:latin typeface="+mn-lt"/>
-                <a:ea typeface="+mn-ea"/>
-                <a:cs typeface="+mn-cs"/>
-              </a:defRPr>
-            </a:lvl1pPr>
-            <a:lvl2pPr marL="1179830" indent="-571500" algn="l" rtl="0" eaLnBrk="0" fontAlgn="base" hangingPunct="0">
-              <a:spcBef>
-                <a:spcPct val="20000"/>
-              </a:spcBef>
-              <a:spcAft>
-                <a:spcPct val="0"/>
-              </a:spcAft>
-              <a:buFont typeface="Arial" panose="020B0604020202020204" pitchFamily="34" charset="0"/>
-              <a:buChar char="•"/>
-              <a:defRPr sz="2000" kern="1200">
-                <a:solidFill>
-                  <a:schemeClr val="bg1"/>
-                </a:solidFill>
-                <a:latin typeface="+mn-lt"/>
-                <a:ea typeface="+mn-ea"/>
-                <a:cs typeface="+mn-cs"/>
-              </a:defRPr>
-            </a:lvl2pPr>
-            <a:lvl3pPr marL="1675130" indent="-457200" algn="l" rtl="0" eaLnBrk="0" fontAlgn="base" hangingPunct="0">
-              <a:spcBef>
-                <a:spcPct val="20000"/>
-              </a:spcBef>
-              <a:spcAft>
-                <a:spcPct val="0"/>
-              </a:spcAft>
-              <a:buFont typeface="Arial" panose="020B0604020202020204" pitchFamily="34" charset="0"/>
-              <a:buChar char="•"/>
-              <a:defRPr kern="1200">
-                <a:solidFill>
-                  <a:schemeClr val="bg1"/>
-                </a:solidFill>
-                <a:latin typeface="+mn-lt"/>
-                <a:ea typeface="+mn-ea"/>
-                <a:cs typeface="+mn-cs"/>
-              </a:defRPr>
-            </a:lvl3pPr>
-            <a:lvl4pPr marL="2284730" indent="-457200" algn="l" rtl="0" eaLnBrk="0" fontAlgn="base" hangingPunct="0">
-              <a:spcBef>
-                <a:spcPct val="20000"/>
-              </a:spcBef>
-              <a:spcAft>
-                <a:spcPct val="0"/>
-              </a:spcAft>
-              <a:buFont typeface="Arial" panose="020B0604020202020204" pitchFamily="34" charset="0"/>
-              <a:buChar char="•"/>
-              <a:defRPr kern="1200">
-                <a:solidFill>
-                  <a:schemeClr val="bg1"/>
-                </a:solidFill>
-                <a:latin typeface="+mn-lt"/>
-                <a:ea typeface="+mn-ea"/>
-                <a:cs typeface="+mn-cs"/>
-              </a:defRPr>
-            </a:lvl4pPr>
-            <a:lvl5pPr marL="2894330" indent="-457200" algn="l" rtl="0" eaLnBrk="0" fontAlgn="base" hangingPunct="0">
-              <a:spcBef>
-                <a:spcPct val="20000"/>
-              </a:spcBef>
-              <a:spcAft>
-                <a:spcPct val="0"/>
-              </a:spcAft>
-              <a:buFont typeface="Arial" panose="020B0604020202020204" pitchFamily="34" charset="0"/>
-              <a:buChar char="•"/>
-              <a:defRPr kern="1200">
-                <a:solidFill>
-                  <a:schemeClr val="bg1"/>
-                </a:solidFill>
-                <a:latin typeface="+mn-lt"/>
-                <a:ea typeface="+mn-ea"/>
-                <a:cs typeface="+mn-cs"/>
-              </a:defRPr>
-            </a:lvl5pPr>
-            <a:lvl6pPr marL="3352800" indent="-304800" algn="l" defTabSz="1218565" rtl="0" eaLnBrk="1" latinLnBrk="0" hangingPunct="1">
-              <a:spcBef>
-                <a:spcPct val="20000"/>
-              </a:spcBef>
-              <a:buFont typeface="Arial" panose="020B0604020202020204" pitchFamily="34" charset="0"/>
-              <a:buChar char="•"/>
-              <a:defRPr sz="2665" kern="1200">
-                <a:solidFill>
-                  <a:schemeClr val="tx1"/>
-                </a:solidFill>
-                <a:latin typeface="+mn-lt"/>
-                <a:ea typeface="+mn-ea"/>
-                <a:cs typeface="+mn-cs"/>
-              </a:defRPr>
-            </a:lvl6pPr>
-            <a:lvl7pPr marL="3962400" indent="-304800" algn="l" defTabSz="1218565" rtl="0" eaLnBrk="1" latinLnBrk="0" hangingPunct="1">
-              <a:spcBef>
-                <a:spcPct val="20000"/>
-              </a:spcBef>
-              <a:buFont typeface="Arial" panose="020B0604020202020204" pitchFamily="34" charset="0"/>
-              <a:buChar char="•"/>
-              <a:defRPr sz="2665" kern="1200">
-                <a:solidFill>
-                  <a:schemeClr val="tx1"/>
-                </a:solidFill>
-                <a:latin typeface="+mn-lt"/>
-                <a:ea typeface="+mn-ea"/>
-                <a:cs typeface="+mn-cs"/>
-              </a:defRPr>
-            </a:lvl7pPr>
-            <a:lvl8pPr marL="4572000" indent="-304800" algn="l" defTabSz="1218565" rtl="0" eaLnBrk="1" latinLnBrk="0" hangingPunct="1">
-              <a:spcBef>
-                <a:spcPct val="20000"/>
-              </a:spcBef>
-              <a:buFont typeface="Arial" panose="020B0604020202020204" pitchFamily="34" charset="0"/>
-              <a:buChar char="•"/>
-              <a:defRPr sz="2665" kern="1200">
-                <a:solidFill>
-                  <a:schemeClr val="tx1"/>
-                </a:solidFill>
-                <a:latin typeface="+mn-lt"/>
-                <a:ea typeface="+mn-ea"/>
-                <a:cs typeface="+mn-cs"/>
-              </a:defRPr>
-            </a:lvl8pPr>
-            <a:lvl9pPr marL="5181600" indent="-304800" algn="l" defTabSz="1218565" rtl="0" eaLnBrk="1" latinLnBrk="0" hangingPunct="1">
-              <a:spcBef>
-                <a:spcPct val="20000"/>
-              </a:spcBef>
-              <a:buFont typeface="Arial" panose="020B0604020202020204" pitchFamily="34" charset="0"/>
-              <a:buChar char="•"/>
-              <a:defRPr sz="2665" kern="1200">
-                <a:solidFill>
-                  <a:schemeClr val="tx1"/>
-                </a:solidFill>
-                <a:latin typeface="+mn-lt"/>
-                <a:ea typeface="+mn-ea"/>
-                <a:cs typeface="+mn-cs"/>
-              </a:defRPr>
-            </a:lvl9pPr>
-          </a:lstStyle>
-          <a:p>
-            <a:pPr marL="0" indent="0">
-              <a:buNone/>
-            </a:pPr>
-            <a:r>
-              <a:rPr lang="en-US" altLang="zh-CN" sz="1600">
-                <a:solidFill>
-                  <a:schemeClr val="bg1">
-                    <a:lumMod val="75000"/>
-                  </a:schemeClr>
-                </a:solidFill>
-              </a:rPr>
-              <a:t>HTML</a:t>
-            </a:r>
-            <a:r>
-              <a:rPr lang="zh-CN" altLang="en-US" sz="1600">
-                <a:solidFill>
-                  <a:schemeClr val="bg1">
-                    <a:lumMod val="75000"/>
-                  </a:schemeClr>
-                </a:solidFill>
-              </a:rPr>
-              <a:t>渲染结果：</a:t>
-            </a:r>
-            <a:endParaRPr lang="zh-CN" altLang="en-US" sz="1600">
-              <a:solidFill>
-                <a:schemeClr val="bg1">
-                  <a:lumMod val="75000"/>
-                </a:schemeClr>
-              </a:solidFill>
-            </a:endParaRPr>
-          </a:p>
-        </p:txBody>
-      </p:sp>
-      <p:sp>
-        <p:nvSpPr>
-          <p:cNvPr id="4" name="文本占位符 10"/>
-          <p:cNvSpPr>
-            <a:spLocks noGrp="1"/>
-          </p:cNvSpPr>
-          <p:nvPr/>
-        </p:nvSpPr>
-        <p:spPr>
-          <a:xfrm>
-            <a:off x="6051550" y="4165600"/>
-            <a:ext cx="5974080" cy="589915"/>
-          </a:xfrm>
-          <a:prstGeom prst="rect">
-            <a:avLst/>
-          </a:prstGeom>
-          <a:noFill/>
-          <a:ln>
-            <a:noFill/>
-          </a:ln>
-        </p:spPr>
-        <p:txBody>
-          <a:bodyPr vert="horz" wrap="square" lIns="91440" tIns="45720" rIns="91440" bIns="45720" numCol="1" anchor="t" anchorCtr="0" compatLnSpc="1">
-            <a:noAutofit/>
-          </a:bodyPr>
-          <a:lstStyle>
-            <a:lvl1pPr marL="571500" indent="-571500" algn="l" rtl="0" eaLnBrk="0" fontAlgn="base" hangingPunct="0">
-              <a:spcBef>
-                <a:spcPct val="20000"/>
-              </a:spcBef>
-              <a:spcAft>
-                <a:spcPct val="0"/>
-              </a:spcAft>
-              <a:buFont typeface="Arial" panose="020B0604020202020204" pitchFamily="34" charset="0"/>
-              <a:buChar char="•"/>
-              <a:defRPr sz="2400" kern="1200">
-                <a:solidFill>
-                  <a:schemeClr val="bg1"/>
-                </a:solidFill>
-                <a:latin typeface="+mn-lt"/>
-                <a:ea typeface="+mn-ea"/>
-                <a:cs typeface="+mn-cs"/>
-              </a:defRPr>
-            </a:lvl1pPr>
-            <a:lvl2pPr marL="1179830" indent="-571500" algn="l" rtl="0" eaLnBrk="0" fontAlgn="base" hangingPunct="0">
-              <a:spcBef>
-                <a:spcPct val="20000"/>
-              </a:spcBef>
-              <a:spcAft>
-                <a:spcPct val="0"/>
-              </a:spcAft>
-              <a:buFont typeface="Arial" panose="020B0604020202020204" pitchFamily="34" charset="0"/>
-              <a:buChar char="•"/>
-              <a:defRPr sz="2000" kern="1200">
-                <a:solidFill>
-                  <a:schemeClr val="bg1"/>
-                </a:solidFill>
-                <a:latin typeface="+mn-lt"/>
-                <a:ea typeface="+mn-ea"/>
-                <a:cs typeface="+mn-cs"/>
-              </a:defRPr>
-            </a:lvl2pPr>
-            <a:lvl3pPr marL="1675130" indent="-457200" algn="l" rtl="0" eaLnBrk="0" fontAlgn="base" hangingPunct="0">
-              <a:spcBef>
-                <a:spcPct val="20000"/>
-              </a:spcBef>
-              <a:spcAft>
-                <a:spcPct val="0"/>
-              </a:spcAft>
-              <a:buFont typeface="Arial" panose="020B0604020202020204" pitchFamily="34" charset="0"/>
-              <a:buChar char="•"/>
-              <a:defRPr kern="1200">
-                <a:solidFill>
-                  <a:schemeClr val="bg1"/>
-                </a:solidFill>
-                <a:latin typeface="+mn-lt"/>
-                <a:ea typeface="+mn-ea"/>
-                <a:cs typeface="+mn-cs"/>
-              </a:defRPr>
-            </a:lvl3pPr>
-            <a:lvl4pPr marL="2284730" indent="-457200" algn="l" rtl="0" eaLnBrk="0" fontAlgn="base" hangingPunct="0">
-              <a:spcBef>
-                <a:spcPct val="20000"/>
-              </a:spcBef>
-              <a:spcAft>
-                <a:spcPct val="0"/>
-              </a:spcAft>
-              <a:buFont typeface="Arial" panose="020B0604020202020204" pitchFamily="34" charset="0"/>
-              <a:buChar char="•"/>
-              <a:defRPr kern="1200">
-                <a:solidFill>
-                  <a:schemeClr val="bg1"/>
-                </a:solidFill>
-                <a:latin typeface="+mn-lt"/>
-                <a:ea typeface="+mn-ea"/>
-                <a:cs typeface="+mn-cs"/>
-              </a:defRPr>
-            </a:lvl4pPr>
-            <a:lvl5pPr marL="2894330" indent="-457200" algn="l" rtl="0" eaLnBrk="0" fontAlgn="base" hangingPunct="0">
-              <a:spcBef>
-                <a:spcPct val="20000"/>
-              </a:spcBef>
-              <a:spcAft>
-                <a:spcPct val="0"/>
-              </a:spcAft>
-              <a:buFont typeface="Arial" panose="020B0604020202020204" pitchFamily="34" charset="0"/>
-              <a:buChar char="•"/>
-              <a:defRPr kern="1200">
-                <a:solidFill>
-                  <a:schemeClr val="bg1"/>
-                </a:solidFill>
-                <a:latin typeface="+mn-lt"/>
-                <a:ea typeface="+mn-ea"/>
-                <a:cs typeface="+mn-cs"/>
-              </a:defRPr>
-            </a:lvl5pPr>
-            <a:lvl6pPr marL="3352800" indent="-304800" algn="l" defTabSz="1218565" rtl="0" eaLnBrk="1" latinLnBrk="0" hangingPunct="1">
-              <a:spcBef>
-                <a:spcPct val="20000"/>
-              </a:spcBef>
-              <a:buFont typeface="Arial" panose="020B0604020202020204" pitchFamily="34" charset="0"/>
-              <a:buChar char="•"/>
-              <a:defRPr sz="2665" kern="1200">
-                <a:solidFill>
-                  <a:schemeClr val="tx1"/>
-                </a:solidFill>
-                <a:latin typeface="+mn-lt"/>
-                <a:ea typeface="+mn-ea"/>
-                <a:cs typeface="+mn-cs"/>
-              </a:defRPr>
-            </a:lvl6pPr>
-            <a:lvl7pPr marL="3962400" indent="-304800" algn="l" defTabSz="1218565" rtl="0" eaLnBrk="1" latinLnBrk="0" hangingPunct="1">
-              <a:spcBef>
-                <a:spcPct val="20000"/>
-              </a:spcBef>
-              <a:buFont typeface="Arial" panose="020B0604020202020204" pitchFamily="34" charset="0"/>
-              <a:buChar char="•"/>
-              <a:defRPr sz="2665" kern="1200">
-                <a:solidFill>
-                  <a:schemeClr val="tx1"/>
-                </a:solidFill>
-                <a:latin typeface="+mn-lt"/>
-                <a:ea typeface="+mn-ea"/>
-                <a:cs typeface="+mn-cs"/>
-              </a:defRPr>
-            </a:lvl7pPr>
-            <a:lvl8pPr marL="4572000" indent="-304800" algn="l" defTabSz="1218565" rtl="0" eaLnBrk="1" latinLnBrk="0" hangingPunct="1">
-              <a:spcBef>
-                <a:spcPct val="20000"/>
-              </a:spcBef>
-              <a:buFont typeface="Arial" panose="020B0604020202020204" pitchFamily="34" charset="0"/>
-              <a:buChar char="•"/>
-              <a:defRPr sz="2665" kern="1200">
-                <a:solidFill>
-                  <a:schemeClr val="tx1"/>
-                </a:solidFill>
-                <a:latin typeface="+mn-lt"/>
-                <a:ea typeface="+mn-ea"/>
-                <a:cs typeface="+mn-cs"/>
-              </a:defRPr>
-            </a:lvl8pPr>
-            <a:lvl9pPr marL="5181600" indent="-304800" algn="l" defTabSz="1218565" rtl="0" eaLnBrk="1" latinLnBrk="0" hangingPunct="1">
-              <a:spcBef>
-                <a:spcPct val="20000"/>
-              </a:spcBef>
-              <a:buFont typeface="Arial" panose="020B0604020202020204" pitchFamily="34" charset="0"/>
-              <a:buChar char="•"/>
-              <a:defRPr sz="2665" kern="1200">
-                <a:solidFill>
-                  <a:schemeClr val="tx1"/>
-                </a:solidFill>
-                <a:latin typeface="+mn-lt"/>
-                <a:ea typeface="+mn-ea"/>
-                <a:cs typeface="+mn-cs"/>
-              </a:defRPr>
-            </a:lvl9pPr>
-          </a:lstStyle>
-          <a:p>
-            <a:pPr marL="0" indent="0">
-              <a:buNone/>
-            </a:pPr>
-            <a:r>
-              <a:rPr lang="en-US" altLang="zh-CN" sz="2000">
-                <a:solidFill>
-                  <a:schemeClr val="bg1">
-                    <a:lumMod val="75000"/>
-                  </a:schemeClr>
-                </a:solidFill>
-              </a:rPr>
-              <a:t>&lt;</a:t>
-            </a:r>
-            <a:r>
-              <a:rPr lang="en-US" altLang="zh-CN" sz="2000">
-                <a:solidFill>
-                  <a:srgbClr val="2F7CC0"/>
-                </a:solidFill>
-              </a:rPr>
-              <a:t>span</a:t>
-            </a:r>
-            <a:r>
-              <a:rPr lang="en-US" altLang="zh-CN" sz="2000">
-                <a:solidFill>
-                  <a:schemeClr val="bg1">
-                    <a:lumMod val="75000"/>
-                  </a:schemeClr>
-                </a:solidFill>
-              </a:rPr>
-              <a:t>&gt;</a:t>
-            </a:r>
-            <a:r>
-              <a:rPr lang="en-US" altLang="zh-CN" sz="2000">
-                <a:solidFill>
-                  <a:schemeClr val="bg1">
-                    <a:lumMod val="95000"/>
-                  </a:schemeClr>
-                </a:solidFill>
-              </a:rPr>
-              <a:t>Message: {{ message + ' 2018'}}</a:t>
-            </a:r>
-            <a:r>
-              <a:rPr lang="en-US" altLang="zh-CN" sz="2000">
-                <a:solidFill>
-                  <a:schemeClr val="bg1">
-                    <a:lumMod val="75000"/>
-                  </a:schemeClr>
-                </a:solidFill>
-              </a:rPr>
-              <a:t>&lt;</a:t>
-            </a:r>
-            <a:r>
-              <a:rPr lang="en-US" altLang="zh-CN" sz="2000">
-                <a:solidFill>
-                  <a:schemeClr val="bg1">
-                    <a:lumMod val="95000"/>
-                  </a:schemeClr>
-                </a:solidFill>
-              </a:rPr>
-              <a:t>/</a:t>
-            </a:r>
-            <a:r>
-              <a:rPr lang="en-US" altLang="zh-CN" sz="2000">
-                <a:solidFill>
-                  <a:srgbClr val="2F7CC0"/>
-                </a:solidFill>
-              </a:rPr>
-              <a:t>span</a:t>
-            </a:r>
-            <a:r>
-              <a:rPr lang="en-US" altLang="zh-CN" sz="2000">
-                <a:solidFill>
-                  <a:schemeClr val="bg1">
-                    <a:lumMod val="75000"/>
-                  </a:schemeClr>
-                </a:solidFill>
-              </a:rPr>
-              <a:t>&gt;</a:t>
-            </a:r>
-            <a:endParaRPr lang="en-US" altLang="zh-CN" sz="2000">
-              <a:solidFill>
-                <a:schemeClr val="bg1">
-                  <a:lumMod val="75000"/>
-                </a:schemeClr>
-              </a:solidFill>
-            </a:endParaRPr>
-          </a:p>
-        </p:txBody>
-      </p:sp>
-      <p:sp>
-        <p:nvSpPr>
-          <p:cNvPr id="8" name="文本占位符 10"/>
-          <p:cNvSpPr>
-            <a:spLocks noGrp="1"/>
-          </p:cNvSpPr>
-          <p:nvPr/>
-        </p:nvSpPr>
-        <p:spPr>
-          <a:xfrm>
-            <a:off x="6051550" y="5005705"/>
-            <a:ext cx="5974080" cy="589915"/>
-          </a:xfrm>
-          <a:prstGeom prst="rect">
-            <a:avLst/>
-          </a:prstGeom>
-          <a:noFill/>
-          <a:ln>
-            <a:noFill/>
-          </a:ln>
-        </p:spPr>
-        <p:txBody>
-          <a:bodyPr vert="horz" wrap="square" lIns="91440" tIns="45720" rIns="91440" bIns="45720" numCol="1" anchor="t" anchorCtr="0" compatLnSpc="1">
-            <a:noAutofit/>
-          </a:bodyPr>
-          <a:lstStyle>
-            <a:lvl1pPr marL="571500" indent="-571500" algn="l" rtl="0" eaLnBrk="0" fontAlgn="base" hangingPunct="0">
-              <a:spcBef>
-                <a:spcPct val="20000"/>
-              </a:spcBef>
-              <a:spcAft>
-                <a:spcPct val="0"/>
-              </a:spcAft>
-              <a:buFont typeface="Arial" panose="020B0604020202020204" pitchFamily="34" charset="0"/>
-              <a:buChar char="•"/>
-              <a:defRPr sz="2400" kern="1200">
-                <a:solidFill>
-                  <a:schemeClr val="bg1"/>
-                </a:solidFill>
-                <a:latin typeface="+mn-lt"/>
-                <a:ea typeface="+mn-ea"/>
-                <a:cs typeface="+mn-cs"/>
-              </a:defRPr>
-            </a:lvl1pPr>
-            <a:lvl2pPr marL="1179830" indent="-571500" algn="l" rtl="0" eaLnBrk="0" fontAlgn="base" hangingPunct="0">
-              <a:spcBef>
-                <a:spcPct val="20000"/>
-              </a:spcBef>
-              <a:spcAft>
-                <a:spcPct val="0"/>
-              </a:spcAft>
-              <a:buFont typeface="Arial" panose="020B0604020202020204" pitchFamily="34" charset="0"/>
-              <a:buChar char="•"/>
-              <a:defRPr sz="2000" kern="1200">
-                <a:solidFill>
-                  <a:schemeClr val="bg1"/>
-                </a:solidFill>
-                <a:latin typeface="+mn-lt"/>
-                <a:ea typeface="+mn-ea"/>
-                <a:cs typeface="+mn-cs"/>
-              </a:defRPr>
-            </a:lvl2pPr>
-            <a:lvl3pPr marL="1675130" indent="-457200" algn="l" rtl="0" eaLnBrk="0" fontAlgn="base" hangingPunct="0">
-              <a:spcBef>
-                <a:spcPct val="20000"/>
-              </a:spcBef>
-              <a:spcAft>
-                <a:spcPct val="0"/>
-              </a:spcAft>
-              <a:buFont typeface="Arial" panose="020B0604020202020204" pitchFamily="34" charset="0"/>
-              <a:buChar char="•"/>
-              <a:defRPr kern="1200">
-                <a:solidFill>
-                  <a:schemeClr val="bg1"/>
-                </a:solidFill>
-                <a:latin typeface="+mn-lt"/>
-                <a:ea typeface="+mn-ea"/>
-                <a:cs typeface="+mn-cs"/>
-              </a:defRPr>
-            </a:lvl3pPr>
-            <a:lvl4pPr marL="2284730" indent="-457200" algn="l" rtl="0" eaLnBrk="0" fontAlgn="base" hangingPunct="0">
-              <a:spcBef>
-                <a:spcPct val="20000"/>
-              </a:spcBef>
-              <a:spcAft>
-                <a:spcPct val="0"/>
-              </a:spcAft>
-              <a:buFont typeface="Arial" panose="020B0604020202020204" pitchFamily="34" charset="0"/>
-              <a:buChar char="•"/>
-              <a:defRPr kern="1200">
-                <a:solidFill>
-                  <a:schemeClr val="bg1"/>
-                </a:solidFill>
-                <a:latin typeface="+mn-lt"/>
-                <a:ea typeface="+mn-ea"/>
-                <a:cs typeface="+mn-cs"/>
-              </a:defRPr>
-            </a:lvl4pPr>
-            <a:lvl5pPr marL="2894330" indent="-457200" algn="l" rtl="0" eaLnBrk="0" fontAlgn="base" hangingPunct="0">
-              <a:spcBef>
-                <a:spcPct val="20000"/>
-              </a:spcBef>
-              <a:spcAft>
-                <a:spcPct val="0"/>
-              </a:spcAft>
-              <a:buFont typeface="Arial" panose="020B0604020202020204" pitchFamily="34" charset="0"/>
-              <a:buChar char="•"/>
-              <a:defRPr kern="1200">
-                <a:solidFill>
-                  <a:schemeClr val="bg1"/>
-                </a:solidFill>
-                <a:latin typeface="+mn-lt"/>
-                <a:ea typeface="+mn-ea"/>
-                <a:cs typeface="+mn-cs"/>
-              </a:defRPr>
-            </a:lvl5pPr>
-            <a:lvl6pPr marL="3352800" indent="-304800" algn="l" defTabSz="1218565" rtl="0" eaLnBrk="1" latinLnBrk="0" hangingPunct="1">
-              <a:spcBef>
-                <a:spcPct val="20000"/>
-              </a:spcBef>
-              <a:buFont typeface="Arial" panose="020B0604020202020204" pitchFamily="34" charset="0"/>
-              <a:buChar char="•"/>
-              <a:defRPr sz="2665" kern="1200">
-                <a:solidFill>
-                  <a:schemeClr val="tx1"/>
-                </a:solidFill>
-                <a:latin typeface="+mn-lt"/>
-                <a:ea typeface="+mn-ea"/>
-                <a:cs typeface="+mn-cs"/>
-              </a:defRPr>
-            </a:lvl6pPr>
-            <a:lvl7pPr marL="3962400" indent="-304800" algn="l" defTabSz="1218565" rtl="0" eaLnBrk="1" latinLnBrk="0" hangingPunct="1">
-              <a:spcBef>
-                <a:spcPct val="20000"/>
-              </a:spcBef>
-              <a:buFont typeface="Arial" panose="020B0604020202020204" pitchFamily="34" charset="0"/>
-              <a:buChar char="•"/>
-              <a:defRPr sz="2665" kern="1200">
-                <a:solidFill>
-                  <a:schemeClr val="tx1"/>
-                </a:solidFill>
-                <a:latin typeface="+mn-lt"/>
-                <a:ea typeface="+mn-ea"/>
-                <a:cs typeface="+mn-cs"/>
-              </a:defRPr>
-            </a:lvl7pPr>
-            <a:lvl8pPr marL="4572000" indent="-304800" algn="l" defTabSz="1218565" rtl="0" eaLnBrk="1" latinLnBrk="0" hangingPunct="1">
-              <a:spcBef>
-                <a:spcPct val="20000"/>
-              </a:spcBef>
-              <a:buFont typeface="Arial" panose="020B0604020202020204" pitchFamily="34" charset="0"/>
-              <a:buChar char="•"/>
-              <a:defRPr sz="2665" kern="1200">
-                <a:solidFill>
-                  <a:schemeClr val="tx1"/>
-                </a:solidFill>
-                <a:latin typeface="+mn-lt"/>
-                <a:ea typeface="+mn-ea"/>
-                <a:cs typeface="+mn-cs"/>
-              </a:defRPr>
-            </a:lvl8pPr>
-            <a:lvl9pPr marL="5181600" indent="-304800" algn="l" defTabSz="1218565" rtl="0" eaLnBrk="1" latinLnBrk="0" hangingPunct="1">
-              <a:spcBef>
-                <a:spcPct val="20000"/>
-              </a:spcBef>
-              <a:buFont typeface="Arial" panose="020B0604020202020204" pitchFamily="34" charset="0"/>
-              <a:buChar char="•"/>
-              <a:defRPr sz="2665" kern="1200">
-                <a:solidFill>
-                  <a:schemeClr val="tx1"/>
-                </a:solidFill>
-                <a:latin typeface="+mn-lt"/>
-                <a:ea typeface="+mn-ea"/>
-                <a:cs typeface="+mn-cs"/>
-              </a:defRPr>
-            </a:lvl9pPr>
-          </a:lstStyle>
-          <a:p>
-            <a:pPr marL="0" indent="0">
-              <a:buNone/>
-            </a:pPr>
-            <a:r>
-              <a:rPr lang="en-US" altLang="zh-CN" sz="2000">
-                <a:solidFill>
-                  <a:schemeClr val="bg1">
-                    <a:lumMod val="75000"/>
-                  </a:schemeClr>
-                </a:solidFill>
-              </a:rPr>
-              <a:t>&lt;</a:t>
-            </a:r>
-            <a:r>
-              <a:rPr lang="en-US" altLang="zh-CN" sz="2000">
-                <a:solidFill>
-                  <a:srgbClr val="2F7CC0"/>
-                </a:solidFill>
-              </a:rPr>
-              <a:t>span</a:t>
-            </a:r>
-            <a:r>
-              <a:rPr lang="en-US" altLang="zh-CN" sz="2000">
-                <a:solidFill>
-                  <a:schemeClr val="bg1">
-                    <a:lumMod val="75000"/>
-                  </a:schemeClr>
-                </a:solidFill>
-              </a:rPr>
-              <a:t>&gt;</a:t>
-            </a:r>
-            <a:r>
-              <a:rPr lang="en-US" altLang="zh-CN" sz="2000">
-                <a:solidFill>
-                  <a:schemeClr val="bg1">
-                    <a:lumMod val="95000"/>
-                  </a:schemeClr>
-                </a:solidFill>
-              </a:rPr>
-              <a:t>Message: Hello Vue! 2018</a:t>
-            </a:r>
-            <a:r>
-              <a:rPr lang="en-US" altLang="zh-CN" sz="2000">
-                <a:solidFill>
-                  <a:schemeClr val="bg1">
-                    <a:lumMod val="75000"/>
-                  </a:schemeClr>
-                </a:solidFill>
-              </a:rPr>
-              <a:t>&lt;</a:t>
-            </a:r>
-            <a:r>
-              <a:rPr lang="en-US" altLang="zh-CN" sz="2000">
-                <a:solidFill>
-                  <a:schemeClr val="bg1">
-                    <a:lumMod val="95000"/>
-                  </a:schemeClr>
-                </a:solidFill>
-              </a:rPr>
-              <a:t>/</a:t>
-            </a:r>
-            <a:r>
-              <a:rPr lang="en-US" altLang="zh-CN" sz="2000">
-                <a:solidFill>
-                  <a:srgbClr val="2F7CC0"/>
-                </a:solidFill>
-              </a:rPr>
-              <a:t>span</a:t>
-            </a:r>
-            <a:r>
-              <a:rPr lang="en-US" altLang="zh-CN" sz="2000">
-                <a:solidFill>
-                  <a:schemeClr val="bg1">
-                    <a:lumMod val="75000"/>
-                  </a:schemeClr>
-                </a:solidFill>
-              </a:rPr>
-              <a:t>&gt;</a:t>
-            </a:r>
-            <a:endParaRPr lang="en-US" altLang="zh-CN" sz="2000">
-              <a:solidFill>
-                <a:schemeClr val="bg1">
-                  <a:lumMod val="75000"/>
-                </a:schemeClr>
-              </a:solidFill>
-            </a:endParaRPr>
-          </a:p>
-        </p:txBody>
-      </p:sp>
-      <p:sp>
-        <p:nvSpPr>
-          <p:cNvPr id="12" name="文本占位符 10"/>
-          <p:cNvSpPr>
-            <a:spLocks noGrp="1"/>
-          </p:cNvSpPr>
-          <p:nvPr/>
-        </p:nvSpPr>
-        <p:spPr>
-          <a:xfrm>
-            <a:off x="6050915" y="4723765"/>
-            <a:ext cx="5974080" cy="339725"/>
-          </a:xfrm>
-          <a:prstGeom prst="rect">
-            <a:avLst/>
-          </a:prstGeom>
-          <a:noFill/>
-          <a:ln>
-            <a:noFill/>
-          </a:ln>
-        </p:spPr>
-        <p:txBody>
-          <a:bodyPr vert="horz" wrap="square" lIns="91440" tIns="45720" rIns="91440" bIns="45720" numCol="1" anchor="t" anchorCtr="0" compatLnSpc="1">
-            <a:noAutofit/>
-          </a:bodyPr>
-          <a:lstStyle>
-            <a:lvl1pPr marL="571500" indent="-571500" algn="l" rtl="0" eaLnBrk="0" fontAlgn="base" hangingPunct="0">
-              <a:spcBef>
-                <a:spcPct val="20000"/>
-              </a:spcBef>
-              <a:spcAft>
-                <a:spcPct val="0"/>
-              </a:spcAft>
-              <a:buFont typeface="Arial" panose="020B0604020202020204" pitchFamily="34" charset="0"/>
-              <a:buChar char="•"/>
-              <a:defRPr sz="2400" kern="1200">
-                <a:solidFill>
-                  <a:schemeClr val="bg1"/>
-                </a:solidFill>
-                <a:latin typeface="+mn-lt"/>
-                <a:ea typeface="+mn-ea"/>
-                <a:cs typeface="+mn-cs"/>
-              </a:defRPr>
-            </a:lvl1pPr>
-            <a:lvl2pPr marL="1179830" indent="-571500" algn="l" rtl="0" eaLnBrk="0" fontAlgn="base" hangingPunct="0">
-              <a:spcBef>
-                <a:spcPct val="20000"/>
-              </a:spcBef>
-              <a:spcAft>
-                <a:spcPct val="0"/>
-              </a:spcAft>
-              <a:buFont typeface="Arial" panose="020B0604020202020204" pitchFamily="34" charset="0"/>
-              <a:buChar char="•"/>
-              <a:defRPr sz="2000" kern="1200">
-                <a:solidFill>
-                  <a:schemeClr val="bg1"/>
-                </a:solidFill>
-                <a:latin typeface="+mn-lt"/>
-                <a:ea typeface="+mn-ea"/>
-                <a:cs typeface="+mn-cs"/>
-              </a:defRPr>
-            </a:lvl2pPr>
-            <a:lvl3pPr marL="1675130" indent="-457200" algn="l" rtl="0" eaLnBrk="0" fontAlgn="base" hangingPunct="0">
-              <a:spcBef>
-                <a:spcPct val="20000"/>
-              </a:spcBef>
-              <a:spcAft>
-                <a:spcPct val="0"/>
-              </a:spcAft>
-              <a:buFont typeface="Arial" panose="020B0604020202020204" pitchFamily="34" charset="0"/>
-              <a:buChar char="•"/>
-              <a:defRPr kern="1200">
-                <a:solidFill>
-                  <a:schemeClr val="bg1"/>
-                </a:solidFill>
-                <a:latin typeface="+mn-lt"/>
-                <a:ea typeface="+mn-ea"/>
-                <a:cs typeface="+mn-cs"/>
-              </a:defRPr>
-            </a:lvl3pPr>
-            <a:lvl4pPr marL="2284730" indent="-457200" algn="l" rtl="0" eaLnBrk="0" fontAlgn="base" hangingPunct="0">
-              <a:spcBef>
-                <a:spcPct val="20000"/>
-              </a:spcBef>
-              <a:spcAft>
-                <a:spcPct val="0"/>
-              </a:spcAft>
-              <a:buFont typeface="Arial" panose="020B0604020202020204" pitchFamily="34" charset="0"/>
-              <a:buChar char="•"/>
-              <a:defRPr kern="1200">
-                <a:solidFill>
-                  <a:schemeClr val="bg1"/>
-                </a:solidFill>
-                <a:latin typeface="+mn-lt"/>
-                <a:ea typeface="+mn-ea"/>
-                <a:cs typeface="+mn-cs"/>
-              </a:defRPr>
-            </a:lvl4pPr>
-            <a:lvl5pPr marL="2894330" indent="-457200" algn="l" rtl="0" eaLnBrk="0" fontAlgn="base" hangingPunct="0">
-              <a:spcBef>
-                <a:spcPct val="20000"/>
-              </a:spcBef>
-              <a:spcAft>
-                <a:spcPct val="0"/>
-              </a:spcAft>
-              <a:buFont typeface="Arial" panose="020B0604020202020204" pitchFamily="34" charset="0"/>
-              <a:buChar char="•"/>
-              <a:defRPr kern="1200">
-                <a:solidFill>
-                  <a:schemeClr val="bg1"/>
-                </a:solidFill>
-                <a:latin typeface="+mn-lt"/>
-                <a:ea typeface="+mn-ea"/>
-                <a:cs typeface="+mn-cs"/>
-              </a:defRPr>
-            </a:lvl5pPr>
-            <a:lvl6pPr marL="3352800" indent="-304800" algn="l" defTabSz="1218565" rtl="0" eaLnBrk="1" latinLnBrk="0" hangingPunct="1">
-              <a:spcBef>
-                <a:spcPct val="20000"/>
-              </a:spcBef>
-              <a:buFont typeface="Arial" panose="020B0604020202020204" pitchFamily="34" charset="0"/>
-              <a:buChar char="•"/>
-              <a:defRPr sz="2665" kern="1200">
-                <a:solidFill>
-                  <a:schemeClr val="tx1"/>
-                </a:solidFill>
-                <a:latin typeface="+mn-lt"/>
-                <a:ea typeface="+mn-ea"/>
-                <a:cs typeface="+mn-cs"/>
-              </a:defRPr>
-            </a:lvl6pPr>
-            <a:lvl7pPr marL="3962400" indent="-304800" algn="l" defTabSz="1218565" rtl="0" eaLnBrk="1" latinLnBrk="0" hangingPunct="1">
-              <a:spcBef>
-                <a:spcPct val="20000"/>
-              </a:spcBef>
-              <a:buFont typeface="Arial" panose="020B0604020202020204" pitchFamily="34" charset="0"/>
-              <a:buChar char="•"/>
-              <a:defRPr sz="2665" kern="1200">
-                <a:solidFill>
-                  <a:schemeClr val="tx1"/>
-                </a:solidFill>
-                <a:latin typeface="+mn-lt"/>
-                <a:ea typeface="+mn-ea"/>
-                <a:cs typeface="+mn-cs"/>
-              </a:defRPr>
-            </a:lvl7pPr>
-            <a:lvl8pPr marL="4572000" indent="-304800" algn="l" defTabSz="1218565" rtl="0" eaLnBrk="1" latinLnBrk="0" hangingPunct="1">
-              <a:spcBef>
-                <a:spcPct val="20000"/>
-              </a:spcBef>
-              <a:buFont typeface="Arial" panose="020B0604020202020204" pitchFamily="34" charset="0"/>
-              <a:buChar char="•"/>
-              <a:defRPr sz="2665" kern="1200">
-                <a:solidFill>
-                  <a:schemeClr val="tx1"/>
-                </a:solidFill>
-                <a:latin typeface="+mn-lt"/>
-                <a:ea typeface="+mn-ea"/>
-                <a:cs typeface="+mn-cs"/>
-              </a:defRPr>
-            </a:lvl8pPr>
-            <a:lvl9pPr marL="5181600" indent="-304800" algn="l" defTabSz="1218565" rtl="0" eaLnBrk="1" latinLnBrk="0" hangingPunct="1">
-              <a:spcBef>
-                <a:spcPct val="20000"/>
-              </a:spcBef>
-              <a:buFont typeface="Arial" panose="020B0604020202020204" pitchFamily="34" charset="0"/>
-              <a:buChar char="•"/>
-              <a:defRPr sz="2665" kern="1200">
-                <a:solidFill>
-                  <a:schemeClr val="tx1"/>
-                </a:solidFill>
-                <a:latin typeface="+mn-lt"/>
-                <a:ea typeface="+mn-ea"/>
-                <a:cs typeface="+mn-cs"/>
-              </a:defRPr>
-            </a:lvl9pPr>
-          </a:lstStyle>
-          <a:p>
-            <a:pPr marL="0" indent="0">
-              <a:buNone/>
-            </a:pPr>
-            <a:r>
-              <a:rPr lang="en-US" altLang="zh-CN" sz="1600">
-                <a:solidFill>
-                  <a:schemeClr val="bg1">
-                    <a:lumMod val="75000"/>
-                  </a:schemeClr>
-                </a:solidFill>
-              </a:rPr>
-              <a:t>HTML</a:t>
-            </a:r>
-            <a:r>
-              <a:rPr lang="zh-CN" altLang="en-US" sz="1600">
-                <a:solidFill>
-                  <a:schemeClr val="bg1">
-                    <a:lumMod val="75000"/>
-                  </a:schemeClr>
-                </a:solidFill>
-              </a:rPr>
-              <a:t>渲染结果：</a:t>
-            </a:r>
-            <a:endParaRPr lang="zh-CN" altLang="en-US" sz="1600">
-              <a:solidFill>
-                <a:schemeClr val="bg1">
-                  <a:lumMod val="75000"/>
-                </a:schemeClr>
-              </a:solidFill>
-            </a:endParaRPr>
-          </a:p>
-        </p:txBody>
-      </p:sp>
-      <p:sp>
-        <p:nvSpPr>
           <p:cNvPr id="2" name="标题 1"/>
           <p:cNvSpPr/>
           <p:nvPr>
@@ -18184,15 +16568,124 @@
           <a:p>
             <a:r>
               <a:rPr lang="zh-CN" altLang="en-US"/>
-              <a:t>计算属性</a:t>
-            </a:r>
-            <a:endParaRPr lang="zh-CN" altLang="en-US"/>
-          </a:p>
-        </p:txBody>
-      </p:sp>
+              <a:t>方法</a:t>
+            </a:r>
+            <a:br>
+              <a:rPr lang="zh-CN" altLang="en-US"/>
+            </a:br>
+            <a:r>
+              <a:rPr lang="en-US" altLang="zh-CN"/>
+              <a:t>Methods</a:t>
+            </a:r>
+            <a:endParaRPr lang="en-US" altLang="zh-CN"/>
+          </a:p>
+        </p:txBody>
+      </p:sp>
+      <p:sp>
+        <p:nvSpPr>
+          <p:cNvPr id="4" name="文本框 3"/>
+          <p:cNvSpPr txBox="1"/>
+          <p:nvPr/>
+        </p:nvSpPr>
+        <p:spPr>
+          <a:xfrm>
+            <a:off x="27940" y="2829560"/>
+            <a:ext cx="12136755" cy="1198880"/>
+          </a:xfrm>
+          <a:prstGeom prst="rect">
+            <a:avLst/>
+          </a:prstGeom>
+          <a:noFill/>
+        </p:spPr>
+        <p:txBody>
+          <a:bodyPr wrap="square" rtlCol="0">
+            <a:spAutoFit/>
+          </a:bodyPr>
+          <a:p>
+            <a:pPr algn="l"/>
+            <a:r>
+              <a:rPr lang="en-US" altLang="zh-CN" sz="3600">
+                <a:solidFill>
+                  <a:schemeClr val="bg1"/>
+                </a:solidFill>
+              </a:rPr>
+              <a:t>1</a:t>
+            </a:r>
+            <a:r>
+              <a:rPr lang="zh-CN" altLang="en-US" sz="3600">
+                <a:solidFill>
+                  <a:schemeClr val="bg1"/>
+                </a:solidFill>
+              </a:rPr>
+              <a:t>、封装功能代码</a:t>
+            </a:r>
+            <a:r>
+              <a:rPr lang="en-US" altLang="zh-CN" sz="3600">
+                <a:solidFill>
+                  <a:schemeClr val="bg1"/>
+                </a:solidFill>
+              </a:rPr>
+              <a:t>(</a:t>
+            </a:r>
+            <a:r>
+              <a:rPr lang="zh-CN" altLang="zh-CN" sz="3600">
+                <a:solidFill>
+                  <a:schemeClr val="bg1"/>
+                </a:solidFill>
+              </a:rPr>
+              <a:t>从作用的角度</a:t>
+            </a:r>
+            <a:r>
+              <a:rPr lang="en-US" altLang="zh-CN" sz="3600">
+                <a:solidFill>
+                  <a:schemeClr val="bg1"/>
+                </a:solidFill>
+              </a:rPr>
+              <a:t>)</a:t>
+            </a:r>
+            <a:endParaRPr lang="en-US" altLang="zh-CN" sz="3600">
+              <a:solidFill>
+                <a:schemeClr val="bg1"/>
+              </a:solidFill>
+            </a:endParaRPr>
+          </a:p>
+          <a:p>
+            <a:pPr algn="l"/>
+            <a:endParaRPr lang="en-US" altLang="zh-CN" sz="3600">
+              <a:solidFill>
+                <a:schemeClr val="bg1"/>
+              </a:solidFill>
+            </a:endParaRPr>
+          </a:p>
+        </p:txBody>
+      </p:sp>
+      <p:pic>
+        <p:nvPicPr>
+          <p:cNvPr id="3" name="图片 2"/>
+          <p:cNvPicPr>
+            <a:picLocks noChangeAspect="1"/>
+          </p:cNvPicPr>
+          <p:nvPr/>
+        </p:nvPicPr>
+        <p:blipFill>
+          <a:blip r:embed="rId1"/>
+          <a:stretch>
+            <a:fillRect/>
+          </a:stretch>
+        </p:blipFill>
+        <p:spPr>
+          <a:xfrm>
+            <a:off x="8052435" y="3333750"/>
+            <a:ext cx="3904615" cy="3361690"/>
+          </a:xfrm>
+          <a:prstGeom prst="rect">
+            <a:avLst/>
+          </a:prstGeom>
+        </p:spPr>
+      </p:pic>
     </p:spTree>
     <p:custDataLst>
-      <p:tags r:id="rId1"/>
+      <p:tags r:id="rId2"/>
     </p:custDataLst>
   </p:cSld>
   <p:clrMapOvr>
@@ -18218,466 +16711,30 @@
           <a:chExt cx="0" cy="0"/>
         </a:xfrm>
       </p:grpSpPr>
-      <p:sp>
-        <p:nvSpPr>
-          <p:cNvPr id="9" name="矩形 8"/>
-          <p:cNvSpPr/>
+      <p:pic>
+        <p:nvPicPr>
+          <p:cNvPr id="5" name="图片 4"/>
+          <p:cNvPicPr>
+            <a:picLocks noChangeAspect="1"/>
+          </p:cNvPicPr>
           <p:nvPr/>
-        </p:nvSpPr>
+        </p:nvPicPr>
+        <p:blipFill>
+          <a:blip r:embed="rId1"/>
+          <a:stretch>
+            <a:fillRect/>
+          </a:stretch>
+        </p:blipFill>
         <p:spPr>
           <a:xfrm>
-            <a:off x="137160" y="1965960"/>
-            <a:ext cx="11925300" cy="4633595"/>
+            <a:off x="5724525" y="3385820"/>
+            <a:ext cx="6466840" cy="3475990"/>
           </a:xfrm>
           <a:prstGeom prst="rect">
             <a:avLst/>
           </a:prstGeom>
-          <a:solidFill>
-            <a:schemeClr val="tx1">
-              <a:lumMod val="75000"/>
-              <a:lumOff val="25000"/>
-            </a:schemeClr>
-          </a:solidFill>
-          <a:ln>
-            <a:noFill/>
-          </a:ln>
-          <a:effectLst>
-            <a:glow rad="228600">
-              <a:schemeClr val="accent6">
-                <a:satMod val="175000"/>
-                <a:alpha val="40000"/>
-              </a:schemeClr>
-            </a:glow>
-          </a:effectLst>
         </p:spPr>
-        <p:style>
-          <a:lnRef idx="2">
-            <a:schemeClr val="accent1">
-              <a:shade val="50000"/>
-            </a:schemeClr>
-          </a:lnRef>
-          <a:fillRef idx="1">
-            <a:schemeClr val="accent1"/>
-          </a:fillRef>
-          <a:effectRef idx="0">
-            <a:schemeClr val="accent1"/>
-          </a:effectRef>
-          <a:fontRef idx="minor">
-            <a:schemeClr val="lt1"/>
-          </a:fontRef>
-        </p:style>
-        <p:txBody>
-          <a:bodyPr rtlCol="0" anchor="ctr"/>
-          <a:p>
-            <a:pPr algn="ctr"/>
-            <a:endParaRPr lang="zh-CN" altLang="en-US">
-              <a:effectLst>
-                <a:glow rad="63500">
-                  <a:schemeClr val="accent2">
-                    <a:satMod val="175000"/>
-                    <a:alpha val="40000"/>
-                  </a:schemeClr>
-                </a:glow>
-              </a:effectLst>
-            </a:endParaRPr>
-          </a:p>
-        </p:txBody>
-      </p:sp>
-      <p:sp>
-        <p:nvSpPr>
-          <p:cNvPr id="6" name="文本框 2"/>
-          <p:cNvSpPr txBox="1">
-            <a:spLocks noChangeArrowheads="1"/>
-          </p:cNvSpPr>
-          <p:nvPr/>
-        </p:nvSpPr>
-        <p:spPr bwMode="auto">
-          <a:xfrm>
-            <a:off x="243205" y="2209165"/>
-            <a:ext cx="11677650" cy="3538220"/>
-          </a:xfrm>
-          <a:prstGeom prst="rect">
-            <a:avLst/>
-          </a:prstGeom>
-          <a:noFill/>
-          <a:ln>
-            <a:noFill/>
-          </a:ln>
-          <a:extLst>
-            <a:ext uri="{909E8E84-426E-40DD-AFC4-6F175D3DCCD1}">
-              <a14:hiddenFill xmlns:a14="http://schemas.microsoft.com/office/drawing/2010/main">
-                <a:solidFill>
-                  <a:srgbClr val="FFFFFF"/>
-                </a:solidFill>
-              </a14:hiddenFill>
-            </a:ext>
-            <a:ext uri="{91240B29-F687-4F45-9708-019B960494DF}">
-              <a14:hiddenLine xmlns:a14="http://schemas.microsoft.com/office/drawing/2010/main" w="9525">
-                <a:solidFill>
-                  <a:srgbClr val="000000"/>
-                </a:solidFill>
-                <a:miter lim="800000"/>
-                <a:headEnd/>
-                <a:tailEnd/>
-              </a14:hiddenLine>
-            </a:ext>
-          </a:extLst>
-        </p:spPr>
-        <p:txBody>
-          <a:bodyPr wrap="square">
-            <a:spAutoFit/>
-          </a:bodyPr>
-          <a:p>
-            <a:pPr marL="0" indent="0">
-              <a:buNone/>
-            </a:pPr>
-            <a:r>
-              <a:rPr lang="en-US" altLang="zh-CN" sz="2800">
-                <a:solidFill>
-                  <a:srgbClr val="2F7CC0"/>
-                </a:solidFill>
-                <a:sym typeface="+mn-ea"/>
-              </a:rPr>
-              <a:t>var</a:t>
-            </a:r>
-            <a:r>
-              <a:rPr lang="en-US" altLang="zh-CN" sz="2800">
-                <a:solidFill>
-                  <a:schemeClr val="bg1">
-                    <a:lumMod val="95000"/>
-                  </a:schemeClr>
-                </a:solidFill>
-                <a:sym typeface="+mn-ea"/>
-              </a:rPr>
-              <a:t> </a:t>
-            </a:r>
-            <a:r>
-              <a:rPr lang="en-US" altLang="zh-CN" sz="2800">
-                <a:solidFill>
-                  <a:schemeClr val="accent5">
-                    <a:lumMod val="60000"/>
-                    <a:lumOff val="40000"/>
-                  </a:schemeClr>
-                </a:solidFill>
-                <a:sym typeface="+mn-ea"/>
-              </a:rPr>
-              <a:t>app</a:t>
-            </a:r>
-            <a:r>
-              <a:rPr lang="en-US" altLang="zh-CN" sz="2800">
-                <a:solidFill>
-                  <a:schemeClr val="bg1">
-                    <a:lumMod val="95000"/>
-                  </a:schemeClr>
-                </a:solidFill>
-                <a:sym typeface="+mn-ea"/>
-              </a:rPr>
-              <a:t> = </a:t>
-            </a:r>
-            <a:r>
-              <a:rPr lang="en-US" altLang="zh-CN" sz="2800">
-                <a:solidFill>
-                  <a:srgbClr val="2F7CC0"/>
-                </a:solidFill>
-                <a:sym typeface="+mn-ea"/>
-              </a:rPr>
-              <a:t>new</a:t>
-            </a:r>
-            <a:r>
-              <a:rPr lang="en-US" altLang="zh-CN" sz="2800">
-                <a:solidFill>
-                  <a:schemeClr val="bg1">
-                    <a:lumMod val="95000"/>
-                  </a:schemeClr>
-                </a:solidFill>
-                <a:sym typeface="+mn-ea"/>
-              </a:rPr>
-              <a:t> </a:t>
-            </a:r>
-            <a:r>
-              <a:rPr lang="en-US" altLang="zh-CN" sz="2800">
-                <a:solidFill>
-                  <a:srgbClr val="92D050"/>
-                </a:solidFill>
-                <a:sym typeface="+mn-ea"/>
-              </a:rPr>
-              <a:t>Vue</a:t>
-            </a:r>
-            <a:r>
-              <a:rPr lang="en-US" altLang="zh-CN" sz="2800">
-                <a:solidFill>
-                  <a:schemeClr val="bg1">
-                    <a:lumMod val="95000"/>
-                  </a:schemeClr>
-                </a:solidFill>
-                <a:sym typeface="+mn-ea"/>
-              </a:rPr>
-              <a:t>({</a:t>
-            </a:r>
-            <a:endParaRPr lang="en-US" altLang="zh-CN" sz="2800">
-              <a:solidFill>
-                <a:schemeClr val="bg1">
-                  <a:lumMod val="95000"/>
-                </a:schemeClr>
-              </a:solidFill>
-              <a:sym typeface="+mn-ea"/>
-            </a:endParaRPr>
-          </a:p>
-          <a:p>
-            <a:pPr marL="0" indent="0">
-              <a:buNone/>
-            </a:pPr>
-            <a:r>
-              <a:rPr lang="en-US" altLang="zh-CN" sz="2800">
-                <a:solidFill>
-                  <a:schemeClr val="bg1">
-                    <a:lumMod val="95000"/>
-                  </a:schemeClr>
-                </a:solidFill>
-                <a:sym typeface="+mn-ea"/>
-              </a:rPr>
-              <a:t>  </a:t>
-            </a:r>
-            <a:r>
-              <a:rPr lang="en-US" altLang="zh-CN" sz="2800">
-                <a:solidFill>
-                  <a:schemeClr val="accent5">
-                    <a:lumMod val="60000"/>
-                    <a:lumOff val="40000"/>
-                  </a:schemeClr>
-                </a:solidFill>
-                <a:sym typeface="+mn-ea"/>
-              </a:rPr>
-              <a:t>el</a:t>
-            </a:r>
-            <a:r>
-              <a:rPr lang="en-US" altLang="zh-CN" sz="2800">
-                <a:solidFill>
-                  <a:schemeClr val="bg1">
-                    <a:lumMod val="95000"/>
-                  </a:schemeClr>
-                </a:solidFill>
-                <a:sym typeface="+mn-ea"/>
-              </a:rPr>
-              <a:t>: </a:t>
-            </a:r>
-            <a:r>
-              <a:rPr lang="en-US" altLang="zh-CN" sz="2800">
-                <a:solidFill>
-                  <a:srgbClr val="FF8D41"/>
-                </a:solidFill>
-                <a:sym typeface="+mn-ea"/>
-              </a:rPr>
-              <a:t>'#app'</a:t>
-            </a:r>
-            <a:r>
-              <a:rPr lang="en-US" altLang="zh-CN" sz="2800">
-                <a:solidFill>
-                  <a:schemeClr val="bg1">
-                    <a:lumMod val="95000"/>
-                  </a:schemeClr>
-                </a:solidFill>
-                <a:sym typeface="+mn-ea"/>
-              </a:rPr>
-              <a:t>,</a:t>
-            </a:r>
-            <a:endParaRPr lang="en-US" altLang="zh-CN" sz="2800">
-              <a:solidFill>
-                <a:schemeClr val="bg1">
-                  <a:lumMod val="95000"/>
-                </a:schemeClr>
-              </a:solidFill>
-              <a:sym typeface="+mn-ea"/>
-            </a:endParaRPr>
-          </a:p>
-          <a:p>
-            <a:pPr marL="0" indent="0">
-              <a:buNone/>
-            </a:pPr>
-            <a:r>
-              <a:rPr lang="en-US" altLang="zh-CN" sz="2800">
-                <a:solidFill>
-                  <a:schemeClr val="bg1">
-                    <a:lumMod val="95000"/>
-                  </a:schemeClr>
-                </a:solidFill>
-                <a:sym typeface="+mn-ea"/>
-              </a:rPr>
-              <a:t>  </a:t>
-            </a:r>
-            <a:r>
-              <a:rPr lang="en-US" altLang="zh-CN" sz="2800">
-                <a:solidFill>
-                  <a:schemeClr val="accent5">
-                    <a:lumMod val="60000"/>
-                    <a:lumOff val="40000"/>
-                  </a:schemeClr>
-                </a:solidFill>
-                <a:sym typeface="+mn-ea"/>
-              </a:rPr>
-              <a:t>data</a:t>
-            </a:r>
-            <a:r>
-              <a:rPr lang="en-US" altLang="zh-CN" sz="2800">
-                <a:solidFill>
-                  <a:schemeClr val="bg1">
-                    <a:lumMod val="95000"/>
-                  </a:schemeClr>
-                </a:solidFill>
-                <a:sym typeface="+mn-ea"/>
-              </a:rPr>
-              <a:t>: {</a:t>
-            </a:r>
-            <a:endParaRPr lang="en-US" altLang="zh-CN" sz="2800">
-              <a:solidFill>
-                <a:schemeClr val="bg1">
-                  <a:lumMod val="95000"/>
-                </a:schemeClr>
-              </a:solidFill>
-              <a:sym typeface="+mn-ea"/>
-            </a:endParaRPr>
-          </a:p>
-          <a:p>
-            <a:pPr marL="0" indent="0">
-              <a:buNone/>
-            </a:pPr>
-            <a:r>
-              <a:rPr lang="en-US" altLang="zh-CN" sz="2800">
-                <a:solidFill>
-                  <a:schemeClr val="bg1">
-                    <a:lumMod val="95000"/>
-                  </a:schemeClr>
-                </a:solidFill>
-                <a:sym typeface="+mn-ea"/>
-              </a:rPr>
-              <a:t>    </a:t>
-            </a:r>
-            <a:r>
-              <a:rPr lang="en-US" altLang="zh-CN" sz="2800">
-                <a:solidFill>
-                  <a:schemeClr val="accent5">
-                    <a:lumMod val="60000"/>
-                    <a:lumOff val="40000"/>
-                  </a:schemeClr>
-                </a:solidFill>
-                <a:sym typeface="+mn-ea"/>
-              </a:rPr>
-              <a:t>message</a:t>
-            </a:r>
-            <a:r>
-              <a:rPr lang="en-US" altLang="zh-CN" sz="2800">
-                <a:solidFill>
-                  <a:schemeClr val="bg1">
-                    <a:lumMod val="95000"/>
-                  </a:schemeClr>
-                </a:solidFill>
-                <a:sym typeface="+mn-ea"/>
-              </a:rPr>
-              <a:t>: </a:t>
-            </a:r>
-            <a:r>
-              <a:rPr lang="en-US" altLang="zh-CN" sz="2800">
-                <a:solidFill>
-                  <a:srgbClr val="FF8D41"/>
-                </a:solidFill>
-                <a:sym typeface="+mn-ea"/>
-              </a:rPr>
-              <a:t>'Hello Vue!'</a:t>
-            </a:r>
-            <a:endParaRPr lang="en-US" altLang="zh-CN" sz="2800">
-              <a:solidFill>
-                <a:srgbClr val="FF8D41"/>
-              </a:solidFill>
-              <a:sym typeface="+mn-ea"/>
-            </a:endParaRPr>
-          </a:p>
-          <a:p>
-            <a:pPr marL="0" indent="0">
-              <a:buNone/>
-            </a:pPr>
-            <a:r>
-              <a:rPr lang="en-US" altLang="zh-CN" sz="2800">
-                <a:solidFill>
-                  <a:schemeClr val="bg1">
-                    <a:lumMod val="95000"/>
-                  </a:schemeClr>
-                </a:solidFill>
-                <a:sym typeface="+mn-ea"/>
-              </a:rPr>
-              <a:t>  }</a:t>
-            </a:r>
-            <a:endParaRPr lang="en-US" altLang="zh-CN" sz="2800">
-              <a:solidFill>
-                <a:schemeClr val="bg1">
-                  <a:lumMod val="95000"/>
-                </a:schemeClr>
-              </a:solidFill>
-              <a:sym typeface="+mn-ea"/>
-            </a:endParaRPr>
-          </a:p>
-          <a:p>
-            <a:pPr marL="0" indent="0">
-              <a:buNone/>
-            </a:pPr>
-            <a:r>
-              <a:rPr lang="en-US" altLang="zh-CN" sz="2800">
-                <a:solidFill>
-                  <a:schemeClr val="bg1">
-                    <a:lumMod val="95000"/>
-                  </a:schemeClr>
-                </a:solidFill>
-                <a:sym typeface="+mn-ea"/>
-              </a:rPr>
-              <a:t>})</a:t>
-            </a:r>
-            <a:endParaRPr lang="en-US" altLang="zh-CN" sz="2800">
-              <a:solidFill>
-                <a:schemeClr val="bg1">
-                  <a:lumMod val="95000"/>
-                </a:schemeClr>
-              </a:solidFill>
-              <a:sym typeface="+mn-ea"/>
-            </a:endParaRPr>
-          </a:p>
-          <a:p>
-            <a:pPr marL="0" indent="0">
-              <a:buNone/>
-            </a:pPr>
-            <a:endParaRPr lang="en-US" altLang="zh-CN" sz="2800">
-              <a:solidFill>
-                <a:schemeClr val="bg1">
-                  <a:lumMod val="95000"/>
-                </a:schemeClr>
-              </a:solidFill>
-              <a:sym typeface="+mn-ea"/>
-            </a:endParaRPr>
-          </a:p>
-          <a:p>
-            <a:pPr marL="0" indent="0">
-              <a:buNone/>
-            </a:pPr>
-            <a:r>
-              <a:rPr lang="en-US" altLang="zh-CN" sz="2800">
-                <a:solidFill>
-                  <a:schemeClr val="bg1">
-                    <a:lumMod val="95000"/>
-                  </a:schemeClr>
-                </a:solidFill>
-                <a:sym typeface="+mn-ea"/>
-              </a:rPr>
-              <a:t>app.$data.message == app.message</a:t>
-            </a:r>
-            <a:endParaRPr lang="en-US" altLang="zh-CN" sz="2800">
-              <a:solidFill>
-                <a:schemeClr val="bg1">
-                  <a:lumMod val="95000"/>
-                </a:schemeClr>
-              </a:solidFill>
-              <a:sym typeface="+mn-ea"/>
-            </a:endParaRPr>
-          </a:p>
-        </p:txBody>
-      </p:sp>
+      </p:pic>
       <p:sp>
         <p:nvSpPr>
           <p:cNvPr id="2" name="标题 1"/>
@@ -18697,15 +16754,137 @@
           <a:p>
             <a:r>
               <a:rPr lang="zh-CN" altLang="en-US"/>
-              <a:t>实例属性</a:t>
-            </a:r>
-            <a:endParaRPr lang="zh-CN" altLang="en-US"/>
+              <a:t>观察者</a:t>
+            </a:r>
+            <a:br>
+              <a:rPr lang="zh-CN" altLang="en-US"/>
+            </a:br>
+            <a:r>
+              <a:rPr lang="en-US" altLang="zh-CN"/>
+              <a:t>Watchers</a:t>
+            </a:r>
+            <a:endParaRPr lang="en-US" altLang="zh-CN"/>
+          </a:p>
+        </p:txBody>
+      </p:sp>
+      <p:sp>
+        <p:nvSpPr>
+          <p:cNvPr id="4" name="文本框 3"/>
+          <p:cNvSpPr txBox="1"/>
+          <p:nvPr/>
+        </p:nvSpPr>
+        <p:spPr>
+          <a:xfrm>
+            <a:off x="27940" y="2269490"/>
+            <a:ext cx="12136755" cy="645160"/>
+          </a:xfrm>
+          <a:prstGeom prst="rect">
+            <a:avLst/>
+          </a:prstGeom>
+          <a:noFill/>
+        </p:spPr>
+        <p:txBody>
+          <a:bodyPr wrap="square" rtlCol="0">
+            <a:spAutoFit/>
+          </a:bodyPr>
+          <a:p>
+            <a:pPr algn="l"/>
+            <a:r>
+              <a:rPr lang="en-US" altLang="zh-CN" sz="3600">
+                <a:solidFill>
+                  <a:schemeClr val="bg1"/>
+                </a:solidFill>
+              </a:rPr>
+              <a:t>1</a:t>
+            </a:r>
+            <a:r>
+              <a:rPr lang="zh-CN" altLang="en-US" sz="3600">
+                <a:solidFill>
+                  <a:schemeClr val="bg1"/>
+                </a:solidFill>
+              </a:rPr>
+              <a:t>、封装功能代码</a:t>
+            </a:r>
+            <a:r>
+              <a:rPr lang="en-US" altLang="zh-CN" sz="3600">
+                <a:solidFill>
+                  <a:schemeClr val="bg1"/>
+                </a:solidFill>
+              </a:rPr>
+              <a:t>(</a:t>
+            </a:r>
+            <a:r>
+              <a:rPr lang="zh-CN" altLang="zh-CN" sz="3600">
+                <a:solidFill>
+                  <a:schemeClr val="bg1"/>
+                </a:solidFill>
+              </a:rPr>
+              <a:t>从作用的角度</a:t>
+            </a:r>
+            <a:r>
+              <a:rPr lang="en-US" altLang="zh-CN" sz="3600">
+                <a:solidFill>
+                  <a:schemeClr val="bg1"/>
+                </a:solidFill>
+              </a:rPr>
+              <a:t>)</a:t>
+            </a:r>
+            <a:endParaRPr lang="en-US" altLang="zh-CN" sz="3600">
+              <a:solidFill>
+                <a:schemeClr val="bg1"/>
+              </a:solidFill>
+            </a:endParaRPr>
+          </a:p>
+        </p:txBody>
+      </p:sp>
+      <p:sp>
+        <p:nvSpPr>
+          <p:cNvPr id="3" name="文本框 2"/>
+          <p:cNvSpPr txBox="1"/>
+          <p:nvPr/>
+        </p:nvSpPr>
+        <p:spPr>
+          <a:xfrm>
+            <a:off x="27305" y="1589405"/>
+            <a:ext cx="12137390" cy="583565"/>
+          </a:xfrm>
+          <a:prstGeom prst="rect">
+            <a:avLst/>
+          </a:prstGeom>
+          <a:noFill/>
+        </p:spPr>
+        <p:txBody>
+          <a:bodyPr wrap="square" rtlCol="0">
+            <a:spAutoFit/>
+          </a:bodyPr>
+          <a:p>
+            <a:r>
+              <a:rPr lang="zh-CN" altLang="zh-CN" sz="3200" b="1">
+                <a:solidFill>
+                  <a:schemeClr val="tx1"/>
+                </a:solidFill>
+              </a:rPr>
+              <a:t>关键字：</a:t>
+            </a:r>
+            <a:r>
+              <a:rPr lang="en-US" altLang="zh-CN" sz="3200" b="1">
+                <a:solidFill>
+                  <a:schemeClr val="tx1"/>
+                </a:solidFill>
+              </a:rPr>
+              <a:t>Watch</a:t>
+            </a:r>
+            <a:endParaRPr lang="en-US" altLang="zh-CN" sz="3200" b="1">
+              <a:solidFill>
+                <a:schemeClr val="tx1"/>
+              </a:solidFill>
+            </a:endParaRPr>
           </a:p>
         </p:txBody>
       </p:sp>
     </p:spTree>
     <p:custDataLst>
-      <p:tags r:id="rId1"/>
+      <p:tags r:id="rId2"/>
     </p:custDataLst>
   </p:cSld>
   <p:clrMapOvr>

--- a/vue/成稿.pptx
+++ b/vue/成稿.pptx
@@ -29,13 +29,16 @@
     <p:sldId id="747" r:id="rId22"/>
     <p:sldId id="746" r:id="rId23"/>
     <p:sldId id="744" r:id="rId24"/>
-    <p:sldId id="762" r:id="rId25"/>
-    <p:sldId id="755" r:id="rId26"/>
-    <p:sldId id="756" r:id="rId27"/>
-    <p:sldId id="754" r:id="rId28"/>
-    <p:sldId id="752" r:id="rId29"/>
-    <p:sldId id="763" r:id="rId30"/>
-    <p:sldId id="764" r:id="rId31"/>
+    <p:sldId id="769" r:id="rId25"/>
+    <p:sldId id="762" r:id="rId26"/>
+    <p:sldId id="755" r:id="rId27"/>
+    <p:sldId id="756" r:id="rId28"/>
+    <p:sldId id="754" r:id="rId29"/>
+    <p:sldId id="778" r:id="rId30"/>
+    <p:sldId id="752" r:id="rId31"/>
+    <p:sldId id="763" r:id="rId32"/>
+    <p:sldId id="764" r:id="rId33"/>
+    <p:sldId id="770" r:id="rId34"/>
   </p:sldIdLst>
   <p:sldSz cx="12192000" cy="6858000"/>
   <p:notesSz cx="7103745" cy="10234295"/>
@@ -15479,7 +15482,7 @@
 </file>
 
 <file path=ppt/slides/slide20.xml><?xml version="1.0" encoding="utf-8"?>
-<p:sld xmlns:a="http://schemas.openxmlformats.org/drawingml/2006/main" xmlns:r="http://schemas.openxmlformats.org/officeDocument/2006/relationships" xmlns:p="http://schemas.openxmlformats.org/presentationml/2006/main">
+<p:sld xmlns:a="http://schemas.openxmlformats.org/drawingml/2006/main" xmlns:r="http://schemas.openxmlformats.org/officeDocument/2006/relationships" xmlns:p="http://schemas.openxmlformats.org/presentationml/2006/main" show="0">
   <p:cSld>
     <p:spTree>
       <p:nvGrpSpPr>
@@ -15611,6 +15614,7 @@
   <p:clrMapOvr>
     <a:masterClrMapping/>
   </p:clrMapOvr>
+  <p:transition/>
 </p:sld>
 </file>
 
@@ -15641,8 +15645,8 @@
         </p:nvSpPr>
         <p:spPr>
           <a:xfrm>
-            <a:off x="3229806" y="490390"/>
-            <a:ext cx="5973688" cy="707916"/>
+            <a:off x="3229610" y="267970"/>
+            <a:ext cx="5973445" cy="930275"/>
           </a:xfrm>
         </p:spPr>
         <p:txBody>
@@ -15650,9 +15654,16 @@
           <a:p>
             <a:r>
               <a:rPr lang="zh-CN" altLang="en-US"/>
-              <a:t>计算属性</a:t>
-            </a:r>
-            <a:endParaRPr lang="zh-CN" altLang="en-US"/>
+              <a:t>方法</a:t>
+            </a:r>
+            <a:br>
+              <a:rPr lang="zh-CN" altLang="en-US"/>
+            </a:br>
+            <a:r>
+              <a:rPr lang="en-US" altLang="zh-CN"/>
+              <a:t>Methods</a:t>
+            </a:r>
+            <a:endParaRPr lang="en-US" altLang="zh-CN"/>
           </a:p>
         </p:txBody>
       </p:sp>
@@ -15692,13 +15703,23 @@
                   <a:schemeClr val="bg1"/>
                 </a:solidFill>
               </a:rPr>
-              <a:t>、提供计算功能</a:t>
+              <a:t>、</a:t>
+            </a:r>
+            <a:r>
+              <a:rPr lang="zh-CN" altLang="en-US" sz="3600">
+                <a:solidFill>
+                  <a:schemeClr val="bg1"/>
+                </a:solidFill>
+                <a:sym typeface="+mn-ea"/>
+              </a:rPr>
+              <a:t>响应式</a:t>
             </a:r>
             <a:r>
               <a:rPr lang="en-US" altLang="zh-CN" sz="3600">
                 <a:solidFill>
                   <a:schemeClr val="bg1"/>
                 </a:solidFill>
+                <a:sym typeface="+mn-ea"/>
               </a:rPr>
               <a:t>(</a:t>
             </a:r>
@@ -15707,6 +15728,68 @@
                 <a:solidFill>
                   <a:schemeClr val="bg1"/>
                 </a:solidFill>
+                <a:sym typeface="+mn-ea"/>
+              </a:rPr>
+              <a:t>从特点来说</a:t>
+            </a:r>
+            <a:r>
+              <a:rPr lang="en-US" altLang="zh-CN" sz="3600">
+                <a:solidFill>
+                  <a:schemeClr val="bg1"/>
+                </a:solidFill>
+                <a:sym typeface="+mn-ea"/>
+              </a:rPr>
+              <a:t>)</a:t>
+            </a:r>
+            <a:endParaRPr lang="en-US" altLang="zh-CN" sz="3600">
+              <a:solidFill>
+                <a:schemeClr val="bg1"/>
+              </a:solidFill>
+              <a:sym typeface="+mn-ea"/>
+            </a:endParaRPr>
+          </a:p>
+          <a:p>
+            <a:pPr algn="l"/>
+            <a:r>
+              <a:rPr lang="en-US" altLang="zh-CN" sz="3600">
+                <a:solidFill>
+                  <a:schemeClr val="bg1"/>
+                </a:solidFill>
+              </a:rPr>
+              <a:t>2</a:t>
+            </a:r>
+            <a:r>
+              <a:rPr lang="zh-CN" altLang="en-US" sz="3600">
+                <a:solidFill>
+                  <a:schemeClr val="bg1"/>
+                </a:solidFill>
+              </a:rPr>
+              <a:t>、</a:t>
+            </a:r>
+            <a:r>
+              <a:rPr lang="zh-CN" altLang="en-US" sz="3600">
+                <a:solidFill>
+                  <a:schemeClr val="bg1"/>
+                </a:solidFill>
+                <a:sym typeface="+mn-ea"/>
+              </a:rPr>
+              <a:t>储存数据</a:t>
+            </a:r>
+            <a:r>
+              <a:rPr lang="en-US" altLang="zh-CN" sz="3600">
+                <a:solidFill>
+                  <a:schemeClr val="bg1"/>
+                </a:solidFill>
+                <a:sym typeface="+mn-ea"/>
+              </a:rPr>
+              <a:t>(</a:t>
+            </a:r>
+            <a:r>
+              <a:rPr lang="zh-CN" altLang="zh-CN" sz="3600">
+                <a:solidFill>
+                  <a:schemeClr val="bg1"/>
+                </a:solidFill>
+                <a:sym typeface="+mn-ea"/>
               </a:rPr>
               <a:t>从作用的角度</a:t>
             </a:r>
@@ -15715,6 +15798,7 @@
                 <a:solidFill>
                   <a:schemeClr val="bg1"/>
                 </a:solidFill>
+                <a:sym typeface="+mn-ea"/>
               </a:rPr>
               <a:t>)</a:t>
             </a:r>
@@ -15724,6 +15808,81 @@
               </a:solidFill>
             </a:endParaRPr>
           </a:p>
+        </p:txBody>
+      </p:sp>
+    </p:spTree>
+    <p:custDataLst>
+      <p:tags r:id="rId1"/>
+    </p:custDataLst>
+  </p:cSld>
+  <p:clrMapOvr>
+    <a:masterClrMapping/>
+  </p:clrMapOvr>
+</p:sld>
+</file>
+
+<file path=ppt/slides/slide22.xml><?xml version="1.0" encoding="utf-8"?>
+<p:sld xmlns:a="http://schemas.openxmlformats.org/drawingml/2006/main" xmlns:r="http://schemas.openxmlformats.org/officeDocument/2006/relationships" xmlns:p="http://schemas.openxmlformats.org/presentationml/2006/main">
+  <p:cSld>
+    <p:spTree>
+      <p:nvGrpSpPr>
+        <p:cNvPr id="1" name=""/>
+        <p:cNvGrpSpPr/>
+        <p:nvPr/>
+      </p:nvGrpSpPr>
+      <p:grpSpPr>
+        <a:xfrm>
+          <a:off x="0" y="0"/>
+          <a:ext cx="0" cy="0"/>
+          <a:chOff x="0" y="0"/>
+          <a:chExt cx="0" cy="0"/>
+        </a:xfrm>
+      </p:grpSpPr>
+      <p:sp>
+        <p:nvSpPr>
+          <p:cNvPr id="2" name="标题 1"/>
+          <p:cNvSpPr/>
+          <p:nvPr>
+            <p:ph type="ctrTitle"/>
+          </p:nvPr>
+        </p:nvSpPr>
+        <p:spPr>
+          <a:xfrm>
+            <a:off x="3229806" y="490390"/>
+            <a:ext cx="5973688" cy="707916"/>
+          </a:xfrm>
+        </p:spPr>
+        <p:txBody>
+          <a:bodyPr/>
+          <a:p>
+            <a:r>
+              <a:rPr lang="zh-CN" altLang="en-US"/>
+              <a:t>计算属性</a:t>
+            </a:r>
+            <a:endParaRPr lang="zh-CN" altLang="en-US"/>
+          </a:p>
+        </p:txBody>
+      </p:sp>
+      <p:sp>
+        <p:nvSpPr>
+          <p:cNvPr id="4" name="文本框 3"/>
+          <p:cNvSpPr txBox="1"/>
+          <p:nvPr/>
+        </p:nvSpPr>
+        <p:spPr>
+          <a:xfrm>
+            <a:off x="16510" y="2823210"/>
+            <a:ext cx="12136755" cy="2306955"/>
+          </a:xfrm>
+          <a:prstGeom prst="rect">
+            <a:avLst/>
+          </a:prstGeom>
+          <a:noFill/>
+        </p:spPr>
+        <p:txBody>
+          <a:bodyPr wrap="square" rtlCol="0">
+            <a:spAutoFit/>
+          </a:bodyPr>
           <a:p>
             <a:pPr algn="l"/>
             <a:r>
@@ -15731,6 +15890,69 @@
                 <a:solidFill>
                   <a:schemeClr val="bg1"/>
                 </a:solidFill>
+                <a:sym typeface="+mn-ea"/>
+              </a:rPr>
+              <a:t>1</a:t>
+            </a:r>
+            <a:r>
+              <a:rPr lang="zh-CN" altLang="en-US" sz="3600">
+                <a:solidFill>
+                  <a:schemeClr val="bg1"/>
+                </a:solidFill>
+                <a:sym typeface="+mn-ea"/>
+              </a:rPr>
+              <a:t>、通过属性名</a:t>
+            </a:r>
+            <a:r>
+              <a:rPr lang="zh-CN" altLang="zh-CN" sz="3600">
+                <a:solidFill>
+                  <a:schemeClr val="bg1"/>
+                </a:solidFill>
+                <a:sym typeface="+mn-ea"/>
+              </a:rPr>
+              <a:t>访问</a:t>
+            </a:r>
+            <a:r>
+              <a:rPr lang="en-US" altLang="zh-CN" sz="3600">
+                <a:solidFill>
+                  <a:schemeClr val="bg1"/>
+                </a:solidFill>
+                <a:sym typeface="+mn-ea"/>
+              </a:rPr>
+              <a:t>(</a:t>
+            </a:r>
+            <a:r>
+              <a:rPr lang="zh-CN" altLang="zh-CN" sz="3600">
+                <a:solidFill>
+                  <a:schemeClr val="bg1"/>
+                </a:solidFill>
+                <a:sym typeface="+mn-ea"/>
+              </a:rPr>
+              <a:t>访问方式</a:t>
+            </a:r>
+            <a:r>
+              <a:rPr lang="en-US" altLang="zh-CN" sz="3600">
+                <a:solidFill>
+                  <a:schemeClr val="bg1"/>
+                </a:solidFill>
+                <a:sym typeface="+mn-ea"/>
+              </a:rPr>
+              <a:t>)</a:t>
+            </a:r>
+            <a:endParaRPr lang="en-US" altLang="zh-CN" sz="3600">
+              <a:solidFill>
+                <a:schemeClr val="bg1"/>
+              </a:solidFill>
+              <a:sym typeface="+mn-ea"/>
+            </a:endParaRPr>
+          </a:p>
+          <a:p>
+            <a:pPr algn="l"/>
+            <a:r>
+              <a:rPr lang="en-US" altLang="zh-CN" sz="3600">
+                <a:solidFill>
+                  <a:schemeClr val="bg1"/>
+                </a:solidFill>
               </a:rPr>
               <a:t>2</a:t>
             </a:r>
@@ -15766,6 +15988,76 @@
               </a:rPr>
               <a:t>)</a:t>
             </a:r>
+            <a:endParaRPr lang="en-US" altLang="zh-CN" sz="3600">
+              <a:solidFill>
+                <a:schemeClr val="bg1"/>
+              </a:solidFill>
+            </a:endParaRPr>
+          </a:p>
+          <a:p>
+            <a:pPr algn="l"/>
+            <a:r>
+              <a:rPr lang="en-US" altLang="zh-CN" sz="3600">
+                <a:solidFill>
+                  <a:schemeClr val="bg1"/>
+                </a:solidFill>
+                <a:sym typeface="+mn-ea"/>
+              </a:rPr>
+              <a:t>3</a:t>
+            </a:r>
+            <a:r>
+              <a:rPr lang="zh-CN" altLang="en-US" sz="3600">
+                <a:solidFill>
+                  <a:schemeClr val="bg1"/>
+                </a:solidFill>
+                <a:sym typeface="+mn-ea"/>
+              </a:rPr>
+              <a:t>、</a:t>
+            </a:r>
+            <a:r>
+              <a:rPr lang="zh-CN" altLang="en-US" sz="3600">
+                <a:solidFill>
+                  <a:schemeClr val="bg1"/>
+                </a:solidFill>
+                <a:sym typeface="+mn-ea"/>
+              </a:rPr>
+              <a:t>提供计算功能</a:t>
+            </a:r>
+            <a:r>
+              <a:rPr lang="en-US" altLang="zh-CN" sz="3600">
+                <a:solidFill>
+                  <a:schemeClr val="bg1"/>
+                </a:solidFill>
+                <a:sym typeface="+mn-ea"/>
+              </a:rPr>
+              <a:t>(</a:t>
+            </a:r>
+            <a:r>
+              <a:rPr lang="zh-CN" altLang="zh-CN" sz="3600">
+                <a:solidFill>
+                  <a:schemeClr val="bg1"/>
+                </a:solidFill>
+                <a:sym typeface="+mn-ea"/>
+              </a:rPr>
+              <a:t>从作用的角度</a:t>
+            </a:r>
+            <a:r>
+              <a:rPr lang="en-US" altLang="zh-CN" sz="3600">
+                <a:solidFill>
+                  <a:schemeClr val="bg1"/>
+                </a:solidFill>
+                <a:sym typeface="+mn-ea"/>
+              </a:rPr>
+              <a:t>)</a:t>
+            </a:r>
+            <a:endParaRPr lang="en-US" altLang="zh-CN" sz="3600">
+              <a:solidFill>
+                <a:schemeClr val="bg1"/>
+              </a:solidFill>
+            </a:endParaRPr>
+          </a:p>
+          <a:p>
+            <a:pPr algn="l"/>
             <a:endParaRPr lang="en-US" altLang="zh-CN" sz="3600">
               <a:solidFill>
                 <a:schemeClr val="bg1"/>
@@ -15809,7 +16101,7 @@
 </p:sld>
 </file>
 
-<file path=ppt/slides/slide22.xml><?xml version="1.0" encoding="utf-8"?>
+<file path=ppt/slides/slide23.xml><?xml version="1.0" encoding="utf-8"?>
 <p:sld xmlns:a="http://schemas.openxmlformats.org/drawingml/2006/main" xmlns:r="http://schemas.openxmlformats.org/officeDocument/2006/relationships" xmlns:p="http://schemas.openxmlformats.org/presentationml/2006/main" show="0">
   <p:cSld>
     <p:spTree>
@@ -16069,113 +16361,6 @@
     <a:masterClrMapping/>
   </p:clrMapOvr>
   <p:transition/>
-</p:sld>
-</file>
-
-<file path=ppt/slides/slide23.xml><?xml version="1.0" encoding="utf-8"?>
-<p:sld xmlns:a="http://schemas.openxmlformats.org/drawingml/2006/main" xmlns:r="http://schemas.openxmlformats.org/officeDocument/2006/relationships" xmlns:p="http://schemas.openxmlformats.org/presentationml/2006/main">
-  <p:cSld>
-    <p:spTree>
-      <p:nvGrpSpPr>
-        <p:cNvPr id="1" name=""/>
-        <p:cNvGrpSpPr/>
-        <p:nvPr/>
-      </p:nvGrpSpPr>
-      <p:grpSpPr>
-        <a:xfrm>
-          <a:off x="0" y="0"/>
-          <a:ext cx="0" cy="0"/>
-          <a:chOff x="0" y="0"/>
-          <a:chExt cx="0" cy="0"/>
-        </a:xfrm>
-      </p:grpSpPr>
-      <p:sp>
-        <p:nvSpPr>
-          <p:cNvPr id="2" name="标题 1"/>
-          <p:cNvSpPr/>
-          <p:nvPr>
-            <p:ph type="ctrTitle"/>
-          </p:nvPr>
-        </p:nvSpPr>
-        <p:spPr>
-          <a:xfrm>
-            <a:off x="3229806" y="490390"/>
-            <a:ext cx="5973688" cy="707916"/>
-          </a:xfrm>
-        </p:spPr>
-        <p:txBody>
-          <a:bodyPr/>
-          <a:p>
-            <a:r>
-              <a:rPr lang="zh-CN" altLang="en-US"/>
-              <a:t>计算属性</a:t>
-            </a:r>
-            <a:endParaRPr lang="zh-CN" altLang="en-US"/>
-          </a:p>
-        </p:txBody>
-      </p:sp>
-      <p:sp>
-        <p:nvSpPr>
-          <p:cNvPr id="4" name="文本框 3"/>
-          <p:cNvSpPr txBox="1"/>
-          <p:nvPr/>
-        </p:nvSpPr>
-        <p:spPr>
-          <a:xfrm>
-            <a:off x="16510" y="2823210"/>
-            <a:ext cx="12136755" cy="1198880"/>
-          </a:xfrm>
-          <a:prstGeom prst="rect">
-            <a:avLst/>
-          </a:prstGeom>
-          <a:noFill/>
-        </p:spPr>
-        <p:txBody>
-          <a:bodyPr wrap="square" rtlCol="0">
-            <a:spAutoFit/>
-          </a:bodyPr>
-          <a:p>
-            <a:pPr algn="ctr"/>
-            <a:r>
-              <a:rPr lang="zh-CN" altLang="en-US" sz="3600">
-                <a:solidFill>
-                  <a:schemeClr val="bg1"/>
-                </a:solidFill>
-              </a:rPr>
-              <a:t>响应式</a:t>
-            </a:r>
-            <a:endParaRPr lang="zh-CN" altLang="en-US" sz="3600">
-              <a:solidFill>
-                <a:schemeClr val="bg1"/>
-              </a:solidFill>
-            </a:endParaRPr>
-          </a:p>
-          <a:p>
-            <a:pPr algn="ctr"/>
-            <a:r>
-              <a:rPr lang="zh-CN" altLang="en-US" sz="3600">
-                <a:solidFill>
-                  <a:schemeClr val="bg1"/>
-                </a:solidFill>
-              </a:rPr>
-              <a:t>（依赖于依赖项是否为响应式）</a:t>
-            </a:r>
-            <a:endParaRPr lang="zh-CN" altLang="en-US" sz="3600">
-              <a:solidFill>
-                <a:schemeClr val="bg1"/>
-              </a:solidFill>
-            </a:endParaRPr>
-          </a:p>
-        </p:txBody>
-      </p:sp>
-    </p:spTree>
-    <p:custDataLst>
-      <p:tags r:id="rId1"/>
-    </p:custDataLst>
-  </p:cSld>
-  <p:clrMapOvr>
-    <a:masterClrMapping/>
-  </p:clrMapOvr>
 </p:sld>
 </file>
 
@@ -16249,7 +16434,7 @@
                   <a:schemeClr val="bg1"/>
                 </a:solidFill>
               </a:rPr>
-              <a:t>缓存</a:t>
+              <a:t>响应式</a:t>
             </a:r>
             <a:endParaRPr lang="zh-CN" altLang="en-US" sz="3600">
               <a:solidFill>
@@ -16265,42 +16450,13 @@
                   <a:schemeClr val="bg1"/>
                 </a:solidFill>
               </a:rPr>
-              <a:t>依赖项没有发生变化，不会被重新计算</a:t>
+              <a:t>（依赖于依赖项是否为响应式）</a:t>
             </a:r>
             <a:endParaRPr lang="zh-CN" altLang="en-US" sz="3600">
               <a:solidFill>
                 <a:schemeClr val="bg1"/>
               </a:solidFill>
             </a:endParaRPr>
-          </a:p>
-        </p:txBody>
-      </p:sp>
-      <p:sp>
-        <p:nvSpPr>
-          <p:cNvPr id="3" name="文本框 2"/>
-          <p:cNvSpPr txBox="1"/>
-          <p:nvPr/>
-        </p:nvSpPr>
-        <p:spPr>
-          <a:xfrm>
-            <a:off x="1852930" y="7150735"/>
-            <a:ext cx="1668780" cy="368300"/>
-          </a:xfrm>
-          <a:prstGeom prst="rect">
-            <a:avLst/>
-          </a:prstGeom>
-          <a:noFill/>
-        </p:spPr>
-        <p:txBody>
-          <a:bodyPr wrap="none" rtlCol="0">
-            <a:spAutoFit/>
-          </a:bodyPr>
-          <a:p>
-            <a:r>
-              <a:rPr lang="en-US" altLang="zh-CN"/>
-              <a:t>2018-03-20 10</a:t>
-            </a:r>
-            <a:endParaRPr lang="en-US" altLang="zh-CN"/>
           </a:p>
         </p:txBody>
       </p:sp>
@@ -16353,14 +16509,6 @@
               <a:rPr lang="zh-CN" altLang="en-US"/>
               <a:t>计算属性</a:t>
             </a:r>
-            <a:r>
-              <a:rPr lang="en-US" altLang="zh-CN"/>
-              <a:t>-</a:t>
-            </a:r>
-            <a:r>
-              <a:rPr lang="zh-CN" altLang="en-US"/>
-              <a:t>应用场景</a:t>
-            </a:r>
             <a:endParaRPr lang="zh-CN" altLang="en-US"/>
           </a:p>
         </p:txBody>
@@ -16374,7 +16522,7 @@
         <p:spPr>
           <a:xfrm>
             <a:off x="16510" y="2823210"/>
-            <a:ext cx="12136755" cy="2306955"/>
+            <a:ext cx="12136755" cy="1198880"/>
           </a:xfrm>
           <a:prstGeom prst="rect">
             <a:avLst/>
@@ -16386,79 +16534,14 @@
             <a:spAutoFit/>
           </a:bodyPr>
           <a:p>
-            <a:pPr algn="l"/>
-            <a:r>
-              <a:rPr lang="en-US" altLang="zh-CN" sz="3600">
+            <a:pPr algn="ctr"/>
+            <a:r>
+              <a:rPr lang="zh-CN" altLang="en-US" sz="3600">
                 <a:solidFill>
                   <a:schemeClr val="bg1"/>
                 </a:solidFill>
               </a:rPr>
-              <a:t>1</a:t>
-            </a:r>
-            <a:r>
-              <a:rPr lang="zh-CN" altLang="zh-CN" sz="3600">
-                <a:solidFill>
-                  <a:schemeClr val="bg1"/>
-                </a:solidFill>
-              </a:rPr>
-              <a:t>、在模板中像属性一样通过属性名使用</a:t>
-            </a:r>
-            <a:endParaRPr lang="zh-CN" altLang="zh-CN" sz="3600">
-              <a:solidFill>
-                <a:schemeClr val="bg1"/>
-              </a:solidFill>
-            </a:endParaRPr>
-          </a:p>
-          <a:p>
-            <a:pPr algn="l"/>
-            <a:r>
-              <a:rPr lang="en-US" altLang="zh-CN" sz="3600">
-                <a:solidFill>
-                  <a:schemeClr val="bg1"/>
-                </a:solidFill>
-              </a:rPr>
-              <a:t>2</a:t>
-            </a:r>
-            <a:r>
-              <a:rPr lang="zh-CN" altLang="zh-CN" sz="3600">
-                <a:solidFill>
-                  <a:schemeClr val="bg1"/>
-                </a:solidFill>
-              </a:rPr>
-              <a:t>、</a:t>
-            </a:r>
-            <a:r>
-              <a:rPr lang="zh-CN" altLang="en-US" sz="3600">
-                <a:solidFill>
-                  <a:schemeClr val="bg1"/>
-                </a:solidFill>
-                <a:sym typeface="+mn-ea"/>
-              </a:rPr>
-              <a:t>响应式</a:t>
-            </a:r>
-            <a:endParaRPr lang="en-US" altLang="zh-CN" sz="3600">
-              <a:solidFill>
-                <a:schemeClr val="bg1"/>
-              </a:solidFill>
-            </a:endParaRPr>
-          </a:p>
-          <a:p>
-            <a:pPr algn="l"/>
-            <a:r>
-              <a:rPr lang="en-US" altLang="zh-CN" sz="3600">
-                <a:solidFill>
-                  <a:schemeClr val="bg1"/>
-                </a:solidFill>
-              </a:rPr>
-              <a:t>3</a:t>
-            </a:r>
-            <a:r>
-              <a:rPr lang="zh-CN" altLang="en-US" sz="3600">
-                <a:solidFill>
-                  <a:schemeClr val="bg1"/>
-                </a:solidFill>
-              </a:rPr>
-              <a:t>、数据需要经过计算逻辑或加工处理</a:t>
+              <a:t>缓存</a:t>
             </a:r>
             <a:endParaRPr lang="zh-CN" altLang="en-US" sz="3600">
               <a:solidFill>
@@ -16467,24 +16550,16 @@
             </a:endParaRPr>
           </a:p>
           <a:p>
-            <a:pPr algn="l"/>
-            <a:r>
-              <a:rPr lang="en-US" altLang="zh-CN" sz="3600">
+            <a:pPr algn="ctr"/>
+            <a:r>
+              <a:rPr lang="zh-CN" altLang="en-US" sz="3600">
                 <a:solidFill>
                   <a:schemeClr val="bg1"/>
                 </a:solidFill>
               </a:rPr>
-              <a:t>4</a:t>
-            </a:r>
-            <a:r>
-              <a:rPr lang="zh-CN" altLang="zh-CN" sz="3600">
-                <a:solidFill>
-                  <a:schemeClr val="bg1"/>
-                </a:solidFill>
-              </a:rPr>
-              <a:t>、模板层隐藏逻辑代码</a:t>
-            </a:r>
-            <a:endParaRPr lang="zh-CN" altLang="zh-CN" sz="3600">
+              <a:t>依赖项没有发生变化，不会被重新计算</a:t>
+            </a:r>
+            <a:endParaRPr lang="zh-CN" altLang="en-US" sz="3600">
               <a:solidFill>
                 <a:schemeClr val="bg1"/>
               </a:solidFill>
@@ -16500,7 +16575,7 @@
         </p:nvSpPr>
         <p:spPr>
           <a:xfrm>
-            <a:off x="853440" y="7293610"/>
+            <a:off x="1852930" y="7150735"/>
             <a:ext cx="1668780" cy="368300"/>
           </a:xfrm>
           <a:prstGeom prst="rect">
@@ -16515,7 +16590,7 @@
           <a:p>
             <a:r>
               <a:rPr lang="en-US" altLang="zh-CN"/>
-              <a:t>2018-03-20 14</a:t>
+              <a:t>2018-03-20 10</a:t>
             </a:r>
             <a:endParaRPr lang="en-US" altLang="zh-CN"/>
           </a:p>
@@ -16533,6 +16608,359 @@
 </file>
 
 <file path=ppt/slides/slide26.xml><?xml version="1.0" encoding="utf-8"?>
+<p:sld xmlns:a="http://schemas.openxmlformats.org/drawingml/2006/main" xmlns:r="http://schemas.openxmlformats.org/officeDocument/2006/relationships" xmlns:p="http://schemas.openxmlformats.org/presentationml/2006/main">
+  <p:cSld>
+    <p:spTree>
+      <p:nvGrpSpPr>
+        <p:cNvPr id="1" name=""/>
+        <p:cNvGrpSpPr/>
+        <p:nvPr/>
+      </p:nvGrpSpPr>
+      <p:grpSpPr>
+        <a:xfrm>
+          <a:off x="0" y="0"/>
+          <a:ext cx="0" cy="0"/>
+          <a:chOff x="0" y="0"/>
+          <a:chExt cx="0" cy="0"/>
+        </a:xfrm>
+      </p:grpSpPr>
+      <p:sp>
+        <p:nvSpPr>
+          <p:cNvPr id="2" name="标题 1"/>
+          <p:cNvSpPr/>
+          <p:nvPr>
+            <p:ph type="ctrTitle"/>
+          </p:nvPr>
+        </p:nvSpPr>
+        <p:spPr>
+          <a:xfrm>
+            <a:off x="3229806" y="490390"/>
+            <a:ext cx="5973688" cy="707916"/>
+          </a:xfrm>
+        </p:spPr>
+        <p:txBody>
+          <a:bodyPr/>
+          <a:p>
+            <a:r>
+              <a:rPr lang="zh-CN" altLang="en-US"/>
+              <a:t>计算属性</a:t>
+            </a:r>
+            <a:endParaRPr lang="zh-CN" altLang="en-US"/>
+          </a:p>
+        </p:txBody>
+      </p:sp>
+      <p:sp>
+        <p:nvSpPr>
+          <p:cNvPr id="4" name="文本框 3"/>
+          <p:cNvSpPr txBox="1"/>
+          <p:nvPr/>
+        </p:nvSpPr>
+        <p:spPr>
+          <a:xfrm>
+            <a:off x="16510" y="2823210"/>
+            <a:ext cx="12136755" cy="645160"/>
+          </a:xfrm>
+          <a:prstGeom prst="rect">
+            <a:avLst/>
+          </a:prstGeom>
+          <a:noFill/>
+        </p:spPr>
+        <p:txBody>
+          <a:bodyPr wrap="square" rtlCol="0">
+            <a:spAutoFit/>
+          </a:bodyPr>
+          <a:p>
+            <a:pPr algn="ctr"/>
+            <a:r>
+              <a:rPr lang="zh-CN" altLang="en-US" sz="3600">
+                <a:solidFill>
+                  <a:schemeClr val="bg1"/>
+                </a:solidFill>
+              </a:rPr>
+              <a:t>计算属性 </a:t>
+            </a:r>
+            <a:r>
+              <a:rPr lang="en-US" altLang="zh-CN" sz="3600">
+                <a:solidFill>
+                  <a:schemeClr val="bg1"/>
+                </a:solidFill>
+              </a:rPr>
+              <a:t>VS </a:t>
+            </a:r>
+            <a:r>
+              <a:rPr lang="zh-CN" altLang="zh-CN" sz="3600">
+                <a:solidFill>
+                  <a:schemeClr val="bg1"/>
+                </a:solidFill>
+              </a:rPr>
+              <a:t>方法</a:t>
+            </a:r>
+            <a:endParaRPr lang="zh-CN" altLang="zh-CN" sz="3600">
+              <a:solidFill>
+                <a:schemeClr val="bg1"/>
+              </a:solidFill>
+            </a:endParaRPr>
+          </a:p>
+        </p:txBody>
+      </p:sp>
+      <p:sp>
+        <p:nvSpPr>
+          <p:cNvPr id="3" name="文本框 2"/>
+          <p:cNvSpPr txBox="1"/>
+          <p:nvPr/>
+        </p:nvSpPr>
+        <p:spPr>
+          <a:xfrm>
+            <a:off x="1852930" y="7150735"/>
+            <a:ext cx="1668780" cy="368300"/>
+          </a:xfrm>
+          <a:prstGeom prst="rect">
+            <a:avLst/>
+          </a:prstGeom>
+          <a:noFill/>
+        </p:spPr>
+        <p:txBody>
+          <a:bodyPr wrap="none" rtlCol="0">
+            <a:spAutoFit/>
+          </a:bodyPr>
+          <a:p>
+            <a:r>
+              <a:rPr lang="en-US" altLang="zh-CN"/>
+              <a:t>2018-03-20 10</a:t>
+            </a:r>
+            <a:endParaRPr lang="en-US" altLang="zh-CN"/>
+          </a:p>
+        </p:txBody>
+      </p:sp>
+    </p:spTree>
+    <p:custDataLst>
+      <p:tags r:id="rId1"/>
+    </p:custDataLst>
+  </p:cSld>
+  <p:clrMapOvr>
+    <a:masterClrMapping/>
+  </p:clrMapOvr>
+</p:sld>
+</file>
+
+<file path=ppt/slides/slide27.xml><?xml version="1.0" encoding="utf-8"?>
+<p:sld xmlns:a="http://schemas.openxmlformats.org/drawingml/2006/main" xmlns:r="http://schemas.openxmlformats.org/officeDocument/2006/relationships" xmlns:p="http://schemas.openxmlformats.org/presentationml/2006/main">
+  <p:cSld>
+    <p:spTree>
+      <p:nvGrpSpPr>
+        <p:cNvPr id="1" name=""/>
+        <p:cNvGrpSpPr/>
+        <p:nvPr/>
+      </p:nvGrpSpPr>
+      <p:grpSpPr>
+        <a:xfrm>
+          <a:off x="0" y="0"/>
+          <a:ext cx="0" cy="0"/>
+          <a:chOff x="0" y="0"/>
+          <a:chExt cx="0" cy="0"/>
+        </a:xfrm>
+      </p:grpSpPr>
+      <p:sp>
+        <p:nvSpPr>
+          <p:cNvPr id="2" name="标题 1"/>
+          <p:cNvSpPr/>
+          <p:nvPr>
+            <p:ph type="ctrTitle"/>
+          </p:nvPr>
+        </p:nvSpPr>
+        <p:spPr>
+          <a:xfrm>
+            <a:off x="3229806" y="490390"/>
+            <a:ext cx="5973688" cy="707916"/>
+          </a:xfrm>
+        </p:spPr>
+        <p:txBody>
+          <a:bodyPr/>
+          <a:p>
+            <a:r>
+              <a:rPr lang="zh-CN" altLang="en-US"/>
+              <a:t>计算属性</a:t>
+            </a:r>
+            <a:r>
+              <a:rPr lang="en-US" altLang="zh-CN"/>
+              <a:t>-</a:t>
+            </a:r>
+            <a:r>
+              <a:rPr lang="zh-CN" altLang="en-US"/>
+              <a:t>应用场景</a:t>
+            </a:r>
+            <a:endParaRPr lang="zh-CN" altLang="en-US"/>
+          </a:p>
+        </p:txBody>
+      </p:sp>
+      <p:sp>
+        <p:nvSpPr>
+          <p:cNvPr id="4" name="文本框 3"/>
+          <p:cNvSpPr txBox="1"/>
+          <p:nvPr/>
+        </p:nvSpPr>
+        <p:spPr>
+          <a:xfrm>
+            <a:off x="16510" y="2823210"/>
+            <a:ext cx="12136755" cy="2306955"/>
+          </a:xfrm>
+          <a:prstGeom prst="rect">
+            <a:avLst/>
+          </a:prstGeom>
+          <a:noFill/>
+        </p:spPr>
+        <p:txBody>
+          <a:bodyPr wrap="square" rtlCol="0">
+            <a:spAutoFit/>
+          </a:bodyPr>
+          <a:p>
+            <a:pPr algn="l"/>
+            <a:r>
+              <a:rPr lang="en-US" altLang="zh-CN" sz="3600">
+                <a:solidFill>
+                  <a:schemeClr val="bg1"/>
+                </a:solidFill>
+              </a:rPr>
+              <a:t>1</a:t>
+            </a:r>
+            <a:r>
+              <a:rPr lang="zh-CN" altLang="zh-CN" sz="3600">
+                <a:solidFill>
+                  <a:schemeClr val="bg1"/>
+                </a:solidFill>
+              </a:rPr>
+              <a:t>、在模板中像属性一样通过属性名使用</a:t>
+            </a:r>
+            <a:endParaRPr lang="zh-CN" altLang="zh-CN" sz="3600">
+              <a:solidFill>
+                <a:schemeClr val="bg1"/>
+              </a:solidFill>
+            </a:endParaRPr>
+          </a:p>
+          <a:p>
+            <a:pPr algn="l"/>
+            <a:r>
+              <a:rPr lang="en-US" altLang="zh-CN" sz="3600">
+                <a:solidFill>
+                  <a:schemeClr val="bg1"/>
+                </a:solidFill>
+              </a:rPr>
+              <a:t>2</a:t>
+            </a:r>
+            <a:r>
+              <a:rPr lang="zh-CN" altLang="zh-CN" sz="3600">
+                <a:solidFill>
+                  <a:schemeClr val="bg1"/>
+                </a:solidFill>
+              </a:rPr>
+              <a:t>、</a:t>
+            </a:r>
+            <a:r>
+              <a:rPr lang="zh-CN" altLang="en-US" sz="3600">
+                <a:solidFill>
+                  <a:schemeClr val="bg1"/>
+                </a:solidFill>
+                <a:sym typeface="+mn-ea"/>
+              </a:rPr>
+              <a:t>响应式</a:t>
+            </a:r>
+            <a:endParaRPr lang="en-US" altLang="zh-CN" sz="3600">
+              <a:solidFill>
+                <a:schemeClr val="bg1"/>
+              </a:solidFill>
+            </a:endParaRPr>
+          </a:p>
+          <a:p>
+            <a:pPr algn="l"/>
+            <a:r>
+              <a:rPr lang="en-US" altLang="zh-CN" sz="3600">
+                <a:solidFill>
+                  <a:schemeClr val="bg1"/>
+                </a:solidFill>
+              </a:rPr>
+              <a:t>3</a:t>
+            </a:r>
+            <a:r>
+              <a:rPr lang="zh-CN" altLang="en-US" sz="3600">
+                <a:solidFill>
+                  <a:schemeClr val="bg1"/>
+                </a:solidFill>
+              </a:rPr>
+              <a:t>、数据需要经过计算逻辑或加工处理</a:t>
+            </a:r>
+            <a:endParaRPr lang="zh-CN" altLang="en-US" sz="3600">
+              <a:solidFill>
+                <a:schemeClr val="bg1"/>
+              </a:solidFill>
+            </a:endParaRPr>
+          </a:p>
+          <a:p>
+            <a:pPr algn="l"/>
+            <a:r>
+              <a:rPr lang="en-US" altLang="zh-CN" sz="3600">
+                <a:solidFill>
+                  <a:schemeClr val="bg1"/>
+                </a:solidFill>
+              </a:rPr>
+              <a:t>4</a:t>
+            </a:r>
+            <a:r>
+              <a:rPr lang="zh-CN" altLang="zh-CN" sz="3600">
+                <a:solidFill>
+                  <a:schemeClr val="bg1"/>
+                </a:solidFill>
+              </a:rPr>
+              <a:t>、模板层隐藏逻辑代码</a:t>
+            </a:r>
+            <a:endParaRPr lang="zh-CN" altLang="zh-CN" sz="3600">
+              <a:solidFill>
+                <a:schemeClr val="bg1"/>
+              </a:solidFill>
+            </a:endParaRPr>
+          </a:p>
+        </p:txBody>
+      </p:sp>
+      <p:sp>
+        <p:nvSpPr>
+          <p:cNvPr id="3" name="文本框 2"/>
+          <p:cNvSpPr txBox="1"/>
+          <p:nvPr/>
+        </p:nvSpPr>
+        <p:spPr>
+          <a:xfrm>
+            <a:off x="853440" y="7293610"/>
+            <a:ext cx="1668780" cy="368300"/>
+          </a:xfrm>
+          <a:prstGeom prst="rect">
+            <a:avLst/>
+          </a:prstGeom>
+          <a:noFill/>
+        </p:spPr>
+        <p:txBody>
+          <a:bodyPr wrap="none" rtlCol="0">
+            <a:spAutoFit/>
+          </a:bodyPr>
+          <a:p>
+            <a:r>
+              <a:rPr lang="en-US" altLang="zh-CN"/>
+              <a:t>2018-03-20 14</a:t>
+            </a:r>
+            <a:endParaRPr lang="en-US" altLang="zh-CN"/>
+          </a:p>
+        </p:txBody>
+      </p:sp>
+    </p:spTree>
+    <p:custDataLst>
+      <p:tags r:id="rId1"/>
+    </p:custDataLst>
+  </p:cSld>
+  <p:clrMapOvr>
+    <a:masterClrMapping/>
+  </p:clrMapOvr>
+</p:sld>
+</file>
+
+<file path=ppt/slides/slide28.xml><?xml version="1.0" encoding="utf-8"?>
 <p:sld xmlns:a="http://schemas.openxmlformats.org/drawingml/2006/main" xmlns:r="http://schemas.openxmlformats.org/officeDocument/2006/relationships" xmlns:p="http://schemas.openxmlformats.org/presentationml/2006/main">
   <p:cSld>
     <p:spTree>
@@ -16694,7 +17122,7 @@
 </p:sld>
 </file>
 
-<file path=ppt/slides/slide27.xml><?xml version="1.0" encoding="utf-8"?>
+<file path=ppt/slides/slide29.xml><?xml version="1.0" encoding="utf-8"?>
 <p:sld xmlns:a="http://schemas.openxmlformats.org/drawingml/2006/main" xmlns:r="http://schemas.openxmlformats.org/officeDocument/2006/relationships" xmlns:p="http://schemas.openxmlformats.org/presentationml/2006/main">
   <p:cSld>
     <p:spTree>
@@ -16803,7 +17231,7 @@
                   <a:schemeClr val="bg1"/>
                 </a:solidFill>
               </a:rPr>
-              <a:t>、封装功能代码</a:t>
+              <a:t>、观察属性值的变动</a:t>
             </a:r>
             <a:r>
               <a:rPr lang="en-US" altLang="zh-CN" sz="3600">
@@ -17023,6 +17451,128 @@
     </p:spTree>
     <p:custDataLst>
       <p:tags r:id="rId1"/>
+    </p:custDataLst>
+  </p:cSld>
+  <p:clrMapOvr>
+    <a:masterClrMapping/>
+  </p:clrMapOvr>
+</p:sld>
+</file>
+
+<file path=ppt/slides/slide30.xml><?xml version="1.0" encoding="utf-8"?>
+<p:sld xmlns:a="http://schemas.openxmlformats.org/drawingml/2006/main" xmlns:r="http://schemas.openxmlformats.org/officeDocument/2006/relationships" xmlns:p="http://schemas.openxmlformats.org/presentationml/2006/main">
+  <p:cSld>
+    <p:spTree>
+      <p:nvGrpSpPr>
+        <p:cNvPr id="1" name=""/>
+        <p:cNvGrpSpPr/>
+        <p:nvPr/>
+      </p:nvGrpSpPr>
+      <p:grpSpPr>
+        <a:xfrm>
+          <a:off x="0" y="0"/>
+          <a:ext cx="0" cy="0"/>
+          <a:chOff x="0" y="0"/>
+          <a:chExt cx="0" cy="0"/>
+        </a:xfrm>
+      </p:grpSpPr>
+      <p:pic>
+        <p:nvPicPr>
+          <p:cNvPr id="5" name="图片 4"/>
+          <p:cNvPicPr>
+            <a:picLocks noChangeAspect="1"/>
+          </p:cNvPicPr>
+          <p:nvPr/>
+        </p:nvPicPr>
+        <p:blipFill>
+          <a:blip r:embed="rId1"/>
+          <a:stretch>
+            <a:fillRect/>
+          </a:stretch>
+        </p:blipFill>
+        <p:spPr>
+          <a:xfrm>
+            <a:off x="5724525" y="3385820"/>
+            <a:ext cx="6466840" cy="3475990"/>
+          </a:xfrm>
+          <a:prstGeom prst="rect">
+            <a:avLst/>
+          </a:prstGeom>
+        </p:spPr>
+      </p:pic>
+      <p:sp>
+        <p:nvSpPr>
+          <p:cNvPr id="2" name="标题 1"/>
+          <p:cNvSpPr/>
+          <p:nvPr>
+            <p:ph type="ctrTitle"/>
+          </p:nvPr>
+        </p:nvSpPr>
+        <p:spPr>
+          <a:xfrm>
+            <a:off x="3229806" y="490390"/>
+            <a:ext cx="5973688" cy="707916"/>
+          </a:xfrm>
+        </p:spPr>
+        <p:txBody>
+          <a:bodyPr/>
+          <a:p>
+            <a:r>
+              <a:rPr lang="zh-CN" altLang="en-US"/>
+              <a:t>观察者</a:t>
+            </a:r>
+            <a:br>
+              <a:rPr lang="zh-CN" altLang="en-US"/>
+            </a:br>
+            <a:r>
+              <a:rPr lang="en-US" altLang="zh-CN"/>
+              <a:t>Watchers</a:t>
+            </a:r>
+            <a:endParaRPr lang="en-US" altLang="zh-CN"/>
+          </a:p>
+        </p:txBody>
+      </p:sp>
+      <p:sp>
+        <p:nvSpPr>
+          <p:cNvPr id="4" name="文本框 3"/>
+          <p:cNvSpPr txBox="1"/>
+          <p:nvPr/>
+        </p:nvSpPr>
+        <p:spPr>
+          <a:xfrm>
+            <a:off x="27940" y="2269490"/>
+            <a:ext cx="12136755" cy="645160"/>
+          </a:xfrm>
+          <a:prstGeom prst="rect">
+            <a:avLst/>
+          </a:prstGeom>
+          <a:noFill/>
+        </p:spPr>
+        <p:txBody>
+          <a:bodyPr wrap="square" rtlCol="0">
+            <a:spAutoFit/>
+          </a:bodyPr>
+          <a:p>
+            <a:pPr algn="ctr"/>
+            <a:r>
+              <a:rPr lang="zh-CN" altLang="en-US" sz="3600">
+                <a:solidFill>
+                  <a:schemeClr val="bg1"/>
+                </a:solidFill>
+              </a:rPr>
+              <a:t>应用场景</a:t>
+            </a:r>
+            <a:endParaRPr lang="zh-CN" altLang="en-US" sz="3600">
+              <a:solidFill>
+                <a:schemeClr val="bg1"/>
+              </a:solidFill>
+            </a:endParaRPr>
+          </a:p>
+        </p:txBody>
+      </p:sp>
+    </p:spTree>
+    <p:custDataLst>
+      <p:tags r:id="rId2"/>
     </p:custDataLst>
   </p:cSld>
   <p:clrMapOvr>
@@ -18897,6 +19447,45 @@
 </file>
 
 <file path=ppt/tags/tag30.xml><?xml version="1.0" encoding="utf-8"?>
+<p:tagLst xmlns:p="http://schemas.openxmlformats.org/presentationml/2006/main">
+  <p:tag name="KSO_WM_TEMPLATE_CATEGORY" val="basetag"/>
+  <p:tag name="KSO_WM_TEMPLATE_INDEX" val="20161347"/>
+  <p:tag name="KSO_WM_TAG_VERSION" val="1.0"/>
+  <p:tag name="KSO_WM_SLIDE_ID" val="basetag20161347_6"/>
+  <p:tag name="KSO_WM_SLIDE_INDEX" val="6"/>
+  <p:tag name="KSO_WM_SLIDE_ITEM_CNT" val="0"/>
+  <p:tag name="KSO_WM_SLIDE_TYPE" val="contents"/>
+  <p:tag name="KSO_WM_BEAUTIFY_FLAG" val="#wm#"/>
+</p:tagLst>
+</file>
+
+<file path=ppt/tags/tag31.xml><?xml version="1.0" encoding="utf-8"?>
+<p:tagLst xmlns:p="http://schemas.openxmlformats.org/presentationml/2006/main">
+  <p:tag name="KSO_WM_TEMPLATE_CATEGORY" val="basetag"/>
+  <p:tag name="KSO_WM_TEMPLATE_INDEX" val="20161347"/>
+  <p:tag name="KSO_WM_TAG_VERSION" val="1.0"/>
+  <p:tag name="KSO_WM_SLIDE_ID" val="basetag20161347_6"/>
+  <p:tag name="KSO_WM_SLIDE_INDEX" val="6"/>
+  <p:tag name="KSO_WM_SLIDE_ITEM_CNT" val="0"/>
+  <p:tag name="KSO_WM_SLIDE_TYPE" val="contents"/>
+  <p:tag name="KSO_WM_BEAUTIFY_FLAG" val="#wm#"/>
+</p:tagLst>
+</file>
+
+<file path=ppt/tags/tag32.xml><?xml version="1.0" encoding="utf-8"?>
+<p:tagLst xmlns:p="http://schemas.openxmlformats.org/presentationml/2006/main">
+  <p:tag name="KSO_WM_TEMPLATE_CATEGORY" val="basetag"/>
+  <p:tag name="KSO_WM_TEMPLATE_INDEX" val="20161347"/>
+  <p:tag name="KSO_WM_TAG_VERSION" val="1.0"/>
+  <p:tag name="KSO_WM_SLIDE_ID" val="basetag20161347_6"/>
+  <p:tag name="KSO_WM_SLIDE_INDEX" val="6"/>
+  <p:tag name="KSO_WM_SLIDE_ITEM_CNT" val="0"/>
+  <p:tag name="KSO_WM_SLIDE_TYPE" val="contents"/>
+  <p:tag name="KSO_WM_BEAUTIFY_FLAG" val="#wm#"/>
+</p:tagLst>
+</file>
+
+<file path=ppt/tags/tag33.xml><?xml version="1.0" encoding="utf-8"?>
 <p:tagLst xmlns:p="http://schemas.openxmlformats.org/presentationml/2006/main">
   <p:tag name="KSO_WM_TEMPLATE_CATEGORY" val="basetag"/>
   <p:tag name="KSO_WM_TEMPLATE_INDEX" val="20161347"/>

--- a/vue/成稿.pptx
+++ b/vue/成稿.pptx
@@ -39,6 +39,8 @@
     <p:sldId id="763" r:id="rId32"/>
     <p:sldId id="764" r:id="rId33"/>
     <p:sldId id="770" r:id="rId34"/>
+    <p:sldId id="783" r:id="rId35"/>
+    <p:sldId id="784" r:id="rId36"/>
   </p:sldIdLst>
   <p:sldSz cx="12192000" cy="6858000"/>
   <p:notesSz cx="7103745" cy="10234295"/>
@@ -488,6 +490,124 @@
 </file>
 
 <file path=ppt/notesSlides/notesSlide1.xml><?xml version="1.0" encoding="utf-8"?>
+<p:notes xmlns:a="http://schemas.openxmlformats.org/drawingml/2006/main" xmlns:r="http://schemas.openxmlformats.org/officeDocument/2006/relationships" xmlns:p="http://schemas.openxmlformats.org/presentationml/2006/main">
+  <p:cSld>
+    <p:spTree>
+      <p:nvGrpSpPr>
+        <p:cNvPr id="1" name=""/>
+        <p:cNvGrpSpPr/>
+        <p:nvPr/>
+      </p:nvGrpSpPr>
+      <p:grpSpPr>
+        <a:xfrm>
+          <a:off x="0" y="0"/>
+          <a:ext cx="0" cy="0"/>
+          <a:chOff x="0" y="0"/>
+          <a:chExt cx="0" cy="0"/>
+        </a:xfrm>
+      </p:grpSpPr>
+      <p:sp>
+        <p:nvSpPr>
+          <p:cNvPr id="2" name="幻灯片图像占位符 1"/>
+          <p:cNvSpPr>
+            <a:spLocks noGrp="1" noRot="1" noChangeAspect="1"/>
+          </p:cNvSpPr>
+          <p:nvPr>
+            <p:ph type="sldImg"/>
+          </p:nvPr>
+        </p:nvSpPr>
+        <p:spPr/>
+      </p:sp>
+      <p:sp>
+        <p:nvSpPr>
+          <p:cNvPr id="3" name="备注占位符 2"/>
+          <p:cNvSpPr>
+            <a:spLocks noGrp="1"/>
+          </p:cNvSpPr>
+          <p:nvPr>
+            <p:ph type="body" idx="1"/>
+          </p:nvPr>
+        </p:nvSpPr>
+        <p:spPr/>
+        <p:txBody>
+          <a:bodyPr/>
+          <a:lstStyle/>
+          <a:p>
+            <a:endParaRPr lang="zh-CN" altLang="en-US"/>
+          </a:p>
+        </p:txBody>
+      </p:sp>
+      <p:sp>
+        <p:nvSpPr>
+          <p:cNvPr id="4" name="灯片编号占位符 3"/>
+          <p:cNvSpPr>
+            <a:spLocks noGrp="1"/>
+          </p:cNvSpPr>
+          <p:nvPr>
+            <p:ph type="sldNum" sz="quarter" idx="10"/>
+          </p:nvPr>
+        </p:nvSpPr>
+        <p:spPr/>
+        <p:txBody>
+          <a:bodyPr/>
+          <a:lstStyle/>
+          <a:p>
+            <a:pPr marL="0" marR="0" lvl="0" indent="0" algn="r" defTabSz="914400" eaLnBrk="0" fontAlgn="base" latinLnBrk="0" hangingPunct="0">
+              <a:lnSpc>
+                <a:spcPct val="100000"/>
+              </a:lnSpc>
+              <a:spcBef>
+                <a:spcPct val="0"/>
+              </a:spcBef>
+              <a:spcAft>
+                <a:spcPct val="0"/>
+              </a:spcAft>
+              <a:buClrTx/>
+              <a:buSzTx/>
+              <a:buFontTx/>
+              <a:buNone/>
+              <a:defRPr/>
+            </a:pPr>
+            <a:fld id="{39AD698A-D66C-4FA1-BBD8-F72AE9E6E751}" type="slidenum">
+              <a:rPr kumimoji="0" lang="zh-CN" altLang="en-US" sz="1200" b="0" i="0" u="none" strike="noStrike" kern="1200" cap="none" spc="0" normalizeH="0" baseline="0" noProof="0" smtClean="0">
+                <a:ln>
+                  <a:noFill/>
+                </a:ln>
+                <a:solidFill>
+                  <a:prstClr val="black"/>
+                </a:solidFill>
+                <a:effectLst/>
+                <a:uLnTx/>
+                <a:uFillTx/>
+                <a:latin typeface="Calibri" panose="020F0502020204030204" charset="0"/>
+                <a:ea typeface="微软雅黑" panose="020B0503020204020204" charset="-122"/>
+              </a:rPr>
+            </a:fld>
+            <a:endParaRPr kumimoji="0" lang="zh-CN" altLang="en-US" sz="1200" b="0" i="0" u="none" strike="noStrike" kern="1200" cap="none" spc="0" normalizeH="0" baseline="0" noProof="0">
+              <a:ln>
+                <a:noFill/>
+              </a:ln>
+              <a:solidFill>
+                <a:prstClr val="black"/>
+              </a:solidFill>
+              <a:effectLst/>
+              <a:uLnTx/>
+              <a:uFillTx/>
+              <a:latin typeface="Calibri" panose="020F0502020204030204" charset="0"/>
+              <a:ea typeface="微软雅黑" panose="020B0503020204020204" charset="-122"/>
+            </a:endParaRPr>
+          </a:p>
+        </p:txBody>
+      </p:sp>
+    </p:spTree>
+  </p:cSld>
+  <p:clrMapOvr>
+    <a:masterClrMapping/>
+  </p:clrMapOvr>
+</p:notes>
+</file>
+
+<file path=ppt/notesSlides/notesSlide2.xml><?xml version="1.0" encoding="utf-8"?>
 <p:notes xmlns:a="http://schemas.openxmlformats.org/drawingml/2006/main" xmlns:r="http://schemas.openxmlformats.org/officeDocument/2006/relationships" xmlns:p="http://schemas.openxmlformats.org/presentationml/2006/main">
   <p:cSld>
     <p:spTree>
@@ -16012,16 +16132,7 @@
                 </a:solidFill>
                 <a:sym typeface="+mn-ea"/>
               </a:rPr>
-              <a:t>、</a:t>
-            </a:r>
-            <a:r>
-              <a:rPr lang="zh-CN" altLang="en-US" sz="3600">
-                <a:solidFill>
-                  <a:schemeClr val="bg1"/>
-                </a:solidFill>
-                <a:sym typeface="+mn-ea"/>
-              </a:rPr>
-              <a:t>提供计算功能</a:t>
+              <a:t>、提供计算功能</a:t>
             </a:r>
             <a:r>
               <a:rPr lang="en-US" altLang="zh-CN" sz="3600">
@@ -17573,6 +17684,2589 @@
     </p:spTree>
     <p:custDataLst>
       <p:tags r:id="rId2"/>
+    </p:custDataLst>
+  </p:cSld>
+  <p:clrMapOvr>
+    <a:masterClrMapping/>
+  </p:clrMapOvr>
+</p:sld>
+</file>
+
+<file path=ppt/slides/slide31.xml><?xml version="1.0" encoding="utf-8"?>
+<p:sld xmlns:a="http://schemas.openxmlformats.org/drawingml/2006/main" xmlns:r="http://schemas.openxmlformats.org/officeDocument/2006/relationships" xmlns:p="http://schemas.openxmlformats.org/presentationml/2006/main">
+  <p:cSld>
+    <p:spTree>
+      <p:nvGrpSpPr>
+        <p:cNvPr id="1" name=""/>
+        <p:cNvGrpSpPr/>
+        <p:nvPr/>
+      </p:nvGrpSpPr>
+      <p:grpSpPr>
+        <a:xfrm>
+          <a:off x="0" y="0"/>
+          <a:ext cx="0" cy="0"/>
+          <a:chOff x="0" y="0"/>
+          <a:chExt cx="0" cy="0"/>
+        </a:xfrm>
+      </p:grpSpPr>
+      <p:sp>
+        <p:nvSpPr>
+          <p:cNvPr id="2" name="标题 1"/>
+          <p:cNvSpPr/>
+          <p:nvPr>
+            <p:ph type="ctrTitle"/>
+          </p:nvPr>
+        </p:nvSpPr>
+        <p:spPr>
+          <a:xfrm>
+            <a:off x="3229806" y="490390"/>
+            <a:ext cx="5973688" cy="707916"/>
+          </a:xfrm>
+        </p:spPr>
+        <p:txBody>
+          <a:bodyPr/>
+          <a:p>
+            <a:r>
+              <a:rPr lang="zh-CN" altLang="en-US"/>
+              <a:t>条件渲染</a:t>
+            </a:r>
+            <a:br>
+              <a:rPr lang="zh-CN" altLang="en-US"/>
+            </a:br>
+            <a:r>
+              <a:rPr lang="en-US" altLang="zh-CN"/>
+              <a:t>Conditional Rendering</a:t>
+            </a:r>
+            <a:endParaRPr lang="en-US" altLang="zh-CN"/>
+          </a:p>
+        </p:txBody>
+      </p:sp>
+      <p:sp>
+        <p:nvSpPr>
+          <p:cNvPr id="4" name="文本框 3"/>
+          <p:cNvSpPr txBox="1"/>
+          <p:nvPr/>
+        </p:nvSpPr>
+        <p:spPr>
+          <a:xfrm>
+            <a:off x="27940" y="2269490"/>
+            <a:ext cx="12136755" cy="1753235"/>
+          </a:xfrm>
+          <a:prstGeom prst="rect">
+            <a:avLst/>
+          </a:prstGeom>
+          <a:noFill/>
+        </p:spPr>
+        <p:txBody>
+          <a:bodyPr wrap="square" rtlCol="0">
+            <a:spAutoFit/>
+          </a:bodyPr>
+          <a:p>
+            <a:pPr algn="l"/>
+            <a:r>
+              <a:rPr lang="en-US" altLang="zh-CN" sz="3600">
+                <a:solidFill>
+                  <a:schemeClr val="bg1"/>
+                </a:solidFill>
+              </a:rPr>
+              <a:t>1</a:t>
+            </a:r>
+            <a:r>
+              <a:rPr lang="zh-CN" altLang="en-US" sz="3600">
+                <a:solidFill>
+                  <a:schemeClr val="bg1"/>
+                </a:solidFill>
+              </a:rPr>
+              <a:t>、</a:t>
+            </a:r>
+            <a:r>
+              <a:rPr lang="en-US" altLang="zh-CN" sz="3600">
+                <a:solidFill>
+                  <a:schemeClr val="bg1"/>
+                </a:solidFill>
+              </a:rPr>
+              <a:t>v-if (v-else</a:t>
+            </a:r>
+            <a:r>
+              <a:rPr lang="zh-CN" altLang="zh-CN" sz="3600">
+                <a:solidFill>
+                  <a:schemeClr val="bg1"/>
+                </a:solidFill>
+              </a:rPr>
+              <a:t>、</a:t>
+            </a:r>
+            <a:r>
+              <a:rPr lang="en-US" altLang="zh-CN" sz="3600">
+                <a:solidFill>
+                  <a:schemeClr val="bg1"/>
+                </a:solidFill>
+              </a:rPr>
+              <a:t>v-else-if, key)</a:t>
+            </a:r>
+            <a:endParaRPr lang="en-US" altLang="zh-CN" sz="3600">
+              <a:solidFill>
+                <a:schemeClr val="bg1"/>
+              </a:solidFill>
+            </a:endParaRPr>
+          </a:p>
+          <a:p>
+            <a:pPr algn="l"/>
+            <a:r>
+              <a:rPr lang="en-US" altLang="zh-CN" sz="3600">
+                <a:solidFill>
+                  <a:schemeClr val="bg1"/>
+                </a:solidFill>
+              </a:rPr>
+              <a:t>2</a:t>
+            </a:r>
+            <a:r>
+              <a:rPr lang="zh-CN" altLang="en-US" sz="3600">
+                <a:solidFill>
+                  <a:schemeClr val="bg1"/>
+                </a:solidFill>
+              </a:rPr>
+              <a:t>、</a:t>
+            </a:r>
+            <a:r>
+              <a:rPr lang="en-US" altLang="zh-CN" sz="3600">
+                <a:solidFill>
+                  <a:schemeClr val="bg1"/>
+                </a:solidFill>
+              </a:rPr>
+              <a:t>v-show</a:t>
+            </a:r>
+            <a:endParaRPr lang="en-US" altLang="zh-CN" sz="3600">
+              <a:solidFill>
+                <a:schemeClr val="bg1"/>
+              </a:solidFill>
+            </a:endParaRPr>
+          </a:p>
+          <a:p>
+            <a:pPr algn="l"/>
+            <a:r>
+              <a:rPr lang="en-US" altLang="zh-CN" sz="3600">
+                <a:solidFill>
+                  <a:schemeClr val="bg1"/>
+                </a:solidFill>
+              </a:rPr>
+              <a:t>3</a:t>
+            </a:r>
+            <a:r>
+              <a:rPr lang="zh-CN" altLang="en-US" sz="3600">
+                <a:solidFill>
+                  <a:schemeClr val="bg1"/>
+                </a:solidFill>
+              </a:rPr>
+              <a:t>、</a:t>
+            </a:r>
+            <a:r>
+              <a:rPr lang="en-US" altLang="zh-CN" sz="3600">
+                <a:solidFill>
+                  <a:schemeClr val="bg1"/>
+                </a:solidFill>
+              </a:rPr>
+              <a:t>v-if vs v-show</a:t>
+            </a:r>
+            <a:endParaRPr lang="en-US" altLang="zh-CN" sz="3600">
+              <a:solidFill>
+                <a:schemeClr val="bg1"/>
+              </a:solidFill>
+            </a:endParaRPr>
+          </a:p>
+        </p:txBody>
+      </p:sp>
+      <p:pic>
+        <p:nvPicPr>
+          <p:cNvPr id="3" name="图片 2"/>
+          <p:cNvPicPr>
+            <a:picLocks noChangeAspect="1"/>
+          </p:cNvPicPr>
+          <p:nvPr/>
+        </p:nvPicPr>
+        <p:blipFill>
+          <a:blip r:embed="rId1"/>
+          <a:stretch>
+            <a:fillRect/>
+          </a:stretch>
+        </p:blipFill>
+        <p:spPr>
+          <a:xfrm>
+            <a:off x="8286750" y="2533650"/>
+            <a:ext cx="3714115" cy="4209415"/>
+          </a:xfrm>
+          <a:prstGeom prst="rect">
+            <a:avLst/>
+          </a:prstGeom>
+        </p:spPr>
+      </p:pic>
+    </p:spTree>
+    <p:custDataLst>
+      <p:tags r:id="rId2"/>
+    </p:custDataLst>
+  </p:cSld>
+  <p:clrMapOvr>
+    <a:masterClrMapping/>
+  </p:clrMapOvr>
+</p:sld>
+</file>
+
+<file path=ppt/slides/slide32.xml><?xml version="1.0" encoding="utf-8"?>
+<p:sld xmlns:a="http://schemas.openxmlformats.org/drawingml/2006/main" xmlns:r="http://schemas.openxmlformats.org/officeDocument/2006/relationships" xmlns:p="http://schemas.openxmlformats.org/presentationml/2006/main">
+  <p:cSld>
+    <p:spTree>
+      <p:nvGrpSpPr>
+        <p:cNvPr id="1" name=""/>
+        <p:cNvGrpSpPr/>
+        <p:nvPr/>
+      </p:nvGrpSpPr>
+      <p:grpSpPr>
+        <a:xfrm>
+          <a:off x="0" y="0"/>
+          <a:ext cx="0" cy="0"/>
+          <a:chOff x="0" y="0"/>
+          <a:chExt cx="0" cy="0"/>
+        </a:xfrm>
+      </p:grpSpPr>
+      <p:sp>
+        <p:nvSpPr>
+          <p:cNvPr id="2" name="矩形 1"/>
+          <p:cNvSpPr/>
+          <p:nvPr/>
+        </p:nvSpPr>
+        <p:spPr>
+          <a:xfrm>
+            <a:off x="323850" y="1454785"/>
+            <a:ext cx="5462905" cy="5305425"/>
+          </a:xfrm>
+          <a:prstGeom prst="rect">
+            <a:avLst/>
+          </a:prstGeom>
+          <a:solidFill>
+            <a:schemeClr val="tx1">
+              <a:lumMod val="75000"/>
+              <a:lumOff val="25000"/>
+            </a:schemeClr>
+          </a:solidFill>
+          <a:ln>
+            <a:noFill/>
+          </a:ln>
+          <a:effectLst>
+            <a:glow rad="228600">
+              <a:schemeClr val="accent3">
+                <a:satMod val="175000"/>
+                <a:alpha val="40000"/>
+              </a:schemeClr>
+            </a:glow>
+          </a:effectLst>
+        </p:spPr>
+        <p:style>
+          <a:lnRef idx="2">
+            <a:schemeClr val="accent1">
+              <a:shade val="50000"/>
+            </a:schemeClr>
+          </a:lnRef>
+          <a:fillRef idx="1">
+            <a:schemeClr val="accent1"/>
+          </a:fillRef>
+          <a:effectRef idx="0">
+            <a:schemeClr val="accent1"/>
+          </a:effectRef>
+          <a:fontRef idx="minor">
+            <a:schemeClr val="lt1"/>
+          </a:fontRef>
+        </p:style>
+        <p:txBody>
+          <a:bodyPr rtlCol="0" anchor="ctr"/>
+          <a:p>
+            <a:pPr algn="ctr"/>
+            <a:endParaRPr lang="zh-CN" altLang="en-US">
+              <a:effectLst>
+                <a:glow rad="63500">
+                  <a:schemeClr val="accent2">
+                    <a:satMod val="175000"/>
+                    <a:alpha val="40000"/>
+                  </a:schemeClr>
+                </a:glow>
+              </a:effectLst>
+            </a:endParaRPr>
+          </a:p>
+        </p:txBody>
+      </p:sp>
+      <p:sp>
+        <p:nvSpPr>
+          <p:cNvPr id="5" name="标题 4"/>
+          <p:cNvSpPr>
+            <a:spLocks noGrp="1"/>
+          </p:cNvSpPr>
+          <p:nvPr>
+            <p:ph type="ctrTitle"/>
+          </p:nvPr>
+        </p:nvSpPr>
+        <p:spPr>
+          <a:xfrm>
+            <a:off x="2288540" y="490220"/>
+            <a:ext cx="7382510" cy="708025"/>
+          </a:xfrm>
+        </p:spPr>
+        <p:txBody>
+          <a:bodyPr/>
+          <a:lstStyle/>
+          <a:p>
+            <a:r>
+              <a:rPr lang="en-US" dirty="0"/>
+              <a:t>v-if VS v-show</a:t>
+            </a:r>
+            <a:endParaRPr lang="en-US" dirty="0"/>
+          </a:p>
+        </p:txBody>
+      </p:sp>
+      <p:sp>
+        <p:nvSpPr>
+          <p:cNvPr id="6" name="文本框 5"/>
+          <p:cNvSpPr txBox="1"/>
+          <p:nvPr/>
+        </p:nvSpPr>
+        <p:spPr>
+          <a:xfrm>
+            <a:off x="883285" y="1519555"/>
+            <a:ext cx="3625215" cy="521970"/>
+          </a:xfrm>
+          <a:prstGeom prst="rect">
+            <a:avLst/>
+          </a:prstGeom>
+          <a:noFill/>
+        </p:spPr>
+        <p:txBody>
+          <a:bodyPr wrap="square" rtlCol="0">
+            <a:spAutoFit/>
+          </a:bodyPr>
+          <a:p>
+            <a:pPr algn="ctr"/>
+            <a:r>
+              <a:rPr lang="en-US" altLang="zh-CN" sz="2800">
+                <a:solidFill>
+                  <a:schemeClr val="bg1"/>
+                </a:solidFill>
+                <a:sym typeface="+mn-ea"/>
+              </a:rPr>
+              <a:t>v-if</a:t>
+            </a:r>
+            <a:endParaRPr lang="en-US" altLang="zh-CN" sz="2800">
+              <a:solidFill>
+                <a:schemeClr val="bg1"/>
+              </a:solidFill>
+              <a:sym typeface="+mn-ea"/>
+            </a:endParaRPr>
+          </a:p>
+        </p:txBody>
+      </p:sp>
+      <p:sp>
+        <p:nvSpPr>
+          <p:cNvPr id="4" name="文本占位符 11"/>
+          <p:cNvSpPr>
+            <a:spLocks noGrp="1"/>
+          </p:cNvSpPr>
+          <p:nvPr/>
+        </p:nvSpPr>
+        <p:spPr>
+          <a:xfrm>
+            <a:off x="424815" y="2148205"/>
+            <a:ext cx="4511675" cy="446405"/>
+          </a:xfrm>
+          <a:prstGeom prst="rect">
+            <a:avLst/>
+          </a:prstGeom>
+          <a:noFill/>
+          <a:ln>
+            <a:noFill/>
+          </a:ln>
+        </p:spPr>
+        <p:txBody>
+          <a:bodyPr vert="horz" wrap="square" lIns="91440" tIns="45720" rIns="91440" bIns="45720" numCol="1" anchor="t" anchorCtr="0" compatLnSpc="1"/>
+          <a:lstStyle>
+            <a:lvl1pPr marL="571500" indent="-571500" algn="l" rtl="0" eaLnBrk="0" fontAlgn="base" hangingPunct="0">
+              <a:spcBef>
+                <a:spcPct val="20000"/>
+              </a:spcBef>
+              <a:spcAft>
+                <a:spcPct val="0"/>
+              </a:spcAft>
+              <a:buFont typeface="Arial" panose="020B0604020202020204" pitchFamily="34" charset="0"/>
+              <a:buChar char="•"/>
+              <a:defRPr sz="2400" kern="1200">
+                <a:solidFill>
+                  <a:schemeClr val="bg1"/>
+                </a:solidFill>
+                <a:latin typeface="+mn-lt"/>
+                <a:ea typeface="+mn-ea"/>
+                <a:cs typeface="+mn-cs"/>
+              </a:defRPr>
+            </a:lvl1pPr>
+            <a:lvl2pPr marL="1179830" indent="-571500" algn="l" rtl="0" eaLnBrk="0" fontAlgn="base" hangingPunct="0">
+              <a:spcBef>
+                <a:spcPct val="20000"/>
+              </a:spcBef>
+              <a:spcAft>
+                <a:spcPct val="0"/>
+              </a:spcAft>
+              <a:buFont typeface="Arial" panose="020B0604020202020204" pitchFamily="34" charset="0"/>
+              <a:buChar char="•"/>
+              <a:defRPr sz="2000" kern="1200">
+                <a:solidFill>
+                  <a:schemeClr val="bg1"/>
+                </a:solidFill>
+                <a:latin typeface="+mn-lt"/>
+                <a:ea typeface="+mn-ea"/>
+                <a:cs typeface="+mn-cs"/>
+              </a:defRPr>
+            </a:lvl2pPr>
+            <a:lvl3pPr marL="1675130" indent="-457200" algn="l" rtl="0" eaLnBrk="0" fontAlgn="base" hangingPunct="0">
+              <a:spcBef>
+                <a:spcPct val="20000"/>
+              </a:spcBef>
+              <a:spcAft>
+                <a:spcPct val="0"/>
+              </a:spcAft>
+              <a:buFont typeface="Arial" panose="020B0604020202020204" pitchFamily="34" charset="0"/>
+              <a:buChar char="•"/>
+              <a:defRPr kern="1200">
+                <a:solidFill>
+                  <a:schemeClr val="bg1"/>
+                </a:solidFill>
+                <a:latin typeface="+mn-lt"/>
+                <a:ea typeface="+mn-ea"/>
+                <a:cs typeface="+mn-cs"/>
+              </a:defRPr>
+            </a:lvl3pPr>
+            <a:lvl4pPr marL="2284730" indent="-457200" algn="l" rtl="0" eaLnBrk="0" fontAlgn="base" hangingPunct="0">
+              <a:spcBef>
+                <a:spcPct val="20000"/>
+              </a:spcBef>
+              <a:spcAft>
+                <a:spcPct val="0"/>
+              </a:spcAft>
+              <a:buFont typeface="Arial" panose="020B0604020202020204" pitchFamily="34" charset="0"/>
+              <a:buChar char="•"/>
+              <a:defRPr kern="1200">
+                <a:solidFill>
+                  <a:schemeClr val="bg1"/>
+                </a:solidFill>
+                <a:latin typeface="+mn-lt"/>
+                <a:ea typeface="+mn-ea"/>
+                <a:cs typeface="+mn-cs"/>
+              </a:defRPr>
+            </a:lvl4pPr>
+            <a:lvl5pPr marL="2894330" indent="-457200" algn="l" rtl="0" eaLnBrk="0" fontAlgn="base" hangingPunct="0">
+              <a:spcBef>
+                <a:spcPct val="20000"/>
+              </a:spcBef>
+              <a:spcAft>
+                <a:spcPct val="0"/>
+              </a:spcAft>
+              <a:buFont typeface="Arial" panose="020B0604020202020204" pitchFamily="34" charset="0"/>
+              <a:buChar char="•"/>
+              <a:defRPr kern="1200">
+                <a:solidFill>
+                  <a:schemeClr val="bg1"/>
+                </a:solidFill>
+                <a:latin typeface="+mn-lt"/>
+                <a:ea typeface="+mn-ea"/>
+                <a:cs typeface="+mn-cs"/>
+              </a:defRPr>
+            </a:lvl5pPr>
+            <a:lvl6pPr marL="3352800" indent="-304800" algn="l" defTabSz="1218565" rtl="0" eaLnBrk="1" latinLnBrk="0" hangingPunct="1">
+              <a:spcBef>
+                <a:spcPct val="20000"/>
+              </a:spcBef>
+              <a:buFont typeface="Arial" panose="020B0604020202020204" pitchFamily="34" charset="0"/>
+              <a:buChar char="•"/>
+              <a:defRPr sz="2665" kern="1200">
+                <a:solidFill>
+                  <a:schemeClr val="tx1"/>
+                </a:solidFill>
+                <a:latin typeface="+mn-lt"/>
+                <a:ea typeface="+mn-ea"/>
+                <a:cs typeface="+mn-cs"/>
+              </a:defRPr>
+            </a:lvl6pPr>
+            <a:lvl7pPr marL="3962400" indent="-304800" algn="l" defTabSz="1218565" rtl="0" eaLnBrk="1" latinLnBrk="0" hangingPunct="1">
+              <a:spcBef>
+                <a:spcPct val="20000"/>
+              </a:spcBef>
+              <a:buFont typeface="Arial" panose="020B0604020202020204" pitchFamily="34" charset="0"/>
+              <a:buChar char="•"/>
+              <a:defRPr sz="2665" kern="1200">
+                <a:solidFill>
+                  <a:schemeClr val="tx1"/>
+                </a:solidFill>
+                <a:latin typeface="+mn-lt"/>
+                <a:ea typeface="+mn-ea"/>
+                <a:cs typeface="+mn-cs"/>
+              </a:defRPr>
+            </a:lvl7pPr>
+            <a:lvl8pPr marL="4572000" indent="-304800" algn="l" defTabSz="1218565" rtl="0" eaLnBrk="1" latinLnBrk="0" hangingPunct="1">
+              <a:spcBef>
+                <a:spcPct val="20000"/>
+              </a:spcBef>
+              <a:buFont typeface="Arial" panose="020B0604020202020204" pitchFamily="34" charset="0"/>
+              <a:buChar char="•"/>
+              <a:defRPr sz="2665" kern="1200">
+                <a:solidFill>
+                  <a:schemeClr val="tx1"/>
+                </a:solidFill>
+                <a:latin typeface="+mn-lt"/>
+                <a:ea typeface="+mn-ea"/>
+                <a:cs typeface="+mn-cs"/>
+              </a:defRPr>
+            </a:lvl8pPr>
+            <a:lvl9pPr marL="5181600" indent="-304800" algn="l" defTabSz="1218565" rtl="0" eaLnBrk="1" latinLnBrk="0" hangingPunct="1">
+              <a:spcBef>
+                <a:spcPct val="20000"/>
+              </a:spcBef>
+              <a:buFont typeface="Arial" panose="020B0604020202020204" pitchFamily="34" charset="0"/>
+              <a:buChar char="•"/>
+              <a:defRPr sz="2665" kern="1200">
+                <a:solidFill>
+                  <a:schemeClr val="tx1"/>
+                </a:solidFill>
+                <a:latin typeface="+mn-lt"/>
+                <a:ea typeface="+mn-ea"/>
+                <a:cs typeface="+mn-cs"/>
+              </a:defRPr>
+            </a:lvl9pPr>
+          </a:lstStyle>
+          <a:p>
+            <a:pPr marL="0" indent="0" algn="l">
+              <a:buNone/>
+            </a:pPr>
+            <a:r>
+              <a:rPr sz="2000"/>
+              <a:t>v-if is “real” conditional rendering</a:t>
+            </a:r>
+            <a:endParaRPr sz="2000"/>
+          </a:p>
+        </p:txBody>
+      </p:sp>
+      <p:sp>
+        <p:nvSpPr>
+          <p:cNvPr id="7" name="文本占位符 11"/>
+          <p:cNvSpPr>
+            <a:spLocks noGrp="1"/>
+          </p:cNvSpPr>
+          <p:nvPr/>
+        </p:nvSpPr>
+        <p:spPr>
+          <a:xfrm>
+            <a:off x="426720" y="2577465"/>
+            <a:ext cx="4458970" cy="1211580"/>
+          </a:xfrm>
+          <a:prstGeom prst="rect">
+            <a:avLst/>
+          </a:prstGeom>
+          <a:noFill/>
+          <a:ln>
+            <a:noFill/>
+          </a:ln>
+        </p:spPr>
+        <p:txBody>
+          <a:bodyPr vert="horz" wrap="square" lIns="91440" tIns="45720" rIns="91440" bIns="45720" numCol="1" anchor="t" anchorCtr="0" compatLnSpc="1"/>
+          <a:lstStyle>
+            <a:lvl1pPr marL="571500" indent="-571500" algn="l" rtl="0" eaLnBrk="0" fontAlgn="base" hangingPunct="0">
+              <a:spcBef>
+                <a:spcPct val="20000"/>
+              </a:spcBef>
+              <a:spcAft>
+                <a:spcPct val="0"/>
+              </a:spcAft>
+              <a:buFont typeface="Arial" panose="020B0604020202020204" pitchFamily="34" charset="0"/>
+              <a:buChar char="•"/>
+              <a:defRPr sz="2400" kern="1200">
+                <a:solidFill>
+                  <a:schemeClr val="bg1"/>
+                </a:solidFill>
+                <a:latin typeface="+mn-lt"/>
+                <a:ea typeface="+mn-ea"/>
+                <a:cs typeface="+mn-cs"/>
+              </a:defRPr>
+            </a:lvl1pPr>
+            <a:lvl2pPr marL="1179830" indent="-571500" algn="l" rtl="0" eaLnBrk="0" fontAlgn="base" hangingPunct="0">
+              <a:spcBef>
+                <a:spcPct val="20000"/>
+              </a:spcBef>
+              <a:spcAft>
+                <a:spcPct val="0"/>
+              </a:spcAft>
+              <a:buFont typeface="Arial" panose="020B0604020202020204" pitchFamily="34" charset="0"/>
+              <a:buChar char="•"/>
+              <a:defRPr sz="2000" kern="1200">
+                <a:solidFill>
+                  <a:schemeClr val="bg1"/>
+                </a:solidFill>
+                <a:latin typeface="+mn-lt"/>
+                <a:ea typeface="+mn-ea"/>
+                <a:cs typeface="+mn-cs"/>
+              </a:defRPr>
+            </a:lvl2pPr>
+            <a:lvl3pPr marL="1675130" indent="-457200" algn="l" rtl="0" eaLnBrk="0" fontAlgn="base" hangingPunct="0">
+              <a:spcBef>
+                <a:spcPct val="20000"/>
+              </a:spcBef>
+              <a:spcAft>
+                <a:spcPct val="0"/>
+              </a:spcAft>
+              <a:buFont typeface="Arial" panose="020B0604020202020204" pitchFamily="34" charset="0"/>
+              <a:buChar char="•"/>
+              <a:defRPr kern="1200">
+                <a:solidFill>
+                  <a:schemeClr val="bg1"/>
+                </a:solidFill>
+                <a:latin typeface="+mn-lt"/>
+                <a:ea typeface="+mn-ea"/>
+                <a:cs typeface="+mn-cs"/>
+              </a:defRPr>
+            </a:lvl3pPr>
+            <a:lvl4pPr marL="2284730" indent="-457200" algn="l" rtl="0" eaLnBrk="0" fontAlgn="base" hangingPunct="0">
+              <a:spcBef>
+                <a:spcPct val="20000"/>
+              </a:spcBef>
+              <a:spcAft>
+                <a:spcPct val="0"/>
+              </a:spcAft>
+              <a:buFont typeface="Arial" panose="020B0604020202020204" pitchFamily="34" charset="0"/>
+              <a:buChar char="•"/>
+              <a:defRPr kern="1200">
+                <a:solidFill>
+                  <a:schemeClr val="bg1"/>
+                </a:solidFill>
+                <a:latin typeface="+mn-lt"/>
+                <a:ea typeface="+mn-ea"/>
+                <a:cs typeface="+mn-cs"/>
+              </a:defRPr>
+            </a:lvl4pPr>
+            <a:lvl5pPr marL="2894330" indent="-457200" algn="l" rtl="0" eaLnBrk="0" fontAlgn="base" hangingPunct="0">
+              <a:spcBef>
+                <a:spcPct val="20000"/>
+              </a:spcBef>
+              <a:spcAft>
+                <a:spcPct val="0"/>
+              </a:spcAft>
+              <a:buFont typeface="Arial" panose="020B0604020202020204" pitchFamily="34" charset="0"/>
+              <a:buChar char="•"/>
+              <a:defRPr kern="1200">
+                <a:solidFill>
+                  <a:schemeClr val="bg1"/>
+                </a:solidFill>
+                <a:latin typeface="+mn-lt"/>
+                <a:ea typeface="+mn-ea"/>
+                <a:cs typeface="+mn-cs"/>
+              </a:defRPr>
+            </a:lvl5pPr>
+            <a:lvl6pPr marL="3352800" indent="-304800" algn="l" defTabSz="1218565" rtl="0" eaLnBrk="1" latinLnBrk="0" hangingPunct="1">
+              <a:spcBef>
+                <a:spcPct val="20000"/>
+              </a:spcBef>
+              <a:buFont typeface="Arial" panose="020B0604020202020204" pitchFamily="34" charset="0"/>
+              <a:buChar char="•"/>
+              <a:defRPr sz="2665" kern="1200">
+                <a:solidFill>
+                  <a:schemeClr val="tx1"/>
+                </a:solidFill>
+                <a:latin typeface="+mn-lt"/>
+                <a:ea typeface="+mn-ea"/>
+                <a:cs typeface="+mn-cs"/>
+              </a:defRPr>
+            </a:lvl6pPr>
+            <a:lvl7pPr marL="3962400" indent="-304800" algn="l" defTabSz="1218565" rtl="0" eaLnBrk="1" latinLnBrk="0" hangingPunct="1">
+              <a:spcBef>
+                <a:spcPct val="20000"/>
+              </a:spcBef>
+              <a:buFont typeface="Arial" panose="020B0604020202020204" pitchFamily="34" charset="0"/>
+              <a:buChar char="•"/>
+              <a:defRPr sz="2665" kern="1200">
+                <a:solidFill>
+                  <a:schemeClr val="tx1"/>
+                </a:solidFill>
+                <a:latin typeface="+mn-lt"/>
+                <a:ea typeface="+mn-ea"/>
+                <a:cs typeface="+mn-cs"/>
+              </a:defRPr>
+            </a:lvl7pPr>
+            <a:lvl8pPr marL="4572000" indent="-304800" algn="l" defTabSz="1218565" rtl="0" eaLnBrk="1" latinLnBrk="0" hangingPunct="1">
+              <a:spcBef>
+                <a:spcPct val="20000"/>
+              </a:spcBef>
+              <a:buFont typeface="Arial" panose="020B0604020202020204" pitchFamily="34" charset="0"/>
+              <a:buChar char="•"/>
+              <a:defRPr sz="2665" kern="1200">
+                <a:solidFill>
+                  <a:schemeClr val="tx1"/>
+                </a:solidFill>
+                <a:latin typeface="+mn-lt"/>
+                <a:ea typeface="+mn-ea"/>
+                <a:cs typeface="+mn-cs"/>
+              </a:defRPr>
+            </a:lvl8pPr>
+            <a:lvl9pPr marL="5181600" indent="-304800" algn="l" defTabSz="1218565" rtl="0" eaLnBrk="1" latinLnBrk="0" hangingPunct="1">
+              <a:spcBef>
+                <a:spcPct val="20000"/>
+              </a:spcBef>
+              <a:buFont typeface="Arial" panose="020B0604020202020204" pitchFamily="34" charset="0"/>
+              <a:buChar char="•"/>
+              <a:defRPr sz="2665" kern="1200">
+                <a:solidFill>
+                  <a:schemeClr val="tx1"/>
+                </a:solidFill>
+                <a:latin typeface="+mn-lt"/>
+                <a:ea typeface="+mn-ea"/>
+                <a:cs typeface="+mn-cs"/>
+              </a:defRPr>
+            </a:lvl9pPr>
+          </a:lstStyle>
+          <a:p>
+            <a:pPr marL="0" indent="0" algn="l">
+              <a:buNone/>
+            </a:pPr>
+            <a:r>
+              <a:rPr lang="en-US" sz="1600">
+                <a:solidFill>
+                  <a:schemeClr val="bg1">
+                    <a:lumMod val="65000"/>
+                  </a:schemeClr>
+                </a:solidFill>
+              </a:rPr>
+              <a:t>because it ensures that event listeners and child components inside the conditional block are properly destroyed and re-created during toggles.</a:t>
+            </a:r>
+            <a:endParaRPr lang="en-US" sz="1600">
+              <a:solidFill>
+                <a:schemeClr val="bg1">
+                  <a:lumMod val="65000"/>
+                </a:schemeClr>
+              </a:solidFill>
+            </a:endParaRPr>
+          </a:p>
+        </p:txBody>
+      </p:sp>
+      <p:sp>
+        <p:nvSpPr>
+          <p:cNvPr id="9" name="文本占位符 11"/>
+          <p:cNvSpPr>
+            <a:spLocks noGrp="1"/>
+          </p:cNvSpPr>
+          <p:nvPr/>
+        </p:nvSpPr>
+        <p:spPr>
+          <a:xfrm>
+            <a:off x="424815" y="3789045"/>
+            <a:ext cx="4511675" cy="446405"/>
+          </a:xfrm>
+          <a:prstGeom prst="rect">
+            <a:avLst/>
+          </a:prstGeom>
+          <a:noFill/>
+          <a:ln>
+            <a:noFill/>
+          </a:ln>
+        </p:spPr>
+        <p:txBody>
+          <a:bodyPr vert="horz" wrap="square" lIns="91440" tIns="45720" rIns="91440" bIns="45720" numCol="1" anchor="t" anchorCtr="0" compatLnSpc="1"/>
+          <a:lstStyle>
+            <a:lvl1pPr marL="571500" indent="-571500" algn="l" rtl="0" eaLnBrk="0" fontAlgn="base" hangingPunct="0">
+              <a:spcBef>
+                <a:spcPct val="20000"/>
+              </a:spcBef>
+              <a:spcAft>
+                <a:spcPct val="0"/>
+              </a:spcAft>
+              <a:buFont typeface="Arial" panose="020B0604020202020204" pitchFamily="34" charset="0"/>
+              <a:buChar char="•"/>
+              <a:defRPr sz="2400" kern="1200">
+                <a:solidFill>
+                  <a:schemeClr val="bg1"/>
+                </a:solidFill>
+                <a:latin typeface="+mn-lt"/>
+                <a:ea typeface="+mn-ea"/>
+                <a:cs typeface="+mn-cs"/>
+              </a:defRPr>
+            </a:lvl1pPr>
+            <a:lvl2pPr marL="1179830" indent="-571500" algn="l" rtl="0" eaLnBrk="0" fontAlgn="base" hangingPunct="0">
+              <a:spcBef>
+                <a:spcPct val="20000"/>
+              </a:spcBef>
+              <a:spcAft>
+                <a:spcPct val="0"/>
+              </a:spcAft>
+              <a:buFont typeface="Arial" panose="020B0604020202020204" pitchFamily="34" charset="0"/>
+              <a:buChar char="•"/>
+              <a:defRPr sz="2000" kern="1200">
+                <a:solidFill>
+                  <a:schemeClr val="bg1"/>
+                </a:solidFill>
+                <a:latin typeface="+mn-lt"/>
+                <a:ea typeface="+mn-ea"/>
+                <a:cs typeface="+mn-cs"/>
+              </a:defRPr>
+            </a:lvl2pPr>
+            <a:lvl3pPr marL="1675130" indent="-457200" algn="l" rtl="0" eaLnBrk="0" fontAlgn="base" hangingPunct="0">
+              <a:spcBef>
+                <a:spcPct val="20000"/>
+              </a:spcBef>
+              <a:spcAft>
+                <a:spcPct val="0"/>
+              </a:spcAft>
+              <a:buFont typeface="Arial" panose="020B0604020202020204" pitchFamily="34" charset="0"/>
+              <a:buChar char="•"/>
+              <a:defRPr kern="1200">
+                <a:solidFill>
+                  <a:schemeClr val="bg1"/>
+                </a:solidFill>
+                <a:latin typeface="+mn-lt"/>
+                <a:ea typeface="+mn-ea"/>
+                <a:cs typeface="+mn-cs"/>
+              </a:defRPr>
+            </a:lvl3pPr>
+            <a:lvl4pPr marL="2284730" indent="-457200" algn="l" rtl="0" eaLnBrk="0" fontAlgn="base" hangingPunct="0">
+              <a:spcBef>
+                <a:spcPct val="20000"/>
+              </a:spcBef>
+              <a:spcAft>
+                <a:spcPct val="0"/>
+              </a:spcAft>
+              <a:buFont typeface="Arial" panose="020B0604020202020204" pitchFamily="34" charset="0"/>
+              <a:buChar char="•"/>
+              <a:defRPr kern="1200">
+                <a:solidFill>
+                  <a:schemeClr val="bg1"/>
+                </a:solidFill>
+                <a:latin typeface="+mn-lt"/>
+                <a:ea typeface="+mn-ea"/>
+                <a:cs typeface="+mn-cs"/>
+              </a:defRPr>
+            </a:lvl4pPr>
+            <a:lvl5pPr marL="2894330" indent="-457200" algn="l" rtl="0" eaLnBrk="0" fontAlgn="base" hangingPunct="0">
+              <a:spcBef>
+                <a:spcPct val="20000"/>
+              </a:spcBef>
+              <a:spcAft>
+                <a:spcPct val="0"/>
+              </a:spcAft>
+              <a:buFont typeface="Arial" panose="020B0604020202020204" pitchFamily="34" charset="0"/>
+              <a:buChar char="•"/>
+              <a:defRPr kern="1200">
+                <a:solidFill>
+                  <a:schemeClr val="bg1"/>
+                </a:solidFill>
+                <a:latin typeface="+mn-lt"/>
+                <a:ea typeface="+mn-ea"/>
+                <a:cs typeface="+mn-cs"/>
+              </a:defRPr>
+            </a:lvl5pPr>
+            <a:lvl6pPr marL="3352800" indent="-304800" algn="l" defTabSz="1218565" rtl="0" eaLnBrk="1" latinLnBrk="0" hangingPunct="1">
+              <a:spcBef>
+                <a:spcPct val="20000"/>
+              </a:spcBef>
+              <a:buFont typeface="Arial" panose="020B0604020202020204" pitchFamily="34" charset="0"/>
+              <a:buChar char="•"/>
+              <a:defRPr sz="2665" kern="1200">
+                <a:solidFill>
+                  <a:schemeClr val="tx1"/>
+                </a:solidFill>
+                <a:latin typeface="+mn-lt"/>
+                <a:ea typeface="+mn-ea"/>
+                <a:cs typeface="+mn-cs"/>
+              </a:defRPr>
+            </a:lvl6pPr>
+            <a:lvl7pPr marL="3962400" indent="-304800" algn="l" defTabSz="1218565" rtl="0" eaLnBrk="1" latinLnBrk="0" hangingPunct="1">
+              <a:spcBef>
+                <a:spcPct val="20000"/>
+              </a:spcBef>
+              <a:buFont typeface="Arial" panose="020B0604020202020204" pitchFamily="34" charset="0"/>
+              <a:buChar char="•"/>
+              <a:defRPr sz="2665" kern="1200">
+                <a:solidFill>
+                  <a:schemeClr val="tx1"/>
+                </a:solidFill>
+                <a:latin typeface="+mn-lt"/>
+                <a:ea typeface="+mn-ea"/>
+                <a:cs typeface="+mn-cs"/>
+              </a:defRPr>
+            </a:lvl7pPr>
+            <a:lvl8pPr marL="4572000" indent="-304800" algn="l" defTabSz="1218565" rtl="0" eaLnBrk="1" latinLnBrk="0" hangingPunct="1">
+              <a:spcBef>
+                <a:spcPct val="20000"/>
+              </a:spcBef>
+              <a:buFont typeface="Arial" panose="020B0604020202020204" pitchFamily="34" charset="0"/>
+              <a:buChar char="•"/>
+              <a:defRPr sz="2665" kern="1200">
+                <a:solidFill>
+                  <a:schemeClr val="tx1"/>
+                </a:solidFill>
+                <a:latin typeface="+mn-lt"/>
+                <a:ea typeface="+mn-ea"/>
+                <a:cs typeface="+mn-cs"/>
+              </a:defRPr>
+            </a:lvl8pPr>
+            <a:lvl9pPr marL="5181600" indent="-304800" algn="l" defTabSz="1218565" rtl="0" eaLnBrk="1" latinLnBrk="0" hangingPunct="1">
+              <a:spcBef>
+                <a:spcPct val="20000"/>
+              </a:spcBef>
+              <a:buFont typeface="Arial" panose="020B0604020202020204" pitchFamily="34" charset="0"/>
+              <a:buChar char="•"/>
+              <a:defRPr sz="2665" kern="1200">
+                <a:solidFill>
+                  <a:schemeClr val="tx1"/>
+                </a:solidFill>
+                <a:latin typeface="+mn-lt"/>
+                <a:ea typeface="+mn-ea"/>
+                <a:cs typeface="+mn-cs"/>
+              </a:defRPr>
+            </a:lvl9pPr>
+          </a:lstStyle>
+          <a:p>
+            <a:pPr marL="0" indent="0" algn="l">
+              <a:buNone/>
+            </a:pPr>
+            <a:r>
+              <a:rPr sz="2000"/>
+              <a:t>v-if is also lazy</a:t>
+            </a:r>
+            <a:endParaRPr sz="2000"/>
+          </a:p>
+        </p:txBody>
+      </p:sp>
+      <p:sp>
+        <p:nvSpPr>
+          <p:cNvPr id="10" name="文本占位符 11"/>
+          <p:cNvSpPr>
+            <a:spLocks noGrp="1"/>
+          </p:cNvSpPr>
+          <p:nvPr/>
+        </p:nvSpPr>
+        <p:spPr>
+          <a:xfrm>
+            <a:off x="424815" y="4235450"/>
+            <a:ext cx="4458970" cy="1112520"/>
+          </a:xfrm>
+          <a:prstGeom prst="rect">
+            <a:avLst/>
+          </a:prstGeom>
+          <a:noFill/>
+          <a:ln>
+            <a:noFill/>
+          </a:ln>
+        </p:spPr>
+        <p:txBody>
+          <a:bodyPr vert="horz" wrap="square" lIns="91440" tIns="45720" rIns="91440" bIns="45720" numCol="1" anchor="t" anchorCtr="0" compatLnSpc="1"/>
+          <a:lstStyle>
+            <a:lvl1pPr marL="571500" indent="-571500" algn="l" rtl="0" eaLnBrk="0" fontAlgn="base" hangingPunct="0">
+              <a:spcBef>
+                <a:spcPct val="20000"/>
+              </a:spcBef>
+              <a:spcAft>
+                <a:spcPct val="0"/>
+              </a:spcAft>
+              <a:buFont typeface="Arial" panose="020B0604020202020204" pitchFamily="34" charset="0"/>
+              <a:buChar char="•"/>
+              <a:defRPr sz="2400" kern="1200">
+                <a:solidFill>
+                  <a:schemeClr val="bg1"/>
+                </a:solidFill>
+                <a:latin typeface="+mn-lt"/>
+                <a:ea typeface="+mn-ea"/>
+                <a:cs typeface="+mn-cs"/>
+              </a:defRPr>
+            </a:lvl1pPr>
+            <a:lvl2pPr marL="1179830" indent="-571500" algn="l" rtl="0" eaLnBrk="0" fontAlgn="base" hangingPunct="0">
+              <a:spcBef>
+                <a:spcPct val="20000"/>
+              </a:spcBef>
+              <a:spcAft>
+                <a:spcPct val="0"/>
+              </a:spcAft>
+              <a:buFont typeface="Arial" panose="020B0604020202020204" pitchFamily="34" charset="0"/>
+              <a:buChar char="•"/>
+              <a:defRPr sz="2000" kern="1200">
+                <a:solidFill>
+                  <a:schemeClr val="bg1"/>
+                </a:solidFill>
+                <a:latin typeface="+mn-lt"/>
+                <a:ea typeface="+mn-ea"/>
+                <a:cs typeface="+mn-cs"/>
+              </a:defRPr>
+            </a:lvl2pPr>
+            <a:lvl3pPr marL="1675130" indent="-457200" algn="l" rtl="0" eaLnBrk="0" fontAlgn="base" hangingPunct="0">
+              <a:spcBef>
+                <a:spcPct val="20000"/>
+              </a:spcBef>
+              <a:spcAft>
+                <a:spcPct val="0"/>
+              </a:spcAft>
+              <a:buFont typeface="Arial" panose="020B0604020202020204" pitchFamily="34" charset="0"/>
+              <a:buChar char="•"/>
+              <a:defRPr kern="1200">
+                <a:solidFill>
+                  <a:schemeClr val="bg1"/>
+                </a:solidFill>
+                <a:latin typeface="+mn-lt"/>
+                <a:ea typeface="+mn-ea"/>
+                <a:cs typeface="+mn-cs"/>
+              </a:defRPr>
+            </a:lvl3pPr>
+            <a:lvl4pPr marL="2284730" indent="-457200" algn="l" rtl="0" eaLnBrk="0" fontAlgn="base" hangingPunct="0">
+              <a:spcBef>
+                <a:spcPct val="20000"/>
+              </a:spcBef>
+              <a:spcAft>
+                <a:spcPct val="0"/>
+              </a:spcAft>
+              <a:buFont typeface="Arial" panose="020B0604020202020204" pitchFamily="34" charset="0"/>
+              <a:buChar char="•"/>
+              <a:defRPr kern="1200">
+                <a:solidFill>
+                  <a:schemeClr val="bg1"/>
+                </a:solidFill>
+                <a:latin typeface="+mn-lt"/>
+                <a:ea typeface="+mn-ea"/>
+                <a:cs typeface="+mn-cs"/>
+              </a:defRPr>
+            </a:lvl4pPr>
+            <a:lvl5pPr marL="2894330" indent="-457200" algn="l" rtl="0" eaLnBrk="0" fontAlgn="base" hangingPunct="0">
+              <a:spcBef>
+                <a:spcPct val="20000"/>
+              </a:spcBef>
+              <a:spcAft>
+                <a:spcPct val="0"/>
+              </a:spcAft>
+              <a:buFont typeface="Arial" panose="020B0604020202020204" pitchFamily="34" charset="0"/>
+              <a:buChar char="•"/>
+              <a:defRPr kern="1200">
+                <a:solidFill>
+                  <a:schemeClr val="bg1"/>
+                </a:solidFill>
+                <a:latin typeface="+mn-lt"/>
+                <a:ea typeface="+mn-ea"/>
+                <a:cs typeface="+mn-cs"/>
+              </a:defRPr>
+            </a:lvl5pPr>
+            <a:lvl6pPr marL="3352800" indent="-304800" algn="l" defTabSz="1218565" rtl="0" eaLnBrk="1" latinLnBrk="0" hangingPunct="1">
+              <a:spcBef>
+                <a:spcPct val="20000"/>
+              </a:spcBef>
+              <a:buFont typeface="Arial" panose="020B0604020202020204" pitchFamily="34" charset="0"/>
+              <a:buChar char="•"/>
+              <a:defRPr sz="2665" kern="1200">
+                <a:solidFill>
+                  <a:schemeClr val="tx1"/>
+                </a:solidFill>
+                <a:latin typeface="+mn-lt"/>
+                <a:ea typeface="+mn-ea"/>
+                <a:cs typeface="+mn-cs"/>
+              </a:defRPr>
+            </a:lvl6pPr>
+            <a:lvl7pPr marL="3962400" indent="-304800" algn="l" defTabSz="1218565" rtl="0" eaLnBrk="1" latinLnBrk="0" hangingPunct="1">
+              <a:spcBef>
+                <a:spcPct val="20000"/>
+              </a:spcBef>
+              <a:buFont typeface="Arial" panose="020B0604020202020204" pitchFamily="34" charset="0"/>
+              <a:buChar char="•"/>
+              <a:defRPr sz="2665" kern="1200">
+                <a:solidFill>
+                  <a:schemeClr val="tx1"/>
+                </a:solidFill>
+                <a:latin typeface="+mn-lt"/>
+                <a:ea typeface="+mn-ea"/>
+                <a:cs typeface="+mn-cs"/>
+              </a:defRPr>
+            </a:lvl7pPr>
+            <a:lvl8pPr marL="4572000" indent="-304800" algn="l" defTabSz="1218565" rtl="0" eaLnBrk="1" latinLnBrk="0" hangingPunct="1">
+              <a:spcBef>
+                <a:spcPct val="20000"/>
+              </a:spcBef>
+              <a:buFont typeface="Arial" panose="020B0604020202020204" pitchFamily="34" charset="0"/>
+              <a:buChar char="•"/>
+              <a:defRPr sz="2665" kern="1200">
+                <a:solidFill>
+                  <a:schemeClr val="tx1"/>
+                </a:solidFill>
+                <a:latin typeface="+mn-lt"/>
+                <a:ea typeface="+mn-ea"/>
+                <a:cs typeface="+mn-cs"/>
+              </a:defRPr>
+            </a:lvl8pPr>
+            <a:lvl9pPr marL="5181600" indent="-304800" algn="l" defTabSz="1218565" rtl="0" eaLnBrk="1" latinLnBrk="0" hangingPunct="1">
+              <a:spcBef>
+                <a:spcPct val="20000"/>
+              </a:spcBef>
+              <a:buFont typeface="Arial" panose="020B0604020202020204" pitchFamily="34" charset="0"/>
+              <a:buChar char="•"/>
+              <a:defRPr sz="2665" kern="1200">
+                <a:solidFill>
+                  <a:schemeClr val="tx1"/>
+                </a:solidFill>
+                <a:latin typeface="+mn-lt"/>
+                <a:ea typeface="+mn-ea"/>
+                <a:cs typeface="+mn-cs"/>
+              </a:defRPr>
+            </a:lvl9pPr>
+          </a:lstStyle>
+          <a:p>
+            <a:pPr marL="0" indent="0" algn="l">
+              <a:buNone/>
+            </a:pPr>
+            <a:r>
+              <a:rPr lang="en-US" sz="1600">
+                <a:solidFill>
+                  <a:schemeClr val="bg1">
+                    <a:lumMod val="65000"/>
+                  </a:schemeClr>
+                </a:solidFill>
+              </a:rPr>
+              <a:t> if the condition is false on initial render, it will not do anything - the conditional block won’t be rendered until the condition becomes true for the first time.</a:t>
+            </a:r>
+            <a:endParaRPr lang="en-US" sz="1600">
+              <a:solidFill>
+                <a:schemeClr val="bg1">
+                  <a:lumMod val="65000"/>
+                </a:schemeClr>
+              </a:solidFill>
+            </a:endParaRPr>
+          </a:p>
+        </p:txBody>
+      </p:sp>
+      <p:sp>
+        <p:nvSpPr>
+          <p:cNvPr id="13" name="矩形 12"/>
+          <p:cNvSpPr/>
+          <p:nvPr/>
+        </p:nvSpPr>
+        <p:spPr>
+          <a:xfrm>
+            <a:off x="6053455" y="1463040"/>
+            <a:ext cx="5866130" cy="5296535"/>
+          </a:xfrm>
+          <a:prstGeom prst="rect">
+            <a:avLst/>
+          </a:prstGeom>
+          <a:solidFill>
+            <a:schemeClr val="tx1">
+              <a:lumMod val="75000"/>
+              <a:lumOff val="25000"/>
+            </a:schemeClr>
+          </a:solidFill>
+          <a:ln>
+            <a:noFill/>
+          </a:ln>
+          <a:effectLst>
+            <a:glow rad="228600">
+              <a:schemeClr val="accent3">
+                <a:satMod val="175000"/>
+                <a:alpha val="40000"/>
+              </a:schemeClr>
+            </a:glow>
+          </a:effectLst>
+        </p:spPr>
+        <p:style>
+          <a:lnRef idx="2">
+            <a:schemeClr val="accent1">
+              <a:shade val="50000"/>
+            </a:schemeClr>
+          </a:lnRef>
+          <a:fillRef idx="1">
+            <a:schemeClr val="accent1"/>
+          </a:fillRef>
+          <a:effectRef idx="0">
+            <a:schemeClr val="accent1"/>
+          </a:effectRef>
+          <a:fontRef idx="minor">
+            <a:schemeClr val="lt1"/>
+          </a:fontRef>
+        </p:style>
+        <p:txBody>
+          <a:bodyPr rtlCol="0" anchor="ctr"/>
+          <a:p>
+            <a:pPr algn="ctr"/>
+            <a:endParaRPr lang="zh-CN" altLang="en-US">
+              <a:effectLst>
+                <a:glow rad="63500">
+                  <a:schemeClr val="accent2">
+                    <a:satMod val="175000"/>
+                    <a:alpha val="40000"/>
+                  </a:schemeClr>
+                </a:glow>
+              </a:effectLst>
+            </a:endParaRPr>
+          </a:p>
+        </p:txBody>
+      </p:sp>
+      <p:sp>
+        <p:nvSpPr>
+          <p:cNvPr id="14" name="文本框 13"/>
+          <p:cNvSpPr txBox="1"/>
+          <p:nvPr/>
+        </p:nvSpPr>
+        <p:spPr>
+          <a:xfrm>
+            <a:off x="6612890" y="1527810"/>
+            <a:ext cx="3625215" cy="521970"/>
+          </a:xfrm>
+          <a:prstGeom prst="rect">
+            <a:avLst/>
+          </a:prstGeom>
+          <a:noFill/>
+        </p:spPr>
+        <p:txBody>
+          <a:bodyPr wrap="square" rtlCol="0">
+            <a:spAutoFit/>
+          </a:bodyPr>
+          <a:p>
+            <a:pPr algn="ctr"/>
+            <a:r>
+              <a:rPr lang="en-US" altLang="zh-CN" sz="2800">
+                <a:solidFill>
+                  <a:schemeClr val="bg1"/>
+                </a:solidFill>
+                <a:sym typeface="+mn-ea"/>
+              </a:rPr>
+              <a:t>v-show</a:t>
+            </a:r>
+            <a:endParaRPr lang="en-US" altLang="zh-CN" sz="2800">
+              <a:solidFill>
+                <a:schemeClr val="bg1"/>
+              </a:solidFill>
+              <a:sym typeface="+mn-ea"/>
+            </a:endParaRPr>
+          </a:p>
+        </p:txBody>
+      </p:sp>
+      <p:sp>
+        <p:nvSpPr>
+          <p:cNvPr id="15" name="文本占位符 11"/>
+          <p:cNvSpPr>
+            <a:spLocks noGrp="1"/>
+          </p:cNvSpPr>
+          <p:nvPr/>
+        </p:nvSpPr>
+        <p:spPr>
+          <a:xfrm>
+            <a:off x="6154420" y="2156460"/>
+            <a:ext cx="5354320" cy="446405"/>
+          </a:xfrm>
+          <a:prstGeom prst="rect">
+            <a:avLst/>
+          </a:prstGeom>
+          <a:noFill/>
+          <a:ln>
+            <a:noFill/>
+          </a:ln>
+        </p:spPr>
+        <p:txBody>
+          <a:bodyPr vert="horz" wrap="square" lIns="91440" tIns="45720" rIns="91440" bIns="45720" numCol="1" anchor="t" anchorCtr="0" compatLnSpc="1"/>
+          <a:lstStyle>
+            <a:lvl1pPr marL="571500" indent="-571500" algn="l" rtl="0" eaLnBrk="0" fontAlgn="base" hangingPunct="0">
+              <a:spcBef>
+                <a:spcPct val="20000"/>
+              </a:spcBef>
+              <a:spcAft>
+                <a:spcPct val="0"/>
+              </a:spcAft>
+              <a:buFont typeface="Arial" panose="020B0604020202020204" pitchFamily="34" charset="0"/>
+              <a:buChar char="•"/>
+              <a:defRPr sz="2400" kern="1200">
+                <a:solidFill>
+                  <a:schemeClr val="bg1"/>
+                </a:solidFill>
+                <a:latin typeface="+mn-lt"/>
+                <a:ea typeface="+mn-ea"/>
+                <a:cs typeface="+mn-cs"/>
+              </a:defRPr>
+            </a:lvl1pPr>
+            <a:lvl2pPr marL="1179830" indent="-571500" algn="l" rtl="0" eaLnBrk="0" fontAlgn="base" hangingPunct="0">
+              <a:spcBef>
+                <a:spcPct val="20000"/>
+              </a:spcBef>
+              <a:spcAft>
+                <a:spcPct val="0"/>
+              </a:spcAft>
+              <a:buFont typeface="Arial" panose="020B0604020202020204" pitchFamily="34" charset="0"/>
+              <a:buChar char="•"/>
+              <a:defRPr sz="2000" kern="1200">
+                <a:solidFill>
+                  <a:schemeClr val="bg1"/>
+                </a:solidFill>
+                <a:latin typeface="+mn-lt"/>
+                <a:ea typeface="+mn-ea"/>
+                <a:cs typeface="+mn-cs"/>
+              </a:defRPr>
+            </a:lvl2pPr>
+            <a:lvl3pPr marL="1675130" indent="-457200" algn="l" rtl="0" eaLnBrk="0" fontAlgn="base" hangingPunct="0">
+              <a:spcBef>
+                <a:spcPct val="20000"/>
+              </a:spcBef>
+              <a:spcAft>
+                <a:spcPct val="0"/>
+              </a:spcAft>
+              <a:buFont typeface="Arial" panose="020B0604020202020204" pitchFamily="34" charset="0"/>
+              <a:buChar char="•"/>
+              <a:defRPr kern="1200">
+                <a:solidFill>
+                  <a:schemeClr val="bg1"/>
+                </a:solidFill>
+                <a:latin typeface="+mn-lt"/>
+                <a:ea typeface="+mn-ea"/>
+                <a:cs typeface="+mn-cs"/>
+              </a:defRPr>
+            </a:lvl3pPr>
+            <a:lvl4pPr marL="2284730" indent="-457200" algn="l" rtl="0" eaLnBrk="0" fontAlgn="base" hangingPunct="0">
+              <a:spcBef>
+                <a:spcPct val="20000"/>
+              </a:spcBef>
+              <a:spcAft>
+                <a:spcPct val="0"/>
+              </a:spcAft>
+              <a:buFont typeface="Arial" panose="020B0604020202020204" pitchFamily="34" charset="0"/>
+              <a:buChar char="•"/>
+              <a:defRPr kern="1200">
+                <a:solidFill>
+                  <a:schemeClr val="bg1"/>
+                </a:solidFill>
+                <a:latin typeface="+mn-lt"/>
+                <a:ea typeface="+mn-ea"/>
+                <a:cs typeface="+mn-cs"/>
+              </a:defRPr>
+            </a:lvl4pPr>
+            <a:lvl5pPr marL="2894330" indent="-457200" algn="l" rtl="0" eaLnBrk="0" fontAlgn="base" hangingPunct="0">
+              <a:spcBef>
+                <a:spcPct val="20000"/>
+              </a:spcBef>
+              <a:spcAft>
+                <a:spcPct val="0"/>
+              </a:spcAft>
+              <a:buFont typeface="Arial" panose="020B0604020202020204" pitchFamily="34" charset="0"/>
+              <a:buChar char="•"/>
+              <a:defRPr kern="1200">
+                <a:solidFill>
+                  <a:schemeClr val="bg1"/>
+                </a:solidFill>
+                <a:latin typeface="+mn-lt"/>
+                <a:ea typeface="+mn-ea"/>
+                <a:cs typeface="+mn-cs"/>
+              </a:defRPr>
+            </a:lvl5pPr>
+            <a:lvl6pPr marL="3352800" indent="-304800" algn="l" defTabSz="1218565" rtl="0" eaLnBrk="1" latinLnBrk="0" hangingPunct="1">
+              <a:spcBef>
+                <a:spcPct val="20000"/>
+              </a:spcBef>
+              <a:buFont typeface="Arial" panose="020B0604020202020204" pitchFamily="34" charset="0"/>
+              <a:buChar char="•"/>
+              <a:defRPr sz="2665" kern="1200">
+                <a:solidFill>
+                  <a:schemeClr val="tx1"/>
+                </a:solidFill>
+                <a:latin typeface="+mn-lt"/>
+                <a:ea typeface="+mn-ea"/>
+                <a:cs typeface="+mn-cs"/>
+              </a:defRPr>
+            </a:lvl6pPr>
+            <a:lvl7pPr marL="3962400" indent="-304800" algn="l" defTabSz="1218565" rtl="0" eaLnBrk="1" latinLnBrk="0" hangingPunct="1">
+              <a:spcBef>
+                <a:spcPct val="20000"/>
+              </a:spcBef>
+              <a:buFont typeface="Arial" panose="020B0604020202020204" pitchFamily="34" charset="0"/>
+              <a:buChar char="•"/>
+              <a:defRPr sz="2665" kern="1200">
+                <a:solidFill>
+                  <a:schemeClr val="tx1"/>
+                </a:solidFill>
+                <a:latin typeface="+mn-lt"/>
+                <a:ea typeface="+mn-ea"/>
+                <a:cs typeface="+mn-cs"/>
+              </a:defRPr>
+            </a:lvl7pPr>
+            <a:lvl8pPr marL="4572000" indent="-304800" algn="l" defTabSz="1218565" rtl="0" eaLnBrk="1" latinLnBrk="0" hangingPunct="1">
+              <a:spcBef>
+                <a:spcPct val="20000"/>
+              </a:spcBef>
+              <a:buFont typeface="Arial" panose="020B0604020202020204" pitchFamily="34" charset="0"/>
+              <a:buChar char="•"/>
+              <a:defRPr sz="2665" kern="1200">
+                <a:solidFill>
+                  <a:schemeClr val="tx1"/>
+                </a:solidFill>
+                <a:latin typeface="+mn-lt"/>
+                <a:ea typeface="+mn-ea"/>
+                <a:cs typeface="+mn-cs"/>
+              </a:defRPr>
+            </a:lvl8pPr>
+            <a:lvl9pPr marL="5181600" indent="-304800" algn="l" defTabSz="1218565" rtl="0" eaLnBrk="1" latinLnBrk="0" hangingPunct="1">
+              <a:spcBef>
+                <a:spcPct val="20000"/>
+              </a:spcBef>
+              <a:buFont typeface="Arial" panose="020B0604020202020204" pitchFamily="34" charset="0"/>
+              <a:buChar char="•"/>
+              <a:defRPr sz="2665" kern="1200">
+                <a:solidFill>
+                  <a:schemeClr val="tx1"/>
+                </a:solidFill>
+                <a:latin typeface="+mn-lt"/>
+                <a:ea typeface="+mn-ea"/>
+                <a:cs typeface="+mn-cs"/>
+              </a:defRPr>
+            </a:lvl9pPr>
+          </a:lstStyle>
+          <a:p>
+            <a:pPr marL="0" indent="0" algn="l">
+              <a:buNone/>
+            </a:pPr>
+            <a:r>
+              <a:rPr sz="2000"/>
+              <a:t>In comparison, v-show is much simpler</a:t>
+            </a:r>
+            <a:endParaRPr sz="2000"/>
+          </a:p>
+        </p:txBody>
+      </p:sp>
+      <p:sp>
+        <p:nvSpPr>
+          <p:cNvPr id="16" name="文本占位符 11"/>
+          <p:cNvSpPr>
+            <a:spLocks noGrp="1"/>
+          </p:cNvSpPr>
+          <p:nvPr/>
+        </p:nvSpPr>
+        <p:spPr>
+          <a:xfrm>
+            <a:off x="6156325" y="2585720"/>
+            <a:ext cx="4458970" cy="1211580"/>
+          </a:xfrm>
+          <a:prstGeom prst="rect">
+            <a:avLst/>
+          </a:prstGeom>
+          <a:noFill/>
+          <a:ln>
+            <a:noFill/>
+          </a:ln>
+        </p:spPr>
+        <p:txBody>
+          <a:bodyPr vert="horz" wrap="square" lIns="91440" tIns="45720" rIns="91440" bIns="45720" numCol="1" anchor="t" anchorCtr="0" compatLnSpc="1"/>
+          <a:lstStyle>
+            <a:lvl1pPr marL="571500" indent="-571500" algn="l" rtl="0" eaLnBrk="0" fontAlgn="base" hangingPunct="0">
+              <a:spcBef>
+                <a:spcPct val="20000"/>
+              </a:spcBef>
+              <a:spcAft>
+                <a:spcPct val="0"/>
+              </a:spcAft>
+              <a:buFont typeface="Arial" panose="020B0604020202020204" pitchFamily="34" charset="0"/>
+              <a:buChar char="•"/>
+              <a:defRPr sz="2400" kern="1200">
+                <a:solidFill>
+                  <a:schemeClr val="bg1"/>
+                </a:solidFill>
+                <a:latin typeface="+mn-lt"/>
+                <a:ea typeface="+mn-ea"/>
+                <a:cs typeface="+mn-cs"/>
+              </a:defRPr>
+            </a:lvl1pPr>
+            <a:lvl2pPr marL="1179830" indent="-571500" algn="l" rtl="0" eaLnBrk="0" fontAlgn="base" hangingPunct="0">
+              <a:spcBef>
+                <a:spcPct val="20000"/>
+              </a:spcBef>
+              <a:spcAft>
+                <a:spcPct val="0"/>
+              </a:spcAft>
+              <a:buFont typeface="Arial" panose="020B0604020202020204" pitchFamily="34" charset="0"/>
+              <a:buChar char="•"/>
+              <a:defRPr sz="2000" kern="1200">
+                <a:solidFill>
+                  <a:schemeClr val="bg1"/>
+                </a:solidFill>
+                <a:latin typeface="+mn-lt"/>
+                <a:ea typeface="+mn-ea"/>
+                <a:cs typeface="+mn-cs"/>
+              </a:defRPr>
+            </a:lvl2pPr>
+            <a:lvl3pPr marL="1675130" indent="-457200" algn="l" rtl="0" eaLnBrk="0" fontAlgn="base" hangingPunct="0">
+              <a:spcBef>
+                <a:spcPct val="20000"/>
+              </a:spcBef>
+              <a:spcAft>
+                <a:spcPct val="0"/>
+              </a:spcAft>
+              <a:buFont typeface="Arial" panose="020B0604020202020204" pitchFamily="34" charset="0"/>
+              <a:buChar char="•"/>
+              <a:defRPr kern="1200">
+                <a:solidFill>
+                  <a:schemeClr val="bg1"/>
+                </a:solidFill>
+                <a:latin typeface="+mn-lt"/>
+                <a:ea typeface="+mn-ea"/>
+                <a:cs typeface="+mn-cs"/>
+              </a:defRPr>
+            </a:lvl3pPr>
+            <a:lvl4pPr marL="2284730" indent="-457200" algn="l" rtl="0" eaLnBrk="0" fontAlgn="base" hangingPunct="0">
+              <a:spcBef>
+                <a:spcPct val="20000"/>
+              </a:spcBef>
+              <a:spcAft>
+                <a:spcPct val="0"/>
+              </a:spcAft>
+              <a:buFont typeface="Arial" panose="020B0604020202020204" pitchFamily="34" charset="0"/>
+              <a:buChar char="•"/>
+              <a:defRPr kern="1200">
+                <a:solidFill>
+                  <a:schemeClr val="bg1"/>
+                </a:solidFill>
+                <a:latin typeface="+mn-lt"/>
+                <a:ea typeface="+mn-ea"/>
+                <a:cs typeface="+mn-cs"/>
+              </a:defRPr>
+            </a:lvl4pPr>
+            <a:lvl5pPr marL="2894330" indent="-457200" algn="l" rtl="0" eaLnBrk="0" fontAlgn="base" hangingPunct="0">
+              <a:spcBef>
+                <a:spcPct val="20000"/>
+              </a:spcBef>
+              <a:spcAft>
+                <a:spcPct val="0"/>
+              </a:spcAft>
+              <a:buFont typeface="Arial" panose="020B0604020202020204" pitchFamily="34" charset="0"/>
+              <a:buChar char="•"/>
+              <a:defRPr kern="1200">
+                <a:solidFill>
+                  <a:schemeClr val="bg1"/>
+                </a:solidFill>
+                <a:latin typeface="+mn-lt"/>
+                <a:ea typeface="+mn-ea"/>
+                <a:cs typeface="+mn-cs"/>
+              </a:defRPr>
+            </a:lvl5pPr>
+            <a:lvl6pPr marL="3352800" indent="-304800" algn="l" defTabSz="1218565" rtl="0" eaLnBrk="1" latinLnBrk="0" hangingPunct="1">
+              <a:spcBef>
+                <a:spcPct val="20000"/>
+              </a:spcBef>
+              <a:buFont typeface="Arial" panose="020B0604020202020204" pitchFamily="34" charset="0"/>
+              <a:buChar char="•"/>
+              <a:defRPr sz="2665" kern="1200">
+                <a:solidFill>
+                  <a:schemeClr val="tx1"/>
+                </a:solidFill>
+                <a:latin typeface="+mn-lt"/>
+                <a:ea typeface="+mn-ea"/>
+                <a:cs typeface="+mn-cs"/>
+              </a:defRPr>
+            </a:lvl6pPr>
+            <a:lvl7pPr marL="3962400" indent="-304800" algn="l" defTabSz="1218565" rtl="0" eaLnBrk="1" latinLnBrk="0" hangingPunct="1">
+              <a:spcBef>
+                <a:spcPct val="20000"/>
+              </a:spcBef>
+              <a:buFont typeface="Arial" panose="020B0604020202020204" pitchFamily="34" charset="0"/>
+              <a:buChar char="•"/>
+              <a:defRPr sz="2665" kern="1200">
+                <a:solidFill>
+                  <a:schemeClr val="tx1"/>
+                </a:solidFill>
+                <a:latin typeface="+mn-lt"/>
+                <a:ea typeface="+mn-ea"/>
+                <a:cs typeface="+mn-cs"/>
+              </a:defRPr>
+            </a:lvl7pPr>
+            <a:lvl8pPr marL="4572000" indent="-304800" algn="l" defTabSz="1218565" rtl="0" eaLnBrk="1" latinLnBrk="0" hangingPunct="1">
+              <a:spcBef>
+                <a:spcPct val="20000"/>
+              </a:spcBef>
+              <a:buFont typeface="Arial" panose="020B0604020202020204" pitchFamily="34" charset="0"/>
+              <a:buChar char="•"/>
+              <a:defRPr sz="2665" kern="1200">
+                <a:solidFill>
+                  <a:schemeClr val="tx1"/>
+                </a:solidFill>
+                <a:latin typeface="+mn-lt"/>
+                <a:ea typeface="+mn-ea"/>
+                <a:cs typeface="+mn-cs"/>
+              </a:defRPr>
+            </a:lvl8pPr>
+            <a:lvl9pPr marL="5181600" indent="-304800" algn="l" defTabSz="1218565" rtl="0" eaLnBrk="1" latinLnBrk="0" hangingPunct="1">
+              <a:spcBef>
+                <a:spcPct val="20000"/>
+              </a:spcBef>
+              <a:buFont typeface="Arial" panose="020B0604020202020204" pitchFamily="34" charset="0"/>
+              <a:buChar char="•"/>
+              <a:defRPr sz="2665" kern="1200">
+                <a:solidFill>
+                  <a:schemeClr val="tx1"/>
+                </a:solidFill>
+                <a:latin typeface="+mn-lt"/>
+                <a:ea typeface="+mn-ea"/>
+                <a:cs typeface="+mn-cs"/>
+              </a:defRPr>
+            </a:lvl9pPr>
+          </a:lstStyle>
+          <a:p>
+            <a:pPr marL="0" indent="0" algn="l">
+              <a:buNone/>
+            </a:pPr>
+            <a:r>
+              <a:rPr lang="en-US" sz="1600">
+                <a:solidFill>
+                  <a:schemeClr val="bg1">
+                    <a:lumMod val="65000"/>
+                  </a:schemeClr>
+                </a:solidFill>
+              </a:rPr>
+              <a:t>the element is always rendered regardless of initial condition, with CSS-based toggling.</a:t>
+            </a:r>
+            <a:endParaRPr lang="en-US" sz="1600">
+              <a:solidFill>
+                <a:schemeClr val="bg1">
+                  <a:lumMod val="65000"/>
+                </a:schemeClr>
+              </a:solidFill>
+            </a:endParaRPr>
+          </a:p>
+        </p:txBody>
+      </p:sp>
+      <p:sp>
+        <p:nvSpPr>
+          <p:cNvPr id="17" name="文本占位符 11"/>
+          <p:cNvSpPr>
+            <a:spLocks noGrp="1"/>
+          </p:cNvSpPr>
+          <p:nvPr/>
+        </p:nvSpPr>
+        <p:spPr>
+          <a:xfrm>
+            <a:off x="6154420" y="3797300"/>
+            <a:ext cx="5554980" cy="446405"/>
+          </a:xfrm>
+          <a:prstGeom prst="rect">
+            <a:avLst/>
+          </a:prstGeom>
+          <a:noFill/>
+          <a:ln>
+            <a:noFill/>
+          </a:ln>
+        </p:spPr>
+        <p:txBody>
+          <a:bodyPr vert="horz" wrap="square" lIns="91440" tIns="45720" rIns="91440" bIns="45720" numCol="1" anchor="t" anchorCtr="0" compatLnSpc="1"/>
+          <a:lstStyle>
+            <a:lvl1pPr marL="571500" indent="-571500" algn="l" rtl="0" eaLnBrk="0" fontAlgn="base" hangingPunct="0">
+              <a:spcBef>
+                <a:spcPct val="20000"/>
+              </a:spcBef>
+              <a:spcAft>
+                <a:spcPct val="0"/>
+              </a:spcAft>
+              <a:buFont typeface="Arial" panose="020B0604020202020204" pitchFamily="34" charset="0"/>
+              <a:buChar char="•"/>
+              <a:defRPr sz="2400" kern="1200">
+                <a:solidFill>
+                  <a:schemeClr val="bg1"/>
+                </a:solidFill>
+                <a:latin typeface="+mn-lt"/>
+                <a:ea typeface="+mn-ea"/>
+                <a:cs typeface="+mn-cs"/>
+              </a:defRPr>
+            </a:lvl1pPr>
+            <a:lvl2pPr marL="1179830" indent="-571500" algn="l" rtl="0" eaLnBrk="0" fontAlgn="base" hangingPunct="0">
+              <a:spcBef>
+                <a:spcPct val="20000"/>
+              </a:spcBef>
+              <a:spcAft>
+                <a:spcPct val="0"/>
+              </a:spcAft>
+              <a:buFont typeface="Arial" panose="020B0604020202020204" pitchFamily="34" charset="0"/>
+              <a:buChar char="•"/>
+              <a:defRPr sz="2000" kern="1200">
+                <a:solidFill>
+                  <a:schemeClr val="bg1"/>
+                </a:solidFill>
+                <a:latin typeface="+mn-lt"/>
+                <a:ea typeface="+mn-ea"/>
+                <a:cs typeface="+mn-cs"/>
+              </a:defRPr>
+            </a:lvl2pPr>
+            <a:lvl3pPr marL="1675130" indent="-457200" algn="l" rtl="0" eaLnBrk="0" fontAlgn="base" hangingPunct="0">
+              <a:spcBef>
+                <a:spcPct val="20000"/>
+              </a:spcBef>
+              <a:spcAft>
+                <a:spcPct val="0"/>
+              </a:spcAft>
+              <a:buFont typeface="Arial" panose="020B0604020202020204" pitchFamily="34" charset="0"/>
+              <a:buChar char="•"/>
+              <a:defRPr kern="1200">
+                <a:solidFill>
+                  <a:schemeClr val="bg1"/>
+                </a:solidFill>
+                <a:latin typeface="+mn-lt"/>
+                <a:ea typeface="+mn-ea"/>
+                <a:cs typeface="+mn-cs"/>
+              </a:defRPr>
+            </a:lvl3pPr>
+            <a:lvl4pPr marL="2284730" indent="-457200" algn="l" rtl="0" eaLnBrk="0" fontAlgn="base" hangingPunct="0">
+              <a:spcBef>
+                <a:spcPct val="20000"/>
+              </a:spcBef>
+              <a:spcAft>
+                <a:spcPct val="0"/>
+              </a:spcAft>
+              <a:buFont typeface="Arial" panose="020B0604020202020204" pitchFamily="34" charset="0"/>
+              <a:buChar char="•"/>
+              <a:defRPr kern="1200">
+                <a:solidFill>
+                  <a:schemeClr val="bg1"/>
+                </a:solidFill>
+                <a:latin typeface="+mn-lt"/>
+                <a:ea typeface="+mn-ea"/>
+                <a:cs typeface="+mn-cs"/>
+              </a:defRPr>
+            </a:lvl4pPr>
+            <a:lvl5pPr marL="2894330" indent="-457200" algn="l" rtl="0" eaLnBrk="0" fontAlgn="base" hangingPunct="0">
+              <a:spcBef>
+                <a:spcPct val="20000"/>
+              </a:spcBef>
+              <a:spcAft>
+                <a:spcPct val="0"/>
+              </a:spcAft>
+              <a:buFont typeface="Arial" panose="020B0604020202020204" pitchFamily="34" charset="0"/>
+              <a:buChar char="•"/>
+              <a:defRPr kern="1200">
+                <a:solidFill>
+                  <a:schemeClr val="bg1"/>
+                </a:solidFill>
+                <a:latin typeface="+mn-lt"/>
+                <a:ea typeface="+mn-ea"/>
+                <a:cs typeface="+mn-cs"/>
+              </a:defRPr>
+            </a:lvl5pPr>
+            <a:lvl6pPr marL="3352800" indent="-304800" algn="l" defTabSz="1218565" rtl="0" eaLnBrk="1" latinLnBrk="0" hangingPunct="1">
+              <a:spcBef>
+                <a:spcPct val="20000"/>
+              </a:spcBef>
+              <a:buFont typeface="Arial" panose="020B0604020202020204" pitchFamily="34" charset="0"/>
+              <a:buChar char="•"/>
+              <a:defRPr sz="2665" kern="1200">
+                <a:solidFill>
+                  <a:schemeClr val="tx1"/>
+                </a:solidFill>
+                <a:latin typeface="+mn-lt"/>
+                <a:ea typeface="+mn-ea"/>
+                <a:cs typeface="+mn-cs"/>
+              </a:defRPr>
+            </a:lvl6pPr>
+            <a:lvl7pPr marL="3962400" indent="-304800" algn="l" defTabSz="1218565" rtl="0" eaLnBrk="1" latinLnBrk="0" hangingPunct="1">
+              <a:spcBef>
+                <a:spcPct val="20000"/>
+              </a:spcBef>
+              <a:buFont typeface="Arial" panose="020B0604020202020204" pitchFamily="34" charset="0"/>
+              <a:buChar char="•"/>
+              <a:defRPr sz="2665" kern="1200">
+                <a:solidFill>
+                  <a:schemeClr val="tx1"/>
+                </a:solidFill>
+                <a:latin typeface="+mn-lt"/>
+                <a:ea typeface="+mn-ea"/>
+                <a:cs typeface="+mn-cs"/>
+              </a:defRPr>
+            </a:lvl7pPr>
+            <a:lvl8pPr marL="4572000" indent="-304800" algn="l" defTabSz="1218565" rtl="0" eaLnBrk="1" latinLnBrk="0" hangingPunct="1">
+              <a:spcBef>
+                <a:spcPct val="20000"/>
+              </a:spcBef>
+              <a:buFont typeface="Arial" panose="020B0604020202020204" pitchFamily="34" charset="0"/>
+              <a:buChar char="•"/>
+              <a:defRPr sz="2665" kern="1200">
+                <a:solidFill>
+                  <a:schemeClr val="tx1"/>
+                </a:solidFill>
+                <a:latin typeface="+mn-lt"/>
+                <a:ea typeface="+mn-ea"/>
+                <a:cs typeface="+mn-cs"/>
+              </a:defRPr>
+            </a:lvl8pPr>
+            <a:lvl9pPr marL="5181600" indent="-304800" algn="l" defTabSz="1218565" rtl="0" eaLnBrk="1" latinLnBrk="0" hangingPunct="1">
+              <a:spcBef>
+                <a:spcPct val="20000"/>
+              </a:spcBef>
+              <a:buFont typeface="Arial" panose="020B0604020202020204" pitchFamily="34" charset="0"/>
+              <a:buChar char="•"/>
+              <a:defRPr sz="2665" kern="1200">
+                <a:solidFill>
+                  <a:schemeClr val="tx1"/>
+                </a:solidFill>
+                <a:latin typeface="+mn-lt"/>
+                <a:ea typeface="+mn-ea"/>
+                <a:cs typeface="+mn-cs"/>
+              </a:defRPr>
+            </a:lvl9pPr>
+          </a:lstStyle>
+          <a:p>
+            <a:pPr marL="0" indent="0" algn="l">
+              <a:buNone/>
+            </a:pPr>
+            <a:r>
+              <a:rPr sz="2000"/>
+              <a:t>v-show doesn’t support the &lt;template&gt; element</a:t>
+            </a:r>
+            <a:endParaRPr sz="2000"/>
+          </a:p>
+        </p:txBody>
+      </p:sp>
+      <p:sp>
+        <p:nvSpPr>
+          <p:cNvPr id="19" name="文本占位符 11"/>
+          <p:cNvSpPr>
+            <a:spLocks noGrp="1"/>
+          </p:cNvSpPr>
+          <p:nvPr/>
+        </p:nvSpPr>
+        <p:spPr>
+          <a:xfrm>
+            <a:off x="424815" y="5473700"/>
+            <a:ext cx="4511675" cy="446405"/>
+          </a:xfrm>
+          <a:prstGeom prst="rect">
+            <a:avLst/>
+          </a:prstGeom>
+          <a:noFill/>
+          <a:ln>
+            <a:noFill/>
+          </a:ln>
+        </p:spPr>
+        <p:txBody>
+          <a:bodyPr vert="horz" wrap="square" lIns="91440" tIns="45720" rIns="91440" bIns="45720" numCol="1" anchor="t" anchorCtr="0" compatLnSpc="1"/>
+          <a:lstStyle>
+            <a:lvl1pPr marL="571500" indent="-571500" algn="l" rtl="0" eaLnBrk="0" fontAlgn="base" hangingPunct="0">
+              <a:spcBef>
+                <a:spcPct val="20000"/>
+              </a:spcBef>
+              <a:spcAft>
+                <a:spcPct val="0"/>
+              </a:spcAft>
+              <a:buFont typeface="Arial" panose="020B0604020202020204" pitchFamily="34" charset="0"/>
+              <a:buChar char="•"/>
+              <a:defRPr sz="2400" kern="1200">
+                <a:solidFill>
+                  <a:schemeClr val="bg1"/>
+                </a:solidFill>
+                <a:latin typeface="+mn-lt"/>
+                <a:ea typeface="+mn-ea"/>
+                <a:cs typeface="+mn-cs"/>
+              </a:defRPr>
+            </a:lvl1pPr>
+            <a:lvl2pPr marL="1179830" indent="-571500" algn="l" rtl="0" eaLnBrk="0" fontAlgn="base" hangingPunct="0">
+              <a:spcBef>
+                <a:spcPct val="20000"/>
+              </a:spcBef>
+              <a:spcAft>
+                <a:spcPct val="0"/>
+              </a:spcAft>
+              <a:buFont typeface="Arial" panose="020B0604020202020204" pitchFamily="34" charset="0"/>
+              <a:buChar char="•"/>
+              <a:defRPr sz="2000" kern="1200">
+                <a:solidFill>
+                  <a:schemeClr val="bg1"/>
+                </a:solidFill>
+                <a:latin typeface="+mn-lt"/>
+                <a:ea typeface="+mn-ea"/>
+                <a:cs typeface="+mn-cs"/>
+              </a:defRPr>
+            </a:lvl2pPr>
+            <a:lvl3pPr marL="1675130" indent="-457200" algn="l" rtl="0" eaLnBrk="0" fontAlgn="base" hangingPunct="0">
+              <a:spcBef>
+                <a:spcPct val="20000"/>
+              </a:spcBef>
+              <a:spcAft>
+                <a:spcPct val="0"/>
+              </a:spcAft>
+              <a:buFont typeface="Arial" panose="020B0604020202020204" pitchFamily="34" charset="0"/>
+              <a:buChar char="•"/>
+              <a:defRPr kern="1200">
+                <a:solidFill>
+                  <a:schemeClr val="bg1"/>
+                </a:solidFill>
+                <a:latin typeface="+mn-lt"/>
+                <a:ea typeface="+mn-ea"/>
+                <a:cs typeface="+mn-cs"/>
+              </a:defRPr>
+            </a:lvl3pPr>
+            <a:lvl4pPr marL="2284730" indent="-457200" algn="l" rtl="0" eaLnBrk="0" fontAlgn="base" hangingPunct="0">
+              <a:spcBef>
+                <a:spcPct val="20000"/>
+              </a:spcBef>
+              <a:spcAft>
+                <a:spcPct val="0"/>
+              </a:spcAft>
+              <a:buFont typeface="Arial" panose="020B0604020202020204" pitchFamily="34" charset="0"/>
+              <a:buChar char="•"/>
+              <a:defRPr kern="1200">
+                <a:solidFill>
+                  <a:schemeClr val="bg1"/>
+                </a:solidFill>
+                <a:latin typeface="+mn-lt"/>
+                <a:ea typeface="+mn-ea"/>
+                <a:cs typeface="+mn-cs"/>
+              </a:defRPr>
+            </a:lvl4pPr>
+            <a:lvl5pPr marL="2894330" indent="-457200" algn="l" rtl="0" eaLnBrk="0" fontAlgn="base" hangingPunct="0">
+              <a:spcBef>
+                <a:spcPct val="20000"/>
+              </a:spcBef>
+              <a:spcAft>
+                <a:spcPct val="0"/>
+              </a:spcAft>
+              <a:buFont typeface="Arial" panose="020B0604020202020204" pitchFamily="34" charset="0"/>
+              <a:buChar char="•"/>
+              <a:defRPr kern="1200">
+                <a:solidFill>
+                  <a:schemeClr val="bg1"/>
+                </a:solidFill>
+                <a:latin typeface="+mn-lt"/>
+                <a:ea typeface="+mn-ea"/>
+                <a:cs typeface="+mn-cs"/>
+              </a:defRPr>
+            </a:lvl5pPr>
+            <a:lvl6pPr marL="3352800" indent="-304800" algn="l" defTabSz="1218565" rtl="0" eaLnBrk="1" latinLnBrk="0" hangingPunct="1">
+              <a:spcBef>
+                <a:spcPct val="20000"/>
+              </a:spcBef>
+              <a:buFont typeface="Arial" panose="020B0604020202020204" pitchFamily="34" charset="0"/>
+              <a:buChar char="•"/>
+              <a:defRPr sz="2665" kern="1200">
+                <a:solidFill>
+                  <a:schemeClr val="tx1"/>
+                </a:solidFill>
+                <a:latin typeface="+mn-lt"/>
+                <a:ea typeface="+mn-ea"/>
+                <a:cs typeface="+mn-cs"/>
+              </a:defRPr>
+            </a:lvl6pPr>
+            <a:lvl7pPr marL="3962400" indent="-304800" algn="l" defTabSz="1218565" rtl="0" eaLnBrk="1" latinLnBrk="0" hangingPunct="1">
+              <a:spcBef>
+                <a:spcPct val="20000"/>
+              </a:spcBef>
+              <a:buFont typeface="Arial" panose="020B0604020202020204" pitchFamily="34" charset="0"/>
+              <a:buChar char="•"/>
+              <a:defRPr sz="2665" kern="1200">
+                <a:solidFill>
+                  <a:schemeClr val="tx1"/>
+                </a:solidFill>
+                <a:latin typeface="+mn-lt"/>
+                <a:ea typeface="+mn-ea"/>
+                <a:cs typeface="+mn-cs"/>
+              </a:defRPr>
+            </a:lvl7pPr>
+            <a:lvl8pPr marL="4572000" indent="-304800" algn="l" defTabSz="1218565" rtl="0" eaLnBrk="1" latinLnBrk="0" hangingPunct="1">
+              <a:spcBef>
+                <a:spcPct val="20000"/>
+              </a:spcBef>
+              <a:buFont typeface="Arial" panose="020B0604020202020204" pitchFamily="34" charset="0"/>
+              <a:buChar char="•"/>
+              <a:defRPr sz="2665" kern="1200">
+                <a:solidFill>
+                  <a:schemeClr val="tx1"/>
+                </a:solidFill>
+                <a:latin typeface="+mn-lt"/>
+                <a:ea typeface="+mn-ea"/>
+                <a:cs typeface="+mn-cs"/>
+              </a:defRPr>
+            </a:lvl8pPr>
+            <a:lvl9pPr marL="5181600" indent="-304800" algn="l" defTabSz="1218565" rtl="0" eaLnBrk="1" latinLnBrk="0" hangingPunct="1">
+              <a:spcBef>
+                <a:spcPct val="20000"/>
+              </a:spcBef>
+              <a:buFont typeface="Arial" panose="020B0604020202020204" pitchFamily="34" charset="0"/>
+              <a:buChar char="•"/>
+              <a:defRPr sz="2665" kern="1200">
+                <a:solidFill>
+                  <a:schemeClr val="tx1"/>
+                </a:solidFill>
+                <a:latin typeface="+mn-lt"/>
+                <a:ea typeface="+mn-ea"/>
+                <a:cs typeface="+mn-cs"/>
+              </a:defRPr>
+            </a:lvl9pPr>
+          </a:lstStyle>
+          <a:p>
+            <a:pPr marL="0" indent="0" algn="l">
+              <a:buNone/>
+            </a:pPr>
+            <a:r>
+              <a:rPr sz="2000"/>
+              <a:t>v-if has higher toggle costs</a:t>
+            </a:r>
+            <a:endParaRPr sz="2000"/>
+          </a:p>
+        </p:txBody>
+      </p:sp>
+      <p:sp>
+        <p:nvSpPr>
+          <p:cNvPr id="20" name="文本占位符 11"/>
+          <p:cNvSpPr>
+            <a:spLocks noGrp="1"/>
+          </p:cNvSpPr>
+          <p:nvPr/>
+        </p:nvSpPr>
+        <p:spPr>
+          <a:xfrm>
+            <a:off x="6169660" y="5473700"/>
+            <a:ext cx="4511675" cy="446405"/>
+          </a:xfrm>
+          <a:prstGeom prst="rect">
+            <a:avLst/>
+          </a:prstGeom>
+          <a:noFill/>
+          <a:ln>
+            <a:noFill/>
+          </a:ln>
+        </p:spPr>
+        <p:txBody>
+          <a:bodyPr vert="horz" wrap="square" lIns="91440" tIns="45720" rIns="91440" bIns="45720" numCol="1" anchor="t" anchorCtr="0" compatLnSpc="1"/>
+          <a:lstStyle>
+            <a:lvl1pPr marL="571500" indent="-571500" algn="l" rtl="0" eaLnBrk="0" fontAlgn="base" hangingPunct="0">
+              <a:spcBef>
+                <a:spcPct val="20000"/>
+              </a:spcBef>
+              <a:spcAft>
+                <a:spcPct val="0"/>
+              </a:spcAft>
+              <a:buFont typeface="Arial" panose="020B0604020202020204" pitchFamily="34" charset="0"/>
+              <a:buChar char="•"/>
+              <a:defRPr sz="2400" kern="1200">
+                <a:solidFill>
+                  <a:schemeClr val="bg1"/>
+                </a:solidFill>
+                <a:latin typeface="+mn-lt"/>
+                <a:ea typeface="+mn-ea"/>
+                <a:cs typeface="+mn-cs"/>
+              </a:defRPr>
+            </a:lvl1pPr>
+            <a:lvl2pPr marL="1179830" indent="-571500" algn="l" rtl="0" eaLnBrk="0" fontAlgn="base" hangingPunct="0">
+              <a:spcBef>
+                <a:spcPct val="20000"/>
+              </a:spcBef>
+              <a:spcAft>
+                <a:spcPct val="0"/>
+              </a:spcAft>
+              <a:buFont typeface="Arial" panose="020B0604020202020204" pitchFamily="34" charset="0"/>
+              <a:buChar char="•"/>
+              <a:defRPr sz="2000" kern="1200">
+                <a:solidFill>
+                  <a:schemeClr val="bg1"/>
+                </a:solidFill>
+                <a:latin typeface="+mn-lt"/>
+                <a:ea typeface="+mn-ea"/>
+                <a:cs typeface="+mn-cs"/>
+              </a:defRPr>
+            </a:lvl2pPr>
+            <a:lvl3pPr marL="1675130" indent="-457200" algn="l" rtl="0" eaLnBrk="0" fontAlgn="base" hangingPunct="0">
+              <a:spcBef>
+                <a:spcPct val="20000"/>
+              </a:spcBef>
+              <a:spcAft>
+                <a:spcPct val="0"/>
+              </a:spcAft>
+              <a:buFont typeface="Arial" panose="020B0604020202020204" pitchFamily="34" charset="0"/>
+              <a:buChar char="•"/>
+              <a:defRPr kern="1200">
+                <a:solidFill>
+                  <a:schemeClr val="bg1"/>
+                </a:solidFill>
+                <a:latin typeface="+mn-lt"/>
+                <a:ea typeface="+mn-ea"/>
+                <a:cs typeface="+mn-cs"/>
+              </a:defRPr>
+            </a:lvl3pPr>
+            <a:lvl4pPr marL="2284730" indent="-457200" algn="l" rtl="0" eaLnBrk="0" fontAlgn="base" hangingPunct="0">
+              <a:spcBef>
+                <a:spcPct val="20000"/>
+              </a:spcBef>
+              <a:spcAft>
+                <a:spcPct val="0"/>
+              </a:spcAft>
+              <a:buFont typeface="Arial" panose="020B0604020202020204" pitchFamily="34" charset="0"/>
+              <a:buChar char="•"/>
+              <a:defRPr kern="1200">
+                <a:solidFill>
+                  <a:schemeClr val="bg1"/>
+                </a:solidFill>
+                <a:latin typeface="+mn-lt"/>
+                <a:ea typeface="+mn-ea"/>
+                <a:cs typeface="+mn-cs"/>
+              </a:defRPr>
+            </a:lvl4pPr>
+            <a:lvl5pPr marL="2894330" indent="-457200" algn="l" rtl="0" eaLnBrk="0" fontAlgn="base" hangingPunct="0">
+              <a:spcBef>
+                <a:spcPct val="20000"/>
+              </a:spcBef>
+              <a:spcAft>
+                <a:spcPct val="0"/>
+              </a:spcAft>
+              <a:buFont typeface="Arial" panose="020B0604020202020204" pitchFamily="34" charset="0"/>
+              <a:buChar char="•"/>
+              <a:defRPr kern="1200">
+                <a:solidFill>
+                  <a:schemeClr val="bg1"/>
+                </a:solidFill>
+                <a:latin typeface="+mn-lt"/>
+                <a:ea typeface="+mn-ea"/>
+                <a:cs typeface="+mn-cs"/>
+              </a:defRPr>
+            </a:lvl5pPr>
+            <a:lvl6pPr marL="3352800" indent="-304800" algn="l" defTabSz="1218565" rtl="0" eaLnBrk="1" latinLnBrk="0" hangingPunct="1">
+              <a:spcBef>
+                <a:spcPct val="20000"/>
+              </a:spcBef>
+              <a:buFont typeface="Arial" panose="020B0604020202020204" pitchFamily="34" charset="0"/>
+              <a:buChar char="•"/>
+              <a:defRPr sz="2665" kern="1200">
+                <a:solidFill>
+                  <a:schemeClr val="tx1"/>
+                </a:solidFill>
+                <a:latin typeface="+mn-lt"/>
+                <a:ea typeface="+mn-ea"/>
+                <a:cs typeface="+mn-cs"/>
+              </a:defRPr>
+            </a:lvl6pPr>
+            <a:lvl7pPr marL="3962400" indent="-304800" algn="l" defTabSz="1218565" rtl="0" eaLnBrk="1" latinLnBrk="0" hangingPunct="1">
+              <a:spcBef>
+                <a:spcPct val="20000"/>
+              </a:spcBef>
+              <a:buFont typeface="Arial" panose="020B0604020202020204" pitchFamily="34" charset="0"/>
+              <a:buChar char="•"/>
+              <a:defRPr sz="2665" kern="1200">
+                <a:solidFill>
+                  <a:schemeClr val="tx1"/>
+                </a:solidFill>
+                <a:latin typeface="+mn-lt"/>
+                <a:ea typeface="+mn-ea"/>
+                <a:cs typeface="+mn-cs"/>
+              </a:defRPr>
+            </a:lvl7pPr>
+            <a:lvl8pPr marL="4572000" indent="-304800" algn="l" defTabSz="1218565" rtl="0" eaLnBrk="1" latinLnBrk="0" hangingPunct="1">
+              <a:spcBef>
+                <a:spcPct val="20000"/>
+              </a:spcBef>
+              <a:buFont typeface="Arial" panose="020B0604020202020204" pitchFamily="34" charset="0"/>
+              <a:buChar char="•"/>
+              <a:defRPr sz="2665" kern="1200">
+                <a:solidFill>
+                  <a:schemeClr val="tx1"/>
+                </a:solidFill>
+                <a:latin typeface="+mn-lt"/>
+                <a:ea typeface="+mn-ea"/>
+                <a:cs typeface="+mn-cs"/>
+              </a:defRPr>
+            </a:lvl8pPr>
+            <a:lvl9pPr marL="5181600" indent="-304800" algn="l" defTabSz="1218565" rtl="0" eaLnBrk="1" latinLnBrk="0" hangingPunct="1">
+              <a:spcBef>
+                <a:spcPct val="20000"/>
+              </a:spcBef>
+              <a:buFont typeface="Arial" panose="020B0604020202020204" pitchFamily="34" charset="0"/>
+              <a:buChar char="•"/>
+              <a:defRPr sz="2665" kern="1200">
+                <a:solidFill>
+                  <a:schemeClr val="tx1"/>
+                </a:solidFill>
+                <a:latin typeface="+mn-lt"/>
+                <a:ea typeface="+mn-ea"/>
+                <a:cs typeface="+mn-cs"/>
+              </a:defRPr>
+            </a:lvl9pPr>
+          </a:lstStyle>
+          <a:p>
+            <a:pPr marL="0" indent="0" algn="l">
+              <a:buNone/>
+            </a:pPr>
+            <a:r>
+              <a:rPr sz="2000"/>
+              <a:t>v-show has higher initial render costs</a:t>
+            </a:r>
+            <a:endParaRPr sz="2000"/>
+          </a:p>
+        </p:txBody>
+      </p:sp>
+      <p:sp>
+        <p:nvSpPr>
+          <p:cNvPr id="21" name="文本占位符 11"/>
+          <p:cNvSpPr>
+            <a:spLocks noGrp="1"/>
+          </p:cNvSpPr>
+          <p:nvPr/>
+        </p:nvSpPr>
+        <p:spPr>
+          <a:xfrm>
+            <a:off x="6156325" y="6025515"/>
+            <a:ext cx="5236210" cy="446405"/>
+          </a:xfrm>
+          <a:prstGeom prst="rect">
+            <a:avLst/>
+          </a:prstGeom>
+          <a:noFill/>
+          <a:ln>
+            <a:noFill/>
+          </a:ln>
+          <a:effectLst>
+            <a:reflection stA="45000" endPos="0" dir="5400000" sy="-100000" algn="bl" rotWithShape="0"/>
+          </a:effectLst>
+        </p:spPr>
+        <p:txBody>
+          <a:bodyPr vert="horz" wrap="square" lIns="91440" tIns="45720" rIns="91440" bIns="45720" numCol="1" anchor="t" anchorCtr="0" compatLnSpc="1"/>
+          <a:lstStyle>
+            <a:lvl1pPr marL="571500" indent="-571500" algn="l" rtl="0" eaLnBrk="0" fontAlgn="base" hangingPunct="0">
+              <a:spcBef>
+                <a:spcPct val="20000"/>
+              </a:spcBef>
+              <a:spcAft>
+                <a:spcPct val="0"/>
+              </a:spcAft>
+              <a:buFont typeface="Arial" panose="020B0604020202020204" pitchFamily="34" charset="0"/>
+              <a:buChar char="•"/>
+              <a:defRPr sz="2400" kern="1200">
+                <a:solidFill>
+                  <a:schemeClr val="bg1"/>
+                </a:solidFill>
+                <a:latin typeface="+mn-lt"/>
+                <a:ea typeface="+mn-ea"/>
+                <a:cs typeface="+mn-cs"/>
+              </a:defRPr>
+            </a:lvl1pPr>
+            <a:lvl2pPr marL="1179830" indent="-571500" algn="l" rtl="0" eaLnBrk="0" fontAlgn="base" hangingPunct="0">
+              <a:spcBef>
+                <a:spcPct val="20000"/>
+              </a:spcBef>
+              <a:spcAft>
+                <a:spcPct val="0"/>
+              </a:spcAft>
+              <a:buFont typeface="Arial" panose="020B0604020202020204" pitchFamily="34" charset="0"/>
+              <a:buChar char="•"/>
+              <a:defRPr sz="2000" kern="1200">
+                <a:solidFill>
+                  <a:schemeClr val="bg1"/>
+                </a:solidFill>
+                <a:latin typeface="+mn-lt"/>
+                <a:ea typeface="+mn-ea"/>
+                <a:cs typeface="+mn-cs"/>
+              </a:defRPr>
+            </a:lvl2pPr>
+            <a:lvl3pPr marL="1675130" indent="-457200" algn="l" rtl="0" eaLnBrk="0" fontAlgn="base" hangingPunct="0">
+              <a:spcBef>
+                <a:spcPct val="20000"/>
+              </a:spcBef>
+              <a:spcAft>
+                <a:spcPct val="0"/>
+              </a:spcAft>
+              <a:buFont typeface="Arial" panose="020B0604020202020204" pitchFamily="34" charset="0"/>
+              <a:buChar char="•"/>
+              <a:defRPr kern="1200">
+                <a:solidFill>
+                  <a:schemeClr val="bg1"/>
+                </a:solidFill>
+                <a:latin typeface="+mn-lt"/>
+                <a:ea typeface="+mn-ea"/>
+                <a:cs typeface="+mn-cs"/>
+              </a:defRPr>
+            </a:lvl3pPr>
+            <a:lvl4pPr marL="2284730" indent="-457200" algn="l" rtl="0" eaLnBrk="0" fontAlgn="base" hangingPunct="0">
+              <a:spcBef>
+                <a:spcPct val="20000"/>
+              </a:spcBef>
+              <a:spcAft>
+                <a:spcPct val="0"/>
+              </a:spcAft>
+              <a:buFont typeface="Arial" panose="020B0604020202020204" pitchFamily="34" charset="0"/>
+              <a:buChar char="•"/>
+              <a:defRPr kern="1200">
+                <a:solidFill>
+                  <a:schemeClr val="bg1"/>
+                </a:solidFill>
+                <a:latin typeface="+mn-lt"/>
+                <a:ea typeface="+mn-ea"/>
+                <a:cs typeface="+mn-cs"/>
+              </a:defRPr>
+            </a:lvl4pPr>
+            <a:lvl5pPr marL="2894330" indent="-457200" algn="l" rtl="0" eaLnBrk="0" fontAlgn="base" hangingPunct="0">
+              <a:spcBef>
+                <a:spcPct val="20000"/>
+              </a:spcBef>
+              <a:spcAft>
+                <a:spcPct val="0"/>
+              </a:spcAft>
+              <a:buFont typeface="Arial" panose="020B0604020202020204" pitchFamily="34" charset="0"/>
+              <a:buChar char="•"/>
+              <a:defRPr kern="1200">
+                <a:solidFill>
+                  <a:schemeClr val="bg1"/>
+                </a:solidFill>
+                <a:latin typeface="+mn-lt"/>
+                <a:ea typeface="+mn-ea"/>
+                <a:cs typeface="+mn-cs"/>
+              </a:defRPr>
+            </a:lvl5pPr>
+            <a:lvl6pPr marL="3352800" indent="-304800" algn="l" defTabSz="1218565" rtl="0" eaLnBrk="1" latinLnBrk="0" hangingPunct="1">
+              <a:spcBef>
+                <a:spcPct val="20000"/>
+              </a:spcBef>
+              <a:buFont typeface="Arial" panose="020B0604020202020204" pitchFamily="34" charset="0"/>
+              <a:buChar char="•"/>
+              <a:defRPr sz="2665" kern="1200">
+                <a:solidFill>
+                  <a:schemeClr val="tx1"/>
+                </a:solidFill>
+                <a:latin typeface="+mn-lt"/>
+                <a:ea typeface="+mn-ea"/>
+                <a:cs typeface="+mn-cs"/>
+              </a:defRPr>
+            </a:lvl6pPr>
+            <a:lvl7pPr marL="3962400" indent="-304800" algn="l" defTabSz="1218565" rtl="0" eaLnBrk="1" latinLnBrk="0" hangingPunct="1">
+              <a:spcBef>
+                <a:spcPct val="20000"/>
+              </a:spcBef>
+              <a:buFont typeface="Arial" panose="020B0604020202020204" pitchFamily="34" charset="0"/>
+              <a:buChar char="•"/>
+              <a:defRPr sz="2665" kern="1200">
+                <a:solidFill>
+                  <a:schemeClr val="tx1"/>
+                </a:solidFill>
+                <a:latin typeface="+mn-lt"/>
+                <a:ea typeface="+mn-ea"/>
+                <a:cs typeface="+mn-cs"/>
+              </a:defRPr>
+            </a:lvl7pPr>
+            <a:lvl8pPr marL="4572000" indent="-304800" algn="l" defTabSz="1218565" rtl="0" eaLnBrk="1" latinLnBrk="0" hangingPunct="1">
+              <a:spcBef>
+                <a:spcPct val="20000"/>
+              </a:spcBef>
+              <a:buFont typeface="Arial" panose="020B0604020202020204" pitchFamily="34" charset="0"/>
+              <a:buChar char="•"/>
+              <a:defRPr sz="2665" kern="1200">
+                <a:solidFill>
+                  <a:schemeClr val="tx1"/>
+                </a:solidFill>
+                <a:latin typeface="+mn-lt"/>
+                <a:ea typeface="+mn-ea"/>
+                <a:cs typeface="+mn-cs"/>
+              </a:defRPr>
+            </a:lvl8pPr>
+            <a:lvl9pPr marL="5181600" indent="-304800" algn="l" defTabSz="1218565" rtl="0" eaLnBrk="1" latinLnBrk="0" hangingPunct="1">
+              <a:spcBef>
+                <a:spcPct val="20000"/>
+              </a:spcBef>
+              <a:buFont typeface="Arial" panose="020B0604020202020204" pitchFamily="34" charset="0"/>
+              <a:buChar char="•"/>
+              <a:defRPr sz="2665" kern="1200">
+                <a:solidFill>
+                  <a:schemeClr val="tx1"/>
+                </a:solidFill>
+                <a:latin typeface="+mn-lt"/>
+                <a:ea typeface="+mn-ea"/>
+                <a:cs typeface="+mn-cs"/>
+              </a:defRPr>
+            </a:lvl9pPr>
+          </a:lstStyle>
+          <a:p>
+            <a:pPr marL="0" indent="0" algn="l">
+              <a:buNone/>
+            </a:pPr>
+            <a:r>
+              <a:rPr sz="2000" u="sng"/>
+              <a:t>prefer v-show if you need to toggle something very often</a:t>
+            </a:r>
+            <a:endParaRPr sz="2000" u="sng"/>
+          </a:p>
+        </p:txBody>
+      </p:sp>
+      <p:sp>
+        <p:nvSpPr>
+          <p:cNvPr id="22" name="文本占位符 11"/>
+          <p:cNvSpPr>
+            <a:spLocks noGrp="1"/>
+          </p:cNvSpPr>
+          <p:nvPr/>
+        </p:nvSpPr>
+        <p:spPr>
+          <a:xfrm>
+            <a:off x="380365" y="6009005"/>
+            <a:ext cx="5236210" cy="446405"/>
+          </a:xfrm>
+          <a:prstGeom prst="rect">
+            <a:avLst/>
+          </a:prstGeom>
+          <a:noFill/>
+          <a:ln>
+            <a:noFill/>
+          </a:ln>
+          <a:effectLst>
+            <a:reflection stA="45000" endPos="0" dir="5400000" sy="-100000" algn="bl" rotWithShape="0"/>
+          </a:effectLst>
+        </p:spPr>
+        <p:txBody>
+          <a:bodyPr vert="horz" wrap="square" lIns="91440" tIns="45720" rIns="91440" bIns="45720" numCol="1" anchor="t" anchorCtr="0" compatLnSpc="1"/>
+          <a:lstStyle>
+            <a:lvl1pPr marL="571500" indent="-571500" algn="l" rtl="0" eaLnBrk="0" fontAlgn="base" hangingPunct="0">
+              <a:spcBef>
+                <a:spcPct val="20000"/>
+              </a:spcBef>
+              <a:spcAft>
+                <a:spcPct val="0"/>
+              </a:spcAft>
+              <a:buFont typeface="Arial" panose="020B0604020202020204" pitchFamily="34" charset="0"/>
+              <a:buChar char="•"/>
+              <a:defRPr sz="2400" kern="1200">
+                <a:solidFill>
+                  <a:schemeClr val="bg1"/>
+                </a:solidFill>
+                <a:latin typeface="+mn-lt"/>
+                <a:ea typeface="+mn-ea"/>
+                <a:cs typeface="+mn-cs"/>
+              </a:defRPr>
+            </a:lvl1pPr>
+            <a:lvl2pPr marL="1179830" indent="-571500" algn="l" rtl="0" eaLnBrk="0" fontAlgn="base" hangingPunct="0">
+              <a:spcBef>
+                <a:spcPct val="20000"/>
+              </a:spcBef>
+              <a:spcAft>
+                <a:spcPct val="0"/>
+              </a:spcAft>
+              <a:buFont typeface="Arial" panose="020B0604020202020204" pitchFamily="34" charset="0"/>
+              <a:buChar char="•"/>
+              <a:defRPr sz="2000" kern="1200">
+                <a:solidFill>
+                  <a:schemeClr val="bg1"/>
+                </a:solidFill>
+                <a:latin typeface="+mn-lt"/>
+                <a:ea typeface="+mn-ea"/>
+                <a:cs typeface="+mn-cs"/>
+              </a:defRPr>
+            </a:lvl2pPr>
+            <a:lvl3pPr marL="1675130" indent="-457200" algn="l" rtl="0" eaLnBrk="0" fontAlgn="base" hangingPunct="0">
+              <a:spcBef>
+                <a:spcPct val="20000"/>
+              </a:spcBef>
+              <a:spcAft>
+                <a:spcPct val="0"/>
+              </a:spcAft>
+              <a:buFont typeface="Arial" panose="020B0604020202020204" pitchFamily="34" charset="0"/>
+              <a:buChar char="•"/>
+              <a:defRPr kern="1200">
+                <a:solidFill>
+                  <a:schemeClr val="bg1"/>
+                </a:solidFill>
+                <a:latin typeface="+mn-lt"/>
+                <a:ea typeface="+mn-ea"/>
+                <a:cs typeface="+mn-cs"/>
+              </a:defRPr>
+            </a:lvl3pPr>
+            <a:lvl4pPr marL="2284730" indent="-457200" algn="l" rtl="0" eaLnBrk="0" fontAlgn="base" hangingPunct="0">
+              <a:spcBef>
+                <a:spcPct val="20000"/>
+              </a:spcBef>
+              <a:spcAft>
+                <a:spcPct val="0"/>
+              </a:spcAft>
+              <a:buFont typeface="Arial" panose="020B0604020202020204" pitchFamily="34" charset="0"/>
+              <a:buChar char="•"/>
+              <a:defRPr kern="1200">
+                <a:solidFill>
+                  <a:schemeClr val="bg1"/>
+                </a:solidFill>
+                <a:latin typeface="+mn-lt"/>
+                <a:ea typeface="+mn-ea"/>
+                <a:cs typeface="+mn-cs"/>
+              </a:defRPr>
+            </a:lvl4pPr>
+            <a:lvl5pPr marL="2894330" indent="-457200" algn="l" rtl="0" eaLnBrk="0" fontAlgn="base" hangingPunct="0">
+              <a:spcBef>
+                <a:spcPct val="20000"/>
+              </a:spcBef>
+              <a:spcAft>
+                <a:spcPct val="0"/>
+              </a:spcAft>
+              <a:buFont typeface="Arial" panose="020B0604020202020204" pitchFamily="34" charset="0"/>
+              <a:buChar char="•"/>
+              <a:defRPr kern="1200">
+                <a:solidFill>
+                  <a:schemeClr val="bg1"/>
+                </a:solidFill>
+                <a:latin typeface="+mn-lt"/>
+                <a:ea typeface="+mn-ea"/>
+                <a:cs typeface="+mn-cs"/>
+              </a:defRPr>
+            </a:lvl5pPr>
+            <a:lvl6pPr marL="3352800" indent="-304800" algn="l" defTabSz="1218565" rtl="0" eaLnBrk="1" latinLnBrk="0" hangingPunct="1">
+              <a:spcBef>
+                <a:spcPct val="20000"/>
+              </a:spcBef>
+              <a:buFont typeface="Arial" panose="020B0604020202020204" pitchFamily="34" charset="0"/>
+              <a:buChar char="•"/>
+              <a:defRPr sz="2665" kern="1200">
+                <a:solidFill>
+                  <a:schemeClr val="tx1"/>
+                </a:solidFill>
+                <a:latin typeface="+mn-lt"/>
+                <a:ea typeface="+mn-ea"/>
+                <a:cs typeface="+mn-cs"/>
+              </a:defRPr>
+            </a:lvl6pPr>
+            <a:lvl7pPr marL="3962400" indent="-304800" algn="l" defTabSz="1218565" rtl="0" eaLnBrk="1" latinLnBrk="0" hangingPunct="1">
+              <a:spcBef>
+                <a:spcPct val="20000"/>
+              </a:spcBef>
+              <a:buFont typeface="Arial" panose="020B0604020202020204" pitchFamily="34" charset="0"/>
+              <a:buChar char="•"/>
+              <a:defRPr sz="2665" kern="1200">
+                <a:solidFill>
+                  <a:schemeClr val="tx1"/>
+                </a:solidFill>
+                <a:latin typeface="+mn-lt"/>
+                <a:ea typeface="+mn-ea"/>
+                <a:cs typeface="+mn-cs"/>
+              </a:defRPr>
+            </a:lvl7pPr>
+            <a:lvl8pPr marL="4572000" indent="-304800" algn="l" defTabSz="1218565" rtl="0" eaLnBrk="1" latinLnBrk="0" hangingPunct="1">
+              <a:spcBef>
+                <a:spcPct val="20000"/>
+              </a:spcBef>
+              <a:buFont typeface="Arial" panose="020B0604020202020204" pitchFamily="34" charset="0"/>
+              <a:buChar char="•"/>
+              <a:defRPr sz="2665" kern="1200">
+                <a:solidFill>
+                  <a:schemeClr val="tx1"/>
+                </a:solidFill>
+                <a:latin typeface="+mn-lt"/>
+                <a:ea typeface="+mn-ea"/>
+                <a:cs typeface="+mn-cs"/>
+              </a:defRPr>
+            </a:lvl8pPr>
+            <a:lvl9pPr marL="5181600" indent="-304800" algn="l" defTabSz="1218565" rtl="0" eaLnBrk="1" latinLnBrk="0" hangingPunct="1">
+              <a:spcBef>
+                <a:spcPct val="20000"/>
+              </a:spcBef>
+              <a:buFont typeface="Arial" panose="020B0604020202020204" pitchFamily="34" charset="0"/>
+              <a:buChar char="•"/>
+              <a:defRPr sz="2665" kern="1200">
+                <a:solidFill>
+                  <a:schemeClr val="tx1"/>
+                </a:solidFill>
+                <a:latin typeface="+mn-lt"/>
+                <a:ea typeface="+mn-ea"/>
+                <a:cs typeface="+mn-cs"/>
+              </a:defRPr>
+            </a:lvl9pPr>
+          </a:lstStyle>
+          <a:p>
+            <a:pPr marL="0" indent="0" algn="l">
+              <a:buNone/>
+            </a:pPr>
+            <a:r>
+              <a:rPr sz="2000" u="sng"/>
+              <a:t>prefer v-if if the condition is unlikely to change at runtime</a:t>
+            </a:r>
+            <a:endParaRPr sz="2000" u="sng"/>
+          </a:p>
+        </p:txBody>
+      </p:sp>
+    </p:spTree>
+    <p:custDataLst>
+      <p:tags r:id="rId1"/>
     </p:custDataLst>
   </p:cSld>
   <p:clrMapOvr>
@@ -19494,6 +22188,32 @@
   <p:tag name="KSO_WM_SLIDE_INDEX" val="6"/>
   <p:tag name="KSO_WM_SLIDE_ITEM_CNT" val="0"/>
   <p:tag name="KSO_WM_SLIDE_TYPE" val="contents"/>
+  <p:tag name="KSO_WM_BEAUTIFY_FLAG" val="#wm#"/>
+</p:tagLst>
+</file>
+
+<file path=ppt/tags/tag34.xml><?xml version="1.0" encoding="utf-8"?>
+<p:tagLst xmlns:p="http://schemas.openxmlformats.org/presentationml/2006/main">
+  <p:tag name="KSO_WM_TEMPLATE_CATEGORY" val="basetag"/>
+  <p:tag name="KSO_WM_TEMPLATE_INDEX" val="20161347"/>
+  <p:tag name="KSO_WM_TAG_VERSION" val="1.0"/>
+  <p:tag name="KSO_WM_SLIDE_ID" val="basetag20161347_6"/>
+  <p:tag name="KSO_WM_SLIDE_INDEX" val="6"/>
+  <p:tag name="KSO_WM_SLIDE_ITEM_CNT" val="0"/>
+  <p:tag name="KSO_WM_SLIDE_TYPE" val="contents"/>
+  <p:tag name="KSO_WM_BEAUTIFY_FLAG" val="#wm#"/>
+</p:tagLst>
+</file>
+
+<file path=ppt/tags/tag35.xml><?xml version="1.0" encoding="utf-8"?>
+<p:tagLst xmlns:p="http://schemas.openxmlformats.org/presentationml/2006/main">
+  <p:tag name="KSO_WM_TEMPLATE_CATEGORY" val="basetag"/>
+  <p:tag name="KSO_WM_TEMPLATE_INDEX" val="20161347"/>
+  <p:tag name="KSO_WM_TAG_VERSION" val="1.0"/>
+  <p:tag name="KSO_WM_SLIDE_ID" val="basetag20161347_3"/>
+  <p:tag name="KSO_WM_SLIDE_INDEX" val="3"/>
+  <p:tag name="KSO_WM_SLIDE_ITEM_CNT" val="0"/>
+  <p:tag name="KSO_WM_SLIDE_TYPE" val="text"/>
   <p:tag name="KSO_WM_BEAUTIFY_FLAG" val="#wm#"/>
 </p:tagLst>
 </file>

--- a/vue/成稿.pptx
+++ b/vue/成稿.pptx
@@ -41,6 +41,9 @@
     <p:sldId id="770" r:id="rId34"/>
     <p:sldId id="783" r:id="rId35"/>
     <p:sldId id="784" r:id="rId36"/>
+    <p:sldId id="787" r:id="rId37"/>
+    <p:sldId id="788" r:id="rId38"/>
+    <p:sldId id="789" r:id="rId39"/>
   </p:sldIdLst>
   <p:sldSz cx="12192000" cy="6858000"/>
   <p:notesSz cx="7103745" cy="10234295"/>
@@ -20275,6 +20278,731 @@
 </p:sld>
 </file>
 
+<file path=ppt/slides/slide33.xml><?xml version="1.0" encoding="utf-8"?>
+<p:sld xmlns:a="http://schemas.openxmlformats.org/drawingml/2006/main" xmlns:r="http://schemas.openxmlformats.org/officeDocument/2006/relationships" xmlns:p="http://schemas.openxmlformats.org/presentationml/2006/main">
+  <p:cSld>
+    <p:spTree>
+      <p:nvGrpSpPr>
+        <p:cNvPr id="1" name=""/>
+        <p:cNvGrpSpPr/>
+        <p:nvPr/>
+      </p:nvGrpSpPr>
+      <p:grpSpPr>
+        <a:xfrm>
+          <a:off x="0" y="0"/>
+          <a:ext cx="0" cy="0"/>
+          <a:chOff x="0" y="0"/>
+          <a:chExt cx="0" cy="0"/>
+        </a:xfrm>
+      </p:grpSpPr>
+      <p:sp>
+        <p:nvSpPr>
+          <p:cNvPr id="2" name="标题 1"/>
+          <p:cNvSpPr/>
+          <p:nvPr>
+            <p:ph type="ctrTitle"/>
+          </p:nvPr>
+        </p:nvSpPr>
+        <p:spPr>
+          <a:xfrm>
+            <a:off x="3229806" y="490390"/>
+            <a:ext cx="5973688" cy="707916"/>
+          </a:xfrm>
+        </p:spPr>
+        <p:txBody>
+          <a:bodyPr/>
+          <a:p>
+            <a:r>
+              <a:rPr lang="zh-CN" altLang="en-US"/>
+              <a:t>列表渲染</a:t>
+            </a:r>
+            <a:br>
+              <a:rPr lang="zh-CN" altLang="en-US"/>
+            </a:br>
+            <a:r>
+              <a:rPr lang="en-US" altLang="zh-CN"/>
+              <a:t>List</a:t>
+            </a:r>
+            <a:r>
+              <a:rPr lang="en-US" altLang="zh-CN"/>
+              <a:t> Rendering</a:t>
+            </a:r>
+            <a:endParaRPr lang="en-US" altLang="zh-CN"/>
+          </a:p>
+        </p:txBody>
+      </p:sp>
+      <p:sp>
+        <p:nvSpPr>
+          <p:cNvPr id="4" name="文本框 3"/>
+          <p:cNvSpPr txBox="1"/>
+          <p:nvPr/>
+        </p:nvSpPr>
+        <p:spPr>
+          <a:xfrm>
+            <a:off x="27940" y="2269490"/>
+            <a:ext cx="12136755" cy="1198880"/>
+          </a:xfrm>
+          <a:prstGeom prst="rect">
+            <a:avLst/>
+          </a:prstGeom>
+          <a:noFill/>
+        </p:spPr>
+        <p:txBody>
+          <a:bodyPr wrap="square" rtlCol="0">
+            <a:spAutoFit/>
+          </a:bodyPr>
+          <a:p>
+            <a:pPr algn="l"/>
+            <a:r>
+              <a:rPr lang="en-US" altLang="zh-CN" sz="3600">
+                <a:solidFill>
+                  <a:schemeClr val="bg1"/>
+                </a:solidFill>
+              </a:rPr>
+              <a:t>1</a:t>
+            </a:r>
+            <a:r>
+              <a:rPr lang="zh-CN" altLang="en-US" sz="3600">
+                <a:solidFill>
+                  <a:schemeClr val="bg1"/>
+                </a:solidFill>
+              </a:rPr>
+              <a:t>、</a:t>
+            </a:r>
+            <a:r>
+              <a:rPr lang="en-US" sz="3600">
+                <a:solidFill>
+                  <a:schemeClr val="bg1"/>
+                </a:solidFill>
+              </a:rPr>
+              <a:t>v-for </a:t>
+            </a:r>
+            <a:r>
+              <a:rPr lang="zh-CN" sz="3600">
+                <a:solidFill>
+                  <a:schemeClr val="bg1"/>
+                </a:solidFill>
+              </a:rPr>
+              <a:t>遍历数组</a:t>
+            </a:r>
+            <a:endParaRPr lang="zh-CN" sz="3600">
+              <a:solidFill>
+                <a:schemeClr val="bg1"/>
+              </a:solidFill>
+            </a:endParaRPr>
+          </a:p>
+          <a:p>
+            <a:pPr algn="l"/>
+            <a:r>
+              <a:rPr lang="en-US" altLang="zh-CN" sz="3600">
+                <a:solidFill>
+                  <a:schemeClr val="bg1"/>
+                </a:solidFill>
+              </a:rPr>
+              <a:t>2</a:t>
+            </a:r>
+            <a:r>
+              <a:rPr lang="zh-CN" altLang="en-US" sz="3600">
+                <a:solidFill>
+                  <a:schemeClr val="bg1"/>
+                </a:solidFill>
+              </a:rPr>
+              <a:t>、</a:t>
+            </a:r>
+            <a:r>
+              <a:rPr lang="en-US" sz="3600">
+                <a:solidFill>
+                  <a:schemeClr val="bg1"/>
+                </a:solidFill>
+                <a:sym typeface="+mn-ea"/>
+              </a:rPr>
+              <a:t>v-for </a:t>
+            </a:r>
+            <a:r>
+              <a:rPr lang="zh-CN" sz="3600">
+                <a:solidFill>
+                  <a:schemeClr val="bg1"/>
+                </a:solidFill>
+                <a:sym typeface="+mn-ea"/>
+              </a:rPr>
+              <a:t>遍历对象</a:t>
+            </a:r>
+            <a:endParaRPr lang="en-US" altLang="zh-CN" sz="3600">
+              <a:solidFill>
+                <a:schemeClr val="bg1"/>
+              </a:solidFill>
+            </a:endParaRPr>
+          </a:p>
+        </p:txBody>
+      </p:sp>
+    </p:spTree>
+    <p:custDataLst>
+      <p:tags r:id="rId1"/>
+    </p:custDataLst>
+  </p:cSld>
+  <p:clrMapOvr>
+    <a:masterClrMapping/>
+  </p:clrMapOvr>
+</p:sld>
+</file>
+
+<file path=ppt/slides/slide34.xml><?xml version="1.0" encoding="utf-8"?>
+<p:sld xmlns:a="http://schemas.openxmlformats.org/drawingml/2006/main" xmlns:r="http://schemas.openxmlformats.org/officeDocument/2006/relationships" xmlns:p="http://schemas.openxmlformats.org/presentationml/2006/main">
+  <p:cSld>
+    <p:spTree>
+      <p:nvGrpSpPr>
+        <p:cNvPr id="1" name=""/>
+        <p:cNvGrpSpPr/>
+        <p:nvPr/>
+      </p:nvGrpSpPr>
+      <p:grpSpPr>
+        <a:xfrm>
+          <a:off x="0" y="0"/>
+          <a:ext cx="0" cy="0"/>
+          <a:chOff x="0" y="0"/>
+          <a:chExt cx="0" cy="0"/>
+        </a:xfrm>
+      </p:grpSpPr>
+      <p:sp>
+        <p:nvSpPr>
+          <p:cNvPr id="2" name="标题 1"/>
+          <p:cNvSpPr/>
+          <p:nvPr>
+            <p:ph type="ctrTitle"/>
+          </p:nvPr>
+        </p:nvSpPr>
+        <p:spPr>
+          <a:xfrm>
+            <a:off x="3229806" y="490390"/>
+            <a:ext cx="5973688" cy="707916"/>
+          </a:xfrm>
+        </p:spPr>
+        <p:txBody>
+          <a:bodyPr/>
+          <a:p>
+            <a:r>
+              <a:rPr lang="zh-CN" altLang="en-US"/>
+              <a:t>列表渲染</a:t>
+            </a:r>
+            <a:br>
+              <a:rPr lang="zh-CN" altLang="en-US"/>
+            </a:br>
+            <a:r>
+              <a:rPr lang="en-US" altLang="zh-CN"/>
+              <a:t>List Rendering</a:t>
+            </a:r>
+            <a:endParaRPr lang="en-US" altLang="zh-CN"/>
+          </a:p>
+        </p:txBody>
+      </p:sp>
+      <p:sp>
+        <p:nvSpPr>
+          <p:cNvPr id="4" name="文本框 3"/>
+          <p:cNvSpPr txBox="1"/>
+          <p:nvPr/>
+        </p:nvSpPr>
+        <p:spPr>
+          <a:xfrm>
+            <a:off x="27940" y="2269490"/>
+            <a:ext cx="12136755" cy="2306955"/>
+          </a:xfrm>
+          <a:prstGeom prst="rect">
+            <a:avLst/>
+          </a:prstGeom>
+          <a:noFill/>
+        </p:spPr>
+        <p:txBody>
+          <a:bodyPr wrap="square" rtlCol="0">
+            <a:spAutoFit/>
+          </a:bodyPr>
+          <a:p>
+            <a:pPr algn="l"/>
+            <a:r>
+              <a:rPr lang="en-US" altLang="zh-CN" sz="3600">
+                <a:solidFill>
+                  <a:schemeClr val="bg1"/>
+                </a:solidFill>
+              </a:rPr>
+              <a:t>1</a:t>
+            </a:r>
+            <a:r>
+              <a:rPr lang="zh-CN" altLang="en-US" sz="3600">
+                <a:solidFill>
+                  <a:schemeClr val="bg1"/>
+                </a:solidFill>
+              </a:rPr>
+              <a:t>、</a:t>
+            </a:r>
+            <a:r>
+              <a:rPr lang="en-US" sz="3600">
+                <a:solidFill>
+                  <a:schemeClr val="bg1"/>
+                </a:solidFill>
+              </a:rPr>
+              <a:t>v-for </a:t>
+            </a:r>
+            <a:r>
+              <a:rPr lang="zh-CN" sz="3600">
+                <a:solidFill>
+                  <a:schemeClr val="bg1"/>
+                </a:solidFill>
+              </a:rPr>
+              <a:t>遍历数组</a:t>
+            </a:r>
+            <a:endParaRPr lang="zh-CN" sz="3600">
+              <a:solidFill>
+                <a:schemeClr val="bg1"/>
+              </a:solidFill>
+            </a:endParaRPr>
+          </a:p>
+          <a:p>
+            <a:pPr algn="l"/>
+            <a:r>
+              <a:rPr lang="en-US" altLang="zh-CN" sz="3600">
+                <a:solidFill>
+                  <a:schemeClr val="bg1"/>
+                </a:solidFill>
+              </a:rPr>
+              <a:t>2</a:t>
+            </a:r>
+            <a:r>
+              <a:rPr lang="zh-CN" altLang="en-US" sz="3600">
+                <a:solidFill>
+                  <a:schemeClr val="bg1"/>
+                </a:solidFill>
+              </a:rPr>
+              <a:t>、</a:t>
+            </a:r>
+            <a:r>
+              <a:rPr lang="zh-CN" sz="3600">
+                <a:solidFill>
+                  <a:schemeClr val="bg1"/>
+                </a:solidFill>
+              </a:rPr>
+              <a:t>数组变动侦测</a:t>
+            </a:r>
+            <a:endParaRPr lang="zh-CN" sz="3600">
+              <a:solidFill>
+                <a:schemeClr val="bg1"/>
+              </a:solidFill>
+            </a:endParaRPr>
+          </a:p>
+          <a:p>
+            <a:pPr algn="l"/>
+            <a:r>
+              <a:rPr lang="en-US" altLang="zh-CN" sz="3600">
+                <a:solidFill>
+                  <a:schemeClr val="bg1"/>
+                </a:solidFill>
+              </a:rPr>
+              <a:t>3</a:t>
+            </a:r>
+            <a:r>
+              <a:rPr lang="zh-CN" altLang="en-US" sz="3600">
+                <a:solidFill>
+                  <a:schemeClr val="bg1"/>
+                </a:solidFill>
+              </a:rPr>
+              <a:t>、</a:t>
+            </a:r>
+            <a:r>
+              <a:rPr lang="en-US" sz="3600">
+                <a:solidFill>
+                  <a:schemeClr val="bg1"/>
+                </a:solidFill>
+                <a:sym typeface="+mn-ea"/>
+              </a:rPr>
+              <a:t>v-for </a:t>
+            </a:r>
+            <a:r>
+              <a:rPr lang="zh-CN" sz="3600">
+                <a:solidFill>
+                  <a:schemeClr val="bg1"/>
+                </a:solidFill>
+                <a:sym typeface="+mn-ea"/>
+              </a:rPr>
+              <a:t>遍历对象</a:t>
+            </a:r>
+            <a:endParaRPr lang="zh-CN" sz="3600">
+              <a:solidFill>
+                <a:schemeClr val="bg1"/>
+              </a:solidFill>
+              <a:sym typeface="+mn-ea"/>
+            </a:endParaRPr>
+          </a:p>
+          <a:p>
+            <a:pPr algn="l"/>
+            <a:r>
+              <a:rPr lang="en-US" altLang="zh-CN" sz="3600">
+                <a:solidFill>
+                  <a:schemeClr val="bg1"/>
+                </a:solidFill>
+              </a:rPr>
+              <a:t>4</a:t>
+            </a:r>
+            <a:r>
+              <a:rPr lang="zh-CN" altLang="zh-CN" sz="3600">
+                <a:solidFill>
+                  <a:schemeClr val="bg1"/>
+                </a:solidFill>
+              </a:rPr>
+              <a:t>、</a:t>
+            </a:r>
+            <a:r>
+              <a:rPr lang="en-US" altLang="zh-CN" sz="3600">
+                <a:solidFill>
+                  <a:schemeClr val="bg1"/>
+                </a:solidFill>
+              </a:rPr>
+              <a:t>v-for </a:t>
+            </a:r>
+            <a:r>
+              <a:rPr lang="zh-CN" altLang="zh-CN" sz="3600">
+                <a:solidFill>
+                  <a:schemeClr val="bg1"/>
+                </a:solidFill>
+              </a:rPr>
+              <a:t>优先级高于</a:t>
+            </a:r>
+            <a:r>
+              <a:rPr lang="en-US" altLang="zh-CN" sz="3600">
+                <a:solidFill>
+                  <a:schemeClr val="bg1"/>
+                </a:solidFill>
+              </a:rPr>
+              <a:t>v-if</a:t>
+            </a:r>
+            <a:endParaRPr lang="en-US" altLang="zh-CN" sz="3600">
+              <a:solidFill>
+                <a:schemeClr val="bg1"/>
+              </a:solidFill>
+            </a:endParaRPr>
+          </a:p>
+        </p:txBody>
+      </p:sp>
+      <p:pic>
+        <p:nvPicPr>
+          <p:cNvPr id="5" name="图片 4"/>
+          <p:cNvPicPr>
+            <a:picLocks noChangeAspect="1"/>
+          </p:cNvPicPr>
+          <p:nvPr/>
+        </p:nvPicPr>
+        <p:blipFill>
+          <a:blip r:embed="rId1"/>
+          <a:stretch>
+            <a:fillRect/>
+          </a:stretch>
+        </p:blipFill>
+        <p:spPr>
+          <a:xfrm>
+            <a:off x="8526145" y="3064510"/>
+            <a:ext cx="3456940" cy="3676015"/>
+          </a:xfrm>
+          <a:prstGeom prst="rect">
+            <a:avLst/>
+          </a:prstGeom>
+        </p:spPr>
+      </p:pic>
+    </p:spTree>
+    <p:custDataLst>
+      <p:tags r:id="rId2"/>
+    </p:custDataLst>
+  </p:cSld>
+  <p:clrMapOvr>
+    <a:masterClrMapping/>
+  </p:clrMapOvr>
+</p:sld>
+</file>
+
+<file path=ppt/slides/slide35.xml><?xml version="1.0" encoding="utf-8"?>
+<p:sld xmlns:a="http://schemas.openxmlformats.org/drawingml/2006/main" xmlns:r="http://schemas.openxmlformats.org/officeDocument/2006/relationships" xmlns:p="http://schemas.openxmlformats.org/presentationml/2006/main">
+  <p:cSld>
+    <p:spTree>
+      <p:nvGrpSpPr>
+        <p:cNvPr id="1" name=""/>
+        <p:cNvGrpSpPr/>
+        <p:nvPr/>
+      </p:nvGrpSpPr>
+      <p:grpSpPr>
+        <a:xfrm>
+          <a:off x="0" y="0"/>
+          <a:ext cx="0" cy="0"/>
+          <a:chOff x="0" y="0"/>
+          <a:chExt cx="0" cy="0"/>
+        </a:xfrm>
+      </p:grpSpPr>
+      <p:sp>
+        <p:nvSpPr>
+          <p:cNvPr id="2" name="标题 1"/>
+          <p:cNvSpPr/>
+          <p:nvPr>
+            <p:ph type="ctrTitle"/>
+          </p:nvPr>
+        </p:nvSpPr>
+        <p:spPr>
+          <a:xfrm>
+            <a:off x="3229806" y="490390"/>
+            <a:ext cx="5973688" cy="707916"/>
+          </a:xfrm>
+        </p:spPr>
+        <p:txBody>
+          <a:bodyPr/>
+          <a:p>
+            <a:r>
+              <a:t>Array Change Detection</a:t>
+            </a:r>
+          </a:p>
+        </p:txBody>
+      </p:sp>
+      <p:sp>
+        <p:nvSpPr>
+          <p:cNvPr id="4" name="文本框 3"/>
+          <p:cNvSpPr txBox="1"/>
+          <p:nvPr/>
+        </p:nvSpPr>
+        <p:spPr>
+          <a:xfrm>
+            <a:off x="1079500" y="1865630"/>
+            <a:ext cx="3930015" cy="4523105"/>
+          </a:xfrm>
+          <a:prstGeom prst="rect">
+            <a:avLst/>
+          </a:prstGeom>
+          <a:noFill/>
+        </p:spPr>
+        <p:txBody>
+          <a:bodyPr wrap="square" rtlCol="0">
+            <a:spAutoFit/>
+          </a:bodyPr>
+          <a:p>
+            <a:pPr algn="l"/>
+            <a:r>
+              <a:rPr lang="zh-CN" sz="3600">
+                <a:solidFill>
+                  <a:schemeClr val="bg1"/>
+                </a:solidFill>
+              </a:rPr>
+              <a:t>改变原始数组：</a:t>
+            </a:r>
+            <a:endParaRPr lang="zh-CN" sz="3600">
+              <a:solidFill>
+                <a:schemeClr val="bg1"/>
+              </a:solidFill>
+            </a:endParaRPr>
+          </a:p>
+          <a:p>
+            <a:pPr algn="l"/>
+            <a:r>
+              <a:rPr sz="3600">
+                <a:solidFill>
+                  <a:schemeClr val="bg1"/>
+                </a:solidFill>
+              </a:rPr>
+              <a:t>push()</a:t>
+            </a:r>
+            <a:endParaRPr sz="3600">
+              <a:solidFill>
+                <a:schemeClr val="bg1"/>
+              </a:solidFill>
+            </a:endParaRPr>
+          </a:p>
+          <a:p>
+            <a:pPr algn="l"/>
+            <a:r>
+              <a:rPr sz="3600">
+                <a:solidFill>
+                  <a:schemeClr val="bg1"/>
+                </a:solidFill>
+              </a:rPr>
+              <a:t>pop()</a:t>
+            </a:r>
+            <a:endParaRPr sz="3600">
+              <a:solidFill>
+                <a:schemeClr val="bg1"/>
+              </a:solidFill>
+            </a:endParaRPr>
+          </a:p>
+          <a:p>
+            <a:pPr algn="l"/>
+            <a:r>
+              <a:rPr sz="3600">
+                <a:solidFill>
+                  <a:schemeClr val="bg1"/>
+                </a:solidFill>
+              </a:rPr>
+              <a:t>shift()</a:t>
+            </a:r>
+            <a:endParaRPr sz="3600">
+              <a:solidFill>
+                <a:schemeClr val="bg1"/>
+              </a:solidFill>
+            </a:endParaRPr>
+          </a:p>
+          <a:p>
+            <a:pPr algn="l"/>
+            <a:r>
+              <a:rPr sz="3600">
+                <a:solidFill>
+                  <a:schemeClr val="bg1"/>
+                </a:solidFill>
+              </a:rPr>
+              <a:t>unshift()</a:t>
+            </a:r>
+            <a:endParaRPr sz="3600">
+              <a:solidFill>
+                <a:schemeClr val="bg1"/>
+              </a:solidFill>
+            </a:endParaRPr>
+          </a:p>
+          <a:p>
+            <a:pPr algn="l"/>
+            <a:r>
+              <a:rPr sz="3600">
+                <a:solidFill>
+                  <a:schemeClr val="bg1"/>
+                </a:solidFill>
+              </a:rPr>
+              <a:t>splice()</a:t>
+            </a:r>
+            <a:endParaRPr sz="3600">
+              <a:solidFill>
+                <a:schemeClr val="bg1"/>
+              </a:solidFill>
+            </a:endParaRPr>
+          </a:p>
+          <a:p>
+            <a:pPr algn="l"/>
+            <a:r>
+              <a:rPr sz="3600">
+                <a:solidFill>
+                  <a:schemeClr val="bg1"/>
+                </a:solidFill>
+              </a:rPr>
+              <a:t>sort()</a:t>
+            </a:r>
+            <a:endParaRPr sz="3600">
+              <a:solidFill>
+                <a:schemeClr val="bg1"/>
+              </a:solidFill>
+            </a:endParaRPr>
+          </a:p>
+          <a:p>
+            <a:pPr algn="l"/>
+            <a:r>
+              <a:rPr sz="3600">
+                <a:solidFill>
+                  <a:schemeClr val="bg1"/>
+                </a:solidFill>
+              </a:rPr>
+              <a:t>reverse()</a:t>
+            </a:r>
+            <a:endParaRPr sz="3600">
+              <a:solidFill>
+                <a:schemeClr val="bg1"/>
+              </a:solidFill>
+            </a:endParaRPr>
+          </a:p>
+        </p:txBody>
+      </p:sp>
+      <p:sp>
+        <p:nvSpPr>
+          <p:cNvPr id="5" name="文本框 4"/>
+          <p:cNvSpPr txBox="1"/>
+          <p:nvPr/>
+        </p:nvSpPr>
+        <p:spPr>
+          <a:xfrm>
+            <a:off x="6282690" y="1865630"/>
+            <a:ext cx="3930015" cy="2306955"/>
+          </a:xfrm>
+          <a:prstGeom prst="rect">
+            <a:avLst/>
+          </a:prstGeom>
+          <a:noFill/>
+        </p:spPr>
+        <p:txBody>
+          <a:bodyPr wrap="square" rtlCol="0">
+            <a:spAutoFit/>
+          </a:bodyPr>
+          <a:p>
+            <a:pPr algn="l"/>
+            <a:r>
+              <a:rPr lang="zh-CN" sz="3600">
+                <a:solidFill>
+                  <a:schemeClr val="bg1"/>
+                </a:solidFill>
+                <a:sym typeface="+mn-ea"/>
+              </a:rPr>
+              <a:t>返回新数组：</a:t>
+            </a:r>
+            <a:endParaRPr sz="3600">
+              <a:solidFill>
+                <a:srgbClr val="FFFF00"/>
+              </a:solidFill>
+            </a:endParaRPr>
+          </a:p>
+          <a:p>
+            <a:pPr algn="l"/>
+            <a:r>
+              <a:rPr sz="3600">
+                <a:solidFill>
+                  <a:srgbClr val="FFFF00"/>
+                </a:solidFill>
+              </a:rPr>
+              <a:t>filter()</a:t>
+            </a:r>
+            <a:endParaRPr sz="3600">
+              <a:solidFill>
+                <a:srgbClr val="FFFF00"/>
+              </a:solidFill>
+            </a:endParaRPr>
+          </a:p>
+          <a:p>
+            <a:pPr algn="l"/>
+            <a:r>
+              <a:rPr sz="3600">
+                <a:solidFill>
+                  <a:srgbClr val="FFFF00"/>
+                </a:solidFill>
+              </a:rPr>
+              <a:t>concat()</a:t>
+            </a:r>
+            <a:endParaRPr sz="3600">
+              <a:solidFill>
+                <a:srgbClr val="FFFF00"/>
+              </a:solidFill>
+            </a:endParaRPr>
+          </a:p>
+          <a:p>
+            <a:pPr algn="l"/>
+            <a:r>
+              <a:rPr sz="3600">
+                <a:solidFill>
+                  <a:srgbClr val="FFFF00"/>
+                </a:solidFill>
+              </a:rPr>
+              <a:t>slice()</a:t>
+            </a:r>
+            <a:endParaRPr sz="3600">
+              <a:solidFill>
+                <a:srgbClr val="FFFF00"/>
+              </a:solidFill>
+            </a:endParaRPr>
+          </a:p>
+        </p:txBody>
+      </p:sp>
+    </p:spTree>
+    <p:custDataLst>
+      <p:tags r:id="rId1"/>
+    </p:custDataLst>
+  </p:cSld>
+  <p:clrMapOvr>
+    <a:masterClrMapping/>
+  </p:clrMapOvr>
+</p:sld>
+</file>
+
 <file path=ppt/slides/slide4.xml><?xml version="1.0" encoding="utf-8"?>
 <p:sld xmlns:a="http://schemas.openxmlformats.org/drawingml/2006/main" xmlns:r="http://schemas.openxmlformats.org/officeDocument/2006/relationships" xmlns:p="http://schemas.openxmlformats.org/presentationml/2006/main">
   <p:cSld>
@@ -22214,6 +22942,45 @@
   <p:tag name="KSO_WM_SLIDE_INDEX" val="3"/>
   <p:tag name="KSO_WM_SLIDE_ITEM_CNT" val="0"/>
   <p:tag name="KSO_WM_SLIDE_TYPE" val="text"/>
+  <p:tag name="KSO_WM_BEAUTIFY_FLAG" val="#wm#"/>
+</p:tagLst>
+</file>
+
+<file path=ppt/tags/tag36.xml><?xml version="1.0" encoding="utf-8"?>
+<p:tagLst xmlns:p="http://schemas.openxmlformats.org/presentationml/2006/main">
+  <p:tag name="KSO_WM_TEMPLATE_CATEGORY" val="basetag"/>
+  <p:tag name="KSO_WM_TEMPLATE_INDEX" val="20161347"/>
+  <p:tag name="KSO_WM_TAG_VERSION" val="1.0"/>
+  <p:tag name="KSO_WM_SLIDE_ID" val="basetag20161347_6"/>
+  <p:tag name="KSO_WM_SLIDE_INDEX" val="6"/>
+  <p:tag name="KSO_WM_SLIDE_ITEM_CNT" val="0"/>
+  <p:tag name="KSO_WM_SLIDE_TYPE" val="contents"/>
+  <p:tag name="KSO_WM_BEAUTIFY_FLAG" val="#wm#"/>
+</p:tagLst>
+</file>
+
+<file path=ppt/tags/tag37.xml><?xml version="1.0" encoding="utf-8"?>
+<p:tagLst xmlns:p="http://schemas.openxmlformats.org/presentationml/2006/main">
+  <p:tag name="KSO_WM_TEMPLATE_CATEGORY" val="basetag"/>
+  <p:tag name="KSO_WM_TEMPLATE_INDEX" val="20161347"/>
+  <p:tag name="KSO_WM_TAG_VERSION" val="1.0"/>
+  <p:tag name="KSO_WM_SLIDE_ID" val="basetag20161347_6"/>
+  <p:tag name="KSO_WM_SLIDE_INDEX" val="6"/>
+  <p:tag name="KSO_WM_SLIDE_ITEM_CNT" val="0"/>
+  <p:tag name="KSO_WM_SLIDE_TYPE" val="contents"/>
+  <p:tag name="KSO_WM_BEAUTIFY_FLAG" val="#wm#"/>
+</p:tagLst>
+</file>
+
+<file path=ppt/tags/tag38.xml><?xml version="1.0" encoding="utf-8"?>
+<p:tagLst xmlns:p="http://schemas.openxmlformats.org/presentationml/2006/main">
+  <p:tag name="KSO_WM_TEMPLATE_CATEGORY" val="basetag"/>
+  <p:tag name="KSO_WM_TEMPLATE_INDEX" val="20161347"/>
+  <p:tag name="KSO_WM_TAG_VERSION" val="1.0"/>
+  <p:tag name="KSO_WM_SLIDE_ID" val="basetag20161347_6"/>
+  <p:tag name="KSO_WM_SLIDE_INDEX" val="6"/>
+  <p:tag name="KSO_WM_SLIDE_ITEM_CNT" val="0"/>
+  <p:tag name="KSO_WM_SLIDE_TYPE" val="contents"/>
   <p:tag name="KSO_WM_BEAUTIFY_FLAG" val="#wm#"/>
 </p:tagLst>
 </file>
